--- a/Vorstellung_Dashboards.pptx
+++ b/Vorstellung_Dashboards.pptx
@@ -5,21 +5,31 @@
     <p:sldMasterId id="2147483759" r:id="rId5"/>
   </p:sldMasterIdLst>
   <p:notesMasterIdLst>
-    <p:notesMasterId r:id="rId15"/>
+    <p:notesMasterId r:id="rId25"/>
   </p:notesMasterIdLst>
   <p:handoutMasterIdLst>
-    <p:handoutMasterId r:id="rId16"/>
+    <p:handoutMasterId r:id="rId26"/>
   </p:handoutMasterIdLst>
   <p:sldIdLst>
     <p:sldId id="256" r:id="rId6"/>
     <p:sldId id="260" r:id="rId7"/>
     <p:sldId id="261" r:id="rId8"/>
-    <p:sldId id="265" r:id="rId9"/>
-    <p:sldId id="263" r:id="rId10"/>
-    <p:sldId id="266" r:id="rId11"/>
-    <p:sldId id="264" r:id="rId12"/>
-    <p:sldId id="262" r:id="rId13"/>
-    <p:sldId id="259" r:id="rId14"/>
+    <p:sldId id="267" r:id="rId9"/>
+    <p:sldId id="268" r:id="rId10"/>
+    <p:sldId id="269" r:id="rId11"/>
+    <p:sldId id="274" r:id="rId12"/>
+    <p:sldId id="275" r:id="rId13"/>
+    <p:sldId id="276" r:id="rId14"/>
+    <p:sldId id="277" r:id="rId15"/>
+    <p:sldId id="270" r:id="rId16"/>
+    <p:sldId id="265" r:id="rId17"/>
+    <p:sldId id="271" r:id="rId18"/>
+    <p:sldId id="263" r:id="rId19"/>
+    <p:sldId id="272" r:id="rId20"/>
+    <p:sldId id="266" r:id="rId21"/>
+    <p:sldId id="264" r:id="rId22"/>
+    <p:sldId id="273" r:id="rId23"/>
+    <p:sldId id="259" r:id="rId24"/>
   </p:sldIdLst>
   <p:sldSz cx="9144000" cy="5143500" type="screen16x9"/>
   <p:notesSz cx="6797675" cy="9926638"/>
@@ -274,7 +284,7 @@
           <a:p>
             <a:fld id="{6806D817-3994-4971-B565-5A5AEF8361A3}" type="datetimeFigureOut">
               <a:rPr lang="de-DE" smtClean="0"/>
-              <a:t>02.04.2019</a:t>
+              <a:t>03.04.2019</a:t>
             </a:fld>
             <a:endParaRPr lang="de-DE" dirty="0"/>
           </a:p>
@@ -440,7 +450,7 @@
           <a:p>
             <a:fld id="{AA74A6CF-22D4-41F7-8890-C09F01966A50}" type="datetimeFigureOut">
               <a:rPr lang="de-DE" smtClean="0"/>
-              <a:t>02.04.2019</a:t>
+              <a:t>03.04.2019</a:t>
             </a:fld>
             <a:endParaRPr lang="de-DE" dirty="0"/>
           </a:p>
@@ -793,6 +803,834 @@
 </p:notes>
 </file>
 
+<file path=ppt/notesSlides/notesSlide10.xml><?xml version="1.0" encoding="utf-8"?>
+<p:notes xmlns:a="http://schemas.openxmlformats.org/drawingml/2006/main" xmlns:r="http://schemas.openxmlformats.org/officeDocument/2006/relationships" xmlns:p="http://schemas.openxmlformats.org/presentationml/2006/main">
+  <p:cSld>
+    <p:spTree>
+      <p:nvGrpSpPr>
+        <p:cNvPr id="1" name=""/>
+        <p:cNvGrpSpPr/>
+        <p:nvPr/>
+      </p:nvGrpSpPr>
+      <p:grpSpPr>
+        <a:xfrm>
+          <a:off x="0" y="0"/>
+          <a:ext cx="0" cy="0"/>
+          <a:chOff x="0" y="0"/>
+          <a:chExt cx="0" cy="0"/>
+        </a:xfrm>
+      </p:grpSpPr>
+      <p:sp>
+        <p:nvSpPr>
+          <p:cNvPr id="2" name="Folienbildplatzhalter 1"/>
+          <p:cNvSpPr>
+            <a:spLocks noGrp="1" noRot="1" noChangeAspect="1"/>
+          </p:cNvSpPr>
+          <p:nvPr>
+            <p:ph type="sldImg"/>
+          </p:nvPr>
+        </p:nvSpPr>
+        <p:spPr/>
+      </p:sp>
+      <p:sp>
+        <p:nvSpPr>
+          <p:cNvPr id="3" name="Notizenplatzhalter 2"/>
+          <p:cNvSpPr>
+            <a:spLocks noGrp="1"/>
+          </p:cNvSpPr>
+          <p:nvPr>
+            <p:ph type="body" idx="1"/>
+          </p:nvPr>
+        </p:nvSpPr>
+        <p:spPr/>
+        <p:txBody>
+          <a:bodyPr/>
+          <a:lstStyle/>
+          <a:p>
+            <a:endParaRPr lang="de-DE" dirty="0"/>
+          </a:p>
+        </p:txBody>
+      </p:sp>
+      <p:sp>
+        <p:nvSpPr>
+          <p:cNvPr id="4" name="Foliennummernplatzhalter 3"/>
+          <p:cNvSpPr>
+            <a:spLocks noGrp="1"/>
+          </p:cNvSpPr>
+          <p:nvPr>
+            <p:ph type="sldNum" sz="quarter" idx="10"/>
+          </p:nvPr>
+        </p:nvSpPr>
+        <p:spPr/>
+        <p:txBody>
+          <a:bodyPr/>
+          <a:lstStyle/>
+          <a:p>
+            <a:fld id="{A6C2F262-D285-47CB-B9F5-19A0DFE7B67E}" type="slidenum">
+              <a:rPr lang="de-DE" smtClean="0"/>
+              <a:t>11</a:t>
+            </a:fld>
+            <a:endParaRPr lang="de-DE" dirty="0"/>
+          </a:p>
+        </p:txBody>
+      </p:sp>
+    </p:spTree>
+    <p:extLst>
+      <p:ext uri="{BB962C8B-B14F-4D97-AF65-F5344CB8AC3E}">
+        <p14:creationId xmlns:p14="http://schemas.microsoft.com/office/powerpoint/2010/main" val="1827987419"/>
+      </p:ext>
+    </p:extLst>
+  </p:cSld>
+  <p:clrMapOvr>
+    <a:masterClrMapping/>
+  </p:clrMapOvr>
+</p:notes>
+</file>
+
+<file path=ppt/notesSlides/notesSlide11.xml><?xml version="1.0" encoding="utf-8"?>
+<p:notes xmlns:a="http://schemas.openxmlformats.org/drawingml/2006/main" xmlns:r="http://schemas.openxmlformats.org/officeDocument/2006/relationships" xmlns:p="http://schemas.openxmlformats.org/presentationml/2006/main">
+  <p:cSld>
+    <p:spTree>
+      <p:nvGrpSpPr>
+        <p:cNvPr id="1" name=""/>
+        <p:cNvGrpSpPr/>
+        <p:nvPr/>
+      </p:nvGrpSpPr>
+      <p:grpSpPr>
+        <a:xfrm>
+          <a:off x="0" y="0"/>
+          <a:ext cx="0" cy="0"/>
+          <a:chOff x="0" y="0"/>
+          <a:chExt cx="0" cy="0"/>
+        </a:xfrm>
+      </p:grpSpPr>
+      <p:sp>
+        <p:nvSpPr>
+          <p:cNvPr id="2" name="Folienbildplatzhalter 1"/>
+          <p:cNvSpPr>
+            <a:spLocks noGrp="1" noRot="1" noChangeAspect="1"/>
+          </p:cNvSpPr>
+          <p:nvPr>
+            <p:ph type="sldImg"/>
+          </p:nvPr>
+        </p:nvSpPr>
+        <p:spPr/>
+      </p:sp>
+      <p:sp>
+        <p:nvSpPr>
+          <p:cNvPr id="3" name="Notizenplatzhalter 2"/>
+          <p:cNvSpPr>
+            <a:spLocks noGrp="1"/>
+          </p:cNvSpPr>
+          <p:nvPr>
+            <p:ph type="body" idx="1"/>
+          </p:nvPr>
+        </p:nvSpPr>
+        <p:spPr/>
+        <p:txBody>
+          <a:bodyPr/>
+          <a:lstStyle/>
+          <a:p>
+            <a:pPr marL="228600" indent="-228600">
+              <a:buAutoNum type="arabicPeriod"/>
+            </a:pPr>
+            <a:r>
+              <a:rPr lang="de-DE" dirty="0" smtClean="0"/>
+              <a:t>Einen </a:t>
+            </a:r>
+            <a:r>
+              <a:rPr lang="de-DE" dirty="0" err="1" smtClean="0"/>
+              <a:t>step</a:t>
+            </a:r>
+            <a:r>
+              <a:rPr lang="de-DE" dirty="0" smtClean="0"/>
+              <a:t> weiter als bloße </a:t>
+            </a:r>
+            <a:r>
+              <a:rPr lang="de-DE" dirty="0" err="1" smtClean="0"/>
+              <a:t>tabelle</a:t>
+            </a:r>
+            <a:r>
+              <a:rPr lang="de-DE" dirty="0" smtClean="0"/>
+              <a:t> vergleichen: CSV-Export</a:t>
+            </a:r>
+          </a:p>
+          <a:p>
+            <a:pPr marL="228600" indent="-228600">
+              <a:buAutoNum type="arabicPeriod"/>
+            </a:pPr>
+            <a:r>
+              <a:rPr lang="de-DE" dirty="0" smtClean="0"/>
+              <a:t>Nur MM!</a:t>
+            </a:r>
+            <a:endParaRPr lang="de-DE" dirty="0"/>
+          </a:p>
+        </p:txBody>
+      </p:sp>
+      <p:sp>
+        <p:nvSpPr>
+          <p:cNvPr id="4" name="Foliennummernplatzhalter 3"/>
+          <p:cNvSpPr>
+            <a:spLocks noGrp="1"/>
+          </p:cNvSpPr>
+          <p:nvPr>
+            <p:ph type="sldNum" sz="quarter" idx="10"/>
+          </p:nvPr>
+        </p:nvSpPr>
+        <p:spPr/>
+        <p:txBody>
+          <a:bodyPr/>
+          <a:lstStyle/>
+          <a:p>
+            <a:fld id="{A6C2F262-D285-47CB-B9F5-19A0DFE7B67E}" type="slidenum">
+              <a:rPr lang="de-DE" smtClean="0"/>
+              <a:t>13</a:t>
+            </a:fld>
+            <a:endParaRPr lang="de-DE" dirty="0"/>
+          </a:p>
+        </p:txBody>
+      </p:sp>
+    </p:spTree>
+    <p:extLst>
+      <p:ext uri="{BB962C8B-B14F-4D97-AF65-F5344CB8AC3E}">
+        <p14:creationId xmlns:p14="http://schemas.microsoft.com/office/powerpoint/2010/main" val="2742955930"/>
+      </p:ext>
+    </p:extLst>
+  </p:cSld>
+  <p:clrMapOvr>
+    <a:masterClrMapping/>
+  </p:clrMapOvr>
+</p:notes>
+</file>
+
+<file path=ppt/notesSlides/notesSlide12.xml><?xml version="1.0" encoding="utf-8"?>
+<p:notes xmlns:a="http://schemas.openxmlformats.org/drawingml/2006/main" xmlns:r="http://schemas.openxmlformats.org/officeDocument/2006/relationships" xmlns:p="http://schemas.openxmlformats.org/presentationml/2006/main">
+  <p:cSld>
+    <p:spTree>
+      <p:nvGrpSpPr>
+        <p:cNvPr id="1" name=""/>
+        <p:cNvGrpSpPr/>
+        <p:nvPr/>
+      </p:nvGrpSpPr>
+      <p:grpSpPr>
+        <a:xfrm>
+          <a:off x="0" y="0"/>
+          <a:ext cx="0" cy="0"/>
+          <a:chOff x="0" y="0"/>
+          <a:chExt cx="0" cy="0"/>
+        </a:xfrm>
+      </p:grpSpPr>
+      <p:sp>
+        <p:nvSpPr>
+          <p:cNvPr id="2" name="Folienbildplatzhalter 1"/>
+          <p:cNvSpPr>
+            <a:spLocks noGrp="1" noRot="1" noChangeAspect="1"/>
+          </p:cNvSpPr>
+          <p:nvPr>
+            <p:ph type="sldImg"/>
+          </p:nvPr>
+        </p:nvSpPr>
+        <p:spPr/>
+      </p:sp>
+      <p:sp>
+        <p:nvSpPr>
+          <p:cNvPr id="3" name="Notizenplatzhalter 2"/>
+          <p:cNvSpPr>
+            <a:spLocks noGrp="1"/>
+          </p:cNvSpPr>
+          <p:nvPr>
+            <p:ph type="body" idx="1"/>
+          </p:nvPr>
+        </p:nvSpPr>
+        <p:spPr/>
+        <p:txBody>
+          <a:bodyPr/>
+          <a:lstStyle/>
+          <a:p>
+            <a:pPr marL="273050" lvl="1" indent="0">
+              <a:buFont typeface="Arial" panose="020B0604020202020204" pitchFamily="34" charset="0"/>
+              <a:buNone/>
+            </a:pPr>
+            <a:r>
+              <a:rPr lang="de-DE" dirty="0" smtClean="0"/>
+              <a:t>Nur MM erstmal</a:t>
+            </a:r>
+          </a:p>
+          <a:p>
+            <a:pPr marL="273050" lvl="1" indent="0">
+              <a:buFont typeface="Arial" panose="020B0604020202020204" pitchFamily="34" charset="0"/>
+              <a:buNone/>
+            </a:pPr>
+            <a:r>
+              <a:rPr lang="de-DE" dirty="0" smtClean="0"/>
+              <a:t>kann auch zu späteren Zeitpunkten erneut abgeholt werden, oder gelöscht. Ebenfalls mit Authentifizierung</a:t>
+            </a:r>
+          </a:p>
+        </p:txBody>
+      </p:sp>
+      <p:sp>
+        <p:nvSpPr>
+          <p:cNvPr id="4" name="Foliennummernplatzhalter 3"/>
+          <p:cNvSpPr>
+            <a:spLocks noGrp="1"/>
+          </p:cNvSpPr>
+          <p:nvPr>
+            <p:ph type="sldNum" sz="quarter" idx="10"/>
+          </p:nvPr>
+        </p:nvSpPr>
+        <p:spPr/>
+        <p:txBody>
+          <a:bodyPr/>
+          <a:lstStyle/>
+          <a:p>
+            <a:fld id="{A6C2F262-D285-47CB-B9F5-19A0DFE7B67E}" type="slidenum">
+              <a:rPr lang="de-DE" smtClean="0"/>
+              <a:t>14</a:t>
+            </a:fld>
+            <a:endParaRPr lang="de-DE" dirty="0"/>
+          </a:p>
+        </p:txBody>
+      </p:sp>
+    </p:spTree>
+    <p:extLst>
+      <p:ext uri="{BB962C8B-B14F-4D97-AF65-F5344CB8AC3E}">
+        <p14:creationId xmlns:p14="http://schemas.microsoft.com/office/powerpoint/2010/main" val="2742955930"/>
+      </p:ext>
+    </p:extLst>
+  </p:cSld>
+  <p:clrMapOvr>
+    <a:masterClrMapping/>
+  </p:clrMapOvr>
+</p:notes>
+</file>
+
+<file path=ppt/notesSlides/notesSlide13.xml><?xml version="1.0" encoding="utf-8"?>
+<p:notes xmlns:a="http://schemas.openxmlformats.org/drawingml/2006/main" xmlns:r="http://schemas.openxmlformats.org/officeDocument/2006/relationships" xmlns:p="http://schemas.openxmlformats.org/presentationml/2006/main">
+  <p:cSld>
+    <p:spTree>
+      <p:nvGrpSpPr>
+        <p:cNvPr id="1" name=""/>
+        <p:cNvGrpSpPr/>
+        <p:nvPr/>
+      </p:nvGrpSpPr>
+      <p:grpSpPr>
+        <a:xfrm>
+          <a:off x="0" y="0"/>
+          <a:ext cx="0" cy="0"/>
+          <a:chOff x="0" y="0"/>
+          <a:chExt cx="0" cy="0"/>
+        </a:xfrm>
+      </p:grpSpPr>
+      <p:sp>
+        <p:nvSpPr>
+          <p:cNvPr id="2" name="Folienbildplatzhalter 1"/>
+          <p:cNvSpPr>
+            <a:spLocks noGrp="1" noRot="1" noChangeAspect="1"/>
+          </p:cNvSpPr>
+          <p:nvPr>
+            <p:ph type="sldImg"/>
+          </p:nvPr>
+        </p:nvSpPr>
+        <p:spPr/>
+      </p:sp>
+      <p:sp>
+        <p:nvSpPr>
+          <p:cNvPr id="3" name="Notizenplatzhalter 2"/>
+          <p:cNvSpPr>
+            <a:spLocks noGrp="1"/>
+          </p:cNvSpPr>
+          <p:nvPr>
+            <p:ph type="body" idx="1"/>
+          </p:nvPr>
+        </p:nvSpPr>
+        <p:spPr/>
+        <p:txBody>
+          <a:bodyPr/>
+          <a:lstStyle/>
+          <a:p>
+            <a:pPr marL="273050" lvl="1" indent="0">
+              <a:buFont typeface="Arial" panose="020B0604020202020204" pitchFamily="34" charset="0"/>
+              <a:buNone/>
+            </a:pPr>
+            <a:endParaRPr lang="de-DE" dirty="0" smtClean="0"/>
+          </a:p>
+        </p:txBody>
+      </p:sp>
+      <p:sp>
+        <p:nvSpPr>
+          <p:cNvPr id="4" name="Foliennummernplatzhalter 3"/>
+          <p:cNvSpPr>
+            <a:spLocks noGrp="1"/>
+          </p:cNvSpPr>
+          <p:nvPr>
+            <p:ph type="sldNum" sz="quarter" idx="10"/>
+          </p:nvPr>
+        </p:nvSpPr>
+        <p:spPr/>
+        <p:txBody>
+          <a:bodyPr/>
+          <a:lstStyle/>
+          <a:p>
+            <a:fld id="{A6C2F262-D285-47CB-B9F5-19A0DFE7B67E}" type="slidenum">
+              <a:rPr lang="de-DE" smtClean="0"/>
+              <a:t>15</a:t>
+            </a:fld>
+            <a:endParaRPr lang="de-DE" dirty="0"/>
+          </a:p>
+        </p:txBody>
+      </p:sp>
+    </p:spTree>
+    <p:extLst>
+      <p:ext uri="{BB962C8B-B14F-4D97-AF65-F5344CB8AC3E}">
+        <p14:creationId xmlns:p14="http://schemas.microsoft.com/office/powerpoint/2010/main" val="2742955930"/>
+      </p:ext>
+    </p:extLst>
+  </p:cSld>
+  <p:clrMapOvr>
+    <a:masterClrMapping/>
+  </p:clrMapOvr>
+</p:notes>
+</file>
+
+<file path=ppt/notesSlides/notesSlide14.xml><?xml version="1.0" encoding="utf-8"?>
+<p:notes xmlns:a="http://schemas.openxmlformats.org/drawingml/2006/main" xmlns:r="http://schemas.openxmlformats.org/officeDocument/2006/relationships" xmlns:p="http://schemas.openxmlformats.org/presentationml/2006/main">
+  <p:cSld>
+    <p:spTree>
+      <p:nvGrpSpPr>
+        <p:cNvPr id="1" name=""/>
+        <p:cNvGrpSpPr/>
+        <p:nvPr/>
+      </p:nvGrpSpPr>
+      <p:grpSpPr>
+        <a:xfrm>
+          <a:off x="0" y="0"/>
+          <a:ext cx="0" cy="0"/>
+          <a:chOff x="0" y="0"/>
+          <a:chExt cx="0" cy="0"/>
+        </a:xfrm>
+      </p:grpSpPr>
+      <p:sp>
+        <p:nvSpPr>
+          <p:cNvPr id="2" name="Folienbildplatzhalter 1"/>
+          <p:cNvSpPr>
+            <a:spLocks noGrp="1" noRot="1" noChangeAspect="1"/>
+          </p:cNvSpPr>
+          <p:nvPr>
+            <p:ph type="sldImg"/>
+          </p:nvPr>
+        </p:nvSpPr>
+        <p:spPr/>
+      </p:sp>
+      <p:sp>
+        <p:nvSpPr>
+          <p:cNvPr id="3" name="Notizenplatzhalter 2"/>
+          <p:cNvSpPr>
+            <a:spLocks noGrp="1"/>
+          </p:cNvSpPr>
+          <p:nvPr>
+            <p:ph type="body" idx="1"/>
+          </p:nvPr>
+        </p:nvSpPr>
+        <p:spPr/>
+        <p:txBody>
+          <a:bodyPr/>
+          <a:lstStyle/>
+          <a:p>
+            <a:r>
+              <a:rPr lang="de-DE" dirty="0" smtClean="0"/>
+              <a:t>Dieses Format von REST zunutze für neue Daten</a:t>
+            </a:r>
+          </a:p>
+          <a:p>
+            <a:r>
+              <a:rPr lang="de-DE" dirty="0" smtClean="0"/>
+              <a:t>Darunter bisher NIBD, CPR-Feedback &amp; Defibrillationen</a:t>
+            </a:r>
+          </a:p>
+          <a:p>
+            <a:r>
+              <a:rPr lang="de-DE" dirty="0" smtClean="0"/>
+              <a:t>(Format in </a:t>
+            </a:r>
+            <a:r>
+              <a:rPr lang="de-DE" dirty="0" err="1" smtClean="0"/>
+              <a:t>response</a:t>
+            </a:r>
+            <a:r>
+              <a:rPr lang="de-DE" dirty="0" smtClean="0"/>
+              <a:t>) exemplarisch neues Objekt darstellen als Bild</a:t>
+            </a:r>
+          </a:p>
+          <a:p>
+            <a:endParaRPr lang="de-DE" dirty="0"/>
+          </a:p>
+        </p:txBody>
+      </p:sp>
+      <p:sp>
+        <p:nvSpPr>
+          <p:cNvPr id="4" name="Foliennummernplatzhalter 3"/>
+          <p:cNvSpPr>
+            <a:spLocks noGrp="1"/>
+          </p:cNvSpPr>
+          <p:nvPr>
+            <p:ph type="sldNum" sz="quarter" idx="10"/>
+          </p:nvPr>
+        </p:nvSpPr>
+        <p:spPr/>
+        <p:txBody>
+          <a:bodyPr/>
+          <a:lstStyle/>
+          <a:p>
+            <a:fld id="{A6C2F262-D285-47CB-B9F5-19A0DFE7B67E}" type="slidenum">
+              <a:rPr lang="de-DE" smtClean="0"/>
+              <a:t>16</a:t>
+            </a:fld>
+            <a:endParaRPr lang="de-DE" dirty="0"/>
+          </a:p>
+        </p:txBody>
+      </p:sp>
+    </p:spTree>
+    <p:extLst>
+      <p:ext uri="{BB962C8B-B14F-4D97-AF65-F5344CB8AC3E}">
+        <p14:creationId xmlns:p14="http://schemas.microsoft.com/office/powerpoint/2010/main" val="2742955930"/>
+      </p:ext>
+    </p:extLst>
+  </p:cSld>
+  <p:clrMapOvr>
+    <a:masterClrMapping/>
+  </p:clrMapOvr>
+</p:notes>
+</file>
+
+<file path=ppt/notesSlides/notesSlide15.xml><?xml version="1.0" encoding="utf-8"?>
+<p:notes xmlns:a="http://schemas.openxmlformats.org/drawingml/2006/main" xmlns:r="http://schemas.openxmlformats.org/officeDocument/2006/relationships" xmlns:p="http://schemas.openxmlformats.org/presentationml/2006/main">
+  <p:cSld>
+    <p:spTree>
+      <p:nvGrpSpPr>
+        <p:cNvPr id="1" name=""/>
+        <p:cNvGrpSpPr/>
+        <p:nvPr/>
+      </p:nvGrpSpPr>
+      <p:grpSpPr>
+        <a:xfrm>
+          <a:off x="0" y="0"/>
+          <a:ext cx="0" cy="0"/>
+          <a:chOff x="0" y="0"/>
+          <a:chExt cx="0" cy="0"/>
+        </a:xfrm>
+      </p:grpSpPr>
+      <p:sp>
+        <p:nvSpPr>
+          <p:cNvPr id="2" name="Folienbildplatzhalter 1"/>
+          <p:cNvSpPr>
+            <a:spLocks noGrp="1" noRot="1" noChangeAspect="1"/>
+          </p:cNvSpPr>
+          <p:nvPr>
+            <p:ph type="sldImg"/>
+          </p:nvPr>
+        </p:nvSpPr>
+        <p:spPr/>
+      </p:sp>
+      <p:sp>
+        <p:nvSpPr>
+          <p:cNvPr id="3" name="Notizenplatzhalter 2"/>
+          <p:cNvSpPr>
+            <a:spLocks noGrp="1"/>
+          </p:cNvSpPr>
+          <p:nvPr>
+            <p:ph type="body" idx="1"/>
+          </p:nvPr>
+        </p:nvSpPr>
+        <p:spPr/>
+        <p:txBody>
+          <a:bodyPr/>
+          <a:lstStyle/>
+          <a:p>
+            <a:endParaRPr lang="de-DE" dirty="0"/>
+          </a:p>
+        </p:txBody>
+      </p:sp>
+      <p:sp>
+        <p:nvSpPr>
+          <p:cNvPr id="4" name="Foliennummernplatzhalter 3"/>
+          <p:cNvSpPr>
+            <a:spLocks noGrp="1"/>
+          </p:cNvSpPr>
+          <p:nvPr>
+            <p:ph type="sldNum" sz="quarter" idx="10"/>
+          </p:nvPr>
+        </p:nvSpPr>
+        <p:spPr/>
+        <p:txBody>
+          <a:bodyPr/>
+          <a:lstStyle/>
+          <a:p>
+            <a:fld id="{A6C2F262-D285-47CB-B9F5-19A0DFE7B67E}" type="slidenum">
+              <a:rPr lang="de-DE" smtClean="0"/>
+              <a:t>17</a:t>
+            </a:fld>
+            <a:endParaRPr lang="de-DE" dirty="0"/>
+          </a:p>
+        </p:txBody>
+      </p:sp>
+    </p:spTree>
+    <p:extLst>
+      <p:ext uri="{BB962C8B-B14F-4D97-AF65-F5344CB8AC3E}">
+        <p14:creationId xmlns:p14="http://schemas.microsoft.com/office/powerpoint/2010/main" val="3131285486"/>
+      </p:ext>
+    </p:extLst>
+  </p:cSld>
+  <p:clrMapOvr>
+    <a:masterClrMapping/>
+  </p:clrMapOvr>
+</p:notes>
+</file>
+
+<file path=ppt/notesSlides/notesSlide16.xml><?xml version="1.0" encoding="utf-8"?>
+<p:notes xmlns:a="http://schemas.openxmlformats.org/drawingml/2006/main" xmlns:r="http://schemas.openxmlformats.org/officeDocument/2006/relationships" xmlns:p="http://schemas.openxmlformats.org/presentationml/2006/main">
+  <p:cSld>
+    <p:spTree>
+      <p:nvGrpSpPr>
+        <p:cNvPr id="1" name=""/>
+        <p:cNvGrpSpPr/>
+        <p:nvPr/>
+      </p:nvGrpSpPr>
+      <p:grpSpPr>
+        <a:xfrm>
+          <a:off x="0" y="0"/>
+          <a:ext cx="0" cy="0"/>
+          <a:chOff x="0" y="0"/>
+          <a:chExt cx="0" cy="0"/>
+        </a:xfrm>
+      </p:grpSpPr>
+      <p:sp>
+        <p:nvSpPr>
+          <p:cNvPr id="2" name="Folienbildplatzhalter 1"/>
+          <p:cNvSpPr>
+            <a:spLocks noGrp="1" noRot="1" noChangeAspect="1"/>
+          </p:cNvSpPr>
+          <p:nvPr>
+            <p:ph type="sldImg"/>
+          </p:nvPr>
+        </p:nvSpPr>
+        <p:spPr/>
+      </p:sp>
+      <p:sp>
+        <p:nvSpPr>
+          <p:cNvPr id="3" name="Notizenplatzhalter 2"/>
+          <p:cNvSpPr>
+            <a:spLocks noGrp="1"/>
+          </p:cNvSpPr>
+          <p:nvPr>
+            <p:ph type="body" idx="1"/>
+          </p:nvPr>
+        </p:nvSpPr>
+        <p:spPr/>
+        <p:txBody>
+          <a:bodyPr/>
+          <a:lstStyle/>
+          <a:p>
+            <a:r>
+              <a:rPr lang="de-DE" dirty="0" smtClean="0"/>
+              <a:t>Reanimationen (</a:t>
+            </a:r>
+            <a:r>
+              <a:rPr lang="de-DE" dirty="0" err="1" smtClean="0"/>
+              <a:t>has</a:t>
+            </a:r>
+            <a:r>
+              <a:rPr lang="de-DE" dirty="0" smtClean="0"/>
+              <a:t>.. </a:t>
+            </a:r>
+            <a:r>
+              <a:rPr lang="de-DE" dirty="0" err="1" smtClean="0"/>
+              <a:t>Has</a:t>
+            </a:r>
+            <a:r>
+              <a:rPr lang="de-DE" dirty="0" smtClean="0"/>
+              <a:t> … </a:t>
+            </a:r>
+            <a:r>
+              <a:rPr lang="de-DE" dirty="0" err="1" smtClean="0"/>
+              <a:t>has</a:t>
+            </a:r>
+            <a:r>
+              <a:rPr lang="de-DE" dirty="0" smtClean="0"/>
+              <a:t>..)</a:t>
+            </a:r>
+          </a:p>
+          <a:p>
+            <a:r>
+              <a:rPr lang="de-DE" dirty="0" smtClean="0"/>
+              <a:t>	Tests rausfiltern (</a:t>
+            </a:r>
+            <a:r>
+              <a:rPr lang="de-DE" dirty="0" err="1" smtClean="0"/>
+              <a:t>istest</a:t>
+            </a:r>
+            <a:r>
+              <a:rPr lang="de-DE" dirty="0" smtClean="0"/>
+              <a:t>, </a:t>
+            </a:r>
+            <a:r>
+              <a:rPr lang="de-DE" dirty="0" err="1" smtClean="0"/>
+              <a:t>cable</a:t>
+            </a:r>
+            <a:r>
+              <a:rPr lang="de-DE" dirty="0" smtClean="0"/>
+              <a:t> </a:t>
+            </a:r>
+            <a:r>
+              <a:rPr lang="de-DE" dirty="0" err="1" smtClean="0"/>
+              <a:t>defib</a:t>
+            </a:r>
+            <a:r>
+              <a:rPr lang="de-DE" dirty="0" smtClean="0"/>
+              <a:t>)</a:t>
+            </a:r>
+          </a:p>
+          <a:p>
+            <a:r>
+              <a:rPr lang="de-DE" dirty="0" err="1" smtClean="0"/>
+              <a:t>Einsaätze</a:t>
+            </a:r>
+            <a:r>
+              <a:rPr lang="de-DE" dirty="0" smtClean="0"/>
+              <a:t> im Zeitraum 2016 -&gt; </a:t>
+            </a:r>
+            <a:r>
+              <a:rPr lang="de-DE" dirty="0" err="1" smtClean="0"/>
+              <a:t>probleme</a:t>
+            </a:r>
+            <a:r>
+              <a:rPr lang="de-DE" dirty="0" smtClean="0"/>
+              <a:t> </a:t>
+            </a:r>
+            <a:r>
+              <a:rPr lang="de-DE" dirty="0" err="1" smtClean="0"/>
+              <a:t>datumsformart</a:t>
+            </a:r>
+            <a:endParaRPr lang="de-DE" dirty="0" smtClean="0"/>
+          </a:p>
+          <a:p>
+            <a:r>
+              <a:rPr lang="de-DE" dirty="0" smtClean="0"/>
+              <a:t>	wieder </a:t>
+            </a:r>
+            <a:r>
+              <a:rPr lang="de-DE" dirty="0" err="1" smtClean="0"/>
+              <a:t>tests</a:t>
+            </a:r>
+            <a:r>
+              <a:rPr lang="de-DE" dirty="0" smtClean="0"/>
+              <a:t> herausfiltern</a:t>
+            </a:r>
+          </a:p>
+          <a:p>
+            <a:r>
+              <a:rPr lang="de-DE" dirty="0" smtClean="0"/>
+              <a:t>Einsätze im Zeitfenster, wieder </a:t>
+            </a:r>
+            <a:r>
+              <a:rPr lang="de-DE" dirty="0" err="1" smtClean="0"/>
+              <a:t>tests</a:t>
+            </a:r>
+            <a:endParaRPr lang="de-DE" dirty="0" smtClean="0"/>
+          </a:p>
+          <a:p>
+            <a:r>
+              <a:rPr lang="de-DE" dirty="0" smtClean="0"/>
+              <a:t>	und jetzt doch mal bitte </a:t>
+            </a:r>
+            <a:r>
+              <a:rPr lang="de-DE" dirty="0" err="1" smtClean="0"/>
+              <a:t>reanimationen</a:t>
+            </a:r>
+            <a:endParaRPr lang="de-DE" dirty="0" smtClean="0"/>
+          </a:p>
+          <a:p>
+            <a:r>
+              <a:rPr lang="de-DE" dirty="0" smtClean="0"/>
+              <a:t>Easy (?): Wie alt sind meine </a:t>
+            </a:r>
+            <a:r>
+              <a:rPr lang="de-DE" dirty="0" err="1" smtClean="0"/>
+              <a:t>patienten</a:t>
+            </a:r>
+            <a:r>
+              <a:rPr lang="de-DE" dirty="0" smtClean="0"/>
+              <a:t> im schnitt</a:t>
+            </a:r>
+          </a:p>
+          <a:p>
+            <a:r>
+              <a:rPr lang="de-DE" dirty="0" smtClean="0"/>
+              <a:t>Bisher immer nur eine einzige Zahl…</a:t>
+            </a:r>
+          </a:p>
+          <a:p>
+            <a:r>
+              <a:rPr lang="de-DE" dirty="0" smtClean="0"/>
+              <a:t>		und on top: </a:t>
+            </a:r>
+            <a:r>
+              <a:rPr lang="de-DE" b="1" dirty="0" smtClean="0"/>
+              <a:t>wie</a:t>
+            </a:r>
+            <a:r>
+              <a:rPr lang="de-DE" dirty="0" smtClean="0"/>
+              <a:t> sind die </a:t>
+            </a:r>
+            <a:r>
+              <a:rPr lang="de-DE" dirty="0" err="1" smtClean="0"/>
+              <a:t>reanimationen</a:t>
+            </a:r>
+            <a:r>
+              <a:rPr lang="de-DE" dirty="0" smtClean="0"/>
+              <a:t>?</a:t>
+            </a:r>
+          </a:p>
+          <a:p>
+            <a:endParaRPr lang="de-DE" dirty="0"/>
+          </a:p>
+        </p:txBody>
+      </p:sp>
+      <p:sp>
+        <p:nvSpPr>
+          <p:cNvPr id="4" name="Foliennummernplatzhalter 3"/>
+          <p:cNvSpPr>
+            <a:spLocks noGrp="1"/>
+          </p:cNvSpPr>
+          <p:nvPr>
+            <p:ph type="sldNum" sz="quarter" idx="10"/>
+          </p:nvPr>
+        </p:nvSpPr>
+        <p:spPr/>
+        <p:txBody>
+          <a:bodyPr/>
+          <a:lstStyle/>
+          <a:p>
+            <a:fld id="{A6C2F262-D285-47CB-B9F5-19A0DFE7B67E}" type="slidenum">
+              <a:rPr lang="de-DE" smtClean="0"/>
+              <a:t>18</a:t>
+            </a:fld>
+            <a:endParaRPr lang="de-DE" dirty="0"/>
+          </a:p>
+        </p:txBody>
+      </p:sp>
+    </p:spTree>
+    <p:extLst>
+      <p:ext uri="{BB962C8B-B14F-4D97-AF65-F5344CB8AC3E}">
+        <p14:creationId xmlns:p14="http://schemas.microsoft.com/office/powerpoint/2010/main" val="3131285486"/>
+      </p:ext>
+    </p:extLst>
+  </p:cSld>
+  <p:clrMapOvr>
+    <a:masterClrMapping/>
+  </p:clrMapOvr>
+</p:notes>
+</file>
+
 <file path=ppt/notesSlides/notesSlide2.xml><?xml version="1.0" encoding="utf-8"?>
 <p:notes xmlns:a="http://schemas.openxmlformats.org/drawingml/2006/main" xmlns:r="http://schemas.openxmlformats.org/officeDocument/2006/relationships" xmlns:p="http://schemas.openxmlformats.org/presentationml/2006/main">
   <p:cSld>
@@ -947,23 +1785,38 @@
           <a:p>
             <a:r>
               <a:rPr lang="de-DE" dirty="0" smtClean="0"/>
-              <a:t>1. Einen </a:t>
+              <a:t>Corpuls.web</a:t>
+            </a:r>
+            <a:r>
+              <a:rPr lang="de-DE" baseline="0" dirty="0" smtClean="0"/>
+              <a:t> ANALYSE</a:t>
+            </a:r>
+            <a:endParaRPr lang="de-DE" dirty="0" smtClean="0"/>
+          </a:p>
+          <a:p>
+            <a:r>
+              <a:rPr lang="de-DE" dirty="0" smtClean="0"/>
+              <a:t>Nutzergruppen: </a:t>
             </a:r>
             <a:r>
               <a:rPr lang="de-DE" dirty="0" err="1" smtClean="0"/>
-              <a:t>step</a:t>
+              <a:t>Bspw</a:t>
             </a:r>
             <a:r>
               <a:rPr lang="de-DE" dirty="0" smtClean="0"/>
-              <a:t> weiter als bloße </a:t>
-            </a:r>
-            <a:r>
-              <a:rPr lang="de-DE" dirty="0" err="1" smtClean="0"/>
-              <a:t>tabelle</a:t>
-            </a:r>
-            <a:r>
-              <a:rPr lang="de-DE" dirty="0" smtClean="0"/>
-              <a:t> vergleichen: CSV-Export</a:t>
+              <a:t>:</a:t>
+            </a:r>
+            <a:r>
+              <a:rPr lang="de-DE" baseline="0" dirty="0" smtClean="0"/>
+              <a:t> Qualitätsmanagementbeauftragte, Leier Rettungsdienst, Ausbilder von </a:t>
+            </a:r>
+            <a:r>
+              <a:rPr lang="de-DE" baseline="0" dirty="0" err="1" smtClean="0"/>
+              <a:t>Rettdienstpersonal</a:t>
+            </a:r>
+            <a:r>
+              <a:rPr lang="de-DE" baseline="0" dirty="0" smtClean="0"/>
+              <a:t>, Forscher, ärztliches Personal</a:t>
             </a:r>
             <a:endParaRPr lang="de-DE" dirty="0"/>
           </a:p>
@@ -986,7 +1839,7 @@
           <a:p>
             <a:fld id="{A6C2F262-D285-47CB-B9F5-19A0DFE7B67E}" type="slidenum">
               <a:rPr lang="de-DE" smtClean="0"/>
-              <a:t>5</a:t>
+              <a:t>3</a:t>
             </a:fld>
             <a:endParaRPr lang="de-DE" dirty="0"/>
           </a:p>
@@ -995,7 +1848,7 @@
     </p:spTree>
     <p:extLst>
       <p:ext uri="{BB962C8B-B14F-4D97-AF65-F5344CB8AC3E}">
-        <p14:creationId xmlns:p14="http://schemas.microsoft.com/office/powerpoint/2010/main" val="2742955930"/>
+        <p14:creationId xmlns:p14="http://schemas.microsoft.com/office/powerpoint/2010/main" val="3752918807"/>
       </p:ext>
     </p:extLst>
   </p:cSld>
@@ -1049,6 +1902,45 @@
           <a:bodyPr/>
           <a:lstStyle/>
           <a:p>
+            <a:pPr marL="0" marR="0" indent="0" algn="l" defTabSz="914400" rtl="0" eaLnBrk="1" fontAlgn="auto" latinLnBrk="0" hangingPunct="1">
+              <a:lnSpc>
+                <a:spcPct val="100000"/>
+              </a:lnSpc>
+              <a:spcBef>
+                <a:spcPts val="0"/>
+              </a:spcBef>
+              <a:spcAft>
+                <a:spcPts val="0"/>
+              </a:spcAft>
+              <a:buClrTx/>
+              <a:buSzTx/>
+              <a:buFontTx/>
+              <a:buNone/>
+              <a:tabLst/>
+              <a:defRPr/>
+            </a:pPr>
+            <a:r>
+              <a:rPr lang="de-DE" dirty="0" smtClean="0"/>
+              <a:t>nennt mir doch mal die Anzahl Einsätze.. Mit Reanimationen.. Im Februar)), simple frage, die auftaucht (</a:t>
+            </a:r>
+            <a:r>
+              <a:rPr lang="de-DE" dirty="0" err="1" smtClean="0"/>
+              <a:t>dr.</a:t>
+            </a:r>
+            <a:r>
+              <a:rPr lang="de-DE" dirty="0" smtClean="0"/>
+              <a:t> </a:t>
+            </a:r>
+            <a:r>
+              <a:rPr lang="de-DE" dirty="0" err="1" smtClean="0"/>
+              <a:t>haacke</a:t>
+            </a:r>
+            <a:r>
+              <a:rPr lang="de-DE" dirty="0" smtClean="0"/>
+              <a:t>)</a:t>
+            </a:r>
+          </a:p>
+          <a:p>
             <a:endParaRPr lang="de-DE" dirty="0"/>
           </a:p>
         </p:txBody>
@@ -1070,7 +1962,7 @@
           <a:p>
             <a:fld id="{A6C2F262-D285-47CB-B9F5-19A0DFE7B67E}" type="slidenum">
               <a:rPr lang="de-DE" smtClean="0"/>
-              <a:t>6</a:t>
+              <a:t>5</a:t>
             </a:fld>
             <a:endParaRPr lang="de-DE" dirty="0"/>
           </a:p>
@@ -1079,7 +1971,7 @@
     </p:spTree>
     <p:extLst>
       <p:ext uri="{BB962C8B-B14F-4D97-AF65-F5344CB8AC3E}">
-        <p14:creationId xmlns:p14="http://schemas.microsoft.com/office/powerpoint/2010/main" val="2742955930"/>
+        <p14:creationId xmlns:p14="http://schemas.microsoft.com/office/powerpoint/2010/main" val="1030921391"/>
       </p:ext>
     </p:extLst>
   </p:cSld>
@@ -1133,7 +2025,243 @@
           <a:bodyPr/>
           <a:lstStyle/>
           <a:p>
+            <a:pPr marL="0" marR="0" indent="0" algn="l" defTabSz="914400" rtl="0" eaLnBrk="1" fontAlgn="auto" latinLnBrk="0" hangingPunct="1">
+              <a:lnSpc>
+                <a:spcPct val="100000"/>
+              </a:lnSpc>
+              <a:spcBef>
+                <a:spcPts val="0"/>
+              </a:spcBef>
+              <a:spcAft>
+                <a:spcPts val="0"/>
+              </a:spcAft>
+              <a:buClrTx/>
+              <a:buSzTx/>
+              <a:buFontTx/>
+              <a:buNone/>
+              <a:tabLst/>
+              <a:defRPr/>
+            </a:pPr>
+            <a:r>
+              <a:rPr lang="de-DE" dirty="0" smtClean="0"/>
+              <a:t>Daten, Info und wissen drei </a:t>
+            </a:r>
+            <a:r>
+              <a:rPr lang="de-DE" dirty="0" err="1" smtClean="0"/>
+              <a:t>sachen</a:t>
+            </a:r>
+            <a:r>
+              <a:rPr lang="de-DE" dirty="0" smtClean="0"/>
+              <a:t>: </a:t>
+            </a:r>
+            <a:r>
+              <a:rPr lang="de-DE" b="1" dirty="0" smtClean="0"/>
+              <a:t>7500 - Code</a:t>
+            </a:r>
+            <a:endParaRPr lang="de-DE" dirty="0" smtClean="0"/>
+          </a:p>
+          <a:p>
+            <a:pPr marL="0" marR="0" indent="0" algn="l" defTabSz="914400" rtl="0" eaLnBrk="1" fontAlgn="auto" latinLnBrk="0" hangingPunct="1">
+              <a:lnSpc>
+                <a:spcPct val="100000"/>
+              </a:lnSpc>
+              <a:spcBef>
+                <a:spcPts val="0"/>
+              </a:spcBef>
+              <a:spcAft>
+                <a:spcPts val="0"/>
+              </a:spcAft>
+              <a:buClrTx/>
+              <a:buSzTx/>
+              <a:buFontTx/>
+              <a:buNone/>
+              <a:tabLst/>
+              <a:defRPr/>
+            </a:pPr>
+            <a:endParaRPr lang="de-DE" dirty="0" smtClean="0"/>
+          </a:p>
+          <a:p>
+            <a:pPr marL="0" marR="0" indent="0" algn="l" defTabSz="914400" rtl="0" eaLnBrk="1" fontAlgn="auto" latinLnBrk="0" hangingPunct="1">
+              <a:lnSpc>
+                <a:spcPct val="100000"/>
+              </a:lnSpc>
+              <a:spcBef>
+                <a:spcPts val="0"/>
+              </a:spcBef>
+              <a:spcAft>
+                <a:spcPts val="0"/>
+              </a:spcAft>
+              <a:buClrTx/>
+              <a:buSzTx/>
+              <a:buFontTx/>
+              <a:buNone/>
+              <a:tabLst/>
+              <a:defRPr/>
+            </a:pPr>
+            <a:r>
+              <a:rPr lang="de-DE" dirty="0" smtClean="0"/>
+              <a:t>konvertiert in wissen</a:t>
+            </a:r>
+          </a:p>
+        </p:txBody>
+      </p:sp>
+      <p:sp>
+        <p:nvSpPr>
+          <p:cNvPr id="4" name="Foliennummernplatzhalter 3"/>
+          <p:cNvSpPr>
+            <a:spLocks noGrp="1"/>
+          </p:cNvSpPr>
+          <p:nvPr>
+            <p:ph type="sldNum" sz="quarter" idx="10"/>
+          </p:nvPr>
+        </p:nvSpPr>
+        <p:spPr/>
+        <p:txBody>
+          <a:bodyPr/>
+          <a:lstStyle/>
+          <a:p>
+            <a:fld id="{A6C2F262-D285-47CB-B9F5-19A0DFE7B67E}" type="slidenum">
+              <a:rPr lang="de-DE" smtClean="0"/>
+              <a:t>6</a:t>
+            </a:fld>
             <a:endParaRPr lang="de-DE" dirty="0"/>
+          </a:p>
+        </p:txBody>
+      </p:sp>
+    </p:spTree>
+    <p:extLst>
+      <p:ext uri="{BB962C8B-B14F-4D97-AF65-F5344CB8AC3E}">
+        <p14:creationId xmlns:p14="http://schemas.microsoft.com/office/powerpoint/2010/main" val="1827987419"/>
+      </p:ext>
+    </p:extLst>
+  </p:cSld>
+  <p:clrMapOvr>
+    <a:masterClrMapping/>
+  </p:clrMapOvr>
+</p:notes>
+</file>
+
+<file path=ppt/notesSlides/notesSlide6.xml><?xml version="1.0" encoding="utf-8"?>
+<p:notes xmlns:a="http://schemas.openxmlformats.org/drawingml/2006/main" xmlns:r="http://schemas.openxmlformats.org/officeDocument/2006/relationships" xmlns:p="http://schemas.openxmlformats.org/presentationml/2006/main">
+  <p:cSld>
+    <p:spTree>
+      <p:nvGrpSpPr>
+        <p:cNvPr id="1" name=""/>
+        <p:cNvGrpSpPr/>
+        <p:nvPr/>
+      </p:nvGrpSpPr>
+      <p:grpSpPr>
+        <a:xfrm>
+          <a:off x="0" y="0"/>
+          <a:ext cx="0" cy="0"/>
+          <a:chOff x="0" y="0"/>
+          <a:chExt cx="0" cy="0"/>
+        </a:xfrm>
+      </p:grpSpPr>
+      <p:sp>
+        <p:nvSpPr>
+          <p:cNvPr id="2" name="Folienbildplatzhalter 1"/>
+          <p:cNvSpPr>
+            <a:spLocks noGrp="1" noRot="1" noChangeAspect="1"/>
+          </p:cNvSpPr>
+          <p:nvPr>
+            <p:ph type="sldImg"/>
+          </p:nvPr>
+        </p:nvSpPr>
+        <p:spPr/>
+      </p:sp>
+      <p:sp>
+        <p:nvSpPr>
+          <p:cNvPr id="3" name="Notizenplatzhalter 2"/>
+          <p:cNvSpPr>
+            <a:spLocks noGrp="1"/>
+          </p:cNvSpPr>
+          <p:nvPr>
+            <p:ph type="body" idx="1"/>
+          </p:nvPr>
+        </p:nvSpPr>
+        <p:spPr/>
+        <p:txBody>
+          <a:bodyPr/>
+          <a:lstStyle/>
+          <a:p>
+            <a:pPr marL="0" marR="0" indent="0" algn="l" defTabSz="914400" rtl="0" eaLnBrk="1" fontAlgn="auto" latinLnBrk="0" hangingPunct="1">
+              <a:lnSpc>
+                <a:spcPct val="100000"/>
+              </a:lnSpc>
+              <a:spcBef>
+                <a:spcPts val="0"/>
+              </a:spcBef>
+              <a:spcAft>
+                <a:spcPts val="0"/>
+              </a:spcAft>
+              <a:buClrTx/>
+              <a:buSzTx/>
+              <a:buFontTx/>
+              <a:buNone/>
+              <a:tabLst/>
+              <a:defRPr/>
+            </a:pPr>
+            <a:r>
+              <a:rPr lang="de-DE" dirty="0" smtClean="0"/>
+              <a:t>Daten, Info und wissen drei </a:t>
+            </a:r>
+            <a:r>
+              <a:rPr lang="de-DE" dirty="0" err="1" smtClean="0"/>
+              <a:t>sachen</a:t>
+            </a:r>
+            <a:r>
+              <a:rPr lang="de-DE" dirty="0" smtClean="0"/>
+              <a:t>: </a:t>
+            </a:r>
+            <a:r>
+              <a:rPr lang="de-DE" b="1" dirty="0" smtClean="0"/>
+              <a:t>7500 - Code</a:t>
+            </a:r>
+            <a:endParaRPr lang="de-DE" dirty="0" smtClean="0"/>
+          </a:p>
+          <a:p>
+            <a:pPr marL="0" marR="0" indent="0" algn="l" defTabSz="914400" rtl="0" eaLnBrk="1" fontAlgn="auto" latinLnBrk="0" hangingPunct="1">
+              <a:lnSpc>
+                <a:spcPct val="100000"/>
+              </a:lnSpc>
+              <a:spcBef>
+                <a:spcPts val="0"/>
+              </a:spcBef>
+              <a:spcAft>
+                <a:spcPts val="0"/>
+              </a:spcAft>
+              <a:buClrTx/>
+              <a:buSzTx/>
+              <a:buFontTx/>
+              <a:buNone/>
+              <a:tabLst/>
+              <a:defRPr/>
+            </a:pPr>
+            <a:endParaRPr lang="de-DE" dirty="0" smtClean="0"/>
+          </a:p>
+          <a:p>
+            <a:pPr marL="0" marR="0" indent="0" algn="l" defTabSz="914400" rtl="0" eaLnBrk="1" fontAlgn="auto" latinLnBrk="0" hangingPunct="1">
+              <a:lnSpc>
+                <a:spcPct val="100000"/>
+              </a:lnSpc>
+              <a:spcBef>
+                <a:spcPts val="0"/>
+              </a:spcBef>
+              <a:spcAft>
+                <a:spcPts val="0"/>
+              </a:spcAft>
+              <a:buClrTx/>
+              <a:buSzTx/>
+              <a:buFontTx/>
+              <a:buNone/>
+              <a:tabLst/>
+              <a:defRPr/>
+            </a:pPr>
+            <a:r>
+              <a:rPr lang="de-DE" dirty="0" smtClean="0"/>
+              <a:t>konvertiert in wissen</a:t>
+            </a:r>
           </a:p>
         </p:txBody>
       </p:sp>
@@ -1163,7 +2291,487 @@
     </p:spTree>
     <p:extLst>
       <p:ext uri="{BB962C8B-B14F-4D97-AF65-F5344CB8AC3E}">
-        <p14:creationId xmlns:p14="http://schemas.microsoft.com/office/powerpoint/2010/main" val="3131285486"/>
+        <p14:creationId xmlns:p14="http://schemas.microsoft.com/office/powerpoint/2010/main" val="1827987419"/>
+      </p:ext>
+    </p:extLst>
+  </p:cSld>
+  <p:clrMapOvr>
+    <a:masterClrMapping/>
+  </p:clrMapOvr>
+</p:notes>
+</file>
+
+<file path=ppt/notesSlides/notesSlide7.xml><?xml version="1.0" encoding="utf-8"?>
+<p:notes xmlns:a="http://schemas.openxmlformats.org/drawingml/2006/main" xmlns:r="http://schemas.openxmlformats.org/officeDocument/2006/relationships" xmlns:p="http://schemas.openxmlformats.org/presentationml/2006/main">
+  <p:cSld>
+    <p:spTree>
+      <p:nvGrpSpPr>
+        <p:cNvPr id="1" name=""/>
+        <p:cNvGrpSpPr/>
+        <p:nvPr/>
+      </p:nvGrpSpPr>
+      <p:grpSpPr>
+        <a:xfrm>
+          <a:off x="0" y="0"/>
+          <a:ext cx="0" cy="0"/>
+          <a:chOff x="0" y="0"/>
+          <a:chExt cx="0" cy="0"/>
+        </a:xfrm>
+      </p:grpSpPr>
+      <p:sp>
+        <p:nvSpPr>
+          <p:cNvPr id="2" name="Folienbildplatzhalter 1"/>
+          <p:cNvSpPr>
+            <a:spLocks noGrp="1" noRot="1" noChangeAspect="1"/>
+          </p:cNvSpPr>
+          <p:nvPr>
+            <p:ph type="sldImg"/>
+          </p:nvPr>
+        </p:nvSpPr>
+        <p:spPr/>
+      </p:sp>
+      <p:sp>
+        <p:nvSpPr>
+          <p:cNvPr id="3" name="Notizenplatzhalter 2"/>
+          <p:cNvSpPr>
+            <a:spLocks noGrp="1"/>
+          </p:cNvSpPr>
+          <p:nvPr>
+            <p:ph type="body" idx="1"/>
+          </p:nvPr>
+        </p:nvSpPr>
+        <p:spPr/>
+        <p:txBody>
+          <a:bodyPr/>
+          <a:lstStyle/>
+          <a:p>
+            <a:pPr marL="0" marR="0" indent="0" algn="l" defTabSz="914400" rtl="0" eaLnBrk="1" fontAlgn="auto" latinLnBrk="0" hangingPunct="1">
+              <a:lnSpc>
+                <a:spcPct val="100000"/>
+              </a:lnSpc>
+              <a:spcBef>
+                <a:spcPts val="0"/>
+              </a:spcBef>
+              <a:spcAft>
+                <a:spcPts val="0"/>
+              </a:spcAft>
+              <a:buClrTx/>
+              <a:buSzTx/>
+              <a:buFontTx/>
+              <a:buNone/>
+              <a:tabLst/>
+              <a:defRPr/>
+            </a:pPr>
+            <a:r>
+              <a:rPr lang="de-DE" dirty="0" smtClean="0"/>
+              <a:t>Daten, Info und wissen drei </a:t>
+            </a:r>
+            <a:r>
+              <a:rPr lang="de-DE" dirty="0" err="1" smtClean="0"/>
+              <a:t>sachen</a:t>
+            </a:r>
+            <a:r>
+              <a:rPr lang="de-DE" dirty="0" smtClean="0"/>
+              <a:t>: </a:t>
+            </a:r>
+            <a:r>
+              <a:rPr lang="de-DE" b="1" dirty="0" smtClean="0"/>
+              <a:t>7500 - Code</a:t>
+            </a:r>
+            <a:endParaRPr lang="de-DE" dirty="0" smtClean="0"/>
+          </a:p>
+          <a:p>
+            <a:pPr marL="0" marR="0" indent="0" algn="l" defTabSz="914400" rtl="0" eaLnBrk="1" fontAlgn="auto" latinLnBrk="0" hangingPunct="1">
+              <a:lnSpc>
+                <a:spcPct val="100000"/>
+              </a:lnSpc>
+              <a:spcBef>
+                <a:spcPts val="0"/>
+              </a:spcBef>
+              <a:spcAft>
+                <a:spcPts val="0"/>
+              </a:spcAft>
+              <a:buClrTx/>
+              <a:buSzTx/>
+              <a:buFontTx/>
+              <a:buNone/>
+              <a:tabLst/>
+              <a:defRPr/>
+            </a:pPr>
+            <a:endParaRPr lang="de-DE" dirty="0" smtClean="0"/>
+          </a:p>
+          <a:p>
+            <a:pPr marL="0" marR="0" indent="0" algn="l" defTabSz="914400" rtl="0" eaLnBrk="1" fontAlgn="auto" latinLnBrk="0" hangingPunct="1">
+              <a:lnSpc>
+                <a:spcPct val="100000"/>
+              </a:lnSpc>
+              <a:spcBef>
+                <a:spcPts val="0"/>
+              </a:spcBef>
+              <a:spcAft>
+                <a:spcPts val="0"/>
+              </a:spcAft>
+              <a:buClrTx/>
+              <a:buSzTx/>
+              <a:buFontTx/>
+              <a:buNone/>
+              <a:tabLst/>
+              <a:defRPr/>
+            </a:pPr>
+            <a:r>
+              <a:rPr lang="de-DE" dirty="0" smtClean="0"/>
+              <a:t>konvertiert in wissen</a:t>
+            </a:r>
+          </a:p>
+        </p:txBody>
+      </p:sp>
+      <p:sp>
+        <p:nvSpPr>
+          <p:cNvPr id="4" name="Foliennummernplatzhalter 3"/>
+          <p:cNvSpPr>
+            <a:spLocks noGrp="1"/>
+          </p:cNvSpPr>
+          <p:nvPr>
+            <p:ph type="sldNum" sz="quarter" idx="10"/>
+          </p:nvPr>
+        </p:nvSpPr>
+        <p:spPr/>
+        <p:txBody>
+          <a:bodyPr/>
+          <a:lstStyle/>
+          <a:p>
+            <a:fld id="{A6C2F262-D285-47CB-B9F5-19A0DFE7B67E}" type="slidenum">
+              <a:rPr lang="de-DE" smtClean="0"/>
+              <a:t>8</a:t>
+            </a:fld>
+            <a:endParaRPr lang="de-DE" dirty="0"/>
+          </a:p>
+        </p:txBody>
+      </p:sp>
+    </p:spTree>
+    <p:extLst>
+      <p:ext uri="{BB962C8B-B14F-4D97-AF65-F5344CB8AC3E}">
+        <p14:creationId xmlns:p14="http://schemas.microsoft.com/office/powerpoint/2010/main" val="1827987419"/>
+      </p:ext>
+    </p:extLst>
+  </p:cSld>
+  <p:clrMapOvr>
+    <a:masterClrMapping/>
+  </p:clrMapOvr>
+</p:notes>
+</file>
+
+<file path=ppt/notesSlides/notesSlide8.xml><?xml version="1.0" encoding="utf-8"?>
+<p:notes xmlns:a="http://schemas.openxmlformats.org/drawingml/2006/main" xmlns:r="http://schemas.openxmlformats.org/officeDocument/2006/relationships" xmlns:p="http://schemas.openxmlformats.org/presentationml/2006/main">
+  <p:cSld>
+    <p:spTree>
+      <p:nvGrpSpPr>
+        <p:cNvPr id="1" name=""/>
+        <p:cNvGrpSpPr/>
+        <p:nvPr/>
+      </p:nvGrpSpPr>
+      <p:grpSpPr>
+        <a:xfrm>
+          <a:off x="0" y="0"/>
+          <a:ext cx="0" cy="0"/>
+          <a:chOff x="0" y="0"/>
+          <a:chExt cx="0" cy="0"/>
+        </a:xfrm>
+      </p:grpSpPr>
+      <p:sp>
+        <p:nvSpPr>
+          <p:cNvPr id="2" name="Folienbildplatzhalter 1"/>
+          <p:cNvSpPr>
+            <a:spLocks noGrp="1" noRot="1" noChangeAspect="1"/>
+          </p:cNvSpPr>
+          <p:nvPr>
+            <p:ph type="sldImg"/>
+          </p:nvPr>
+        </p:nvSpPr>
+        <p:spPr/>
+      </p:sp>
+      <p:sp>
+        <p:nvSpPr>
+          <p:cNvPr id="3" name="Notizenplatzhalter 2"/>
+          <p:cNvSpPr>
+            <a:spLocks noGrp="1"/>
+          </p:cNvSpPr>
+          <p:nvPr>
+            <p:ph type="body" idx="1"/>
+          </p:nvPr>
+        </p:nvSpPr>
+        <p:spPr/>
+        <p:txBody>
+          <a:bodyPr/>
+          <a:lstStyle/>
+          <a:p>
+            <a:pPr marL="0" marR="0" indent="0" algn="l" defTabSz="914400" rtl="0" eaLnBrk="1" fontAlgn="auto" latinLnBrk="0" hangingPunct="1">
+              <a:lnSpc>
+                <a:spcPct val="100000"/>
+              </a:lnSpc>
+              <a:spcBef>
+                <a:spcPts val="0"/>
+              </a:spcBef>
+              <a:spcAft>
+                <a:spcPts val="0"/>
+              </a:spcAft>
+              <a:buClrTx/>
+              <a:buSzTx/>
+              <a:buFontTx/>
+              <a:buNone/>
+              <a:tabLst/>
+              <a:defRPr/>
+            </a:pPr>
+            <a:r>
+              <a:rPr lang="de-DE" dirty="0" smtClean="0"/>
+              <a:t>Daten, Info und wissen drei </a:t>
+            </a:r>
+            <a:r>
+              <a:rPr lang="de-DE" dirty="0" err="1" smtClean="0"/>
+              <a:t>sachen</a:t>
+            </a:r>
+            <a:r>
+              <a:rPr lang="de-DE" dirty="0" smtClean="0"/>
+              <a:t>: </a:t>
+            </a:r>
+            <a:r>
+              <a:rPr lang="de-DE" b="1" dirty="0" smtClean="0"/>
+              <a:t>7500 - Code</a:t>
+            </a:r>
+            <a:endParaRPr lang="de-DE" dirty="0" smtClean="0"/>
+          </a:p>
+          <a:p>
+            <a:pPr marL="0" marR="0" indent="0" algn="l" defTabSz="914400" rtl="0" eaLnBrk="1" fontAlgn="auto" latinLnBrk="0" hangingPunct="1">
+              <a:lnSpc>
+                <a:spcPct val="100000"/>
+              </a:lnSpc>
+              <a:spcBef>
+                <a:spcPts val="0"/>
+              </a:spcBef>
+              <a:spcAft>
+                <a:spcPts val="0"/>
+              </a:spcAft>
+              <a:buClrTx/>
+              <a:buSzTx/>
+              <a:buFontTx/>
+              <a:buNone/>
+              <a:tabLst/>
+              <a:defRPr/>
+            </a:pPr>
+            <a:endParaRPr lang="de-DE" dirty="0" smtClean="0"/>
+          </a:p>
+          <a:p>
+            <a:pPr marL="0" marR="0" indent="0" algn="l" defTabSz="914400" rtl="0" eaLnBrk="1" fontAlgn="auto" latinLnBrk="0" hangingPunct="1">
+              <a:lnSpc>
+                <a:spcPct val="100000"/>
+              </a:lnSpc>
+              <a:spcBef>
+                <a:spcPts val="0"/>
+              </a:spcBef>
+              <a:spcAft>
+                <a:spcPts val="0"/>
+              </a:spcAft>
+              <a:buClrTx/>
+              <a:buSzTx/>
+              <a:buFontTx/>
+              <a:buNone/>
+              <a:tabLst/>
+              <a:defRPr/>
+            </a:pPr>
+            <a:r>
+              <a:rPr lang="de-DE" dirty="0" smtClean="0"/>
+              <a:t>konvertiert in wissen</a:t>
+            </a:r>
+          </a:p>
+        </p:txBody>
+      </p:sp>
+      <p:sp>
+        <p:nvSpPr>
+          <p:cNvPr id="4" name="Foliennummernplatzhalter 3"/>
+          <p:cNvSpPr>
+            <a:spLocks noGrp="1"/>
+          </p:cNvSpPr>
+          <p:nvPr>
+            <p:ph type="sldNum" sz="quarter" idx="10"/>
+          </p:nvPr>
+        </p:nvSpPr>
+        <p:spPr/>
+        <p:txBody>
+          <a:bodyPr/>
+          <a:lstStyle/>
+          <a:p>
+            <a:fld id="{A6C2F262-D285-47CB-B9F5-19A0DFE7B67E}" type="slidenum">
+              <a:rPr lang="de-DE" smtClean="0"/>
+              <a:t>9</a:t>
+            </a:fld>
+            <a:endParaRPr lang="de-DE" dirty="0"/>
+          </a:p>
+        </p:txBody>
+      </p:sp>
+    </p:spTree>
+    <p:extLst>
+      <p:ext uri="{BB962C8B-B14F-4D97-AF65-F5344CB8AC3E}">
+        <p14:creationId xmlns:p14="http://schemas.microsoft.com/office/powerpoint/2010/main" val="1827987419"/>
+      </p:ext>
+    </p:extLst>
+  </p:cSld>
+  <p:clrMapOvr>
+    <a:masterClrMapping/>
+  </p:clrMapOvr>
+</p:notes>
+</file>
+
+<file path=ppt/notesSlides/notesSlide9.xml><?xml version="1.0" encoding="utf-8"?>
+<p:notes xmlns:a="http://schemas.openxmlformats.org/drawingml/2006/main" xmlns:r="http://schemas.openxmlformats.org/officeDocument/2006/relationships" xmlns:p="http://schemas.openxmlformats.org/presentationml/2006/main">
+  <p:cSld>
+    <p:spTree>
+      <p:nvGrpSpPr>
+        <p:cNvPr id="1" name=""/>
+        <p:cNvGrpSpPr/>
+        <p:nvPr/>
+      </p:nvGrpSpPr>
+      <p:grpSpPr>
+        <a:xfrm>
+          <a:off x="0" y="0"/>
+          <a:ext cx="0" cy="0"/>
+          <a:chOff x="0" y="0"/>
+          <a:chExt cx="0" cy="0"/>
+        </a:xfrm>
+      </p:grpSpPr>
+      <p:sp>
+        <p:nvSpPr>
+          <p:cNvPr id="2" name="Folienbildplatzhalter 1"/>
+          <p:cNvSpPr>
+            <a:spLocks noGrp="1" noRot="1" noChangeAspect="1"/>
+          </p:cNvSpPr>
+          <p:nvPr>
+            <p:ph type="sldImg"/>
+          </p:nvPr>
+        </p:nvSpPr>
+        <p:spPr/>
+      </p:sp>
+      <p:sp>
+        <p:nvSpPr>
+          <p:cNvPr id="3" name="Notizenplatzhalter 2"/>
+          <p:cNvSpPr>
+            <a:spLocks noGrp="1"/>
+          </p:cNvSpPr>
+          <p:nvPr>
+            <p:ph type="body" idx="1"/>
+          </p:nvPr>
+        </p:nvSpPr>
+        <p:spPr/>
+        <p:txBody>
+          <a:bodyPr/>
+          <a:lstStyle/>
+          <a:p>
+            <a:pPr marL="0" marR="0" indent="0" algn="l" defTabSz="914400" rtl="0" eaLnBrk="1" fontAlgn="auto" latinLnBrk="0" hangingPunct="1">
+              <a:lnSpc>
+                <a:spcPct val="100000"/>
+              </a:lnSpc>
+              <a:spcBef>
+                <a:spcPts val="0"/>
+              </a:spcBef>
+              <a:spcAft>
+                <a:spcPts val="0"/>
+              </a:spcAft>
+              <a:buClrTx/>
+              <a:buSzTx/>
+              <a:buFontTx/>
+              <a:buNone/>
+              <a:tabLst/>
+              <a:defRPr/>
+            </a:pPr>
+            <a:r>
+              <a:rPr lang="de-DE" dirty="0" smtClean="0"/>
+              <a:t>Daten, Info und wissen drei </a:t>
+            </a:r>
+            <a:r>
+              <a:rPr lang="de-DE" dirty="0" err="1" smtClean="0"/>
+              <a:t>sachen</a:t>
+            </a:r>
+            <a:r>
+              <a:rPr lang="de-DE" dirty="0" smtClean="0"/>
+              <a:t>: </a:t>
+            </a:r>
+            <a:r>
+              <a:rPr lang="de-DE" b="1" dirty="0" smtClean="0"/>
+              <a:t>7500 - Code</a:t>
+            </a:r>
+            <a:endParaRPr lang="de-DE" dirty="0" smtClean="0"/>
+          </a:p>
+          <a:p>
+            <a:pPr marL="0" marR="0" indent="0" algn="l" defTabSz="914400" rtl="0" eaLnBrk="1" fontAlgn="auto" latinLnBrk="0" hangingPunct="1">
+              <a:lnSpc>
+                <a:spcPct val="100000"/>
+              </a:lnSpc>
+              <a:spcBef>
+                <a:spcPts val="0"/>
+              </a:spcBef>
+              <a:spcAft>
+                <a:spcPts val="0"/>
+              </a:spcAft>
+              <a:buClrTx/>
+              <a:buSzTx/>
+              <a:buFontTx/>
+              <a:buNone/>
+              <a:tabLst/>
+              <a:defRPr/>
+            </a:pPr>
+            <a:endParaRPr lang="de-DE" dirty="0" smtClean="0"/>
+          </a:p>
+          <a:p>
+            <a:pPr marL="0" marR="0" indent="0" algn="l" defTabSz="914400" rtl="0" eaLnBrk="1" fontAlgn="auto" latinLnBrk="0" hangingPunct="1">
+              <a:lnSpc>
+                <a:spcPct val="100000"/>
+              </a:lnSpc>
+              <a:spcBef>
+                <a:spcPts val="0"/>
+              </a:spcBef>
+              <a:spcAft>
+                <a:spcPts val="0"/>
+              </a:spcAft>
+              <a:buClrTx/>
+              <a:buSzTx/>
+              <a:buFontTx/>
+              <a:buNone/>
+              <a:tabLst/>
+              <a:defRPr/>
+            </a:pPr>
+            <a:r>
+              <a:rPr lang="de-DE" dirty="0" smtClean="0"/>
+              <a:t>konvertiert in wissen</a:t>
+            </a:r>
+          </a:p>
+        </p:txBody>
+      </p:sp>
+      <p:sp>
+        <p:nvSpPr>
+          <p:cNvPr id="4" name="Foliennummernplatzhalter 3"/>
+          <p:cNvSpPr>
+            <a:spLocks noGrp="1"/>
+          </p:cNvSpPr>
+          <p:nvPr>
+            <p:ph type="sldNum" sz="quarter" idx="10"/>
+          </p:nvPr>
+        </p:nvSpPr>
+        <p:spPr/>
+        <p:txBody>
+          <a:bodyPr/>
+          <a:lstStyle/>
+          <a:p>
+            <a:fld id="{A6C2F262-D285-47CB-B9F5-19A0DFE7B67E}" type="slidenum">
+              <a:rPr lang="de-DE" smtClean="0"/>
+              <a:t>10</a:t>
+            </a:fld>
+            <a:endParaRPr lang="de-DE" dirty="0"/>
+          </a:p>
+        </p:txBody>
+      </p:sp>
+    </p:spTree>
+    <p:extLst>
+      <p:ext uri="{BB962C8B-B14F-4D97-AF65-F5344CB8AC3E}">
+        <p14:creationId xmlns:p14="http://schemas.microsoft.com/office/powerpoint/2010/main" val="1827987419"/>
       </p:ext>
     </p:extLst>
   </p:cSld>
@@ -10305,6 +11913,3619 @@
 </p:sld>
 </file>
 
+<file path=ppt/slides/slide10.xml><?xml version="1.0" encoding="utf-8"?>
+<p:sld xmlns:a="http://schemas.openxmlformats.org/drawingml/2006/main" xmlns:r="http://schemas.openxmlformats.org/officeDocument/2006/relationships" xmlns:p="http://schemas.openxmlformats.org/presentationml/2006/main">
+  <p:cSld>
+    <p:spTree>
+      <p:nvGrpSpPr>
+        <p:cNvPr id="1" name=""/>
+        <p:cNvGrpSpPr/>
+        <p:nvPr/>
+      </p:nvGrpSpPr>
+      <p:grpSpPr>
+        <a:xfrm>
+          <a:off x="0" y="0"/>
+          <a:ext cx="0" cy="0"/>
+          <a:chOff x="0" y="0"/>
+          <a:chExt cx="0" cy="0"/>
+        </a:xfrm>
+      </p:grpSpPr>
+      <p:sp>
+        <p:nvSpPr>
+          <p:cNvPr id="2" name="Textplatzhalter 1"/>
+          <p:cNvSpPr>
+            <a:spLocks noGrp="1"/>
+          </p:cNvSpPr>
+          <p:nvPr>
+            <p:ph type="body" sz="quarter" idx="13"/>
+          </p:nvPr>
+        </p:nvSpPr>
+        <p:spPr/>
+        <p:txBody>
+          <a:bodyPr/>
+          <a:lstStyle/>
+          <a:p>
+            <a:pPr marL="342900" indent="-342900">
+              <a:buFont typeface="Arial" panose="020B0604020202020204" pitchFamily="34" charset="0"/>
+              <a:buChar char="•"/>
+            </a:pPr>
+            <a:endParaRPr lang="de-DE" sz="2400" dirty="0"/>
+          </a:p>
+          <a:p>
+            <a:pPr marL="342900" indent="-342900">
+              <a:buFont typeface="Arial" panose="020B0604020202020204" pitchFamily="34" charset="0"/>
+              <a:buChar char="•"/>
+            </a:pPr>
+            <a:r>
+              <a:rPr lang="de-DE" sz="2400" dirty="0" smtClean="0"/>
+              <a:t>Grafische Darstellung von Daten verringert kognitive Last</a:t>
+            </a:r>
+          </a:p>
+          <a:p>
+            <a:pPr marL="342900" indent="-342900">
+              <a:buFont typeface="Arial" panose="020B0604020202020204" pitchFamily="34" charset="0"/>
+              <a:buChar char="•"/>
+            </a:pPr>
+            <a:endParaRPr lang="de-DE" sz="2400" dirty="0" smtClean="0"/>
+          </a:p>
+          <a:p>
+            <a:pPr marL="615950" lvl="1" indent="-342900">
+              <a:buFont typeface="Arial" panose="020B0604020202020204" pitchFamily="34" charset="0"/>
+              <a:buChar char="•"/>
+            </a:pPr>
+            <a:r>
+              <a:rPr lang="de-DE" sz="2400" dirty="0" smtClean="0"/>
+              <a:t>Viele Informationen in wenig Raum und Zeit </a:t>
+            </a:r>
+          </a:p>
+          <a:p>
+            <a:pPr marL="615950" lvl="1" indent="-342900">
+              <a:buFont typeface="Arial" panose="020B0604020202020204" pitchFamily="34" charset="0"/>
+              <a:buChar char="•"/>
+            </a:pPr>
+            <a:endParaRPr lang="de-DE" sz="2400" dirty="0" smtClean="0"/>
+          </a:p>
+          <a:p>
+            <a:pPr lvl="1" indent="0">
+              <a:buNone/>
+            </a:pPr>
+            <a:r>
+              <a:rPr lang="de-DE" sz="2400" dirty="0" smtClean="0"/>
+              <a:t>Daten     </a:t>
+            </a:r>
+            <a:r>
+              <a:rPr lang="de-DE" sz="2400" dirty="0" smtClean="0">
+                <a:sym typeface="Wingdings" panose="05000000000000000000" pitchFamily="2" charset="2"/>
+              </a:rPr>
+              <a:t> 	</a:t>
+            </a:r>
+            <a:r>
+              <a:rPr lang="de-DE" sz="2400" dirty="0" smtClean="0"/>
+              <a:t>Informationen </a:t>
+            </a:r>
+          </a:p>
+          <a:p>
+            <a:pPr lvl="1" indent="0">
+              <a:buNone/>
+            </a:pPr>
+            <a:r>
+              <a:rPr lang="de-DE" sz="2400" dirty="0"/>
+              <a:t>	</a:t>
+            </a:r>
+            <a:r>
+              <a:rPr lang="de-DE" sz="2400" dirty="0" smtClean="0"/>
+              <a:t>	</a:t>
+            </a:r>
+            <a:r>
+              <a:rPr lang="de-DE" sz="2400" dirty="0" smtClean="0"/>
+              <a:t>	Informationen       </a:t>
+            </a:r>
+            <a:r>
+              <a:rPr lang="de-DE" sz="2400" dirty="0" smtClean="0">
+                <a:sym typeface="Wingdings" panose="05000000000000000000" pitchFamily="2" charset="2"/>
+              </a:rPr>
+              <a:t> 	</a:t>
+            </a:r>
+            <a:r>
+              <a:rPr lang="de-DE" sz="2400" dirty="0" smtClean="0"/>
+              <a:t>Wissen</a:t>
+            </a:r>
+            <a:endParaRPr lang="de-DE" sz="2400" dirty="0"/>
+          </a:p>
+          <a:p>
+            <a:pPr marL="342900" indent="-342900">
+              <a:buFont typeface="Arial" panose="020B0604020202020204" pitchFamily="34" charset="0"/>
+              <a:buChar char="•"/>
+            </a:pPr>
+            <a:endParaRPr lang="de-DE" sz="2400" dirty="0" smtClean="0"/>
+          </a:p>
+          <a:p>
+            <a:endParaRPr lang="de-DE" sz="2400" dirty="0"/>
+          </a:p>
+        </p:txBody>
+      </p:sp>
+      <p:sp>
+        <p:nvSpPr>
+          <p:cNvPr id="3" name="Titel 2"/>
+          <p:cNvSpPr>
+            <a:spLocks noGrp="1"/>
+          </p:cNvSpPr>
+          <p:nvPr>
+            <p:ph type="title"/>
+          </p:nvPr>
+        </p:nvSpPr>
+        <p:spPr/>
+        <p:txBody>
+          <a:bodyPr/>
+          <a:lstStyle/>
+          <a:p>
+            <a:r>
+              <a:rPr lang="de-DE" dirty="0" smtClean="0"/>
+              <a:t>Problemstellung</a:t>
+            </a:r>
+            <a:endParaRPr lang="de-DE" dirty="0"/>
+          </a:p>
+        </p:txBody>
+      </p:sp>
+      <p:sp>
+        <p:nvSpPr>
+          <p:cNvPr id="4" name="Datumsplatzhalter 3"/>
+          <p:cNvSpPr>
+            <a:spLocks noGrp="1"/>
+          </p:cNvSpPr>
+          <p:nvPr>
+            <p:ph type="dt" sz="half" idx="14"/>
+          </p:nvPr>
+        </p:nvSpPr>
+        <p:spPr/>
+        <p:txBody>
+          <a:bodyPr/>
+          <a:lstStyle/>
+          <a:p>
+            <a:r>
+              <a:rPr lang="de-DE" dirty="0" smtClean="0"/>
+              <a:t>04.04.2019</a:t>
+            </a:r>
+            <a:endParaRPr lang="de-DE" dirty="0"/>
+          </a:p>
+        </p:txBody>
+      </p:sp>
+      <p:sp>
+        <p:nvSpPr>
+          <p:cNvPr id="5" name="Fußzeilenplatzhalter 4"/>
+          <p:cNvSpPr>
+            <a:spLocks noGrp="1"/>
+          </p:cNvSpPr>
+          <p:nvPr>
+            <p:ph type="ftr" sz="quarter" idx="15"/>
+          </p:nvPr>
+        </p:nvSpPr>
+        <p:spPr/>
+        <p:txBody>
+          <a:bodyPr/>
+          <a:lstStyle/>
+          <a:p>
+            <a:r>
+              <a:rPr lang="de-DE" dirty="0" smtClean="0"/>
+              <a:t>corpuls.web ANALYSE - Dashboards               - Intern / Internal -</a:t>
+            </a:r>
+            <a:endParaRPr lang="de-DE" dirty="0"/>
+          </a:p>
+        </p:txBody>
+      </p:sp>
+      <p:sp>
+        <p:nvSpPr>
+          <p:cNvPr id="6" name="Foliennummernplatzhalter 5"/>
+          <p:cNvSpPr>
+            <a:spLocks noGrp="1"/>
+          </p:cNvSpPr>
+          <p:nvPr>
+            <p:ph type="sldNum" sz="quarter" idx="16"/>
+          </p:nvPr>
+        </p:nvSpPr>
+        <p:spPr/>
+        <p:txBody>
+          <a:bodyPr/>
+          <a:lstStyle/>
+          <a:p>
+            <a:pPr algn="r">
+              <a:tabLst>
+                <a:tab pos="8431213" algn="r"/>
+              </a:tabLst>
+            </a:pPr>
+            <a:fld id="{EA7C8D44-3667-46F6-9772-CC52308E2A7F}" type="slidenum">
+              <a:rPr lang="de-DE" smtClean="0"/>
+              <a:pPr algn="r">
+                <a:tabLst>
+                  <a:tab pos="8431213" algn="r"/>
+                </a:tabLst>
+              </a:pPr>
+              <a:t>10</a:t>
+            </a:fld>
+            <a:endParaRPr lang="de-DE" dirty="0"/>
+          </a:p>
+        </p:txBody>
+      </p:sp>
+      <p:sp>
+        <p:nvSpPr>
+          <p:cNvPr id="8" name="Rechteck 7"/>
+          <p:cNvSpPr/>
+          <p:nvPr/>
+        </p:nvSpPr>
+        <p:spPr>
+          <a:xfrm>
+            <a:off x="2987824" y="3579862"/>
+            <a:ext cx="4752528" cy="360040"/>
+          </a:xfrm>
+          <a:prstGeom prst="rect">
+            <a:avLst/>
+          </a:prstGeom>
+          <a:noFill/>
+          <a:ln>
+            <a:solidFill>
+              <a:schemeClr val="accent6"/>
+            </a:solidFill>
+          </a:ln>
+        </p:spPr>
+        <p:style>
+          <a:lnRef idx="2">
+            <a:schemeClr val="accent1">
+              <a:shade val="50000"/>
+            </a:schemeClr>
+          </a:lnRef>
+          <a:fillRef idx="1">
+            <a:schemeClr val="accent1"/>
+          </a:fillRef>
+          <a:effectRef idx="0">
+            <a:schemeClr val="accent1"/>
+          </a:effectRef>
+          <a:fontRef idx="minor">
+            <a:schemeClr val="lt1"/>
+          </a:fontRef>
+        </p:style>
+        <p:txBody>
+          <a:bodyPr rtlCol="0" anchor="ctr"/>
+          <a:lstStyle/>
+          <a:p>
+            <a:pPr algn="ctr"/>
+            <a:endParaRPr lang="de-DE"/>
+          </a:p>
+        </p:txBody>
+      </p:sp>
+    </p:spTree>
+    <p:extLst>
+      <p:ext uri="{BB962C8B-B14F-4D97-AF65-F5344CB8AC3E}">
+        <p14:creationId xmlns:p14="http://schemas.microsoft.com/office/powerpoint/2010/main" val="1182273482"/>
+      </p:ext>
+    </p:extLst>
+  </p:cSld>
+  <p:clrMapOvr>
+    <a:masterClrMapping/>
+  </p:clrMapOvr>
+  <mc:AlternateContent xmlns:mc="http://schemas.openxmlformats.org/markup-compatibility/2006" xmlns:p14="http://schemas.microsoft.com/office/powerpoint/2010/main">
+    <mc:Choice Requires="p14">
+      <p:transition p14:dur="100">
+        <p:cut/>
+      </p:transition>
+    </mc:Choice>
+    <mc:Fallback xmlns="">
+      <p:transition>
+        <p:cut/>
+      </p:transition>
+    </mc:Fallback>
+  </mc:AlternateContent>
+  <p:timing>
+    <p:tnLst>
+      <p:par>
+        <p:cTn id="1" dur="indefinite" restart="never" nodeType="tmRoot">
+          <p:childTnLst>
+            <p:seq concurrent="1" nextAc="seek">
+              <p:cTn id="2" dur="indefinite" nodeType="mainSeq">
+                <p:childTnLst>
+                  <p:par>
+                    <p:cTn id="3" fill="hold">
+                      <p:stCondLst>
+                        <p:cond delay="indefinite"/>
+                        <p:cond evt="onBegin" delay="0">
+                          <p:tn val="2"/>
+                        </p:cond>
+                      </p:stCondLst>
+                      <p:childTnLst>
+                        <p:par>
+                          <p:cTn id="4" fill="hold">
+                            <p:stCondLst>
+                              <p:cond delay="0"/>
+                            </p:stCondLst>
+                            <p:childTnLst>
+                              <p:par>
+                                <p:cTn id="5" presetID="1" presetClass="entr" presetSubtype="0" fill="hold" grpId="0" nodeType="withEffect">
+                                  <p:stCondLst>
+                                    <p:cond delay="0"/>
+                                  </p:stCondLst>
+                                  <p:childTnLst>
+                                    <p:set>
+                                      <p:cBhvr>
+                                        <p:cTn id="6" dur="1" fill="hold">
+                                          <p:stCondLst>
+                                            <p:cond delay="0"/>
+                                          </p:stCondLst>
+                                        </p:cTn>
+                                        <p:tgtEl>
+                                          <p:spTgt spid="2">
+                                            <p:txEl>
+                                              <p:pRg st="1" end="1"/>
+                                            </p:txEl>
+                                          </p:spTgt>
+                                        </p:tgtEl>
+                                        <p:attrNameLst>
+                                          <p:attrName>style.visibility</p:attrName>
+                                        </p:attrNameLst>
+                                      </p:cBhvr>
+                                      <p:to>
+                                        <p:strVal val="visible"/>
+                                      </p:to>
+                                    </p:set>
+                                  </p:childTnLst>
+                                </p:cTn>
+                              </p:par>
+                              <p:par>
+                                <p:cTn id="7" presetID="1" presetClass="entr" presetSubtype="0" fill="hold" grpId="0" nodeType="withEffect">
+                                  <p:stCondLst>
+                                    <p:cond delay="0"/>
+                                  </p:stCondLst>
+                                  <p:childTnLst>
+                                    <p:set>
+                                      <p:cBhvr>
+                                        <p:cTn id="8" dur="1" fill="hold">
+                                          <p:stCondLst>
+                                            <p:cond delay="0"/>
+                                          </p:stCondLst>
+                                        </p:cTn>
+                                        <p:tgtEl>
+                                          <p:spTgt spid="2">
+                                            <p:txEl>
+                                              <p:pRg st="3" end="3"/>
+                                            </p:txEl>
+                                          </p:spTgt>
+                                        </p:tgtEl>
+                                        <p:attrNameLst>
+                                          <p:attrName>style.visibility</p:attrName>
+                                        </p:attrNameLst>
+                                      </p:cBhvr>
+                                      <p:to>
+                                        <p:strVal val="visible"/>
+                                      </p:to>
+                                    </p:set>
+                                  </p:childTnLst>
+                                </p:cTn>
+                              </p:par>
+                            </p:childTnLst>
+                          </p:cTn>
+                        </p:par>
+                      </p:childTnLst>
+                    </p:cTn>
+                  </p:par>
+                  <p:par>
+                    <p:cTn id="9" fill="hold">
+                      <p:stCondLst>
+                        <p:cond delay="indefinite"/>
+                      </p:stCondLst>
+                      <p:childTnLst>
+                        <p:par>
+                          <p:cTn id="10" fill="hold">
+                            <p:stCondLst>
+                              <p:cond delay="0"/>
+                            </p:stCondLst>
+                            <p:childTnLst>
+                              <p:par>
+                                <p:cTn id="11" presetID="1" presetClass="entr" presetSubtype="0" fill="hold" nodeType="clickEffect">
+                                  <p:stCondLst>
+                                    <p:cond delay="0"/>
+                                  </p:stCondLst>
+                                  <p:iterate type="wd">
+                                    <p:tmAbs val="500"/>
+                                  </p:iterate>
+                                  <p:childTnLst>
+                                    <p:set>
+                                      <p:cBhvr>
+                                        <p:cTn id="12" dur="1" fill="hold">
+                                          <p:stCondLst>
+                                            <p:cond delay="0"/>
+                                          </p:stCondLst>
+                                        </p:cTn>
+                                        <p:tgtEl>
+                                          <p:spTgt spid="2">
+                                            <p:txEl>
+                                              <p:pRg st="5" end="5"/>
+                                            </p:txEl>
+                                          </p:spTgt>
+                                        </p:tgtEl>
+                                        <p:attrNameLst>
+                                          <p:attrName>style.visibility</p:attrName>
+                                        </p:attrNameLst>
+                                      </p:cBhvr>
+                                      <p:to>
+                                        <p:strVal val="visible"/>
+                                      </p:to>
+                                    </p:set>
+                                  </p:childTnLst>
+                                </p:cTn>
+                              </p:par>
+                            </p:childTnLst>
+                          </p:cTn>
+                        </p:par>
+                      </p:childTnLst>
+                    </p:cTn>
+                  </p:par>
+                  <p:par>
+                    <p:cTn id="13" fill="hold">
+                      <p:stCondLst>
+                        <p:cond delay="indefinite"/>
+                      </p:stCondLst>
+                      <p:childTnLst>
+                        <p:par>
+                          <p:cTn id="14" fill="hold">
+                            <p:stCondLst>
+                              <p:cond delay="0"/>
+                            </p:stCondLst>
+                            <p:childTnLst>
+                              <p:par>
+                                <p:cTn id="15" presetID="1" presetClass="entr" presetSubtype="0" fill="hold" nodeType="clickEffect">
+                                  <p:stCondLst>
+                                    <p:cond delay="0"/>
+                                  </p:stCondLst>
+                                  <p:iterate type="wd">
+                                    <p:tmAbs val="500"/>
+                                  </p:iterate>
+                                  <p:childTnLst>
+                                    <p:set>
+                                      <p:cBhvr>
+                                        <p:cTn id="16" dur="1" fill="hold">
+                                          <p:stCondLst>
+                                            <p:cond delay="0"/>
+                                          </p:stCondLst>
+                                        </p:cTn>
+                                        <p:tgtEl>
+                                          <p:spTgt spid="2">
+                                            <p:txEl>
+                                              <p:pRg st="6" end="6"/>
+                                            </p:txEl>
+                                          </p:spTgt>
+                                        </p:tgtEl>
+                                        <p:attrNameLst>
+                                          <p:attrName>style.visibility</p:attrName>
+                                        </p:attrNameLst>
+                                      </p:cBhvr>
+                                      <p:to>
+                                        <p:strVal val="visible"/>
+                                      </p:to>
+                                    </p:set>
+                                  </p:childTnLst>
+                                </p:cTn>
+                              </p:par>
+                              <p:par>
+                                <p:cTn id="17" presetID="10" presetClass="entr" presetSubtype="0" fill="hold" grpId="0" nodeType="withEffect">
+                                  <p:stCondLst>
+                                    <p:cond delay="1000"/>
+                                  </p:stCondLst>
+                                  <p:childTnLst>
+                                    <p:set>
+                                      <p:cBhvr>
+                                        <p:cTn id="18" dur="1" fill="hold">
+                                          <p:stCondLst>
+                                            <p:cond delay="0"/>
+                                          </p:stCondLst>
+                                        </p:cTn>
+                                        <p:tgtEl>
+                                          <p:spTgt spid="8"/>
+                                        </p:tgtEl>
+                                        <p:attrNameLst>
+                                          <p:attrName>style.visibility</p:attrName>
+                                        </p:attrNameLst>
+                                      </p:cBhvr>
+                                      <p:to>
+                                        <p:strVal val="visible"/>
+                                      </p:to>
+                                    </p:set>
+                                    <p:animEffect transition="in" filter="fade">
+                                      <p:cBhvr>
+                                        <p:cTn id="19" dur="1000"/>
+                                        <p:tgtEl>
+                                          <p:spTgt spid="8"/>
+                                        </p:tgtEl>
+                                      </p:cBhvr>
+                                    </p:animEffect>
+                                  </p:childTnLst>
+                                </p:cTn>
+                              </p:par>
+                            </p:childTnLst>
+                          </p:cTn>
+                        </p:par>
+                      </p:childTnLst>
+                    </p:cTn>
+                  </p:par>
+                </p:childTnLst>
+              </p:cTn>
+              <p:prevCondLst>
+                <p:cond evt="onPrev" delay="0">
+                  <p:tgtEl>
+                    <p:sldTgt/>
+                  </p:tgtEl>
+                </p:cond>
+              </p:prevCondLst>
+              <p:nextCondLst>
+                <p:cond evt="onNext" delay="0">
+                  <p:tgtEl>
+                    <p:sldTgt/>
+                  </p:tgtEl>
+                </p:cond>
+              </p:nextCondLst>
+            </p:seq>
+          </p:childTnLst>
+        </p:cTn>
+      </p:par>
+    </p:tnLst>
+    <p:bldLst>
+      <p:bldP spid="2" grpId="0" uiExpand="1" build="p"/>
+      <p:bldP spid="8" grpId="0" animBg="1"/>
+    </p:bldLst>
+  </p:timing>
+</p:sld>
+</file>
+
+<file path=ppt/slides/slide11.xml><?xml version="1.0" encoding="utf-8"?>
+<p:sld xmlns:a="http://schemas.openxmlformats.org/drawingml/2006/main" xmlns:r="http://schemas.openxmlformats.org/officeDocument/2006/relationships" xmlns:p="http://schemas.openxmlformats.org/presentationml/2006/main">
+  <p:cSld>
+    <p:spTree>
+      <p:nvGrpSpPr>
+        <p:cNvPr id="1" name=""/>
+        <p:cNvGrpSpPr/>
+        <p:nvPr/>
+      </p:nvGrpSpPr>
+      <p:grpSpPr>
+        <a:xfrm>
+          <a:off x="0" y="0"/>
+          <a:ext cx="0" cy="0"/>
+          <a:chOff x="0" y="0"/>
+          <a:chExt cx="0" cy="0"/>
+        </a:xfrm>
+      </p:grpSpPr>
+      <p:sp>
+        <p:nvSpPr>
+          <p:cNvPr id="2" name="Textplatzhalter 1"/>
+          <p:cNvSpPr>
+            <a:spLocks noGrp="1"/>
+          </p:cNvSpPr>
+          <p:nvPr>
+            <p:ph type="body" sz="quarter" idx="13"/>
+          </p:nvPr>
+        </p:nvSpPr>
+        <p:spPr/>
+        <p:txBody>
+          <a:bodyPr/>
+          <a:lstStyle/>
+          <a:p>
+            <a:pPr marL="342900" indent="-342900">
+              <a:buFont typeface="Arial" panose="020B0604020202020204" pitchFamily="34" charset="0"/>
+              <a:buChar char="•"/>
+            </a:pPr>
+            <a:endParaRPr lang="de-DE" sz="2400" dirty="0"/>
+          </a:p>
+          <a:p>
+            <a:pPr marL="342900" indent="-342900">
+              <a:buFont typeface="Arial" panose="020B0604020202020204" pitchFamily="34" charset="0"/>
+              <a:buChar char="•"/>
+            </a:pPr>
+            <a:r>
+              <a:rPr lang="de-DE" sz="2400" dirty="0" smtClean="0"/>
+              <a:t>Verschiedene Fragestellungen, welche bearbeitet werden mussten</a:t>
+            </a:r>
+          </a:p>
+          <a:p>
+            <a:pPr marL="342900" indent="-342900">
+              <a:buFont typeface="Arial" panose="020B0604020202020204" pitchFamily="34" charset="0"/>
+              <a:buChar char="•"/>
+            </a:pPr>
+            <a:endParaRPr lang="de-DE" sz="2400" dirty="0" smtClean="0"/>
+          </a:p>
+          <a:p>
+            <a:pPr marL="342900" indent="-342900">
+              <a:buFont typeface="Arial" panose="020B0604020202020204" pitchFamily="34" charset="0"/>
+              <a:buChar char="•"/>
+            </a:pPr>
+            <a:r>
+              <a:rPr lang="de-DE" sz="2400" dirty="0" smtClean="0"/>
+              <a:t>Welche </a:t>
+            </a:r>
+            <a:r>
+              <a:rPr lang="de-DE" sz="2400" dirty="0"/>
+              <a:t>Fragen haben die </a:t>
+            </a:r>
+            <a:r>
+              <a:rPr lang="de-DE" sz="2400" dirty="0" smtClean="0"/>
+              <a:t>Anwender?</a:t>
+            </a:r>
+          </a:p>
+          <a:p>
+            <a:pPr marL="342900" indent="-342900">
+              <a:buFont typeface="Arial" panose="020B0604020202020204" pitchFamily="34" charset="0"/>
+              <a:buChar char="•"/>
+            </a:pPr>
+            <a:r>
+              <a:rPr lang="de-DE" sz="2400" dirty="0" smtClean="0"/>
+              <a:t>Wie </a:t>
+            </a:r>
+            <a:r>
+              <a:rPr lang="de-DE" sz="2400" dirty="0"/>
+              <a:t>können wir diese mit </a:t>
+            </a:r>
+            <a:r>
+              <a:rPr lang="de-DE" sz="2400" dirty="0" smtClean="0"/>
+              <a:t>Dashboards beantworten?</a:t>
+            </a:r>
+          </a:p>
+          <a:p>
+            <a:pPr marL="342900" indent="-342900">
+              <a:buFont typeface="Arial" panose="020B0604020202020204" pitchFamily="34" charset="0"/>
+              <a:buChar char="•"/>
+            </a:pPr>
+            <a:r>
+              <a:rPr lang="de-DE" sz="2400" dirty="0" smtClean="0"/>
+              <a:t>Wie </a:t>
+            </a:r>
+            <a:r>
+              <a:rPr lang="de-DE" sz="2400" dirty="0"/>
+              <a:t>müssen die Daten vorliegen, damit diese Dashboards möglich </a:t>
+            </a:r>
+            <a:r>
+              <a:rPr lang="de-DE" sz="2400" dirty="0" smtClean="0"/>
+              <a:t>sind?</a:t>
+            </a:r>
+            <a:endParaRPr lang="de-DE" sz="2400" dirty="0"/>
+          </a:p>
+          <a:p>
+            <a:pPr marL="342900" indent="-342900">
+              <a:buFont typeface="Arial" panose="020B0604020202020204" pitchFamily="34" charset="0"/>
+              <a:buChar char="•"/>
+            </a:pPr>
+            <a:endParaRPr lang="de-DE" sz="2400" dirty="0"/>
+          </a:p>
+        </p:txBody>
+      </p:sp>
+      <p:sp>
+        <p:nvSpPr>
+          <p:cNvPr id="3" name="Titel 2"/>
+          <p:cNvSpPr>
+            <a:spLocks noGrp="1"/>
+          </p:cNvSpPr>
+          <p:nvPr>
+            <p:ph type="title"/>
+          </p:nvPr>
+        </p:nvSpPr>
+        <p:spPr/>
+        <p:txBody>
+          <a:bodyPr/>
+          <a:lstStyle/>
+          <a:p>
+            <a:r>
+              <a:rPr lang="de-DE" dirty="0" smtClean="0"/>
+              <a:t>Problemstellung</a:t>
+            </a:r>
+            <a:endParaRPr lang="de-DE" dirty="0"/>
+          </a:p>
+        </p:txBody>
+      </p:sp>
+      <p:sp>
+        <p:nvSpPr>
+          <p:cNvPr id="4" name="Datumsplatzhalter 3"/>
+          <p:cNvSpPr>
+            <a:spLocks noGrp="1"/>
+          </p:cNvSpPr>
+          <p:nvPr>
+            <p:ph type="dt" sz="half" idx="14"/>
+          </p:nvPr>
+        </p:nvSpPr>
+        <p:spPr/>
+        <p:txBody>
+          <a:bodyPr/>
+          <a:lstStyle/>
+          <a:p>
+            <a:r>
+              <a:rPr lang="de-DE" dirty="0" smtClean="0"/>
+              <a:t>04.04.2019</a:t>
+            </a:r>
+            <a:endParaRPr lang="de-DE" dirty="0"/>
+          </a:p>
+        </p:txBody>
+      </p:sp>
+      <p:sp>
+        <p:nvSpPr>
+          <p:cNvPr id="5" name="Fußzeilenplatzhalter 4"/>
+          <p:cNvSpPr>
+            <a:spLocks noGrp="1"/>
+          </p:cNvSpPr>
+          <p:nvPr>
+            <p:ph type="ftr" sz="quarter" idx="15"/>
+          </p:nvPr>
+        </p:nvSpPr>
+        <p:spPr/>
+        <p:txBody>
+          <a:bodyPr/>
+          <a:lstStyle/>
+          <a:p>
+            <a:r>
+              <a:rPr lang="de-DE" dirty="0" smtClean="0"/>
+              <a:t>corpuls.web ANALYSE - Dashboards               - Intern / Internal -</a:t>
+            </a:r>
+            <a:endParaRPr lang="de-DE" dirty="0"/>
+          </a:p>
+        </p:txBody>
+      </p:sp>
+      <p:sp>
+        <p:nvSpPr>
+          <p:cNvPr id="6" name="Foliennummernplatzhalter 5"/>
+          <p:cNvSpPr>
+            <a:spLocks noGrp="1"/>
+          </p:cNvSpPr>
+          <p:nvPr>
+            <p:ph type="sldNum" sz="quarter" idx="16"/>
+          </p:nvPr>
+        </p:nvSpPr>
+        <p:spPr/>
+        <p:txBody>
+          <a:bodyPr/>
+          <a:lstStyle/>
+          <a:p>
+            <a:pPr algn="r">
+              <a:tabLst>
+                <a:tab pos="8431213" algn="r"/>
+              </a:tabLst>
+            </a:pPr>
+            <a:fld id="{EA7C8D44-3667-46F6-9772-CC52308E2A7F}" type="slidenum">
+              <a:rPr lang="de-DE" smtClean="0"/>
+              <a:pPr algn="r">
+                <a:tabLst>
+                  <a:tab pos="8431213" algn="r"/>
+                </a:tabLst>
+              </a:pPr>
+              <a:t>11</a:t>
+            </a:fld>
+            <a:endParaRPr lang="de-DE" dirty="0"/>
+          </a:p>
+        </p:txBody>
+      </p:sp>
+    </p:spTree>
+    <p:extLst>
+      <p:ext uri="{BB962C8B-B14F-4D97-AF65-F5344CB8AC3E}">
+        <p14:creationId xmlns:p14="http://schemas.microsoft.com/office/powerpoint/2010/main" val="1065347043"/>
+      </p:ext>
+    </p:extLst>
+  </p:cSld>
+  <p:clrMapOvr>
+    <a:masterClrMapping/>
+  </p:clrMapOvr>
+  <mc:AlternateContent xmlns:mc="http://schemas.openxmlformats.org/markup-compatibility/2006" xmlns:p14="http://schemas.microsoft.com/office/powerpoint/2010/main">
+    <mc:Choice Requires="p14">
+      <p:transition p14:dur="100">
+        <p:cut/>
+      </p:transition>
+    </mc:Choice>
+    <mc:Fallback xmlns="">
+      <p:transition>
+        <p:cut/>
+      </p:transition>
+    </mc:Fallback>
+  </mc:AlternateContent>
+  <p:timing>
+    <p:tnLst>
+      <p:par>
+        <p:cTn id="1" dur="indefinite" restart="never" nodeType="tmRoot">
+          <p:childTnLst>
+            <p:seq concurrent="1" nextAc="seek">
+              <p:cTn id="2" dur="indefinite" nodeType="mainSeq">
+                <p:childTnLst>
+                  <p:par>
+                    <p:cTn id="3" fill="hold">
+                      <p:stCondLst>
+                        <p:cond delay="indefinite"/>
+                        <p:cond evt="onBegin" delay="0">
+                          <p:tn val="2"/>
+                        </p:cond>
+                      </p:stCondLst>
+                      <p:childTnLst>
+                        <p:par>
+                          <p:cTn id="4" fill="hold">
+                            <p:stCondLst>
+                              <p:cond delay="0"/>
+                            </p:stCondLst>
+                            <p:childTnLst>
+                              <p:par>
+                                <p:cTn id="5" presetID="1" presetClass="entr" presetSubtype="0" fill="hold" grpId="0" nodeType="withEffect">
+                                  <p:stCondLst>
+                                    <p:cond delay="0"/>
+                                  </p:stCondLst>
+                                  <p:childTnLst>
+                                    <p:set>
+                                      <p:cBhvr>
+                                        <p:cTn id="6" dur="1" fill="hold">
+                                          <p:stCondLst>
+                                            <p:cond delay="0"/>
+                                          </p:stCondLst>
+                                        </p:cTn>
+                                        <p:tgtEl>
+                                          <p:spTgt spid="2">
+                                            <p:txEl>
+                                              <p:pRg st="1" end="1"/>
+                                            </p:txEl>
+                                          </p:spTgt>
+                                        </p:tgtEl>
+                                        <p:attrNameLst>
+                                          <p:attrName>style.visibility</p:attrName>
+                                        </p:attrNameLst>
+                                      </p:cBhvr>
+                                      <p:to>
+                                        <p:strVal val="visible"/>
+                                      </p:to>
+                                    </p:set>
+                                  </p:childTnLst>
+                                </p:cTn>
+                              </p:par>
+                            </p:childTnLst>
+                          </p:cTn>
+                        </p:par>
+                      </p:childTnLst>
+                    </p:cTn>
+                  </p:par>
+                  <p:par>
+                    <p:cTn id="7" fill="hold">
+                      <p:stCondLst>
+                        <p:cond delay="indefinite"/>
+                      </p:stCondLst>
+                      <p:childTnLst>
+                        <p:par>
+                          <p:cTn id="8" fill="hold">
+                            <p:stCondLst>
+                              <p:cond delay="0"/>
+                            </p:stCondLst>
+                            <p:childTnLst>
+                              <p:par>
+                                <p:cTn id="9" presetID="1" presetClass="entr" presetSubtype="0" fill="hold" grpId="0" nodeType="clickEffect">
+                                  <p:stCondLst>
+                                    <p:cond delay="0"/>
+                                  </p:stCondLst>
+                                  <p:childTnLst>
+                                    <p:set>
+                                      <p:cBhvr>
+                                        <p:cTn id="10" dur="1" fill="hold">
+                                          <p:stCondLst>
+                                            <p:cond delay="0"/>
+                                          </p:stCondLst>
+                                        </p:cTn>
+                                        <p:tgtEl>
+                                          <p:spTgt spid="2">
+                                            <p:txEl>
+                                              <p:pRg st="3" end="3"/>
+                                            </p:txEl>
+                                          </p:spTgt>
+                                        </p:tgtEl>
+                                        <p:attrNameLst>
+                                          <p:attrName>style.visibility</p:attrName>
+                                        </p:attrNameLst>
+                                      </p:cBhvr>
+                                      <p:to>
+                                        <p:strVal val="visible"/>
+                                      </p:to>
+                                    </p:set>
+                                  </p:childTnLst>
+                                </p:cTn>
+                              </p:par>
+                            </p:childTnLst>
+                          </p:cTn>
+                        </p:par>
+                      </p:childTnLst>
+                    </p:cTn>
+                  </p:par>
+                  <p:par>
+                    <p:cTn id="11" fill="hold">
+                      <p:stCondLst>
+                        <p:cond delay="indefinite"/>
+                      </p:stCondLst>
+                      <p:childTnLst>
+                        <p:par>
+                          <p:cTn id="12" fill="hold">
+                            <p:stCondLst>
+                              <p:cond delay="0"/>
+                            </p:stCondLst>
+                            <p:childTnLst>
+                              <p:par>
+                                <p:cTn id="13" presetID="1" presetClass="entr" presetSubtype="0" fill="hold" grpId="0" nodeType="clickEffect">
+                                  <p:stCondLst>
+                                    <p:cond delay="0"/>
+                                  </p:stCondLst>
+                                  <p:childTnLst>
+                                    <p:set>
+                                      <p:cBhvr>
+                                        <p:cTn id="14" dur="1" fill="hold">
+                                          <p:stCondLst>
+                                            <p:cond delay="0"/>
+                                          </p:stCondLst>
+                                        </p:cTn>
+                                        <p:tgtEl>
+                                          <p:spTgt spid="2">
+                                            <p:txEl>
+                                              <p:pRg st="4" end="4"/>
+                                            </p:txEl>
+                                          </p:spTgt>
+                                        </p:tgtEl>
+                                        <p:attrNameLst>
+                                          <p:attrName>style.visibility</p:attrName>
+                                        </p:attrNameLst>
+                                      </p:cBhvr>
+                                      <p:to>
+                                        <p:strVal val="visible"/>
+                                      </p:to>
+                                    </p:set>
+                                  </p:childTnLst>
+                                </p:cTn>
+                              </p:par>
+                            </p:childTnLst>
+                          </p:cTn>
+                        </p:par>
+                      </p:childTnLst>
+                    </p:cTn>
+                  </p:par>
+                  <p:par>
+                    <p:cTn id="15" fill="hold">
+                      <p:stCondLst>
+                        <p:cond delay="indefinite"/>
+                      </p:stCondLst>
+                      <p:childTnLst>
+                        <p:par>
+                          <p:cTn id="16" fill="hold">
+                            <p:stCondLst>
+                              <p:cond delay="0"/>
+                            </p:stCondLst>
+                            <p:childTnLst>
+                              <p:par>
+                                <p:cTn id="17" presetID="1" presetClass="entr" presetSubtype="0" fill="hold" grpId="0" nodeType="clickEffect">
+                                  <p:stCondLst>
+                                    <p:cond delay="0"/>
+                                  </p:stCondLst>
+                                  <p:childTnLst>
+                                    <p:set>
+                                      <p:cBhvr>
+                                        <p:cTn id="18" dur="1" fill="hold">
+                                          <p:stCondLst>
+                                            <p:cond delay="0"/>
+                                          </p:stCondLst>
+                                        </p:cTn>
+                                        <p:tgtEl>
+                                          <p:spTgt spid="2">
+                                            <p:txEl>
+                                              <p:pRg st="5" end="5"/>
+                                            </p:txEl>
+                                          </p:spTgt>
+                                        </p:tgtEl>
+                                        <p:attrNameLst>
+                                          <p:attrName>style.visibility</p:attrName>
+                                        </p:attrNameLst>
+                                      </p:cBhvr>
+                                      <p:to>
+                                        <p:strVal val="visible"/>
+                                      </p:to>
+                                    </p:set>
+                                  </p:childTnLst>
+                                </p:cTn>
+                              </p:par>
+                            </p:childTnLst>
+                          </p:cTn>
+                        </p:par>
+                      </p:childTnLst>
+                    </p:cTn>
+                  </p:par>
+                </p:childTnLst>
+              </p:cTn>
+              <p:prevCondLst>
+                <p:cond evt="onPrev" delay="0">
+                  <p:tgtEl>
+                    <p:sldTgt/>
+                  </p:tgtEl>
+                </p:cond>
+              </p:prevCondLst>
+              <p:nextCondLst>
+                <p:cond evt="onNext" delay="0">
+                  <p:tgtEl>
+                    <p:sldTgt/>
+                  </p:tgtEl>
+                </p:cond>
+              </p:nextCondLst>
+            </p:seq>
+          </p:childTnLst>
+        </p:cTn>
+      </p:par>
+    </p:tnLst>
+    <p:bldLst>
+      <p:bldP spid="2" grpId="0" uiExpand="1" build="p"/>
+    </p:bldLst>
+  </p:timing>
+</p:sld>
+</file>
+
+<file path=ppt/slides/slide12.xml><?xml version="1.0" encoding="utf-8"?>
+<p:sld xmlns:a="http://schemas.openxmlformats.org/drawingml/2006/main" xmlns:r="http://schemas.openxmlformats.org/officeDocument/2006/relationships" xmlns:p="http://schemas.openxmlformats.org/presentationml/2006/main">
+  <p:cSld>
+    <p:spTree>
+      <p:nvGrpSpPr>
+        <p:cNvPr id="1" name=""/>
+        <p:cNvGrpSpPr/>
+        <p:nvPr/>
+      </p:nvGrpSpPr>
+      <p:grpSpPr>
+        <a:xfrm>
+          <a:off x="0" y="0"/>
+          <a:ext cx="0" cy="0"/>
+          <a:chOff x="0" y="0"/>
+          <a:chExt cx="0" cy="0"/>
+        </a:xfrm>
+      </p:grpSpPr>
+      <p:sp>
+        <p:nvSpPr>
+          <p:cNvPr id="2" name="Textplatzhalter 1"/>
+          <p:cNvSpPr>
+            <a:spLocks noGrp="1"/>
+          </p:cNvSpPr>
+          <p:nvPr>
+            <p:ph type="body" sz="quarter" idx="17"/>
+          </p:nvPr>
+        </p:nvSpPr>
+        <p:spPr/>
+        <p:txBody>
+          <a:bodyPr/>
+          <a:lstStyle/>
+          <a:p>
+            <a:endParaRPr lang="de-DE" sz="2400" dirty="0" smtClean="0"/>
+          </a:p>
+          <a:p>
+            <a:r>
+              <a:rPr lang="de-DE" sz="2400" dirty="0" smtClean="0"/>
+              <a:t>Wie war es bisher?</a:t>
+            </a:r>
+          </a:p>
+          <a:p>
+            <a:endParaRPr lang="de-DE" sz="2400" dirty="0" smtClean="0"/>
+          </a:p>
+          <a:p>
+            <a:r>
+              <a:rPr lang="de-DE" sz="2400" dirty="0"/>
+              <a:t>Wie ist es jetzt?</a:t>
+            </a:r>
+          </a:p>
+          <a:p>
+            <a:endParaRPr lang="de-DE" sz="2400" dirty="0" smtClean="0"/>
+          </a:p>
+        </p:txBody>
+      </p:sp>
+      <p:sp>
+        <p:nvSpPr>
+          <p:cNvPr id="3" name="Textplatzhalter 2"/>
+          <p:cNvSpPr>
+            <a:spLocks noGrp="1"/>
+          </p:cNvSpPr>
+          <p:nvPr>
+            <p:ph type="body" sz="quarter" idx="18"/>
+          </p:nvPr>
+        </p:nvSpPr>
+        <p:spPr/>
+        <p:txBody>
+          <a:bodyPr/>
+          <a:lstStyle/>
+          <a:p>
+            <a:pPr marL="342900" indent="-342900">
+              <a:buFont typeface="Arial" panose="020B0604020202020204" pitchFamily="34" charset="0"/>
+              <a:buChar char="•"/>
+            </a:pPr>
+            <a:endParaRPr lang="de-DE" dirty="0" smtClean="0"/>
+          </a:p>
+          <a:p>
+            <a:endParaRPr lang="de-DE" dirty="0"/>
+          </a:p>
+        </p:txBody>
+      </p:sp>
+      <p:sp>
+        <p:nvSpPr>
+          <p:cNvPr id="4" name="Datumsplatzhalter 3"/>
+          <p:cNvSpPr>
+            <a:spLocks noGrp="1"/>
+          </p:cNvSpPr>
+          <p:nvPr>
+            <p:ph type="dt" sz="half" idx="19"/>
+          </p:nvPr>
+        </p:nvSpPr>
+        <p:spPr/>
+        <p:txBody>
+          <a:bodyPr/>
+          <a:lstStyle/>
+          <a:p>
+            <a:pPr>
+              <a:tabLst>
+                <a:tab pos="8431213" algn="r"/>
+              </a:tabLst>
+            </a:pPr>
+            <a:r>
+              <a:rPr lang="de-DE" dirty="0" smtClean="0"/>
+              <a:t>04.04.2019</a:t>
+            </a:r>
+            <a:endParaRPr lang="de-DE" dirty="0"/>
+          </a:p>
+        </p:txBody>
+      </p:sp>
+      <p:sp>
+        <p:nvSpPr>
+          <p:cNvPr id="5" name="Fußzeilenplatzhalter 4"/>
+          <p:cNvSpPr>
+            <a:spLocks noGrp="1"/>
+          </p:cNvSpPr>
+          <p:nvPr>
+            <p:ph type="ftr" sz="quarter" idx="20"/>
+          </p:nvPr>
+        </p:nvSpPr>
+        <p:spPr/>
+        <p:txBody>
+          <a:bodyPr/>
+          <a:lstStyle/>
+          <a:p>
+            <a:pPr>
+              <a:tabLst>
+                <a:tab pos="8431213" algn="r"/>
+              </a:tabLst>
+            </a:pPr>
+            <a:r>
+              <a:rPr lang="de-DE" dirty="0" smtClean="0"/>
+              <a:t>corpuls.web ANALYSE - Dashboards               - Intern / Internal -</a:t>
+            </a:r>
+            <a:endParaRPr lang="de-DE" dirty="0"/>
+          </a:p>
+        </p:txBody>
+      </p:sp>
+      <p:sp>
+        <p:nvSpPr>
+          <p:cNvPr id="6" name="Titel 5"/>
+          <p:cNvSpPr>
+            <a:spLocks noGrp="1"/>
+          </p:cNvSpPr>
+          <p:nvPr>
+            <p:ph type="title"/>
+          </p:nvPr>
+        </p:nvSpPr>
+        <p:spPr/>
+        <p:txBody>
+          <a:bodyPr/>
+          <a:lstStyle/>
+          <a:p>
+            <a:r>
+              <a:rPr lang="de-DE" dirty="0" smtClean="0"/>
+              <a:t>Technische Änderungen</a:t>
+            </a:r>
+            <a:br>
+              <a:rPr lang="de-DE" dirty="0" smtClean="0"/>
+            </a:br>
+            <a:endParaRPr lang="de-DE" dirty="0"/>
+          </a:p>
+        </p:txBody>
+      </p:sp>
+      <p:sp>
+        <p:nvSpPr>
+          <p:cNvPr id="7" name="Foliennummernplatzhalter 6"/>
+          <p:cNvSpPr>
+            <a:spLocks noGrp="1"/>
+          </p:cNvSpPr>
+          <p:nvPr>
+            <p:ph type="sldNum" sz="quarter" idx="12"/>
+          </p:nvPr>
+        </p:nvSpPr>
+        <p:spPr/>
+        <p:txBody>
+          <a:bodyPr/>
+          <a:lstStyle/>
+          <a:p>
+            <a:pPr algn="r">
+              <a:tabLst>
+                <a:tab pos="8431213" algn="r"/>
+              </a:tabLst>
+            </a:pPr>
+            <a:fld id="{EA7C8D44-3667-46F6-9772-CC52308E2A7F}" type="slidenum">
+              <a:rPr lang="de-DE" smtClean="0"/>
+              <a:pPr algn="r">
+                <a:tabLst>
+                  <a:tab pos="8431213" algn="r"/>
+                </a:tabLst>
+              </a:pPr>
+              <a:t>12</a:t>
+            </a:fld>
+            <a:endParaRPr lang="de-DE" dirty="0"/>
+          </a:p>
+        </p:txBody>
+      </p:sp>
+    </p:spTree>
+    <p:extLst>
+      <p:ext uri="{BB962C8B-B14F-4D97-AF65-F5344CB8AC3E}">
+        <p14:creationId xmlns:p14="http://schemas.microsoft.com/office/powerpoint/2010/main" val="2170890318"/>
+      </p:ext>
+    </p:extLst>
+  </p:cSld>
+  <p:clrMapOvr>
+    <a:masterClrMapping/>
+  </p:clrMapOvr>
+  <mc:AlternateContent xmlns:mc="http://schemas.openxmlformats.org/markup-compatibility/2006" xmlns:p14="http://schemas.microsoft.com/office/powerpoint/2010/main">
+    <mc:Choice Requires="p14">
+      <p:transition p14:dur="100">
+        <p:cut/>
+      </p:transition>
+    </mc:Choice>
+    <mc:Fallback xmlns="">
+      <p:transition>
+        <p:cut/>
+      </p:transition>
+    </mc:Fallback>
+  </mc:AlternateContent>
+  <p:timing>
+    <p:tnLst>
+      <p:par>
+        <p:cTn id="1" dur="indefinite" restart="never" nodeType="tmRoot"/>
+      </p:par>
+    </p:tnLst>
+  </p:timing>
+</p:sld>
+</file>
+
+<file path=ppt/slides/slide13.xml><?xml version="1.0" encoding="utf-8"?>
+<p:sld xmlns:a="http://schemas.openxmlformats.org/drawingml/2006/main" xmlns:r="http://schemas.openxmlformats.org/officeDocument/2006/relationships" xmlns:p="http://schemas.openxmlformats.org/presentationml/2006/main">
+  <p:cSld>
+    <p:spTree>
+      <p:nvGrpSpPr>
+        <p:cNvPr id="1" name=""/>
+        <p:cNvGrpSpPr/>
+        <p:nvPr/>
+      </p:nvGrpSpPr>
+      <p:grpSpPr>
+        <a:xfrm>
+          <a:off x="0" y="0"/>
+          <a:ext cx="0" cy="0"/>
+          <a:chOff x="0" y="0"/>
+          <a:chExt cx="0" cy="0"/>
+        </a:xfrm>
+      </p:grpSpPr>
+      <p:sp>
+        <p:nvSpPr>
+          <p:cNvPr id="2" name="Textplatzhalter 1"/>
+          <p:cNvSpPr>
+            <a:spLocks noGrp="1"/>
+          </p:cNvSpPr>
+          <p:nvPr>
+            <p:ph type="body" sz="quarter" idx="13"/>
+          </p:nvPr>
+        </p:nvSpPr>
+        <p:spPr/>
+        <p:txBody>
+          <a:bodyPr/>
+          <a:lstStyle/>
+          <a:p>
+            <a:endParaRPr lang="de-DE" sz="2400" dirty="0" smtClean="0"/>
+          </a:p>
+          <a:p>
+            <a:pPr marL="457200" indent="-457200">
+              <a:buFont typeface="+mj-lt"/>
+              <a:buAutoNum type="arabicPeriod"/>
+            </a:pPr>
+            <a:r>
+              <a:rPr lang="de-DE" sz="2400" dirty="0" smtClean="0"/>
+              <a:t>Vergleiche in der Tabelle</a:t>
+            </a:r>
+          </a:p>
+          <a:p>
+            <a:pPr marL="457200" indent="-457200">
+              <a:buFont typeface="+mj-lt"/>
+              <a:buAutoNum type="arabicPeriod"/>
+            </a:pPr>
+            <a:endParaRPr lang="de-DE" sz="2400" dirty="0" smtClean="0"/>
+          </a:p>
+          <a:p>
+            <a:pPr marL="457200" indent="-457200">
+              <a:buFont typeface="+mj-lt"/>
+              <a:buAutoNum type="arabicPeriod"/>
+            </a:pPr>
+            <a:r>
+              <a:rPr lang="de-DE" sz="2400" dirty="0" smtClean="0"/>
+              <a:t>CSV-Export für Auswertungen</a:t>
+            </a:r>
+          </a:p>
+          <a:p>
+            <a:endParaRPr lang="de-DE" sz="2400" dirty="0" smtClean="0"/>
+          </a:p>
+        </p:txBody>
+      </p:sp>
+      <p:sp>
+        <p:nvSpPr>
+          <p:cNvPr id="3" name="Titel 2"/>
+          <p:cNvSpPr>
+            <a:spLocks noGrp="1"/>
+          </p:cNvSpPr>
+          <p:nvPr>
+            <p:ph type="title"/>
+          </p:nvPr>
+        </p:nvSpPr>
+        <p:spPr/>
+        <p:txBody>
+          <a:bodyPr/>
+          <a:lstStyle/>
+          <a:p>
+            <a:r>
+              <a:rPr lang="de-DE" dirty="0" smtClean="0"/>
+              <a:t>Technische Änderungen – Bisher</a:t>
+            </a:r>
+            <a:endParaRPr lang="de-DE" dirty="0"/>
+          </a:p>
+        </p:txBody>
+      </p:sp>
+      <p:sp>
+        <p:nvSpPr>
+          <p:cNvPr id="4" name="Datumsplatzhalter 3"/>
+          <p:cNvSpPr>
+            <a:spLocks noGrp="1"/>
+          </p:cNvSpPr>
+          <p:nvPr>
+            <p:ph type="dt" sz="half" idx="14"/>
+          </p:nvPr>
+        </p:nvSpPr>
+        <p:spPr/>
+        <p:txBody>
+          <a:bodyPr/>
+          <a:lstStyle/>
+          <a:p>
+            <a:r>
+              <a:rPr lang="de-DE" dirty="0" smtClean="0"/>
+              <a:t>04.04.2019</a:t>
+            </a:r>
+            <a:endParaRPr lang="de-DE" dirty="0"/>
+          </a:p>
+        </p:txBody>
+      </p:sp>
+      <p:sp>
+        <p:nvSpPr>
+          <p:cNvPr id="5" name="Fußzeilenplatzhalter 4"/>
+          <p:cNvSpPr>
+            <a:spLocks noGrp="1"/>
+          </p:cNvSpPr>
+          <p:nvPr>
+            <p:ph type="ftr" sz="quarter" idx="15"/>
+          </p:nvPr>
+        </p:nvSpPr>
+        <p:spPr/>
+        <p:txBody>
+          <a:bodyPr/>
+          <a:lstStyle/>
+          <a:p>
+            <a:r>
+              <a:rPr lang="de-DE" dirty="0" smtClean="0"/>
+              <a:t>corpuls.web ANALYSE - Dashboards               - Intern / Internal -</a:t>
+            </a:r>
+            <a:endParaRPr lang="de-DE" dirty="0"/>
+          </a:p>
+        </p:txBody>
+      </p:sp>
+      <p:sp>
+        <p:nvSpPr>
+          <p:cNvPr id="6" name="Foliennummernplatzhalter 5"/>
+          <p:cNvSpPr>
+            <a:spLocks noGrp="1"/>
+          </p:cNvSpPr>
+          <p:nvPr>
+            <p:ph type="sldNum" sz="quarter" idx="16"/>
+          </p:nvPr>
+        </p:nvSpPr>
+        <p:spPr/>
+        <p:txBody>
+          <a:bodyPr/>
+          <a:lstStyle/>
+          <a:p>
+            <a:pPr algn="r">
+              <a:tabLst>
+                <a:tab pos="8431213" algn="r"/>
+              </a:tabLst>
+            </a:pPr>
+            <a:fld id="{EA7C8D44-3667-46F6-9772-CC52308E2A7F}" type="slidenum">
+              <a:rPr lang="de-DE" smtClean="0"/>
+              <a:pPr algn="r">
+                <a:tabLst>
+                  <a:tab pos="8431213" algn="r"/>
+                </a:tabLst>
+              </a:pPr>
+              <a:t>13</a:t>
+            </a:fld>
+            <a:endParaRPr lang="de-DE" dirty="0"/>
+          </a:p>
+        </p:txBody>
+      </p:sp>
+      <p:pic>
+        <p:nvPicPr>
+          <p:cNvPr id="2050" name="Picture 2" descr="C:\Users\Hirsch\Documents\GitHub\Thesis\ppt_img\export.JPG"/>
+          <p:cNvPicPr>
+            <a:picLocks noChangeAspect="1" noChangeArrowheads="1"/>
+          </p:cNvPicPr>
+          <p:nvPr/>
+        </p:nvPicPr>
+        <p:blipFill>
+          <a:blip r:embed="rId3">
+            <a:extLst>
+              <a:ext uri="{28A0092B-C50C-407E-A947-70E740481C1C}">
+                <a14:useLocalDpi xmlns:a14="http://schemas.microsoft.com/office/drawing/2010/main" val="0"/>
+              </a:ext>
+            </a:extLst>
+          </a:blip>
+          <a:srcRect/>
+          <a:stretch>
+            <a:fillRect/>
+          </a:stretch>
+        </p:blipFill>
+        <p:spPr bwMode="auto">
+          <a:xfrm>
+            <a:off x="5102140" y="2283718"/>
+            <a:ext cx="774809" cy="343665"/>
+          </a:xfrm>
+          <a:prstGeom prst="rect">
+            <a:avLst/>
+          </a:prstGeom>
+          <a:noFill/>
+          <a:effectLst>
+            <a:softEdge rad="12700"/>
+          </a:effectLst>
+          <a:extLst>
+            <a:ext uri="{909E8E84-426E-40DD-AFC4-6F175D3DCCD1}">
+              <a14:hiddenFill xmlns:a14="http://schemas.microsoft.com/office/drawing/2010/main">
+                <a:solidFill>
+                  <a:srgbClr val="FFFFFF"/>
+                </a:solidFill>
+              </a14:hiddenFill>
+            </a:ext>
+          </a:extLst>
+        </p:spPr>
+      </p:pic>
+    </p:spTree>
+    <p:extLst>
+      <p:ext uri="{BB962C8B-B14F-4D97-AF65-F5344CB8AC3E}">
+        <p14:creationId xmlns:p14="http://schemas.microsoft.com/office/powerpoint/2010/main" val="1243796590"/>
+      </p:ext>
+    </p:extLst>
+  </p:cSld>
+  <p:clrMapOvr>
+    <a:masterClrMapping/>
+  </p:clrMapOvr>
+  <mc:AlternateContent xmlns:mc="http://schemas.openxmlformats.org/markup-compatibility/2006" xmlns:p14="http://schemas.microsoft.com/office/powerpoint/2010/main">
+    <mc:Choice Requires="p14">
+      <p:transition p14:dur="100">
+        <p:cut/>
+      </p:transition>
+    </mc:Choice>
+    <mc:Fallback xmlns="">
+      <p:transition>
+        <p:cut/>
+      </p:transition>
+    </mc:Fallback>
+  </mc:AlternateContent>
+  <p:timing>
+    <p:tnLst>
+      <p:par>
+        <p:cTn id="1" dur="indefinite" restart="never" nodeType="tmRoot">
+          <p:childTnLst>
+            <p:seq concurrent="1" nextAc="seek">
+              <p:cTn id="2" dur="indefinite" nodeType="mainSeq">
+                <p:childTnLst>
+                  <p:par>
+                    <p:cTn id="3" fill="hold">
+                      <p:stCondLst>
+                        <p:cond delay="indefinite"/>
+                      </p:stCondLst>
+                      <p:childTnLst>
+                        <p:par>
+                          <p:cTn id="4" fill="hold">
+                            <p:stCondLst>
+                              <p:cond delay="0"/>
+                            </p:stCondLst>
+                            <p:childTnLst>
+                              <p:par>
+                                <p:cTn id="5" presetID="1" presetClass="entr" presetSubtype="0" fill="hold" grpId="0" nodeType="clickEffect">
+                                  <p:stCondLst>
+                                    <p:cond delay="0"/>
+                                  </p:stCondLst>
+                                  <p:childTnLst>
+                                    <p:set>
+                                      <p:cBhvr>
+                                        <p:cTn id="6" dur="1" fill="hold">
+                                          <p:stCondLst>
+                                            <p:cond delay="0"/>
+                                          </p:stCondLst>
+                                        </p:cTn>
+                                        <p:tgtEl>
+                                          <p:spTgt spid="2">
+                                            <p:txEl>
+                                              <p:pRg st="1" end="1"/>
+                                            </p:txEl>
+                                          </p:spTgt>
+                                        </p:tgtEl>
+                                        <p:attrNameLst>
+                                          <p:attrName>style.visibility</p:attrName>
+                                        </p:attrNameLst>
+                                      </p:cBhvr>
+                                      <p:to>
+                                        <p:strVal val="visible"/>
+                                      </p:to>
+                                    </p:set>
+                                  </p:childTnLst>
+                                </p:cTn>
+                              </p:par>
+                            </p:childTnLst>
+                          </p:cTn>
+                        </p:par>
+                      </p:childTnLst>
+                    </p:cTn>
+                  </p:par>
+                  <p:par>
+                    <p:cTn id="7" fill="hold">
+                      <p:stCondLst>
+                        <p:cond delay="indefinite"/>
+                      </p:stCondLst>
+                      <p:childTnLst>
+                        <p:par>
+                          <p:cTn id="8" fill="hold">
+                            <p:stCondLst>
+                              <p:cond delay="0"/>
+                            </p:stCondLst>
+                            <p:childTnLst>
+                              <p:par>
+                                <p:cTn id="9" presetID="1" presetClass="entr" presetSubtype="0" fill="hold" grpId="0" nodeType="clickEffect">
+                                  <p:stCondLst>
+                                    <p:cond delay="0"/>
+                                  </p:stCondLst>
+                                  <p:childTnLst>
+                                    <p:set>
+                                      <p:cBhvr>
+                                        <p:cTn id="10" dur="1" fill="hold">
+                                          <p:stCondLst>
+                                            <p:cond delay="0"/>
+                                          </p:stCondLst>
+                                        </p:cTn>
+                                        <p:tgtEl>
+                                          <p:spTgt spid="2">
+                                            <p:txEl>
+                                              <p:pRg st="3" end="3"/>
+                                            </p:txEl>
+                                          </p:spTgt>
+                                        </p:tgtEl>
+                                        <p:attrNameLst>
+                                          <p:attrName>style.visibility</p:attrName>
+                                        </p:attrNameLst>
+                                      </p:cBhvr>
+                                      <p:to>
+                                        <p:strVal val="visible"/>
+                                      </p:to>
+                                    </p:set>
+                                  </p:childTnLst>
+                                </p:cTn>
+                              </p:par>
+                              <p:par>
+                                <p:cTn id="11" presetID="1" presetClass="entr" presetSubtype="0" fill="hold" nodeType="withEffect">
+                                  <p:stCondLst>
+                                    <p:cond delay="0"/>
+                                  </p:stCondLst>
+                                  <p:childTnLst>
+                                    <p:set>
+                                      <p:cBhvr>
+                                        <p:cTn id="12" dur="1" fill="hold">
+                                          <p:stCondLst>
+                                            <p:cond delay="0"/>
+                                          </p:stCondLst>
+                                        </p:cTn>
+                                        <p:tgtEl>
+                                          <p:spTgt spid="2050"/>
+                                        </p:tgtEl>
+                                        <p:attrNameLst>
+                                          <p:attrName>style.visibility</p:attrName>
+                                        </p:attrNameLst>
+                                      </p:cBhvr>
+                                      <p:to>
+                                        <p:strVal val="visible"/>
+                                      </p:to>
+                                    </p:set>
+                                  </p:childTnLst>
+                                </p:cTn>
+                              </p:par>
+                            </p:childTnLst>
+                          </p:cTn>
+                        </p:par>
+                      </p:childTnLst>
+                    </p:cTn>
+                  </p:par>
+                </p:childTnLst>
+              </p:cTn>
+              <p:prevCondLst>
+                <p:cond evt="onPrev" delay="0">
+                  <p:tgtEl>
+                    <p:sldTgt/>
+                  </p:tgtEl>
+                </p:cond>
+              </p:prevCondLst>
+              <p:nextCondLst>
+                <p:cond evt="onNext" delay="0">
+                  <p:tgtEl>
+                    <p:sldTgt/>
+                  </p:tgtEl>
+                </p:cond>
+              </p:nextCondLst>
+            </p:seq>
+          </p:childTnLst>
+        </p:cTn>
+      </p:par>
+    </p:tnLst>
+    <p:bldLst>
+      <p:bldP spid="2" grpId="0" build="p"/>
+    </p:bldLst>
+  </p:timing>
+</p:sld>
+</file>
+
+<file path=ppt/slides/slide14.xml><?xml version="1.0" encoding="utf-8"?>
+<p:sld xmlns:a="http://schemas.openxmlformats.org/drawingml/2006/main" xmlns:r="http://schemas.openxmlformats.org/officeDocument/2006/relationships" xmlns:p="http://schemas.openxmlformats.org/presentationml/2006/main">
+  <p:cSld>
+    <p:spTree>
+      <p:nvGrpSpPr>
+        <p:cNvPr id="1" name=""/>
+        <p:cNvGrpSpPr/>
+        <p:nvPr/>
+      </p:nvGrpSpPr>
+      <p:grpSpPr>
+        <a:xfrm>
+          <a:off x="0" y="0"/>
+          <a:ext cx="0" cy="0"/>
+          <a:chOff x="0" y="0"/>
+          <a:chExt cx="0" cy="0"/>
+        </a:xfrm>
+      </p:grpSpPr>
+      <p:sp>
+        <p:nvSpPr>
+          <p:cNvPr id="2" name="Textplatzhalter 1"/>
+          <p:cNvSpPr>
+            <a:spLocks noGrp="1"/>
+          </p:cNvSpPr>
+          <p:nvPr>
+            <p:ph type="body" sz="quarter" idx="13"/>
+          </p:nvPr>
+        </p:nvSpPr>
+        <p:spPr/>
+        <p:txBody>
+          <a:bodyPr/>
+          <a:lstStyle/>
+          <a:p>
+            <a:endParaRPr lang="de-DE" sz="2400" dirty="0" smtClean="0"/>
+          </a:p>
+          <a:p>
+            <a:r>
+              <a:rPr lang="de-DE" sz="2400" dirty="0" smtClean="0"/>
+              <a:t>REST-Export </a:t>
+            </a:r>
+          </a:p>
+          <a:p>
+            <a:pPr marL="615950" lvl="1" indent="-342900">
+              <a:buFont typeface="Arial" panose="020B0604020202020204" pitchFamily="34" charset="0"/>
+              <a:buChar char="•"/>
+            </a:pPr>
+            <a:r>
+              <a:rPr lang="de-DE" sz="2400" dirty="0" smtClean="0"/>
+              <a:t>Export generieren 		</a:t>
+            </a:r>
+          </a:p>
+          <a:p>
+            <a:pPr lvl="1" indent="0">
+              <a:buNone/>
+            </a:pPr>
+            <a:r>
+              <a:rPr lang="de-DE" sz="1800" dirty="0" smtClean="0">
+                <a:solidFill>
+                  <a:schemeClr val="bg1">
+                    <a:lumMod val="50000"/>
+                  </a:schemeClr>
+                </a:solidFill>
+                <a:latin typeface="Courier New" panose="02070309020205020404" pitchFamily="49" charset="0"/>
+                <a:cs typeface="Courier New" panose="02070309020205020404" pitchFamily="49" charset="0"/>
+              </a:rPr>
+              <a:t>   POST http</a:t>
+            </a:r>
+            <a:r>
+              <a:rPr lang="de-DE" sz="1800" dirty="0">
+                <a:solidFill>
+                  <a:schemeClr val="bg1">
+                    <a:lumMod val="50000"/>
+                  </a:schemeClr>
+                </a:solidFill>
+                <a:latin typeface="Courier New" panose="02070309020205020404" pitchFamily="49" charset="0"/>
+                <a:cs typeface="Courier New" panose="02070309020205020404" pitchFamily="49" charset="0"/>
+              </a:rPr>
+              <a:t>://</a:t>
+            </a:r>
+            <a:r>
+              <a:rPr lang="de-DE" sz="1800" dirty="0" smtClean="0">
+                <a:solidFill>
+                  <a:schemeClr val="bg1">
+                    <a:lumMod val="50000"/>
+                  </a:schemeClr>
+                </a:solidFill>
+                <a:latin typeface="Courier New" panose="02070309020205020404" pitchFamily="49" charset="0"/>
+                <a:cs typeface="Courier New" panose="02070309020205020404" pitchFamily="49" charset="0"/>
+              </a:rPr>
+              <a:t>corpsrv5028:8080/v3/</a:t>
+            </a:r>
+            <a:r>
+              <a:rPr lang="de-DE" sz="1800" dirty="0">
+                <a:solidFill>
+                  <a:schemeClr val="bg1">
+                    <a:lumMod val="50000"/>
+                  </a:schemeClr>
+                </a:solidFill>
+                <a:latin typeface="Courier New" panose="02070309020205020404" pitchFamily="49" charset="0"/>
+                <a:cs typeface="Courier New" panose="02070309020205020404" pitchFamily="49" charset="0"/>
+              </a:rPr>
+              <a:t>exports</a:t>
+            </a:r>
+            <a:endParaRPr lang="de-DE" sz="1800" dirty="0" smtClean="0">
+              <a:solidFill>
+                <a:schemeClr val="bg1">
+                  <a:lumMod val="50000"/>
+                </a:schemeClr>
+              </a:solidFill>
+              <a:latin typeface="Courier New" panose="02070309020205020404" pitchFamily="49" charset="0"/>
+              <a:cs typeface="Courier New" panose="02070309020205020404" pitchFamily="49" charset="0"/>
+            </a:endParaRPr>
+          </a:p>
+          <a:p>
+            <a:pPr marL="615950" lvl="1" indent="-342900">
+              <a:buFont typeface="Arial" panose="020B0604020202020204" pitchFamily="34" charset="0"/>
+              <a:buChar char="•"/>
+            </a:pPr>
+            <a:endParaRPr lang="de-DE" sz="2400" dirty="0" smtClean="0"/>
+          </a:p>
+          <a:p>
+            <a:pPr marL="615950" lvl="1" indent="-342900">
+              <a:buFont typeface="Arial" panose="020B0604020202020204" pitchFamily="34" charset="0"/>
+              <a:buChar char="•"/>
+            </a:pPr>
+            <a:r>
+              <a:rPr lang="de-DE" sz="2400" dirty="0" smtClean="0"/>
+              <a:t>Fertigen Export abholen</a:t>
+            </a:r>
+          </a:p>
+          <a:p>
+            <a:pPr lvl="1" indent="0">
+              <a:buNone/>
+            </a:pPr>
+            <a:r>
+              <a:rPr lang="de-DE" sz="1800" dirty="0" smtClean="0">
+                <a:solidFill>
+                  <a:srgbClr val="FFFFFF">
+                    <a:lumMod val="50000"/>
+                  </a:srgbClr>
+                </a:solidFill>
+                <a:latin typeface="Courier New" panose="02070309020205020404" pitchFamily="49" charset="0"/>
+                <a:cs typeface="Courier New" panose="02070309020205020404" pitchFamily="49" charset="0"/>
+              </a:rPr>
+              <a:t>   GET http</a:t>
+            </a:r>
+            <a:r>
+              <a:rPr lang="de-DE" sz="1800" dirty="0">
+                <a:solidFill>
+                  <a:srgbClr val="FFFFFF">
+                    <a:lumMod val="50000"/>
+                  </a:srgbClr>
+                </a:solidFill>
+                <a:latin typeface="Courier New" panose="02070309020205020404" pitchFamily="49" charset="0"/>
+                <a:cs typeface="Courier New" panose="02070309020205020404" pitchFamily="49" charset="0"/>
+              </a:rPr>
+              <a:t>://</a:t>
+            </a:r>
+            <a:r>
+              <a:rPr lang="de-DE" sz="1800" dirty="0" smtClean="0">
+                <a:solidFill>
+                  <a:srgbClr val="FFFFFF">
+                    <a:lumMod val="50000"/>
+                  </a:srgbClr>
+                </a:solidFill>
+                <a:latin typeface="Courier New" panose="02070309020205020404" pitchFamily="49" charset="0"/>
+                <a:cs typeface="Courier New" panose="02070309020205020404" pitchFamily="49" charset="0"/>
+              </a:rPr>
+              <a:t>corpsrv5028:8080/v3/exports/{exportID}/file</a:t>
+            </a:r>
+            <a:endParaRPr lang="de-DE" sz="1800" dirty="0">
+              <a:solidFill>
+                <a:srgbClr val="FFFFFF">
+                  <a:lumMod val="50000"/>
+                </a:srgbClr>
+              </a:solidFill>
+              <a:latin typeface="Courier New" panose="02070309020205020404" pitchFamily="49" charset="0"/>
+              <a:cs typeface="Courier New" panose="02070309020205020404" pitchFamily="49" charset="0"/>
+            </a:endParaRPr>
+          </a:p>
+          <a:p>
+            <a:pPr lvl="1" indent="0">
+              <a:buNone/>
+            </a:pPr>
+            <a:endParaRPr lang="de-DE" sz="2400" dirty="0" smtClean="0"/>
+          </a:p>
+          <a:p>
+            <a:pPr marL="615950" lvl="1" indent="-342900">
+              <a:buFont typeface="Arial" panose="020B0604020202020204" pitchFamily="34" charset="0"/>
+              <a:buChar char="•"/>
+            </a:pPr>
+            <a:endParaRPr lang="de-DE" sz="2400" dirty="0" smtClean="0"/>
+          </a:p>
+          <a:p>
+            <a:pPr lvl="1" indent="0">
+              <a:buNone/>
+            </a:pPr>
+            <a:endParaRPr lang="de-DE" sz="2400" dirty="0" smtClean="0"/>
+          </a:p>
+          <a:p>
+            <a:endParaRPr lang="de-DE" sz="2400" dirty="0" smtClean="0"/>
+          </a:p>
+        </p:txBody>
+      </p:sp>
+      <p:sp>
+        <p:nvSpPr>
+          <p:cNvPr id="3" name="Titel 2"/>
+          <p:cNvSpPr>
+            <a:spLocks noGrp="1"/>
+          </p:cNvSpPr>
+          <p:nvPr>
+            <p:ph type="title"/>
+          </p:nvPr>
+        </p:nvSpPr>
+        <p:spPr/>
+        <p:txBody>
+          <a:bodyPr/>
+          <a:lstStyle/>
+          <a:p>
+            <a:r>
+              <a:rPr lang="de-DE" dirty="0" smtClean="0"/>
+              <a:t>Technische Änderungen - Neu</a:t>
+            </a:r>
+            <a:endParaRPr lang="de-DE" dirty="0"/>
+          </a:p>
+        </p:txBody>
+      </p:sp>
+      <p:sp>
+        <p:nvSpPr>
+          <p:cNvPr id="4" name="Datumsplatzhalter 3"/>
+          <p:cNvSpPr>
+            <a:spLocks noGrp="1"/>
+          </p:cNvSpPr>
+          <p:nvPr>
+            <p:ph type="dt" sz="half" idx="14"/>
+          </p:nvPr>
+        </p:nvSpPr>
+        <p:spPr/>
+        <p:txBody>
+          <a:bodyPr/>
+          <a:lstStyle/>
+          <a:p>
+            <a:r>
+              <a:rPr lang="de-DE" dirty="0" smtClean="0"/>
+              <a:t>04.04.2019</a:t>
+            </a:r>
+            <a:endParaRPr lang="de-DE" dirty="0"/>
+          </a:p>
+        </p:txBody>
+      </p:sp>
+      <p:sp>
+        <p:nvSpPr>
+          <p:cNvPr id="5" name="Fußzeilenplatzhalter 4"/>
+          <p:cNvSpPr>
+            <a:spLocks noGrp="1"/>
+          </p:cNvSpPr>
+          <p:nvPr>
+            <p:ph type="ftr" sz="quarter" idx="15"/>
+          </p:nvPr>
+        </p:nvSpPr>
+        <p:spPr/>
+        <p:txBody>
+          <a:bodyPr/>
+          <a:lstStyle/>
+          <a:p>
+            <a:r>
+              <a:rPr lang="de-DE" dirty="0" smtClean="0"/>
+              <a:t>corpuls.web ANALYSE - Dashboards               - Intern / Internal -</a:t>
+            </a:r>
+            <a:endParaRPr lang="de-DE" dirty="0"/>
+          </a:p>
+        </p:txBody>
+      </p:sp>
+      <p:sp>
+        <p:nvSpPr>
+          <p:cNvPr id="6" name="Foliennummernplatzhalter 5"/>
+          <p:cNvSpPr>
+            <a:spLocks noGrp="1"/>
+          </p:cNvSpPr>
+          <p:nvPr>
+            <p:ph type="sldNum" sz="quarter" idx="16"/>
+          </p:nvPr>
+        </p:nvSpPr>
+        <p:spPr/>
+        <p:txBody>
+          <a:bodyPr/>
+          <a:lstStyle/>
+          <a:p>
+            <a:pPr algn="r">
+              <a:tabLst>
+                <a:tab pos="8431213" algn="r"/>
+              </a:tabLst>
+            </a:pPr>
+            <a:fld id="{EA7C8D44-3667-46F6-9772-CC52308E2A7F}" type="slidenum">
+              <a:rPr lang="de-DE" smtClean="0"/>
+              <a:pPr algn="r">
+                <a:tabLst>
+                  <a:tab pos="8431213" algn="r"/>
+                </a:tabLst>
+              </a:pPr>
+              <a:t>14</a:t>
+            </a:fld>
+            <a:endParaRPr lang="de-DE" dirty="0"/>
+          </a:p>
+        </p:txBody>
+      </p:sp>
+    </p:spTree>
+    <p:extLst>
+      <p:ext uri="{BB962C8B-B14F-4D97-AF65-F5344CB8AC3E}">
+        <p14:creationId xmlns:p14="http://schemas.microsoft.com/office/powerpoint/2010/main" val="1434660769"/>
+      </p:ext>
+    </p:extLst>
+  </p:cSld>
+  <p:clrMapOvr>
+    <a:masterClrMapping/>
+  </p:clrMapOvr>
+  <mc:AlternateContent xmlns:mc="http://schemas.openxmlformats.org/markup-compatibility/2006" xmlns:p14="http://schemas.microsoft.com/office/powerpoint/2010/main">
+    <mc:Choice Requires="p14">
+      <p:transition p14:dur="100">
+        <p:cut/>
+      </p:transition>
+    </mc:Choice>
+    <mc:Fallback xmlns="">
+      <p:transition>
+        <p:cut/>
+      </p:transition>
+    </mc:Fallback>
+  </mc:AlternateContent>
+  <p:timing>
+    <p:tnLst>
+      <p:par>
+        <p:cTn id="1" dur="indefinite" restart="never" nodeType="tmRoot">
+          <p:childTnLst>
+            <p:seq concurrent="1" nextAc="seek">
+              <p:cTn id="2" dur="indefinite" nodeType="mainSeq">
+                <p:childTnLst>
+                  <p:par>
+                    <p:cTn id="3" fill="hold">
+                      <p:stCondLst>
+                        <p:cond delay="indefinite"/>
+                        <p:cond evt="onBegin" delay="0">
+                          <p:tn val="2"/>
+                        </p:cond>
+                      </p:stCondLst>
+                      <p:childTnLst>
+                        <p:par>
+                          <p:cTn id="4" fill="hold">
+                            <p:stCondLst>
+                              <p:cond delay="0"/>
+                            </p:stCondLst>
+                            <p:childTnLst>
+                              <p:par>
+                                <p:cTn id="5" presetID="1" presetClass="entr" presetSubtype="0" fill="hold" grpId="0" nodeType="withEffect">
+                                  <p:stCondLst>
+                                    <p:cond delay="0"/>
+                                  </p:stCondLst>
+                                  <p:childTnLst>
+                                    <p:set>
+                                      <p:cBhvr>
+                                        <p:cTn id="6" dur="1" fill="hold">
+                                          <p:stCondLst>
+                                            <p:cond delay="0"/>
+                                          </p:stCondLst>
+                                        </p:cTn>
+                                        <p:tgtEl>
+                                          <p:spTgt spid="2">
+                                            <p:txEl>
+                                              <p:pRg st="1" end="1"/>
+                                            </p:txEl>
+                                          </p:spTgt>
+                                        </p:tgtEl>
+                                        <p:attrNameLst>
+                                          <p:attrName>style.visibility</p:attrName>
+                                        </p:attrNameLst>
+                                      </p:cBhvr>
+                                      <p:to>
+                                        <p:strVal val="visible"/>
+                                      </p:to>
+                                    </p:set>
+                                  </p:childTnLst>
+                                </p:cTn>
+                              </p:par>
+                            </p:childTnLst>
+                          </p:cTn>
+                        </p:par>
+                      </p:childTnLst>
+                    </p:cTn>
+                  </p:par>
+                  <p:par>
+                    <p:cTn id="7" fill="hold">
+                      <p:stCondLst>
+                        <p:cond delay="indefinite"/>
+                      </p:stCondLst>
+                      <p:childTnLst>
+                        <p:par>
+                          <p:cTn id="8" fill="hold">
+                            <p:stCondLst>
+                              <p:cond delay="0"/>
+                            </p:stCondLst>
+                            <p:childTnLst>
+                              <p:par>
+                                <p:cTn id="9" presetID="1" presetClass="entr" presetSubtype="0" fill="hold" grpId="0" nodeType="clickEffect">
+                                  <p:stCondLst>
+                                    <p:cond delay="0"/>
+                                  </p:stCondLst>
+                                  <p:childTnLst>
+                                    <p:set>
+                                      <p:cBhvr>
+                                        <p:cTn id="10" dur="1" fill="hold">
+                                          <p:stCondLst>
+                                            <p:cond delay="0"/>
+                                          </p:stCondLst>
+                                        </p:cTn>
+                                        <p:tgtEl>
+                                          <p:spTgt spid="2">
+                                            <p:txEl>
+                                              <p:pRg st="2" end="2"/>
+                                            </p:txEl>
+                                          </p:spTgt>
+                                        </p:tgtEl>
+                                        <p:attrNameLst>
+                                          <p:attrName>style.visibility</p:attrName>
+                                        </p:attrNameLst>
+                                      </p:cBhvr>
+                                      <p:to>
+                                        <p:strVal val="visible"/>
+                                      </p:to>
+                                    </p:set>
+                                  </p:childTnLst>
+                                </p:cTn>
+                              </p:par>
+                              <p:par>
+                                <p:cTn id="11" presetID="1" presetClass="entr" presetSubtype="0" fill="hold" grpId="0" nodeType="withEffect">
+                                  <p:stCondLst>
+                                    <p:cond delay="0"/>
+                                  </p:stCondLst>
+                                  <p:childTnLst>
+                                    <p:set>
+                                      <p:cBhvr>
+                                        <p:cTn id="12" dur="1" fill="hold">
+                                          <p:stCondLst>
+                                            <p:cond delay="0"/>
+                                          </p:stCondLst>
+                                        </p:cTn>
+                                        <p:tgtEl>
+                                          <p:spTgt spid="2">
+                                            <p:txEl>
+                                              <p:pRg st="3" end="3"/>
+                                            </p:txEl>
+                                          </p:spTgt>
+                                        </p:tgtEl>
+                                        <p:attrNameLst>
+                                          <p:attrName>style.visibility</p:attrName>
+                                        </p:attrNameLst>
+                                      </p:cBhvr>
+                                      <p:to>
+                                        <p:strVal val="visible"/>
+                                      </p:to>
+                                    </p:set>
+                                  </p:childTnLst>
+                                </p:cTn>
+                              </p:par>
+                            </p:childTnLst>
+                          </p:cTn>
+                        </p:par>
+                      </p:childTnLst>
+                    </p:cTn>
+                  </p:par>
+                  <p:par>
+                    <p:cTn id="13" fill="hold">
+                      <p:stCondLst>
+                        <p:cond delay="indefinite"/>
+                      </p:stCondLst>
+                      <p:childTnLst>
+                        <p:par>
+                          <p:cTn id="14" fill="hold">
+                            <p:stCondLst>
+                              <p:cond delay="0"/>
+                            </p:stCondLst>
+                            <p:childTnLst>
+                              <p:par>
+                                <p:cTn id="15" presetID="1" presetClass="entr" presetSubtype="0" fill="hold" grpId="0" nodeType="clickEffect">
+                                  <p:stCondLst>
+                                    <p:cond delay="0"/>
+                                  </p:stCondLst>
+                                  <p:childTnLst>
+                                    <p:set>
+                                      <p:cBhvr>
+                                        <p:cTn id="16" dur="1" fill="hold">
+                                          <p:stCondLst>
+                                            <p:cond delay="0"/>
+                                          </p:stCondLst>
+                                        </p:cTn>
+                                        <p:tgtEl>
+                                          <p:spTgt spid="2">
+                                            <p:txEl>
+                                              <p:pRg st="5" end="5"/>
+                                            </p:txEl>
+                                          </p:spTgt>
+                                        </p:tgtEl>
+                                        <p:attrNameLst>
+                                          <p:attrName>style.visibility</p:attrName>
+                                        </p:attrNameLst>
+                                      </p:cBhvr>
+                                      <p:to>
+                                        <p:strVal val="visible"/>
+                                      </p:to>
+                                    </p:set>
+                                  </p:childTnLst>
+                                </p:cTn>
+                              </p:par>
+                              <p:par>
+                                <p:cTn id="17" presetID="1" presetClass="entr" presetSubtype="0" fill="hold" grpId="0" nodeType="withEffect">
+                                  <p:stCondLst>
+                                    <p:cond delay="0"/>
+                                  </p:stCondLst>
+                                  <p:childTnLst>
+                                    <p:set>
+                                      <p:cBhvr>
+                                        <p:cTn id="18" dur="1" fill="hold">
+                                          <p:stCondLst>
+                                            <p:cond delay="0"/>
+                                          </p:stCondLst>
+                                        </p:cTn>
+                                        <p:tgtEl>
+                                          <p:spTgt spid="2">
+                                            <p:txEl>
+                                              <p:pRg st="6" end="6"/>
+                                            </p:txEl>
+                                          </p:spTgt>
+                                        </p:tgtEl>
+                                        <p:attrNameLst>
+                                          <p:attrName>style.visibility</p:attrName>
+                                        </p:attrNameLst>
+                                      </p:cBhvr>
+                                      <p:to>
+                                        <p:strVal val="visible"/>
+                                      </p:to>
+                                    </p:set>
+                                  </p:childTnLst>
+                                </p:cTn>
+                              </p:par>
+                            </p:childTnLst>
+                          </p:cTn>
+                        </p:par>
+                      </p:childTnLst>
+                    </p:cTn>
+                  </p:par>
+                </p:childTnLst>
+              </p:cTn>
+              <p:prevCondLst>
+                <p:cond evt="onPrev" delay="0">
+                  <p:tgtEl>
+                    <p:sldTgt/>
+                  </p:tgtEl>
+                </p:cond>
+              </p:prevCondLst>
+              <p:nextCondLst>
+                <p:cond evt="onNext" delay="0">
+                  <p:tgtEl>
+                    <p:sldTgt/>
+                  </p:tgtEl>
+                </p:cond>
+              </p:nextCondLst>
+            </p:seq>
+          </p:childTnLst>
+        </p:cTn>
+      </p:par>
+    </p:tnLst>
+    <p:bldLst>
+      <p:bldP spid="2" grpId="0" uiExpand="1" build="p"/>
+    </p:bldLst>
+  </p:timing>
+</p:sld>
+</file>
+
+<file path=ppt/slides/slide15.xml><?xml version="1.0" encoding="utf-8"?>
+<p:sld xmlns:a="http://schemas.openxmlformats.org/drawingml/2006/main" xmlns:r="http://schemas.openxmlformats.org/officeDocument/2006/relationships" xmlns:p="http://schemas.openxmlformats.org/presentationml/2006/main">
+  <p:cSld>
+    <p:spTree>
+      <p:nvGrpSpPr>
+        <p:cNvPr id="1" name=""/>
+        <p:cNvGrpSpPr/>
+        <p:nvPr/>
+      </p:nvGrpSpPr>
+      <p:grpSpPr>
+        <a:xfrm>
+          <a:off x="0" y="0"/>
+          <a:ext cx="0" cy="0"/>
+          <a:chOff x="0" y="0"/>
+          <a:chExt cx="0" cy="0"/>
+        </a:xfrm>
+      </p:grpSpPr>
+      <p:sp>
+        <p:nvSpPr>
+          <p:cNvPr id="2" name="Textplatzhalter 1"/>
+          <p:cNvSpPr>
+            <a:spLocks noGrp="1"/>
+          </p:cNvSpPr>
+          <p:nvPr>
+            <p:ph type="body" sz="quarter" idx="13"/>
+          </p:nvPr>
+        </p:nvSpPr>
+        <p:spPr/>
+        <p:txBody>
+          <a:bodyPr/>
+          <a:lstStyle/>
+          <a:p>
+            <a:endParaRPr lang="de-DE" dirty="0" smtClean="0"/>
+          </a:p>
+          <a:p>
+            <a:endParaRPr lang="de-DE" dirty="0" smtClean="0"/>
+          </a:p>
+        </p:txBody>
+      </p:sp>
+      <p:sp>
+        <p:nvSpPr>
+          <p:cNvPr id="3" name="Titel 2"/>
+          <p:cNvSpPr>
+            <a:spLocks noGrp="1"/>
+          </p:cNvSpPr>
+          <p:nvPr>
+            <p:ph type="title"/>
+          </p:nvPr>
+        </p:nvSpPr>
+        <p:spPr/>
+        <p:txBody>
+          <a:bodyPr/>
+          <a:lstStyle/>
+          <a:p>
+            <a:r>
+              <a:rPr lang="de-DE" dirty="0" smtClean="0"/>
+              <a:t>Technische Änderungen - Neu</a:t>
+            </a:r>
+            <a:endParaRPr lang="de-DE" dirty="0"/>
+          </a:p>
+        </p:txBody>
+      </p:sp>
+      <p:sp>
+        <p:nvSpPr>
+          <p:cNvPr id="4" name="Datumsplatzhalter 3"/>
+          <p:cNvSpPr>
+            <a:spLocks noGrp="1"/>
+          </p:cNvSpPr>
+          <p:nvPr>
+            <p:ph type="dt" sz="half" idx="14"/>
+          </p:nvPr>
+        </p:nvSpPr>
+        <p:spPr/>
+        <p:txBody>
+          <a:bodyPr/>
+          <a:lstStyle/>
+          <a:p>
+            <a:r>
+              <a:rPr lang="de-DE" dirty="0" smtClean="0"/>
+              <a:t>04.04.2019</a:t>
+            </a:r>
+            <a:endParaRPr lang="de-DE" dirty="0"/>
+          </a:p>
+        </p:txBody>
+      </p:sp>
+      <p:sp>
+        <p:nvSpPr>
+          <p:cNvPr id="5" name="Fußzeilenplatzhalter 4"/>
+          <p:cNvSpPr>
+            <a:spLocks noGrp="1"/>
+          </p:cNvSpPr>
+          <p:nvPr>
+            <p:ph type="ftr" sz="quarter" idx="15"/>
+          </p:nvPr>
+        </p:nvSpPr>
+        <p:spPr/>
+        <p:txBody>
+          <a:bodyPr/>
+          <a:lstStyle/>
+          <a:p>
+            <a:r>
+              <a:rPr lang="de-DE" dirty="0" smtClean="0"/>
+              <a:t>corpuls.web ANALYSE - Dashboards               - Intern / Internal -</a:t>
+            </a:r>
+            <a:endParaRPr lang="de-DE" dirty="0"/>
+          </a:p>
+        </p:txBody>
+      </p:sp>
+      <p:sp>
+        <p:nvSpPr>
+          <p:cNvPr id="6" name="Foliennummernplatzhalter 5"/>
+          <p:cNvSpPr>
+            <a:spLocks noGrp="1"/>
+          </p:cNvSpPr>
+          <p:nvPr>
+            <p:ph type="sldNum" sz="quarter" idx="16"/>
+          </p:nvPr>
+        </p:nvSpPr>
+        <p:spPr/>
+        <p:txBody>
+          <a:bodyPr/>
+          <a:lstStyle/>
+          <a:p>
+            <a:pPr algn="r">
+              <a:tabLst>
+                <a:tab pos="8431213" algn="r"/>
+              </a:tabLst>
+            </a:pPr>
+            <a:fld id="{EA7C8D44-3667-46F6-9772-CC52308E2A7F}" type="slidenum">
+              <a:rPr lang="de-DE" smtClean="0"/>
+              <a:pPr algn="r">
+                <a:tabLst>
+                  <a:tab pos="8431213" algn="r"/>
+                </a:tabLst>
+              </a:pPr>
+              <a:t>15</a:t>
+            </a:fld>
+            <a:endParaRPr lang="de-DE" dirty="0"/>
+          </a:p>
+        </p:txBody>
+      </p:sp>
+      <p:pic>
+        <p:nvPicPr>
+          <p:cNvPr id="3074" name="Picture 2"/>
+          <p:cNvPicPr>
+            <a:picLocks noChangeAspect="1" noChangeArrowheads="1"/>
+          </p:cNvPicPr>
+          <p:nvPr/>
+        </p:nvPicPr>
+        <p:blipFill>
+          <a:blip r:embed="rId3" cstate="print">
+            <a:extLst>
+              <a:ext uri="{28A0092B-C50C-407E-A947-70E740481C1C}">
+                <a14:useLocalDpi xmlns:a14="http://schemas.microsoft.com/office/drawing/2010/main" val="0"/>
+              </a:ext>
+            </a:extLst>
+          </a:blip>
+          <a:stretch>
+            <a:fillRect/>
+          </a:stretch>
+        </p:blipFill>
+        <p:spPr bwMode="auto">
+          <a:xfrm>
+            <a:off x="107504" y="978884"/>
+            <a:ext cx="9001000" cy="3825113"/>
+          </a:xfrm>
+          <a:prstGeom prst="rect">
+            <a:avLst/>
+          </a:prstGeom>
+          <a:noFill/>
+          <a:extLst>
+            <a:ext uri="{909E8E84-426E-40DD-AFC4-6F175D3DCCD1}">
+              <a14:hiddenFill xmlns:a14="http://schemas.microsoft.com/office/drawing/2010/main">
+                <a:solidFill>
+                  <a:srgbClr val="FFFFFF"/>
+                </a:solidFill>
+              </a14:hiddenFill>
+            </a:ext>
+          </a:extLst>
+        </p:spPr>
+      </p:pic>
+    </p:spTree>
+    <p:extLst>
+      <p:ext uri="{BB962C8B-B14F-4D97-AF65-F5344CB8AC3E}">
+        <p14:creationId xmlns:p14="http://schemas.microsoft.com/office/powerpoint/2010/main" val="2643075101"/>
+      </p:ext>
+    </p:extLst>
+  </p:cSld>
+  <p:clrMapOvr>
+    <a:masterClrMapping/>
+  </p:clrMapOvr>
+  <mc:AlternateContent xmlns:mc="http://schemas.openxmlformats.org/markup-compatibility/2006" xmlns:p14="http://schemas.microsoft.com/office/powerpoint/2010/main">
+    <mc:Choice Requires="p14">
+      <p:transition p14:dur="100">
+        <p:cut/>
+      </p:transition>
+    </mc:Choice>
+    <mc:Fallback xmlns="">
+      <p:transition>
+        <p:cut/>
+      </p:transition>
+    </mc:Fallback>
+  </mc:AlternateContent>
+  <p:timing>
+    <p:tnLst>
+      <p:par>
+        <p:cTn id="1" dur="indefinite" restart="never" nodeType="tmRoot"/>
+      </p:par>
+    </p:tnLst>
+  </p:timing>
+</p:sld>
+</file>
+
+<file path=ppt/slides/slide16.xml><?xml version="1.0" encoding="utf-8"?>
+<p:sld xmlns:a="http://schemas.openxmlformats.org/drawingml/2006/main" xmlns:r="http://schemas.openxmlformats.org/officeDocument/2006/relationships" xmlns:p="http://schemas.openxmlformats.org/presentationml/2006/main">
+  <p:cSld>
+    <p:spTree>
+      <p:nvGrpSpPr>
+        <p:cNvPr id="1" name=""/>
+        <p:cNvGrpSpPr/>
+        <p:nvPr/>
+      </p:nvGrpSpPr>
+      <p:grpSpPr>
+        <a:xfrm>
+          <a:off x="0" y="0"/>
+          <a:ext cx="0" cy="0"/>
+          <a:chOff x="0" y="0"/>
+          <a:chExt cx="0" cy="0"/>
+        </a:xfrm>
+      </p:grpSpPr>
+      <p:sp>
+        <p:nvSpPr>
+          <p:cNvPr id="2" name="Textplatzhalter 1"/>
+          <p:cNvSpPr>
+            <a:spLocks noGrp="1"/>
+          </p:cNvSpPr>
+          <p:nvPr>
+            <p:ph type="body" sz="quarter" idx="13"/>
+          </p:nvPr>
+        </p:nvSpPr>
+        <p:spPr/>
+        <p:txBody>
+          <a:bodyPr/>
+          <a:lstStyle/>
+          <a:p>
+            <a:endParaRPr lang="de-DE" sz="2400" dirty="0" smtClean="0"/>
+          </a:p>
+          <a:p>
+            <a:r>
+              <a:rPr lang="de-DE" sz="2400" dirty="0" smtClean="0"/>
+              <a:t>+ zusätzliche Daten, welche nicht als MM verfügbar sein können</a:t>
+            </a:r>
+          </a:p>
+          <a:p>
+            <a:endParaRPr lang="de-DE" sz="2400" dirty="0" smtClean="0"/>
+          </a:p>
+          <a:p>
+            <a:pPr marL="615950" lvl="1" indent="-342900">
+              <a:buFont typeface="Arial" panose="020B0604020202020204" pitchFamily="34" charset="0"/>
+              <a:buChar char="•"/>
+            </a:pPr>
+            <a:r>
+              <a:rPr lang="de-DE" sz="2400" dirty="0" smtClean="0"/>
+              <a:t>Bisher NIBD, CPR-Feedback und Defibrillationen</a:t>
+            </a:r>
+          </a:p>
+        </p:txBody>
+      </p:sp>
+      <p:sp>
+        <p:nvSpPr>
+          <p:cNvPr id="3" name="Titel 2"/>
+          <p:cNvSpPr>
+            <a:spLocks noGrp="1"/>
+          </p:cNvSpPr>
+          <p:nvPr>
+            <p:ph type="title"/>
+          </p:nvPr>
+        </p:nvSpPr>
+        <p:spPr/>
+        <p:txBody>
+          <a:bodyPr/>
+          <a:lstStyle/>
+          <a:p>
+            <a:r>
+              <a:rPr lang="de-DE" dirty="0" smtClean="0"/>
+              <a:t>Technische Änderungen - neu</a:t>
+            </a:r>
+            <a:endParaRPr lang="de-DE" dirty="0"/>
+          </a:p>
+        </p:txBody>
+      </p:sp>
+      <p:sp>
+        <p:nvSpPr>
+          <p:cNvPr id="4" name="Datumsplatzhalter 3"/>
+          <p:cNvSpPr>
+            <a:spLocks noGrp="1"/>
+          </p:cNvSpPr>
+          <p:nvPr>
+            <p:ph type="dt" sz="half" idx="14"/>
+          </p:nvPr>
+        </p:nvSpPr>
+        <p:spPr/>
+        <p:txBody>
+          <a:bodyPr/>
+          <a:lstStyle/>
+          <a:p>
+            <a:r>
+              <a:rPr lang="de-DE" dirty="0" smtClean="0"/>
+              <a:t>04.04.2019</a:t>
+            </a:r>
+            <a:endParaRPr lang="de-DE" dirty="0"/>
+          </a:p>
+        </p:txBody>
+      </p:sp>
+      <p:sp>
+        <p:nvSpPr>
+          <p:cNvPr id="5" name="Fußzeilenplatzhalter 4"/>
+          <p:cNvSpPr>
+            <a:spLocks noGrp="1"/>
+          </p:cNvSpPr>
+          <p:nvPr>
+            <p:ph type="ftr" sz="quarter" idx="15"/>
+          </p:nvPr>
+        </p:nvSpPr>
+        <p:spPr/>
+        <p:txBody>
+          <a:bodyPr/>
+          <a:lstStyle/>
+          <a:p>
+            <a:r>
+              <a:rPr lang="de-DE" dirty="0" smtClean="0"/>
+              <a:t>corpuls.web ANALYSE - Dashboards               - Intern / Internal -</a:t>
+            </a:r>
+            <a:endParaRPr lang="de-DE" dirty="0"/>
+          </a:p>
+        </p:txBody>
+      </p:sp>
+      <p:sp>
+        <p:nvSpPr>
+          <p:cNvPr id="6" name="Foliennummernplatzhalter 5"/>
+          <p:cNvSpPr>
+            <a:spLocks noGrp="1"/>
+          </p:cNvSpPr>
+          <p:nvPr>
+            <p:ph type="sldNum" sz="quarter" idx="16"/>
+          </p:nvPr>
+        </p:nvSpPr>
+        <p:spPr/>
+        <p:txBody>
+          <a:bodyPr/>
+          <a:lstStyle/>
+          <a:p>
+            <a:pPr algn="r">
+              <a:tabLst>
+                <a:tab pos="8431213" algn="r"/>
+              </a:tabLst>
+            </a:pPr>
+            <a:fld id="{EA7C8D44-3667-46F6-9772-CC52308E2A7F}" type="slidenum">
+              <a:rPr lang="de-DE" smtClean="0"/>
+              <a:pPr algn="r">
+                <a:tabLst>
+                  <a:tab pos="8431213" algn="r"/>
+                </a:tabLst>
+              </a:pPr>
+              <a:t>16</a:t>
+            </a:fld>
+            <a:endParaRPr lang="de-DE" dirty="0"/>
+          </a:p>
+        </p:txBody>
+      </p:sp>
+    </p:spTree>
+    <p:extLst>
+      <p:ext uri="{BB962C8B-B14F-4D97-AF65-F5344CB8AC3E}">
+        <p14:creationId xmlns:p14="http://schemas.microsoft.com/office/powerpoint/2010/main" val="432853280"/>
+      </p:ext>
+    </p:extLst>
+  </p:cSld>
+  <p:clrMapOvr>
+    <a:masterClrMapping/>
+  </p:clrMapOvr>
+  <mc:AlternateContent xmlns:mc="http://schemas.openxmlformats.org/markup-compatibility/2006" xmlns:p14="http://schemas.microsoft.com/office/powerpoint/2010/main">
+    <mc:Choice Requires="p14">
+      <p:transition p14:dur="100">
+        <p:cut/>
+      </p:transition>
+    </mc:Choice>
+    <mc:Fallback xmlns="">
+      <p:transition>
+        <p:cut/>
+      </p:transition>
+    </mc:Fallback>
+  </mc:AlternateContent>
+  <p:timing>
+    <p:tnLst>
+      <p:par>
+        <p:cTn id="1" dur="indefinite" restart="never" nodeType="tmRoot"/>
+      </p:par>
+    </p:tnLst>
+  </p:timing>
+</p:sld>
+</file>
+
+<file path=ppt/slides/slide17.xml><?xml version="1.0" encoding="utf-8"?>
+<p:sld xmlns:a="http://schemas.openxmlformats.org/drawingml/2006/main" xmlns:r="http://schemas.openxmlformats.org/officeDocument/2006/relationships" xmlns:p="http://schemas.openxmlformats.org/presentationml/2006/main">
+  <p:cSld>
+    <p:spTree>
+      <p:nvGrpSpPr>
+        <p:cNvPr id="1" name=""/>
+        <p:cNvGrpSpPr/>
+        <p:nvPr/>
+      </p:nvGrpSpPr>
+      <p:grpSpPr>
+        <a:xfrm>
+          <a:off x="0" y="0"/>
+          <a:ext cx="0" cy="0"/>
+          <a:chOff x="0" y="0"/>
+          <a:chExt cx="0" cy="0"/>
+        </a:xfrm>
+      </p:grpSpPr>
+      <p:sp>
+        <p:nvSpPr>
+          <p:cNvPr id="2" name="Textplatzhalter 1"/>
+          <p:cNvSpPr>
+            <a:spLocks noGrp="1"/>
+          </p:cNvSpPr>
+          <p:nvPr>
+            <p:ph type="body" sz="quarter" idx="13"/>
+          </p:nvPr>
+        </p:nvSpPr>
+        <p:spPr/>
+        <p:txBody>
+          <a:bodyPr/>
+          <a:lstStyle/>
+          <a:p>
+            <a:endParaRPr lang="de-DE" dirty="0"/>
+          </a:p>
+        </p:txBody>
+      </p:sp>
+      <p:sp>
+        <p:nvSpPr>
+          <p:cNvPr id="3" name="Titel 2"/>
+          <p:cNvSpPr>
+            <a:spLocks noGrp="1"/>
+          </p:cNvSpPr>
+          <p:nvPr>
+            <p:ph type="title"/>
+          </p:nvPr>
+        </p:nvSpPr>
+        <p:spPr/>
+        <p:txBody>
+          <a:bodyPr/>
+          <a:lstStyle/>
+          <a:p>
+            <a:r>
+              <a:rPr lang="de-DE" dirty="0" smtClean="0"/>
+              <a:t>Beispiel</a:t>
+            </a:r>
+            <a:endParaRPr lang="de-DE" dirty="0"/>
+          </a:p>
+        </p:txBody>
+      </p:sp>
+      <p:sp>
+        <p:nvSpPr>
+          <p:cNvPr id="4" name="Datumsplatzhalter 3"/>
+          <p:cNvSpPr>
+            <a:spLocks noGrp="1"/>
+          </p:cNvSpPr>
+          <p:nvPr>
+            <p:ph type="dt" sz="half" idx="14"/>
+          </p:nvPr>
+        </p:nvSpPr>
+        <p:spPr/>
+        <p:txBody>
+          <a:bodyPr/>
+          <a:lstStyle/>
+          <a:p>
+            <a:r>
+              <a:rPr lang="de-DE" dirty="0" smtClean="0"/>
+              <a:t>04.04.2019</a:t>
+            </a:r>
+            <a:endParaRPr lang="de-DE" dirty="0"/>
+          </a:p>
+        </p:txBody>
+      </p:sp>
+      <p:sp>
+        <p:nvSpPr>
+          <p:cNvPr id="5" name="Fußzeilenplatzhalter 4"/>
+          <p:cNvSpPr>
+            <a:spLocks noGrp="1"/>
+          </p:cNvSpPr>
+          <p:nvPr>
+            <p:ph type="ftr" sz="quarter" idx="15"/>
+          </p:nvPr>
+        </p:nvSpPr>
+        <p:spPr/>
+        <p:txBody>
+          <a:bodyPr/>
+          <a:lstStyle/>
+          <a:p>
+            <a:r>
+              <a:rPr lang="de-DE" dirty="0" smtClean="0"/>
+              <a:t>corpuls.web ANALYSE - Dashboards               - Intern / Internal -</a:t>
+            </a:r>
+            <a:endParaRPr lang="de-DE" dirty="0"/>
+          </a:p>
+        </p:txBody>
+      </p:sp>
+      <p:sp>
+        <p:nvSpPr>
+          <p:cNvPr id="6" name="Foliennummernplatzhalter 5"/>
+          <p:cNvSpPr>
+            <a:spLocks noGrp="1"/>
+          </p:cNvSpPr>
+          <p:nvPr>
+            <p:ph type="sldNum" sz="quarter" idx="16"/>
+          </p:nvPr>
+        </p:nvSpPr>
+        <p:spPr/>
+        <p:txBody>
+          <a:bodyPr/>
+          <a:lstStyle/>
+          <a:p>
+            <a:pPr algn="r">
+              <a:tabLst>
+                <a:tab pos="8431213" algn="r"/>
+              </a:tabLst>
+            </a:pPr>
+            <a:fld id="{EA7C8D44-3667-46F6-9772-CC52308E2A7F}" type="slidenum">
+              <a:rPr lang="de-DE" smtClean="0"/>
+              <a:pPr algn="r">
+                <a:tabLst>
+                  <a:tab pos="8431213" algn="r"/>
+                </a:tabLst>
+              </a:pPr>
+              <a:t>17</a:t>
+            </a:fld>
+            <a:endParaRPr lang="de-DE" dirty="0"/>
+          </a:p>
+        </p:txBody>
+      </p:sp>
+    </p:spTree>
+    <p:extLst>
+      <p:ext uri="{BB962C8B-B14F-4D97-AF65-F5344CB8AC3E}">
+        <p14:creationId xmlns:p14="http://schemas.microsoft.com/office/powerpoint/2010/main" val="4289827506"/>
+      </p:ext>
+    </p:extLst>
+  </p:cSld>
+  <p:clrMapOvr>
+    <a:masterClrMapping/>
+  </p:clrMapOvr>
+  <mc:AlternateContent xmlns:mc="http://schemas.openxmlformats.org/markup-compatibility/2006" xmlns:p14="http://schemas.microsoft.com/office/powerpoint/2010/main">
+    <mc:Choice Requires="p14">
+      <p:transition p14:dur="100">
+        <p:cut/>
+      </p:transition>
+    </mc:Choice>
+    <mc:Fallback xmlns="">
+      <p:transition>
+        <p:cut/>
+      </p:transition>
+    </mc:Fallback>
+  </mc:AlternateContent>
+  <p:timing>
+    <p:tnLst>
+      <p:par>
+        <p:cTn id="1" dur="indefinite" restart="never" nodeType="tmRoot"/>
+      </p:par>
+    </p:tnLst>
+  </p:timing>
+</p:sld>
+</file>
+
+<file path=ppt/slides/slide18.xml><?xml version="1.0" encoding="utf-8"?>
+<p:sld xmlns:a="http://schemas.openxmlformats.org/drawingml/2006/main" xmlns:r="http://schemas.openxmlformats.org/officeDocument/2006/relationships" xmlns:p="http://schemas.openxmlformats.org/presentationml/2006/main">
+  <p:cSld>
+    <p:spTree>
+      <p:nvGrpSpPr>
+        <p:cNvPr id="1" name=""/>
+        <p:cNvGrpSpPr/>
+        <p:nvPr/>
+      </p:nvGrpSpPr>
+      <p:grpSpPr>
+        <a:xfrm>
+          <a:off x="0" y="0"/>
+          <a:ext cx="0" cy="0"/>
+          <a:chOff x="0" y="0"/>
+          <a:chExt cx="0" cy="0"/>
+        </a:xfrm>
+      </p:grpSpPr>
+      <p:sp>
+        <p:nvSpPr>
+          <p:cNvPr id="2" name="Textplatzhalter 1"/>
+          <p:cNvSpPr>
+            <a:spLocks noGrp="1"/>
+          </p:cNvSpPr>
+          <p:nvPr>
+            <p:ph type="body" sz="quarter" idx="13"/>
+          </p:nvPr>
+        </p:nvSpPr>
+        <p:spPr/>
+        <p:txBody>
+          <a:bodyPr/>
+          <a:lstStyle/>
+          <a:p>
+            <a:pPr marL="342900" indent="-342900">
+              <a:buFont typeface="Arial" panose="020B0604020202020204" pitchFamily="34" charset="0"/>
+              <a:buChar char="•"/>
+            </a:pPr>
+            <a:r>
+              <a:rPr lang="de-DE" sz="2400" dirty="0" smtClean="0"/>
+              <a:t>Einsätze</a:t>
+            </a:r>
+          </a:p>
+          <a:p>
+            <a:pPr marL="342900" indent="-342900">
+              <a:buFont typeface="Arial" panose="020B0604020202020204" pitchFamily="34" charset="0"/>
+              <a:buChar char="•"/>
+            </a:pPr>
+            <a:r>
+              <a:rPr lang="de-DE" sz="2400" dirty="0" smtClean="0"/>
+              <a:t>Reanimationen </a:t>
+            </a:r>
+          </a:p>
+          <a:p>
+            <a:pPr marL="342900" indent="-342900">
+              <a:buFont typeface="Arial" panose="020B0604020202020204" pitchFamily="34" charset="0"/>
+              <a:buChar char="•"/>
+            </a:pPr>
+            <a:r>
+              <a:rPr lang="de-DE" sz="2400" dirty="0" smtClean="0"/>
+              <a:t>Einsätze im Zeitraum 2016 -&gt; Datumsformart</a:t>
+            </a:r>
+          </a:p>
+          <a:p>
+            <a:pPr marL="342900" indent="-342900">
+              <a:buFont typeface="Arial" panose="020B0604020202020204" pitchFamily="34" charset="0"/>
+              <a:buChar char="•"/>
+            </a:pPr>
+            <a:r>
+              <a:rPr lang="de-DE" sz="2400" dirty="0" smtClean="0"/>
+              <a:t>Einsätze im Zeitfenster</a:t>
+            </a:r>
+          </a:p>
+          <a:p>
+            <a:pPr marL="615950" lvl="1" indent="-342900">
+              <a:buFont typeface="Arial" panose="020B0604020202020204" pitchFamily="34" charset="0"/>
+              <a:buChar char="•"/>
+            </a:pPr>
+            <a:r>
+              <a:rPr lang="de-DE" sz="2400" dirty="0" smtClean="0"/>
+              <a:t>und jetzt bitte nur </a:t>
+            </a:r>
+            <a:r>
+              <a:rPr lang="de-DE" sz="2400" dirty="0"/>
+              <a:t>R</a:t>
+            </a:r>
+            <a:r>
+              <a:rPr lang="de-DE" sz="2400" dirty="0" smtClean="0"/>
+              <a:t>eanimationen</a:t>
+            </a:r>
+          </a:p>
+          <a:p>
+            <a:pPr marL="342900" indent="-342900">
+              <a:buFont typeface="Arial" panose="020B0604020202020204" pitchFamily="34" charset="0"/>
+              <a:buChar char="•"/>
+            </a:pPr>
+            <a:r>
+              <a:rPr lang="de-DE" sz="2400" dirty="0" smtClean="0"/>
+              <a:t>Wie alt sind meine Patienten im Durchschnitt</a:t>
+            </a:r>
+          </a:p>
+          <a:p>
+            <a:pPr marL="342900" indent="-342900">
+              <a:buFont typeface="Arial" panose="020B0604020202020204" pitchFamily="34" charset="0"/>
+              <a:buChar char="•"/>
+            </a:pPr>
+            <a:r>
+              <a:rPr lang="de-DE" sz="2400" dirty="0" smtClean="0"/>
+              <a:t>Immer nur eine einzige Zahl…</a:t>
+            </a:r>
+            <a:endParaRPr lang="de-DE" sz="2400" dirty="0"/>
+          </a:p>
+          <a:p>
+            <a:pPr marL="342900" indent="-342900">
+              <a:buFont typeface="Arial" panose="020B0604020202020204" pitchFamily="34" charset="0"/>
+              <a:buChar char="•"/>
+            </a:pPr>
+            <a:r>
+              <a:rPr lang="de-DE" sz="2400" dirty="0" smtClean="0"/>
+              <a:t>und </a:t>
+            </a:r>
+            <a:r>
+              <a:rPr lang="de-DE" sz="2400" b="1" dirty="0" smtClean="0"/>
+              <a:t>wie</a:t>
+            </a:r>
+            <a:r>
+              <a:rPr lang="de-DE" sz="2400" dirty="0" smtClean="0"/>
+              <a:t> </a:t>
+            </a:r>
+            <a:r>
+              <a:rPr lang="de-DE" sz="2400" dirty="0"/>
+              <a:t>sind die </a:t>
+            </a:r>
+            <a:r>
+              <a:rPr lang="de-DE" sz="2400" dirty="0" smtClean="0"/>
+              <a:t>Reanimationen</a:t>
+            </a:r>
+            <a:r>
+              <a:rPr lang="de-DE" sz="2400" dirty="0"/>
+              <a:t>?</a:t>
+            </a:r>
+          </a:p>
+          <a:p>
+            <a:endParaRPr lang="de-DE" sz="2400" dirty="0"/>
+          </a:p>
+        </p:txBody>
+      </p:sp>
+      <p:sp>
+        <p:nvSpPr>
+          <p:cNvPr id="3" name="Titel 2"/>
+          <p:cNvSpPr>
+            <a:spLocks noGrp="1"/>
+          </p:cNvSpPr>
+          <p:nvPr>
+            <p:ph type="title"/>
+          </p:nvPr>
+        </p:nvSpPr>
+        <p:spPr/>
+        <p:txBody>
+          <a:bodyPr/>
+          <a:lstStyle/>
+          <a:p>
+            <a:r>
+              <a:rPr lang="de-DE" dirty="0" smtClean="0"/>
+              <a:t>Beispielfragen</a:t>
+            </a:r>
+            <a:endParaRPr lang="de-DE" dirty="0"/>
+          </a:p>
+        </p:txBody>
+      </p:sp>
+      <p:sp>
+        <p:nvSpPr>
+          <p:cNvPr id="4" name="Datumsplatzhalter 3"/>
+          <p:cNvSpPr>
+            <a:spLocks noGrp="1"/>
+          </p:cNvSpPr>
+          <p:nvPr>
+            <p:ph type="dt" sz="half" idx="14"/>
+          </p:nvPr>
+        </p:nvSpPr>
+        <p:spPr/>
+        <p:txBody>
+          <a:bodyPr/>
+          <a:lstStyle/>
+          <a:p>
+            <a:r>
+              <a:rPr lang="de-DE" dirty="0" smtClean="0"/>
+              <a:t>04.04.2019</a:t>
+            </a:r>
+            <a:endParaRPr lang="de-DE" dirty="0"/>
+          </a:p>
+        </p:txBody>
+      </p:sp>
+      <p:sp>
+        <p:nvSpPr>
+          <p:cNvPr id="5" name="Fußzeilenplatzhalter 4"/>
+          <p:cNvSpPr>
+            <a:spLocks noGrp="1"/>
+          </p:cNvSpPr>
+          <p:nvPr>
+            <p:ph type="ftr" sz="quarter" idx="15"/>
+          </p:nvPr>
+        </p:nvSpPr>
+        <p:spPr/>
+        <p:txBody>
+          <a:bodyPr/>
+          <a:lstStyle/>
+          <a:p>
+            <a:r>
+              <a:rPr lang="de-DE" dirty="0" smtClean="0"/>
+              <a:t>corpuls.web ANALYSE - Dashboards               - Intern / Internal -</a:t>
+            </a:r>
+            <a:endParaRPr lang="de-DE" dirty="0"/>
+          </a:p>
+        </p:txBody>
+      </p:sp>
+      <p:sp>
+        <p:nvSpPr>
+          <p:cNvPr id="6" name="Foliennummernplatzhalter 5"/>
+          <p:cNvSpPr>
+            <a:spLocks noGrp="1"/>
+          </p:cNvSpPr>
+          <p:nvPr>
+            <p:ph type="sldNum" sz="quarter" idx="16"/>
+          </p:nvPr>
+        </p:nvSpPr>
+        <p:spPr/>
+        <p:txBody>
+          <a:bodyPr/>
+          <a:lstStyle/>
+          <a:p>
+            <a:pPr algn="r">
+              <a:tabLst>
+                <a:tab pos="8431213" algn="r"/>
+              </a:tabLst>
+            </a:pPr>
+            <a:fld id="{EA7C8D44-3667-46F6-9772-CC52308E2A7F}" type="slidenum">
+              <a:rPr lang="de-DE" smtClean="0"/>
+              <a:pPr algn="r">
+                <a:tabLst>
+                  <a:tab pos="8431213" algn="r"/>
+                </a:tabLst>
+              </a:pPr>
+              <a:t>18</a:t>
+            </a:fld>
+            <a:endParaRPr lang="de-DE" dirty="0"/>
+          </a:p>
+        </p:txBody>
+      </p:sp>
+    </p:spTree>
+    <p:extLst>
+      <p:ext uri="{BB962C8B-B14F-4D97-AF65-F5344CB8AC3E}">
+        <p14:creationId xmlns:p14="http://schemas.microsoft.com/office/powerpoint/2010/main" val="1733515658"/>
+      </p:ext>
+    </p:extLst>
+  </p:cSld>
+  <p:clrMapOvr>
+    <a:masterClrMapping/>
+  </p:clrMapOvr>
+  <mc:AlternateContent xmlns:mc="http://schemas.openxmlformats.org/markup-compatibility/2006" xmlns:p14="http://schemas.microsoft.com/office/powerpoint/2010/main">
+    <mc:Choice Requires="p14">
+      <p:transition p14:dur="100">
+        <p:cut/>
+      </p:transition>
+    </mc:Choice>
+    <mc:Fallback xmlns="">
+      <p:transition>
+        <p:cut/>
+      </p:transition>
+    </mc:Fallback>
+  </mc:AlternateContent>
+  <p:timing>
+    <p:tnLst>
+      <p:par>
+        <p:cTn id="1" dur="indefinite" restart="never" nodeType="tmRoot">
+          <p:childTnLst>
+            <p:seq concurrent="1" nextAc="seek">
+              <p:cTn id="2" dur="indefinite" nodeType="mainSeq">
+                <p:childTnLst>
+                  <p:par>
+                    <p:cTn id="3" fill="hold">
+                      <p:stCondLst>
+                        <p:cond delay="indefinite"/>
+                      </p:stCondLst>
+                      <p:childTnLst>
+                        <p:par>
+                          <p:cTn id="4" fill="hold">
+                            <p:stCondLst>
+                              <p:cond delay="0"/>
+                            </p:stCondLst>
+                            <p:childTnLst>
+                              <p:par>
+                                <p:cTn id="5" presetID="1" presetClass="entr" presetSubtype="0" fill="hold" grpId="0" nodeType="clickEffect">
+                                  <p:stCondLst>
+                                    <p:cond delay="0"/>
+                                  </p:stCondLst>
+                                  <p:childTnLst>
+                                    <p:set>
+                                      <p:cBhvr>
+                                        <p:cTn id="6" dur="1" fill="hold">
+                                          <p:stCondLst>
+                                            <p:cond delay="0"/>
+                                          </p:stCondLst>
+                                        </p:cTn>
+                                        <p:tgtEl>
+                                          <p:spTgt spid="2">
+                                            <p:txEl>
+                                              <p:pRg st="0" end="0"/>
+                                            </p:txEl>
+                                          </p:spTgt>
+                                        </p:tgtEl>
+                                        <p:attrNameLst>
+                                          <p:attrName>style.visibility</p:attrName>
+                                        </p:attrNameLst>
+                                      </p:cBhvr>
+                                      <p:to>
+                                        <p:strVal val="visible"/>
+                                      </p:to>
+                                    </p:set>
+                                  </p:childTnLst>
+                                </p:cTn>
+                              </p:par>
+                            </p:childTnLst>
+                          </p:cTn>
+                        </p:par>
+                      </p:childTnLst>
+                    </p:cTn>
+                  </p:par>
+                  <p:par>
+                    <p:cTn id="7" fill="hold">
+                      <p:stCondLst>
+                        <p:cond delay="indefinite"/>
+                      </p:stCondLst>
+                      <p:childTnLst>
+                        <p:par>
+                          <p:cTn id="8" fill="hold">
+                            <p:stCondLst>
+                              <p:cond delay="0"/>
+                            </p:stCondLst>
+                            <p:childTnLst>
+                              <p:par>
+                                <p:cTn id="9" presetID="1" presetClass="entr" presetSubtype="0" fill="hold" grpId="0" nodeType="clickEffect">
+                                  <p:stCondLst>
+                                    <p:cond delay="0"/>
+                                  </p:stCondLst>
+                                  <p:childTnLst>
+                                    <p:set>
+                                      <p:cBhvr>
+                                        <p:cTn id="10" dur="1" fill="hold">
+                                          <p:stCondLst>
+                                            <p:cond delay="0"/>
+                                          </p:stCondLst>
+                                        </p:cTn>
+                                        <p:tgtEl>
+                                          <p:spTgt spid="2">
+                                            <p:txEl>
+                                              <p:pRg st="1" end="1"/>
+                                            </p:txEl>
+                                          </p:spTgt>
+                                        </p:tgtEl>
+                                        <p:attrNameLst>
+                                          <p:attrName>style.visibility</p:attrName>
+                                        </p:attrNameLst>
+                                      </p:cBhvr>
+                                      <p:to>
+                                        <p:strVal val="visible"/>
+                                      </p:to>
+                                    </p:set>
+                                  </p:childTnLst>
+                                </p:cTn>
+                              </p:par>
+                            </p:childTnLst>
+                          </p:cTn>
+                        </p:par>
+                      </p:childTnLst>
+                    </p:cTn>
+                  </p:par>
+                  <p:par>
+                    <p:cTn id="11" fill="hold">
+                      <p:stCondLst>
+                        <p:cond delay="indefinite"/>
+                      </p:stCondLst>
+                      <p:childTnLst>
+                        <p:par>
+                          <p:cTn id="12" fill="hold">
+                            <p:stCondLst>
+                              <p:cond delay="0"/>
+                            </p:stCondLst>
+                            <p:childTnLst>
+                              <p:par>
+                                <p:cTn id="13" presetID="1" presetClass="entr" presetSubtype="0" fill="hold" grpId="0" nodeType="clickEffect">
+                                  <p:stCondLst>
+                                    <p:cond delay="0"/>
+                                  </p:stCondLst>
+                                  <p:childTnLst>
+                                    <p:set>
+                                      <p:cBhvr>
+                                        <p:cTn id="14" dur="1" fill="hold">
+                                          <p:stCondLst>
+                                            <p:cond delay="0"/>
+                                          </p:stCondLst>
+                                        </p:cTn>
+                                        <p:tgtEl>
+                                          <p:spTgt spid="2">
+                                            <p:txEl>
+                                              <p:pRg st="2" end="2"/>
+                                            </p:txEl>
+                                          </p:spTgt>
+                                        </p:tgtEl>
+                                        <p:attrNameLst>
+                                          <p:attrName>style.visibility</p:attrName>
+                                        </p:attrNameLst>
+                                      </p:cBhvr>
+                                      <p:to>
+                                        <p:strVal val="visible"/>
+                                      </p:to>
+                                    </p:set>
+                                  </p:childTnLst>
+                                </p:cTn>
+                              </p:par>
+                            </p:childTnLst>
+                          </p:cTn>
+                        </p:par>
+                      </p:childTnLst>
+                    </p:cTn>
+                  </p:par>
+                  <p:par>
+                    <p:cTn id="15" fill="hold">
+                      <p:stCondLst>
+                        <p:cond delay="indefinite"/>
+                      </p:stCondLst>
+                      <p:childTnLst>
+                        <p:par>
+                          <p:cTn id="16" fill="hold">
+                            <p:stCondLst>
+                              <p:cond delay="0"/>
+                            </p:stCondLst>
+                            <p:childTnLst>
+                              <p:par>
+                                <p:cTn id="17" presetID="1" presetClass="entr" presetSubtype="0" fill="hold" grpId="0" nodeType="clickEffect">
+                                  <p:stCondLst>
+                                    <p:cond delay="0"/>
+                                  </p:stCondLst>
+                                  <p:childTnLst>
+                                    <p:set>
+                                      <p:cBhvr>
+                                        <p:cTn id="18" dur="1" fill="hold">
+                                          <p:stCondLst>
+                                            <p:cond delay="0"/>
+                                          </p:stCondLst>
+                                        </p:cTn>
+                                        <p:tgtEl>
+                                          <p:spTgt spid="2">
+                                            <p:txEl>
+                                              <p:pRg st="3" end="3"/>
+                                            </p:txEl>
+                                          </p:spTgt>
+                                        </p:tgtEl>
+                                        <p:attrNameLst>
+                                          <p:attrName>style.visibility</p:attrName>
+                                        </p:attrNameLst>
+                                      </p:cBhvr>
+                                      <p:to>
+                                        <p:strVal val="visible"/>
+                                      </p:to>
+                                    </p:set>
+                                  </p:childTnLst>
+                                </p:cTn>
+                              </p:par>
+                              <p:par>
+                                <p:cTn id="19" presetID="1" presetClass="entr" presetSubtype="0" fill="hold" grpId="0" nodeType="withEffect">
+                                  <p:stCondLst>
+                                    <p:cond delay="0"/>
+                                  </p:stCondLst>
+                                  <p:childTnLst>
+                                    <p:set>
+                                      <p:cBhvr>
+                                        <p:cTn id="20" dur="1" fill="hold">
+                                          <p:stCondLst>
+                                            <p:cond delay="0"/>
+                                          </p:stCondLst>
+                                        </p:cTn>
+                                        <p:tgtEl>
+                                          <p:spTgt spid="2">
+                                            <p:txEl>
+                                              <p:pRg st="4" end="4"/>
+                                            </p:txEl>
+                                          </p:spTgt>
+                                        </p:tgtEl>
+                                        <p:attrNameLst>
+                                          <p:attrName>style.visibility</p:attrName>
+                                        </p:attrNameLst>
+                                      </p:cBhvr>
+                                      <p:to>
+                                        <p:strVal val="visible"/>
+                                      </p:to>
+                                    </p:set>
+                                  </p:childTnLst>
+                                </p:cTn>
+                              </p:par>
+                            </p:childTnLst>
+                          </p:cTn>
+                        </p:par>
+                      </p:childTnLst>
+                    </p:cTn>
+                  </p:par>
+                  <p:par>
+                    <p:cTn id="21" fill="hold">
+                      <p:stCondLst>
+                        <p:cond delay="indefinite"/>
+                      </p:stCondLst>
+                      <p:childTnLst>
+                        <p:par>
+                          <p:cTn id="22" fill="hold">
+                            <p:stCondLst>
+                              <p:cond delay="0"/>
+                            </p:stCondLst>
+                            <p:childTnLst>
+                              <p:par>
+                                <p:cTn id="23" presetID="1" presetClass="entr" presetSubtype="0" fill="hold" grpId="0" nodeType="clickEffect">
+                                  <p:stCondLst>
+                                    <p:cond delay="0"/>
+                                  </p:stCondLst>
+                                  <p:childTnLst>
+                                    <p:set>
+                                      <p:cBhvr>
+                                        <p:cTn id="24" dur="1" fill="hold">
+                                          <p:stCondLst>
+                                            <p:cond delay="0"/>
+                                          </p:stCondLst>
+                                        </p:cTn>
+                                        <p:tgtEl>
+                                          <p:spTgt spid="2">
+                                            <p:txEl>
+                                              <p:pRg st="5" end="5"/>
+                                            </p:txEl>
+                                          </p:spTgt>
+                                        </p:tgtEl>
+                                        <p:attrNameLst>
+                                          <p:attrName>style.visibility</p:attrName>
+                                        </p:attrNameLst>
+                                      </p:cBhvr>
+                                      <p:to>
+                                        <p:strVal val="visible"/>
+                                      </p:to>
+                                    </p:set>
+                                  </p:childTnLst>
+                                </p:cTn>
+                              </p:par>
+                            </p:childTnLst>
+                          </p:cTn>
+                        </p:par>
+                      </p:childTnLst>
+                    </p:cTn>
+                  </p:par>
+                  <p:par>
+                    <p:cTn id="25" fill="hold">
+                      <p:stCondLst>
+                        <p:cond delay="indefinite"/>
+                      </p:stCondLst>
+                      <p:childTnLst>
+                        <p:par>
+                          <p:cTn id="26" fill="hold">
+                            <p:stCondLst>
+                              <p:cond delay="0"/>
+                            </p:stCondLst>
+                            <p:childTnLst>
+                              <p:par>
+                                <p:cTn id="27" presetID="1" presetClass="entr" presetSubtype="0" fill="hold" grpId="0" nodeType="clickEffect">
+                                  <p:stCondLst>
+                                    <p:cond delay="0"/>
+                                  </p:stCondLst>
+                                  <p:childTnLst>
+                                    <p:set>
+                                      <p:cBhvr>
+                                        <p:cTn id="28" dur="1" fill="hold">
+                                          <p:stCondLst>
+                                            <p:cond delay="0"/>
+                                          </p:stCondLst>
+                                        </p:cTn>
+                                        <p:tgtEl>
+                                          <p:spTgt spid="2">
+                                            <p:txEl>
+                                              <p:pRg st="6" end="6"/>
+                                            </p:txEl>
+                                          </p:spTgt>
+                                        </p:tgtEl>
+                                        <p:attrNameLst>
+                                          <p:attrName>style.visibility</p:attrName>
+                                        </p:attrNameLst>
+                                      </p:cBhvr>
+                                      <p:to>
+                                        <p:strVal val="visible"/>
+                                      </p:to>
+                                    </p:set>
+                                  </p:childTnLst>
+                                </p:cTn>
+                              </p:par>
+                            </p:childTnLst>
+                          </p:cTn>
+                        </p:par>
+                      </p:childTnLst>
+                    </p:cTn>
+                  </p:par>
+                  <p:par>
+                    <p:cTn id="29" fill="hold">
+                      <p:stCondLst>
+                        <p:cond delay="indefinite"/>
+                      </p:stCondLst>
+                      <p:childTnLst>
+                        <p:par>
+                          <p:cTn id="30" fill="hold">
+                            <p:stCondLst>
+                              <p:cond delay="0"/>
+                            </p:stCondLst>
+                            <p:childTnLst>
+                              <p:par>
+                                <p:cTn id="31" presetID="1" presetClass="entr" presetSubtype="0" fill="hold" grpId="0" nodeType="clickEffect">
+                                  <p:stCondLst>
+                                    <p:cond delay="0"/>
+                                  </p:stCondLst>
+                                  <p:childTnLst>
+                                    <p:set>
+                                      <p:cBhvr>
+                                        <p:cTn id="32" dur="1" fill="hold">
+                                          <p:stCondLst>
+                                            <p:cond delay="0"/>
+                                          </p:stCondLst>
+                                        </p:cTn>
+                                        <p:tgtEl>
+                                          <p:spTgt spid="2">
+                                            <p:txEl>
+                                              <p:pRg st="7" end="7"/>
+                                            </p:txEl>
+                                          </p:spTgt>
+                                        </p:tgtEl>
+                                        <p:attrNameLst>
+                                          <p:attrName>style.visibility</p:attrName>
+                                        </p:attrNameLst>
+                                      </p:cBhvr>
+                                      <p:to>
+                                        <p:strVal val="visible"/>
+                                      </p:to>
+                                    </p:set>
+                                  </p:childTnLst>
+                                </p:cTn>
+                              </p:par>
+                            </p:childTnLst>
+                          </p:cTn>
+                        </p:par>
+                      </p:childTnLst>
+                    </p:cTn>
+                  </p:par>
+                </p:childTnLst>
+              </p:cTn>
+              <p:prevCondLst>
+                <p:cond evt="onPrev" delay="0">
+                  <p:tgtEl>
+                    <p:sldTgt/>
+                  </p:tgtEl>
+                </p:cond>
+              </p:prevCondLst>
+              <p:nextCondLst>
+                <p:cond evt="onNext" delay="0">
+                  <p:tgtEl>
+                    <p:sldTgt/>
+                  </p:tgtEl>
+                </p:cond>
+              </p:nextCondLst>
+            </p:seq>
+          </p:childTnLst>
+        </p:cTn>
+      </p:par>
+    </p:tnLst>
+    <p:bldLst>
+      <p:bldP spid="2" grpId="0" build="p"/>
+    </p:bldLst>
+  </p:timing>
+</p:sld>
+</file>
+
+<file path=ppt/slides/slide19.xml><?xml version="1.0" encoding="utf-8"?>
+<p:sld xmlns:a="http://schemas.openxmlformats.org/drawingml/2006/main" xmlns:r="http://schemas.openxmlformats.org/officeDocument/2006/relationships" xmlns:p="http://schemas.openxmlformats.org/presentationml/2006/main">
+  <p:cSld>
+    <p:spTree>
+      <p:nvGrpSpPr>
+        <p:cNvPr id="1" name=""/>
+        <p:cNvGrpSpPr/>
+        <p:nvPr/>
+      </p:nvGrpSpPr>
+      <p:grpSpPr>
+        <a:xfrm>
+          <a:off x="0" y="0"/>
+          <a:ext cx="0" cy="0"/>
+          <a:chOff x="0" y="0"/>
+          <a:chExt cx="0" cy="0"/>
+        </a:xfrm>
+      </p:grpSpPr>
+      <p:sp>
+        <p:nvSpPr>
+          <p:cNvPr id="2" name="Textplatzhalter 1"/>
+          <p:cNvSpPr>
+            <a:spLocks noGrp="1"/>
+          </p:cNvSpPr>
+          <p:nvPr>
+            <p:ph type="body" sz="quarter" idx="10"/>
+          </p:nvPr>
+        </p:nvSpPr>
+        <p:spPr/>
+        <p:txBody>
+          <a:bodyPr>
+            <a:normAutofit fontScale="92500" lnSpcReduction="10000"/>
+          </a:bodyPr>
+          <a:lstStyle/>
+          <a:p>
+            <a:r>
+              <a:rPr lang="de-DE" dirty="0" smtClean="0"/>
+              <a:t>Vorstellung Dashboards</a:t>
+            </a:r>
+          </a:p>
+        </p:txBody>
+      </p:sp>
+      <p:sp>
+        <p:nvSpPr>
+          <p:cNvPr id="3" name="Textplatzhalter 2"/>
+          <p:cNvSpPr>
+            <a:spLocks noGrp="1"/>
+          </p:cNvSpPr>
+          <p:nvPr>
+            <p:ph type="body" sz="quarter" idx="11"/>
+          </p:nvPr>
+        </p:nvSpPr>
+        <p:spPr/>
+        <p:txBody>
+          <a:bodyPr/>
+          <a:lstStyle/>
+          <a:p>
+            <a:r>
+              <a:rPr lang="de-DE" dirty="0" smtClean="0"/>
+              <a:t>04.04.2019, Version 1.0</a:t>
+            </a:r>
+            <a:endParaRPr lang="de-DE" dirty="0"/>
+          </a:p>
+        </p:txBody>
+      </p:sp>
+      <p:sp>
+        <p:nvSpPr>
+          <p:cNvPr id="4" name="Textplatzhalter 3"/>
+          <p:cNvSpPr>
+            <a:spLocks noGrp="1"/>
+          </p:cNvSpPr>
+          <p:nvPr>
+            <p:ph type="body" sz="quarter" idx="12"/>
+          </p:nvPr>
+        </p:nvSpPr>
+        <p:spPr/>
+        <p:txBody>
+          <a:bodyPr>
+            <a:normAutofit lnSpcReduction="10000"/>
+          </a:bodyPr>
+          <a:lstStyle/>
+          <a:p>
+            <a:r>
+              <a:rPr lang="de-DE" dirty="0"/>
+              <a:t>Joshua Hirsch</a:t>
+            </a:r>
+          </a:p>
+          <a:p>
+            <a:r>
+              <a:rPr lang="de-DE" dirty="0" smtClean="0"/>
+              <a:t>Bachelorand Softwareentwicklung für Anwendung</a:t>
+            </a:r>
+            <a:endParaRPr lang="de-DE" dirty="0"/>
+          </a:p>
+        </p:txBody>
+      </p:sp>
+    </p:spTree>
+    <p:extLst>
+      <p:ext uri="{BB962C8B-B14F-4D97-AF65-F5344CB8AC3E}">
+        <p14:creationId xmlns:p14="http://schemas.microsoft.com/office/powerpoint/2010/main" val="1331215376"/>
+      </p:ext>
+    </p:extLst>
+  </p:cSld>
+  <p:clrMapOvr>
+    <a:masterClrMapping/>
+  </p:clrMapOvr>
+  <mc:AlternateContent xmlns:mc="http://schemas.openxmlformats.org/markup-compatibility/2006" xmlns:p14="http://schemas.microsoft.com/office/powerpoint/2010/main">
+    <mc:Choice Requires="p14">
+      <p:transition p14:dur="100">
+        <p:cut/>
+      </p:transition>
+    </mc:Choice>
+    <mc:Fallback xmlns="">
+      <p:transition>
+        <p:cut/>
+      </p:transition>
+    </mc:Fallback>
+  </mc:AlternateContent>
+  <p:timing>
+    <p:tnLst>
+      <p:par>
+        <p:cTn id="1" dur="indefinite" restart="never" nodeType="tmRoot"/>
+      </p:par>
+    </p:tnLst>
+  </p:timing>
+</p:sld>
+</file>
+
 <file path=ppt/slides/slide2.xml><?xml version="1.0" encoding="utf-8"?>
 <p:sld xmlns:a="http://schemas.openxmlformats.org/drawingml/2006/main" xmlns:r="http://schemas.openxmlformats.org/officeDocument/2006/relationships" xmlns:p="http://schemas.openxmlformats.org/presentationml/2006/main">
   <p:cSld>
@@ -10341,7 +15562,7 @@
               <a:buFont typeface="+mj-lt"/>
               <a:buAutoNum type="arabicPeriod"/>
             </a:pPr>
-            <a:endParaRPr lang="de-DE" dirty="0" smtClean="0"/>
+            <a:endParaRPr lang="de-DE" sz="2400" dirty="0" smtClean="0"/>
           </a:p>
           <a:p>
             <a:pPr marL="457200" indent="-457200">
@@ -10349,7 +15570,7 @@
               <a:buAutoNum type="arabicPeriod"/>
             </a:pPr>
             <a:r>
-              <a:rPr lang="de-DE" dirty="0" smtClean="0"/>
+              <a:rPr lang="de-DE" sz="2400" dirty="0" smtClean="0"/>
               <a:t>Problemstellung und Motivation</a:t>
             </a:r>
           </a:p>
@@ -10358,7 +15579,7 @@
               <a:buFont typeface="+mj-lt"/>
               <a:buAutoNum type="arabicPeriod"/>
             </a:pPr>
-            <a:endParaRPr lang="de-DE" dirty="0" smtClean="0"/>
+            <a:endParaRPr lang="de-DE" sz="2400" dirty="0" smtClean="0"/>
           </a:p>
           <a:p>
             <a:pPr marL="457200" indent="-457200">
@@ -10366,15 +15587,15 @@
               <a:buAutoNum type="arabicPeriod"/>
             </a:pPr>
             <a:r>
-              <a:rPr lang="de-DE" dirty="0" smtClean="0"/>
+              <a:rPr lang="de-DE" sz="2400" dirty="0" smtClean="0"/>
               <a:t>Technische Änderungen an </a:t>
             </a:r>
             <a:r>
-              <a:rPr lang="de-DE" b="1" dirty="0" smtClean="0"/>
+              <a:rPr lang="de-DE" sz="2400" b="1" dirty="0" smtClean="0"/>
               <a:t>corpuls</a:t>
             </a:r>
             <a:r>
-              <a:rPr lang="de-DE" b="1" dirty="0" smtClean="0">
+              <a:rPr lang="de-DE" sz="2400" b="1" dirty="0" smtClean="0">
                 <a:solidFill>
                   <a:srgbClr val="DD0B2F"/>
                 </a:solidFill>
@@ -10382,7 +15603,7 @@
               <a:t>.web</a:t>
             </a:r>
             <a:r>
-              <a:rPr lang="de-DE" b="1" dirty="0" smtClean="0"/>
+              <a:rPr lang="de-DE" sz="2400" b="1" dirty="0" smtClean="0"/>
               <a:t> ANALYSE</a:t>
             </a:r>
           </a:p>
@@ -10391,7 +15612,7 @@
               <a:buFont typeface="+mj-lt"/>
               <a:buAutoNum type="arabicPeriod"/>
             </a:pPr>
-            <a:endParaRPr lang="de-DE" b="1" dirty="0" smtClean="0"/>
+            <a:endParaRPr lang="de-DE" sz="2400" b="1" dirty="0" smtClean="0"/>
           </a:p>
           <a:p>
             <a:pPr marL="457200" indent="-457200">
@@ -10399,10 +15620,10 @@
               <a:buAutoNum type="arabicPeriod"/>
             </a:pPr>
             <a:r>
-              <a:rPr lang="de-DE" dirty="0" smtClean="0"/>
+              <a:rPr lang="de-DE" sz="2400" dirty="0" smtClean="0"/>
               <a:t>Beispielhafte Fragestellungen und deren Antworten in den Dashboards</a:t>
             </a:r>
-            <a:endParaRPr lang="de-DE" dirty="0"/>
+            <a:endParaRPr lang="de-DE" sz="2400" dirty="0"/>
           </a:p>
         </p:txBody>
       </p:sp>
@@ -10572,53 +15793,38 @@
           <a:bodyPr/>
           <a:lstStyle/>
           <a:p>
-            <a:r>
-              <a:rPr lang="de-DE" dirty="0" smtClean="0"/>
-              <a:t>Diverse nutzergruppen viele Fragestellungen für verschiedene Auswertungen</a:t>
-            </a:r>
-          </a:p>
-          <a:p>
-            <a:r>
-              <a:rPr lang="de-DE" dirty="0" smtClean="0"/>
-              <a:t>Potentiell sind die Daten vorhanden</a:t>
-            </a:r>
-          </a:p>
-          <a:p>
-            <a:r>
-              <a:rPr lang="de-DE" dirty="0" smtClean="0"/>
-              <a:t>Schlecht dargestellt (Bild Tabelle (nennt mir doch mal die Anzahl Einsätze.. Mit Reanimationen.. Im Februar)), simple frage, die auftaucht (</a:t>
-            </a:r>
-            <a:r>
-              <a:rPr lang="de-DE" dirty="0" err="1" smtClean="0"/>
-              <a:t>dr.</a:t>
-            </a:r>
-            <a:r>
-              <a:rPr lang="de-DE" dirty="0" smtClean="0"/>
-              <a:t> </a:t>
-            </a:r>
-            <a:r>
-              <a:rPr lang="de-DE" dirty="0" err="1" smtClean="0"/>
-              <a:t>haacke</a:t>
-            </a:r>
-            <a:r>
-              <a:rPr lang="de-DE" dirty="0" smtClean="0"/>
-              <a:t>)</a:t>
-            </a:r>
-          </a:p>
-          <a:p>
-            <a:r>
-              <a:rPr lang="de-DE" dirty="0" smtClean="0"/>
-              <a:t>Grafische Darstellung von Daten verringert kognitive Last und stellt eine Vielzahl an Informationen in kleinem platz, geringer zeit dar, konvertiert in wissen</a:t>
-            </a:r>
-          </a:p>
-          <a:p>
-            <a:r>
-              <a:rPr lang="de-DE" dirty="0" smtClean="0"/>
-              <a:t>Daraus resultierten verschiedene Fragestellungen, welche bearbeitet werden mussten (1.2.2. Thesis)</a:t>
-            </a:r>
-          </a:p>
-          <a:p>
-            <a:endParaRPr lang="de-DE" dirty="0"/>
+            <a:pPr marL="342900" indent="-342900">
+              <a:buFont typeface="Arial" panose="020B0604020202020204" pitchFamily="34" charset="0"/>
+              <a:buChar char="•"/>
+            </a:pPr>
+            <a:endParaRPr lang="de-DE" sz="2400" dirty="0" smtClean="0"/>
+          </a:p>
+          <a:p>
+            <a:pPr marL="342900" indent="-342900">
+              <a:buFont typeface="Arial" panose="020B0604020202020204" pitchFamily="34" charset="0"/>
+              <a:buChar char="•"/>
+            </a:pPr>
+            <a:r>
+              <a:rPr lang="de-DE" sz="2400" dirty="0" smtClean="0"/>
+              <a:t>Diverse Nutzergruppen</a:t>
+            </a:r>
+          </a:p>
+          <a:p>
+            <a:pPr marL="342900" indent="-342900">
+              <a:buFont typeface="Arial" panose="020B0604020202020204" pitchFamily="34" charset="0"/>
+              <a:buChar char="•"/>
+            </a:pPr>
+            <a:endParaRPr lang="de-DE" sz="2400" dirty="0" smtClean="0"/>
+          </a:p>
+          <a:p>
+            <a:pPr marL="342900" indent="-342900">
+              <a:buFont typeface="Arial" panose="020B0604020202020204" pitchFamily="34" charset="0"/>
+              <a:buChar char="•"/>
+            </a:pPr>
+            <a:r>
+              <a:rPr lang="de-DE" sz="2400" dirty="0" smtClean="0"/>
+              <a:t>Viele Fragestellungen</a:t>
+            </a:r>
           </a:p>
         </p:txBody>
       </p:sp>
@@ -10780,7 +15986,7 @@
             <a:spLocks noGrp="1"/>
           </p:cNvSpPr>
           <p:nvPr>
-            <p:ph type="body" sz="quarter" idx="17"/>
+            <p:ph type="body" sz="quarter" idx="13"/>
           </p:nvPr>
         </p:nvSpPr>
         <p:spPr/>
@@ -10788,15 +15994,71 @@
           <a:bodyPr/>
           <a:lstStyle/>
           <a:p>
+            <a:pPr marL="342900" indent="-342900">
+              <a:buFont typeface="Arial" panose="020B0604020202020204" pitchFamily="34" charset="0"/>
+              <a:buChar char="•"/>
+            </a:pPr>
+            <a:endParaRPr lang="de-DE" sz="2400" dirty="0" smtClean="0"/>
+          </a:p>
+          <a:p>
+            <a:pPr marL="342900" indent="-342900">
+              <a:buFont typeface="Arial" panose="020B0604020202020204" pitchFamily="34" charset="0"/>
+              <a:buChar char="•"/>
+            </a:pPr>
+            <a:endParaRPr lang="de-DE" sz="2400" dirty="0" smtClean="0"/>
+          </a:p>
+          <a:p>
+            <a:pPr marL="342900" indent="-342900">
+              <a:buFont typeface="Arial" panose="020B0604020202020204" pitchFamily="34" charset="0"/>
+              <a:buChar char="•"/>
+            </a:pPr>
+            <a:r>
+              <a:rPr lang="de-DE" sz="2400" dirty="0" smtClean="0"/>
+              <a:t>Potentiell sind Daten vorhanden</a:t>
+            </a:r>
+          </a:p>
+          <a:p>
+            <a:pPr marL="342900" indent="-342900">
+              <a:buFont typeface="Arial" panose="020B0604020202020204" pitchFamily="34" charset="0"/>
+              <a:buChar char="•"/>
+            </a:pPr>
+            <a:endParaRPr lang="de-DE" sz="2400" dirty="0" smtClean="0"/>
+          </a:p>
+          <a:p>
+            <a:r>
+              <a:rPr lang="de-DE" sz="2400" dirty="0" smtClean="0">
+                <a:sym typeface="Wingdings" panose="05000000000000000000" pitchFamily="2" charset="2"/>
+              </a:rPr>
+              <a:t>	 Nicht optimal dargestellt </a:t>
+            </a:r>
+            <a:endParaRPr lang="de-DE" sz="2400" dirty="0" smtClean="0"/>
+          </a:p>
+          <a:p>
+            <a:endParaRPr lang="de-DE" sz="2400" dirty="0" smtClean="0"/>
+          </a:p>
+          <a:p>
+            <a:endParaRPr lang="de-DE" sz="2400" dirty="0"/>
+          </a:p>
+        </p:txBody>
+      </p:sp>
+      <p:sp>
+        <p:nvSpPr>
+          <p:cNvPr id="3" name="Titel 2"/>
+          <p:cNvSpPr>
+            <a:spLocks noGrp="1"/>
+          </p:cNvSpPr>
+          <p:nvPr>
+            <p:ph type="title"/>
+          </p:nvPr>
+        </p:nvSpPr>
+        <p:spPr/>
+        <p:txBody>
+          <a:bodyPr/>
+          <a:lstStyle/>
+          <a:p>
             <a:r>
               <a:rPr lang="de-DE" dirty="0" smtClean="0"/>
-              <a:t>Wie war es bisher?</a:t>
-            </a:r>
-          </a:p>
-          <a:p>
-            <a:r>
-              <a:rPr lang="de-DE" dirty="0" smtClean="0"/>
-              <a:t>Wie ist es jetzt?</a:t>
+              <a:t>Problemstellung</a:t>
             </a:r>
             <a:endParaRPr lang="de-DE" dirty="0"/>
           </a:p>
@@ -10804,12 +16066,12 @@
       </p:sp>
       <p:sp>
         <p:nvSpPr>
-          <p:cNvPr id="3" name="Textplatzhalter 2"/>
-          <p:cNvSpPr>
-            <a:spLocks noGrp="1"/>
-          </p:cNvSpPr>
-          <p:nvPr>
-            <p:ph type="body" sz="quarter" idx="18"/>
+          <p:cNvPr id="4" name="Datumsplatzhalter 3"/>
+          <p:cNvSpPr>
+            <a:spLocks noGrp="1"/>
+          </p:cNvSpPr>
+          <p:nvPr>
+            <p:ph type="dt" sz="half" idx="14"/>
           </p:nvPr>
         </p:nvSpPr>
         <p:spPr/>
@@ -10817,30 +16079,6 @@
           <a:bodyPr/>
           <a:lstStyle/>
           <a:p>
-            <a:endParaRPr lang="de-DE" dirty="0"/>
-          </a:p>
-        </p:txBody>
-      </p:sp>
-      <p:sp>
-        <p:nvSpPr>
-          <p:cNvPr id="4" name="Datumsplatzhalter 3"/>
-          <p:cNvSpPr>
-            <a:spLocks noGrp="1"/>
-          </p:cNvSpPr>
-          <p:nvPr>
-            <p:ph type="dt" sz="half" idx="19"/>
-          </p:nvPr>
-        </p:nvSpPr>
-        <p:spPr/>
-        <p:txBody>
-          <a:bodyPr/>
-          <a:lstStyle/>
-          <a:p>
-            <a:pPr>
-              <a:tabLst>
-                <a:tab pos="8431213" algn="r"/>
-              </a:tabLst>
-            </a:pPr>
             <a:r>
               <a:rPr lang="de-DE" dirty="0" smtClean="0"/>
               <a:t>04.04.2019</a:t>
@@ -10856,7 +16094,7 @@
             <a:spLocks noGrp="1"/>
           </p:cNvSpPr>
           <p:nvPr>
-            <p:ph type="ftr" sz="quarter" idx="20"/>
+            <p:ph type="ftr" sz="quarter" idx="15"/>
           </p:nvPr>
         </p:nvSpPr>
         <p:spPr/>
@@ -10864,11 +16102,6 @@
           <a:bodyPr/>
           <a:lstStyle/>
           <a:p>
-            <a:pPr>
-              <a:tabLst>
-                <a:tab pos="8431213" algn="r"/>
-              </a:tabLst>
-            </a:pPr>
             <a:r>
               <a:rPr lang="de-DE" dirty="0" smtClean="0"/>
               <a:t>corpuls.web ANALYSE - Dashboards               - Intern / Internal -</a:t>
@@ -10879,38 +16112,12 @@
       </p:sp>
       <p:sp>
         <p:nvSpPr>
-          <p:cNvPr id="6" name="Titel 5"/>
-          <p:cNvSpPr>
-            <a:spLocks noGrp="1"/>
-          </p:cNvSpPr>
-          <p:nvPr>
-            <p:ph type="title"/>
-          </p:nvPr>
-        </p:nvSpPr>
-        <p:spPr/>
-        <p:txBody>
-          <a:bodyPr/>
-          <a:lstStyle/>
-          <a:p>
-            <a:r>
-              <a:rPr lang="de-DE" dirty="0" smtClean="0"/>
-              <a:t>Technische Änderungen</a:t>
-            </a:r>
-            <a:br>
-              <a:rPr lang="de-DE" dirty="0" smtClean="0"/>
-            </a:br>
-            <a:endParaRPr lang="de-DE" dirty="0"/>
-          </a:p>
-        </p:txBody>
-      </p:sp>
-      <p:sp>
-        <p:nvSpPr>
-          <p:cNvPr id="7" name="Foliennummernplatzhalter 6"/>
-          <p:cNvSpPr>
-            <a:spLocks noGrp="1"/>
-          </p:cNvSpPr>
-          <p:nvPr>
-            <p:ph type="sldNum" sz="quarter" idx="12"/>
+          <p:cNvPr id="6" name="Foliennummernplatzhalter 5"/>
+          <p:cNvSpPr>
+            <a:spLocks noGrp="1"/>
+          </p:cNvSpPr>
+          <p:nvPr>
+            <p:ph type="sldNum" sz="quarter" idx="16"/>
           </p:nvPr>
         </p:nvSpPr>
         <p:spPr/>
@@ -10939,7 +16146,7 @@
     </p:spTree>
     <p:extLst>
       <p:ext uri="{BB962C8B-B14F-4D97-AF65-F5344CB8AC3E}">
-        <p14:creationId xmlns:p14="http://schemas.microsoft.com/office/powerpoint/2010/main" val="2170890318"/>
+        <p14:creationId xmlns:p14="http://schemas.microsoft.com/office/powerpoint/2010/main" val="3661573875"/>
       </p:ext>
     </p:extLst>
   </p:cSld>
@@ -10987,12 +16194,12 @@
       </p:grpSpPr>
       <p:sp>
         <p:nvSpPr>
-          <p:cNvPr id="2" name="Textplatzhalter 1"/>
-          <p:cNvSpPr>
-            <a:spLocks noGrp="1"/>
-          </p:cNvSpPr>
-          <p:nvPr>
-            <p:ph type="body" sz="quarter" idx="13"/>
+          <p:cNvPr id="3" name="Titel 2"/>
+          <p:cNvSpPr>
+            <a:spLocks noGrp="1"/>
+          </p:cNvSpPr>
+          <p:nvPr>
+            <p:ph type="title"/>
           </p:nvPr>
         </p:nvSpPr>
         <p:spPr/>
@@ -11002,72 +16209,7 @@
           <a:p>
             <a:r>
               <a:rPr lang="de-DE" dirty="0" smtClean="0"/>
-              <a:t>Bisher: </a:t>
-            </a:r>
-            <a:r>
-              <a:rPr lang="de-DE" dirty="0" smtClean="0"/>
-              <a:t>csv</a:t>
-            </a:r>
-            <a:r>
-              <a:rPr lang="de-DE" dirty="0" smtClean="0"/>
-              <a:t> Export für Auswertungen</a:t>
-            </a:r>
-          </a:p>
-          <a:p>
-            <a:r>
-              <a:rPr lang="de-DE" dirty="0" smtClean="0"/>
-              <a:t>-&gt; nur MM</a:t>
-            </a:r>
-          </a:p>
-          <a:p>
-            <a:r>
-              <a:rPr lang="de-DE" dirty="0" smtClean="0"/>
-              <a:t>Neu: REST-Export von MM</a:t>
-            </a:r>
-          </a:p>
-          <a:p>
-            <a:r>
-              <a:rPr lang="de-DE" dirty="0" smtClean="0"/>
-              <a:t>-&gt; Export generieren, später fertigen abholen, kann auch zu späteren Zeitpunkten erneut abgeholt werden, oder gelöscht. Ebenfalls mit Authentifizierung</a:t>
-            </a:r>
-          </a:p>
-          <a:p>
-            <a:endParaRPr lang="de-DE" dirty="0"/>
-          </a:p>
-          <a:p>
-            <a:r>
-              <a:rPr lang="de-DE" dirty="0" smtClean="0"/>
-              <a:t>Erste Beispiele von Fragestellungen? Vergleich </a:t>
-            </a:r>
-            <a:r>
-              <a:rPr lang="de-DE" dirty="0" err="1" smtClean="0"/>
-              <a:t>tabelle</a:t>
-            </a:r>
-            <a:endParaRPr lang="de-DE" dirty="0" smtClean="0"/>
-          </a:p>
-          <a:p>
-            <a:endParaRPr lang="de-DE" dirty="0" smtClean="0"/>
-          </a:p>
-        </p:txBody>
-      </p:sp>
-      <p:sp>
-        <p:nvSpPr>
-          <p:cNvPr id="3" name="Titel 2"/>
-          <p:cNvSpPr>
-            <a:spLocks noGrp="1"/>
-          </p:cNvSpPr>
-          <p:nvPr>
-            <p:ph type="title"/>
-          </p:nvPr>
-        </p:nvSpPr>
-        <p:spPr/>
-        <p:txBody>
-          <a:bodyPr/>
-          <a:lstStyle/>
-          <a:p>
-            <a:r>
-              <a:rPr lang="de-DE" dirty="0" smtClean="0"/>
-              <a:t>Technische Änderungen</a:t>
+              <a:t>Problemstellung</a:t>
             </a:r>
             <a:endParaRPr lang="de-DE" dirty="0"/>
           </a:p>
@@ -11152,10 +16294,70 @@
           </a:p>
         </p:txBody>
       </p:sp>
+      <p:sp>
+        <p:nvSpPr>
+          <p:cNvPr id="7" name="Textplatzhalter 6"/>
+          <p:cNvSpPr>
+            <a:spLocks noGrp="1"/>
+          </p:cNvSpPr>
+          <p:nvPr>
+            <p:ph type="body" sz="quarter" idx="13"/>
+          </p:nvPr>
+        </p:nvSpPr>
+        <p:spPr/>
+        <p:txBody>
+          <a:bodyPr/>
+          <a:lstStyle/>
+          <a:p>
+            <a:endParaRPr lang="de-DE" dirty="0"/>
+          </a:p>
+        </p:txBody>
+      </p:sp>
+      <p:pic>
+        <p:nvPicPr>
+          <p:cNvPr id="1034" name="Picture 10" descr="C:\Users\Hirsch\Documents\GitHub\Thesis\ppt_img\list.JPG"/>
+          <p:cNvPicPr>
+            <a:picLocks noChangeAspect="1" noChangeArrowheads="1"/>
+          </p:cNvPicPr>
+          <p:nvPr/>
+        </p:nvPicPr>
+        <p:blipFill>
+          <a:blip r:embed="rId3">
+            <a:extLst>
+              <a:ext uri="{28A0092B-C50C-407E-A947-70E740481C1C}">
+                <a14:useLocalDpi xmlns:a14="http://schemas.microsoft.com/office/drawing/2010/main" val="0"/>
+              </a:ext>
+            </a:extLst>
+          </a:blip>
+          <a:srcRect/>
+          <a:stretch>
+            <a:fillRect/>
+          </a:stretch>
+        </p:blipFill>
+        <p:spPr bwMode="auto">
+          <a:xfrm>
+            <a:off x="-108520" y="720080"/>
+            <a:ext cx="9649072" cy="4429918"/>
+          </a:xfrm>
+          <a:prstGeom prst="rect">
+            <a:avLst/>
+          </a:prstGeom>
+          <a:noFill/>
+          <a:extLst>
+            <a:ext uri="{909E8E84-426E-40DD-AFC4-6F175D3DCCD1}">
+              <a14:hiddenFill xmlns:a14="http://schemas.microsoft.com/office/drawing/2010/main">
+                <a:solidFill>
+                  <a:srgbClr val="FFFFFF"/>
+                </a:solidFill>
+              </a14:hiddenFill>
+            </a:ext>
+          </a:extLst>
+        </p:spPr>
+      </p:pic>
     </p:spTree>
     <p:extLst>
       <p:ext uri="{BB962C8B-B14F-4D97-AF65-F5344CB8AC3E}">
-        <p14:creationId xmlns:p14="http://schemas.microsoft.com/office/powerpoint/2010/main" val="1434660769"/>
+        <p14:creationId xmlns:p14="http://schemas.microsoft.com/office/powerpoint/2010/main" val="3428052204"/>
       </p:ext>
     </p:extLst>
   </p:cSld>
@@ -11216,54 +16418,69 @@
           <a:bodyPr/>
           <a:lstStyle/>
           <a:p>
+            <a:pPr marL="342900" indent="-342900">
+              <a:buFont typeface="Arial" panose="020B0604020202020204" pitchFamily="34" charset="0"/>
+              <a:buChar char="•"/>
+            </a:pPr>
+            <a:endParaRPr lang="de-DE" sz="2400" dirty="0"/>
+          </a:p>
+          <a:p>
+            <a:pPr marL="342900" indent="-342900">
+              <a:buFont typeface="Arial" panose="020B0604020202020204" pitchFamily="34" charset="0"/>
+              <a:buChar char="•"/>
+            </a:pPr>
+            <a:r>
+              <a:rPr lang="de-DE" sz="2400" dirty="0" smtClean="0"/>
+              <a:t>Grafische Darstellung von Daten verringert kognitive Last</a:t>
+            </a:r>
+          </a:p>
+          <a:p>
+            <a:pPr marL="342900" indent="-342900">
+              <a:buFont typeface="Arial" panose="020B0604020202020204" pitchFamily="34" charset="0"/>
+              <a:buChar char="•"/>
+            </a:pPr>
+            <a:endParaRPr lang="de-DE" sz="2400" dirty="0" smtClean="0"/>
+          </a:p>
+          <a:p>
+            <a:pPr marL="615950" lvl="1" indent="-342900">
+              <a:buFont typeface="Arial" panose="020B0604020202020204" pitchFamily="34" charset="0"/>
+              <a:buChar char="•"/>
+            </a:pPr>
+            <a:r>
+              <a:rPr lang="de-DE" sz="2400" dirty="0" smtClean="0"/>
+              <a:t>Viele Informationen in wenig Raum und Zeit </a:t>
+            </a:r>
+          </a:p>
+          <a:p>
+            <a:pPr marL="342900" indent="-342900">
+              <a:buFont typeface="Arial" panose="020B0604020202020204" pitchFamily="34" charset="0"/>
+              <a:buChar char="•"/>
+            </a:pPr>
+            <a:endParaRPr lang="de-DE" sz="2400" dirty="0" smtClean="0"/>
+          </a:p>
+          <a:p>
+            <a:endParaRPr lang="de-DE" sz="2400" dirty="0"/>
+          </a:p>
+        </p:txBody>
+      </p:sp>
+      <p:sp>
+        <p:nvSpPr>
+          <p:cNvPr id="3" name="Titel 2"/>
+          <p:cNvSpPr>
+            <a:spLocks noGrp="1"/>
+          </p:cNvSpPr>
+          <p:nvPr>
+            <p:ph type="title"/>
+          </p:nvPr>
+        </p:nvSpPr>
+        <p:spPr/>
+        <p:txBody>
+          <a:bodyPr/>
+          <a:lstStyle/>
+          <a:p>
             <a:r>
               <a:rPr lang="de-DE" dirty="0" smtClean="0"/>
-              <a:t>+ neue zusätzliche Daten, welche nicht als MM verfügbar sein können</a:t>
-            </a:r>
-          </a:p>
-          <a:p>
-            <a:r>
-              <a:rPr lang="de-DE" dirty="0" smtClean="0"/>
-              <a:t>Darunter bisher NIBD, CPR-Feedback &amp; Defibrillationen</a:t>
-            </a:r>
-          </a:p>
-          <a:p>
-            <a:r>
-              <a:rPr lang="de-DE" dirty="0" smtClean="0"/>
-              <a:t>(Format in </a:t>
-            </a:r>
-            <a:r>
-              <a:rPr lang="de-DE" dirty="0" err="1" smtClean="0"/>
-              <a:t>response</a:t>
-            </a:r>
-            <a:r>
-              <a:rPr lang="de-DE" dirty="0" smtClean="0"/>
-              <a:t>) exemplarisch neues Objekt darstellen als Bild</a:t>
-            </a:r>
-          </a:p>
-          <a:p>
-            <a:endParaRPr lang="de-DE" dirty="0" smtClean="0"/>
-          </a:p>
-        </p:txBody>
-      </p:sp>
-      <p:sp>
-        <p:nvSpPr>
-          <p:cNvPr id="3" name="Titel 2"/>
-          <p:cNvSpPr>
-            <a:spLocks noGrp="1"/>
-          </p:cNvSpPr>
-          <p:nvPr>
-            <p:ph type="title"/>
-          </p:nvPr>
-        </p:nvSpPr>
-        <p:spPr/>
-        <p:txBody>
-          <a:bodyPr/>
-          <a:lstStyle/>
-          <a:p>
-            <a:r>
-              <a:rPr lang="de-DE" dirty="0" smtClean="0"/>
-              <a:t>Technische Änderungen</a:t>
+              <a:t>Problemstellung</a:t>
             </a:r>
             <a:endParaRPr lang="de-DE" dirty="0"/>
           </a:p>
@@ -11351,7 +16568,7 @@
     </p:spTree>
     <p:extLst>
       <p:ext uri="{BB962C8B-B14F-4D97-AF65-F5344CB8AC3E}">
-        <p14:creationId xmlns:p14="http://schemas.microsoft.com/office/powerpoint/2010/main" val="432853280"/>
+        <p14:creationId xmlns:p14="http://schemas.microsoft.com/office/powerpoint/2010/main" val="2767365896"/>
       </p:ext>
     </p:extLst>
   </p:cSld>
@@ -11373,9 +16590,136 @@
   <p:timing>
     <p:tnLst>
       <p:par>
-        <p:cTn id="1" dur="indefinite" restart="never" nodeType="tmRoot"/>
+        <p:cTn id="1" dur="indefinite" restart="never" nodeType="tmRoot">
+          <p:childTnLst>
+            <p:seq concurrent="1" nextAc="seek">
+              <p:cTn id="2" dur="indefinite" nodeType="mainSeq">
+                <p:childTnLst>
+                  <p:par>
+                    <p:cTn id="3" fill="hold">
+                      <p:stCondLst>
+                        <p:cond delay="indefinite"/>
+                        <p:cond evt="onBegin" delay="0">
+                          <p:tn val="2"/>
+                        </p:cond>
+                      </p:stCondLst>
+                      <p:childTnLst>
+                        <p:par>
+                          <p:cTn id="4" fill="hold">
+                            <p:stCondLst>
+                              <p:cond delay="0"/>
+                            </p:stCondLst>
+                            <p:childTnLst>
+                              <p:par>
+                                <p:cTn id="5" presetID="1" presetClass="entr" presetSubtype="0" fill="hold" grpId="0" nodeType="withEffect">
+                                  <p:stCondLst>
+                                    <p:cond delay="0"/>
+                                  </p:stCondLst>
+                                  <p:childTnLst>
+                                    <p:set>
+                                      <p:cBhvr>
+                                        <p:cTn id="6" dur="1" fill="hold">
+                                          <p:stCondLst>
+                                            <p:cond delay="0"/>
+                                          </p:stCondLst>
+                                        </p:cTn>
+                                        <p:tgtEl>
+                                          <p:spTgt spid="2">
+                                            <p:txEl>
+                                              <p:pRg st="1" end="1"/>
+                                            </p:txEl>
+                                          </p:spTgt>
+                                        </p:tgtEl>
+                                        <p:attrNameLst>
+                                          <p:attrName>style.visibility</p:attrName>
+                                        </p:attrNameLst>
+                                      </p:cBhvr>
+                                      <p:to>
+                                        <p:strVal val="visible"/>
+                                      </p:to>
+                                    </p:set>
+                                  </p:childTnLst>
+                                </p:cTn>
+                              </p:par>
+                            </p:childTnLst>
+                          </p:cTn>
+                        </p:par>
+                      </p:childTnLst>
+                    </p:cTn>
+                  </p:par>
+                  <p:par>
+                    <p:cTn id="7" fill="hold">
+                      <p:stCondLst>
+                        <p:cond delay="indefinite"/>
+                      </p:stCondLst>
+                      <p:childTnLst>
+                        <p:par>
+                          <p:cTn id="8" fill="hold">
+                            <p:stCondLst>
+                              <p:cond delay="0"/>
+                            </p:stCondLst>
+                            <p:childTnLst>
+                              <p:par>
+                                <p:cTn id="9" presetID="1" presetClass="entr" presetSubtype="0" fill="hold" grpId="0" nodeType="clickEffect">
+                                  <p:stCondLst>
+                                    <p:cond delay="0"/>
+                                  </p:stCondLst>
+                                  <p:childTnLst>
+                                    <p:set>
+                                      <p:cBhvr>
+                                        <p:cTn id="10" dur="1" fill="hold">
+                                          <p:stCondLst>
+                                            <p:cond delay="0"/>
+                                          </p:stCondLst>
+                                        </p:cTn>
+                                        <p:tgtEl>
+                                          <p:spTgt spid="2">
+                                            <p:txEl>
+                                              <p:pRg st="3" end="3"/>
+                                            </p:txEl>
+                                          </p:spTgt>
+                                        </p:tgtEl>
+                                        <p:attrNameLst>
+                                          <p:attrName>style.visibility</p:attrName>
+                                        </p:attrNameLst>
+                                      </p:cBhvr>
+                                      <p:to>
+                                        <p:strVal val="visible"/>
+                                      </p:to>
+                                    </p:set>
+                                  </p:childTnLst>
+                                </p:cTn>
+                              </p:par>
+                            </p:childTnLst>
+                          </p:cTn>
+                        </p:par>
+                      </p:childTnLst>
+                    </p:cTn>
+                  </p:par>
+                </p:childTnLst>
+              </p:cTn>
+              <p:prevCondLst>
+                <p:cond evt="onPrev" delay="0">
+                  <p:tgtEl>
+                    <p:sldTgt/>
+                  </p:tgtEl>
+                </p:cond>
+              </p:prevCondLst>
+              <p:nextCondLst>
+                <p:cond evt="onNext" delay="0">
+                  <p:tgtEl>
+                    <p:sldTgt/>
+                  </p:tgtEl>
+                </p:cond>
+              </p:nextCondLst>
+            </p:seq>
+          </p:childTnLst>
+        </p:cTn>
       </p:par>
     </p:tnLst>
+    <p:bldLst>
+      <p:bldP spid="2" grpId="0" uiExpand="1" build="p"/>
+    </p:bldLst>
   </p:timing>
 </p:sld>
 </file>
@@ -11412,197 +16756,33 @@
           <a:bodyPr/>
           <a:lstStyle/>
           <a:p>
+            <a:pPr algn="ctr"/>
+            <a:r>
+              <a:rPr lang="de-DE" sz="23900" dirty="0" smtClean="0"/>
+              <a:t>7500</a:t>
+            </a:r>
+            <a:endParaRPr lang="de-DE" sz="23900" dirty="0"/>
+          </a:p>
+        </p:txBody>
+      </p:sp>
+      <p:sp>
+        <p:nvSpPr>
+          <p:cNvPr id="3" name="Titel 2"/>
+          <p:cNvSpPr>
+            <a:spLocks noGrp="1"/>
+          </p:cNvSpPr>
+          <p:nvPr>
+            <p:ph type="title"/>
+          </p:nvPr>
+        </p:nvSpPr>
+        <p:spPr/>
+        <p:txBody>
+          <a:bodyPr/>
+          <a:lstStyle/>
+          <a:p>
             <a:r>
               <a:rPr lang="de-DE" dirty="0" smtClean="0"/>
-              <a:t>Reanimationen (</a:t>
-            </a:r>
-            <a:r>
-              <a:rPr lang="de-DE" dirty="0" err="1" smtClean="0"/>
-              <a:t>has</a:t>
-            </a:r>
-            <a:r>
-              <a:rPr lang="de-DE" dirty="0" smtClean="0"/>
-              <a:t>.. </a:t>
-            </a:r>
-            <a:r>
-              <a:rPr lang="de-DE" dirty="0" err="1" smtClean="0"/>
-              <a:t>Has</a:t>
-            </a:r>
-            <a:r>
-              <a:rPr lang="de-DE" dirty="0" smtClean="0"/>
-              <a:t> … </a:t>
-            </a:r>
-            <a:r>
-              <a:rPr lang="de-DE" dirty="0" err="1" smtClean="0"/>
-              <a:t>has</a:t>
-            </a:r>
-            <a:r>
-              <a:rPr lang="de-DE" dirty="0" smtClean="0"/>
-              <a:t>..)</a:t>
-            </a:r>
-          </a:p>
-          <a:p>
-            <a:r>
-              <a:rPr lang="de-DE" dirty="0" smtClean="0"/>
-              <a:t>	Tests rausfiltern (</a:t>
-            </a:r>
-            <a:r>
-              <a:rPr lang="de-DE" dirty="0" err="1" smtClean="0"/>
-              <a:t>istest</a:t>
-            </a:r>
-            <a:r>
-              <a:rPr lang="de-DE" dirty="0" smtClean="0"/>
-              <a:t>, </a:t>
-            </a:r>
-            <a:r>
-              <a:rPr lang="de-DE" dirty="0" err="1" smtClean="0"/>
-              <a:t>cable</a:t>
-            </a:r>
-            <a:r>
-              <a:rPr lang="de-DE" dirty="0" smtClean="0"/>
-              <a:t> </a:t>
-            </a:r>
-            <a:r>
-              <a:rPr lang="de-DE" dirty="0" err="1" smtClean="0"/>
-              <a:t>defib</a:t>
-            </a:r>
-            <a:r>
-              <a:rPr lang="de-DE" dirty="0" smtClean="0"/>
-              <a:t>)</a:t>
-            </a:r>
-          </a:p>
-          <a:p>
-            <a:r>
-              <a:rPr lang="de-DE" dirty="0" err="1" smtClean="0"/>
-              <a:t>Einsaätze</a:t>
-            </a:r>
-            <a:r>
-              <a:rPr lang="de-DE" dirty="0" smtClean="0"/>
-              <a:t> im Zeitraum 2016 -&gt; </a:t>
-            </a:r>
-            <a:r>
-              <a:rPr lang="de-DE" dirty="0" err="1" smtClean="0"/>
-              <a:t>probleme</a:t>
-            </a:r>
-            <a:r>
-              <a:rPr lang="de-DE" dirty="0" smtClean="0"/>
-              <a:t> </a:t>
-            </a:r>
-            <a:r>
-              <a:rPr lang="de-DE" dirty="0" err="1" smtClean="0"/>
-              <a:t>datumsformart</a:t>
-            </a:r>
-            <a:endParaRPr lang="de-DE" dirty="0" smtClean="0"/>
-          </a:p>
-          <a:p>
-            <a:r>
-              <a:rPr lang="de-DE" dirty="0"/>
-              <a:t>	</a:t>
-            </a:r>
-            <a:r>
-              <a:rPr lang="de-DE" dirty="0" smtClean="0"/>
-              <a:t>wieder </a:t>
-            </a:r>
-            <a:r>
-              <a:rPr lang="de-DE" dirty="0" err="1" smtClean="0"/>
-              <a:t>tests</a:t>
-            </a:r>
-            <a:r>
-              <a:rPr lang="de-DE" dirty="0" smtClean="0"/>
-              <a:t> herausfiltern</a:t>
-            </a:r>
-          </a:p>
-          <a:p>
-            <a:r>
-              <a:rPr lang="de-DE" dirty="0" smtClean="0"/>
-              <a:t>Einsätze im Zeitfenster, wieder </a:t>
-            </a:r>
-            <a:r>
-              <a:rPr lang="de-DE" dirty="0" err="1" smtClean="0"/>
-              <a:t>tests</a:t>
-            </a:r>
-            <a:endParaRPr lang="de-DE" dirty="0" smtClean="0"/>
-          </a:p>
-          <a:p>
-            <a:r>
-              <a:rPr lang="de-DE" dirty="0"/>
-              <a:t>	</a:t>
-            </a:r>
-            <a:r>
-              <a:rPr lang="de-DE" dirty="0" smtClean="0"/>
-              <a:t>und jetzt doch mal bitte </a:t>
-            </a:r>
-            <a:r>
-              <a:rPr lang="de-DE" dirty="0" err="1" smtClean="0"/>
-              <a:t>reanimationen</a:t>
-            </a:r>
-            <a:endParaRPr lang="de-DE" dirty="0" smtClean="0"/>
-          </a:p>
-          <a:p>
-            <a:r>
-              <a:rPr lang="de-DE" dirty="0" smtClean="0"/>
-              <a:t>Easy (?): Wie alt sind meine </a:t>
-            </a:r>
-            <a:r>
-              <a:rPr lang="de-DE" dirty="0" err="1" smtClean="0"/>
-              <a:t>patienten</a:t>
-            </a:r>
-            <a:r>
-              <a:rPr lang="de-DE" dirty="0" smtClean="0"/>
-              <a:t> im schnitt</a:t>
-            </a:r>
-          </a:p>
-          <a:p>
-            <a:r>
-              <a:rPr lang="de-DE" dirty="0"/>
-              <a:t>Bisher immer nur eine einzige Zahl…</a:t>
-            </a:r>
-          </a:p>
-          <a:p>
-            <a:r>
-              <a:rPr lang="de-DE" dirty="0"/>
-              <a:t>		und on top: </a:t>
-            </a:r>
-            <a:r>
-              <a:rPr lang="de-DE" b="1" dirty="0"/>
-              <a:t>wie</a:t>
-            </a:r>
-            <a:r>
-              <a:rPr lang="de-DE" dirty="0"/>
-              <a:t> sind die </a:t>
-            </a:r>
-            <a:r>
-              <a:rPr lang="de-DE" dirty="0" err="1"/>
-              <a:t>reanimationen</a:t>
-            </a:r>
-            <a:r>
-              <a:rPr lang="de-DE" dirty="0"/>
-              <a:t>?</a:t>
-            </a:r>
-          </a:p>
-          <a:p>
-            <a:endParaRPr lang="de-DE" dirty="0"/>
-          </a:p>
-        </p:txBody>
-      </p:sp>
-      <p:sp>
-        <p:nvSpPr>
-          <p:cNvPr id="3" name="Titel 2"/>
-          <p:cNvSpPr>
-            <a:spLocks noGrp="1"/>
-          </p:cNvSpPr>
-          <p:nvPr>
-            <p:ph type="title"/>
-          </p:nvPr>
-        </p:nvSpPr>
-        <p:spPr/>
-        <p:txBody>
-          <a:bodyPr/>
-          <a:lstStyle/>
-          <a:p>
-            <a:r>
-              <a:rPr lang="de-DE" dirty="0" smtClean="0"/>
-              <a:t>Beispiel</a:t>
+              <a:t>Exkurs	Daten – Information - Wissen</a:t>
             </a:r>
             <a:endParaRPr lang="de-DE" dirty="0"/>
           </a:p>
@@ -11690,7 +16870,7 @@
     </p:spTree>
     <p:extLst>
       <p:ext uri="{BB962C8B-B14F-4D97-AF65-F5344CB8AC3E}">
-        <p14:creationId xmlns:p14="http://schemas.microsoft.com/office/powerpoint/2010/main" val="4289827506"/>
+        <p14:creationId xmlns:p14="http://schemas.microsoft.com/office/powerpoint/2010/main" val="3251764625"/>
       </p:ext>
     </p:extLst>
   </p:cSld>
@@ -11743,7 +16923,7 @@
             <a:spLocks noGrp="1"/>
           </p:cNvSpPr>
           <p:nvPr>
-            <p:ph type="body" idx="1"/>
+            <p:ph type="body" sz="quarter" idx="13"/>
           </p:nvPr>
         </p:nvSpPr>
         <p:spPr/>
@@ -11751,9 +16931,47 @@
           <a:bodyPr/>
           <a:lstStyle/>
           <a:p>
+            <a:pPr algn="ctr"/>
+            <a:r>
+              <a:rPr lang="de-DE" sz="8000" dirty="0" smtClean="0"/>
+              <a:t>Transponder Code</a:t>
+            </a:r>
+          </a:p>
+          <a:p>
+            <a:pPr algn="ctr"/>
+            <a:r>
+              <a:rPr lang="de-DE" sz="8000" dirty="0" smtClean="0"/>
+              <a:t>Luftverkehr</a:t>
+            </a:r>
+          </a:p>
+          <a:p>
+            <a:pPr algn="ctr"/>
+            <a:r>
+              <a:rPr lang="de-DE" sz="8000" dirty="0" smtClean="0"/>
+              <a:t>7500</a:t>
+            </a:r>
+            <a:endParaRPr lang="de-DE" sz="8000" dirty="0"/>
+          </a:p>
+        </p:txBody>
+      </p:sp>
+      <p:sp>
+        <p:nvSpPr>
+          <p:cNvPr id="3" name="Titel 2"/>
+          <p:cNvSpPr>
+            <a:spLocks noGrp="1"/>
+          </p:cNvSpPr>
+          <p:nvPr>
+            <p:ph type="title"/>
+          </p:nvPr>
+        </p:nvSpPr>
+        <p:spPr/>
+        <p:txBody>
+          <a:bodyPr/>
+          <a:lstStyle/>
+          <a:p>
             <a:r>
               <a:rPr lang="de-DE" dirty="0" smtClean="0"/>
-              <a:t>Tabelle</a:t>
+              <a:t>Exkurs	Daten – Information - Wissen</a:t>
             </a:r>
             <a:endParaRPr lang="de-DE" dirty="0"/>
           </a:p>
@@ -11761,118 +16979,35 @@
       </p:sp>
       <p:sp>
         <p:nvSpPr>
-          <p:cNvPr id="3" name="Textplatzhalter 2"/>
-          <p:cNvSpPr>
-            <a:spLocks noGrp="1"/>
-          </p:cNvSpPr>
-          <p:nvPr>
-            <p:ph type="body" sz="half" idx="3"/>
+          <p:cNvPr id="4" name="Datumsplatzhalter 3"/>
+          <p:cNvSpPr>
+            <a:spLocks noGrp="1"/>
+          </p:cNvSpPr>
+          <p:nvPr>
+            <p:ph type="dt" sz="half" idx="14"/>
           </p:nvPr>
         </p:nvSpPr>
         <p:spPr/>
         <p:txBody>
-          <a:bodyPr>
-            <a:normAutofit fontScale="92500" lnSpcReduction="10000"/>
-          </a:bodyPr>
-          <a:lstStyle/>
-          <a:p>
-            <a:r>
-              <a:rPr lang="de-DE" dirty="0" smtClean="0"/>
-              <a:t>Qlik</a:t>
-            </a:r>
-            <a:endParaRPr lang="de-DE" dirty="0"/>
-          </a:p>
-        </p:txBody>
-      </p:sp>
-      <p:sp>
-        <p:nvSpPr>
-          <p:cNvPr id="4" name="Inhaltsplatzhalter 3"/>
-          <p:cNvSpPr>
-            <a:spLocks noGrp="1"/>
-          </p:cNvSpPr>
-          <p:nvPr>
-            <p:ph sz="quarter" idx="2"/>
-          </p:nvPr>
-        </p:nvSpPr>
-        <p:spPr/>
-        <p:txBody>
-          <a:bodyPr/>
-          <a:lstStyle/>
-          <a:p>
-            <a:endParaRPr lang="de-DE" dirty="0"/>
-          </a:p>
-        </p:txBody>
-      </p:sp>
-      <p:sp>
-        <p:nvSpPr>
-          <p:cNvPr id="5" name="Inhaltsplatzhalter 4"/>
-          <p:cNvSpPr>
-            <a:spLocks noGrp="1"/>
-          </p:cNvSpPr>
-          <p:nvPr>
-            <p:ph sz="quarter" idx="4"/>
-          </p:nvPr>
-        </p:nvSpPr>
-        <p:spPr/>
-        <p:txBody>
-          <a:bodyPr/>
-          <a:lstStyle/>
-          <a:p>
-            <a:endParaRPr lang="de-DE" dirty="0"/>
-          </a:p>
-        </p:txBody>
-      </p:sp>
-      <p:sp>
-        <p:nvSpPr>
-          <p:cNvPr id="6" name="Titel 5"/>
-          <p:cNvSpPr>
-            <a:spLocks noGrp="1"/>
-          </p:cNvSpPr>
-          <p:nvPr>
-            <p:ph type="title"/>
-          </p:nvPr>
-        </p:nvSpPr>
-        <p:spPr/>
-        <p:txBody>
-          <a:bodyPr/>
-          <a:lstStyle/>
-          <a:p>
-            <a:endParaRPr lang="de-DE" dirty="0"/>
-          </a:p>
-        </p:txBody>
-      </p:sp>
-      <p:sp>
-        <p:nvSpPr>
-          <p:cNvPr id="7" name="Datumsplatzhalter 6"/>
-          <p:cNvSpPr>
-            <a:spLocks noGrp="1"/>
-          </p:cNvSpPr>
-          <p:nvPr>
-            <p:ph type="dt" sz="half" idx="10"/>
-          </p:nvPr>
-        </p:nvSpPr>
-        <p:spPr/>
-        <p:txBody>
-          <a:bodyPr/>
-          <a:lstStyle/>
-          <a:p>
-            <a:pPr eaLnBrk="1" latinLnBrk="0" hangingPunct="1"/>
+          <a:bodyPr/>
+          <a:lstStyle/>
+          <a:p>
             <a:r>
               <a:rPr lang="de-DE" dirty="0" smtClean="0"/>
               <a:t>04.04.2019</a:t>
             </a:r>
-            <a:endParaRPr lang="en-US" dirty="0"/>
-          </a:p>
-        </p:txBody>
-      </p:sp>
-      <p:sp>
-        <p:nvSpPr>
-          <p:cNvPr id="8" name="Fußzeilenplatzhalter 7"/>
-          <p:cNvSpPr>
-            <a:spLocks noGrp="1"/>
-          </p:cNvSpPr>
-          <p:nvPr>
-            <p:ph type="ftr" sz="quarter" idx="11"/>
+            <a:endParaRPr lang="de-DE" dirty="0"/>
+          </a:p>
+        </p:txBody>
+      </p:sp>
+      <p:sp>
+        <p:nvSpPr>
+          <p:cNvPr id="5" name="Fußzeilenplatzhalter 4"/>
+          <p:cNvSpPr>
+            <a:spLocks noGrp="1"/>
+          </p:cNvSpPr>
+          <p:nvPr>
+            <p:ph type="ftr" sz="quarter" idx="15"/>
           </p:nvPr>
         </p:nvSpPr>
         <p:spPr/>
@@ -11881,21 +17016,21 @@
           <a:lstStyle/>
           <a:p>
             <a:r>
-              <a:rPr kumimoji="0" lang="de-DE" dirty="0" smtClean="0"/>
+              <a:rPr lang="de-DE" dirty="0" smtClean="0"/>
               <a:t>corpuls.web ANALYSE - Dashboards               - Intern / Internal -</a:t>
             </a:r>
-            <a:endParaRPr kumimoji="0" lang="en-US" dirty="0"/>
-          </a:p>
-        </p:txBody>
-      </p:sp>
-      <p:sp>
-        <p:nvSpPr>
-          <p:cNvPr id="9" name="Foliennummernplatzhalter 8"/>
-          <p:cNvSpPr>
-            <a:spLocks noGrp="1"/>
-          </p:cNvSpPr>
-          <p:nvPr>
-            <p:ph type="sldNum" sz="quarter" idx="12"/>
+            <a:endParaRPr lang="de-DE" dirty="0"/>
+          </a:p>
+        </p:txBody>
+      </p:sp>
+      <p:sp>
+        <p:nvSpPr>
+          <p:cNvPr id="6" name="Foliennummernplatzhalter 5"/>
+          <p:cNvSpPr>
+            <a:spLocks noGrp="1"/>
+          </p:cNvSpPr>
+          <p:nvPr>
+            <p:ph type="sldNum" sz="quarter" idx="16"/>
           </p:nvPr>
         </p:nvSpPr>
         <p:spPr/>
@@ -11924,7 +17059,7 @@
     </p:spTree>
     <p:extLst>
       <p:ext uri="{BB962C8B-B14F-4D97-AF65-F5344CB8AC3E}">
-        <p14:creationId xmlns:p14="http://schemas.microsoft.com/office/powerpoint/2010/main" val="3543422557"/>
+        <p14:creationId xmlns:p14="http://schemas.microsoft.com/office/powerpoint/2010/main" val="617659586"/>
       </p:ext>
     </p:extLst>
   </p:cSld>
@@ -11977,31 +17112,94 @@
             <a:spLocks noGrp="1"/>
           </p:cNvSpPr>
           <p:nvPr>
-            <p:ph type="body" sz="quarter" idx="10"/>
+            <p:ph type="body" sz="quarter" idx="13"/>
+          </p:nvPr>
+        </p:nvSpPr>
+        <p:spPr>
+          <a:xfrm>
+            <a:off x="179512" y="1203598"/>
+            <a:ext cx="8785225" cy="3816000"/>
+          </a:xfrm>
+        </p:spPr>
+        <p:txBody>
+          <a:bodyPr/>
+          <a:lstStyle/>
+          <a:p>
+            <a:pPr algn="ctr"/>
+            <a:r>
+              <a:rPr lang="de-DE" sz="8000" u="sng" dirty="0" smtClean="0"/>
+              <a:t>75</a:t>
+            </a:r>
+            <a:r>
+              <a:rPr lang="de-DE" sz="8000" dirty="0" smtClean="0"/>
+              <a:t>00</a:t>
+            </a:r>
+          </a:p>
+          <a:p>
+            <a:pPr algn="ctr"/>
+            <a:r>
+              <a:rPr lang="de-DE" sz="8000" dirty="0" err="1" smtClean="0"/>
+              <a:t>If</a:t>
+            </a:r>
+            <a:r>
+              <a:rPr lang="de-DE" sz="8000" dirty="0" smtClean="0"/>
+              <a:t> </a:t>
+            </a:r>
+            <a:r>
+              <a:rPr lang="de-DE" sz="8000" dirty="0" err="1" smtClean="0"/>
+              <a:t>you</a:t>
+            </a:r>
+            <a:r>
+              <a:rPr lang="de-DE" sz="8000" dirty="0" smtClean="0"/>
+              <a:t> </a:t>
+            </a:r>
+            <a:r>
+              <a:rPr lang="de-DE" sz="8000" dirty="0" err="1" smtClean="0"/>
+              <a:t>feel</a:t>
+            </a:r>
+            <a:r>
+              <a:rPr lang="de-DE" sz="8000" dirty="0" smtClean="0"/>
+              <a:t> a </a:t>
+            </a:r>
+            <a:r>
+              <a:rPr lang="de-DE" sz="8000" dirty="0" err="1" smtClean="0"/>
+              <a:t>knife</a:t>
+            </a:r>
+            <a:endParaRPr lang="de-DE" sz="8000" dirty="0"/>
+          </a:p>
+        </p:txBody>
+      </p:sp>
+      <p:sp>
+        <p:nvSpPr>
+          <p:cNvPr id="3" name="Titel 2"/>
+          <p:cNvSpPr>
+            <a:spLocks noGrp="1"/>
+          </p:cNvSpPr>
+          <p:nvPr>
+            <p:ph type="title"/>
           </p:nvPr>
         </p:nvSpPr>
         <p:spPr/>
         <p:txBody>
-          <a:bodyPr>
-            <a:normAutofit fontScale="92500" lnSpcReduction="10000"/>
-          </a:bodyPr>
+          <a:bodyPr/>
           <a:lstStyle/>
           <a:p>
             <a:r>
               <a:rPr lang="de-DE" dirty="0" smtClean="0"/>
-              <a:t>Vorstellung Dashboards</a:t>
-            </a:r>
-          </a:p>
-        </p:txBody>
-      </p:sp>
-      <p:sp>
-        <p:nvSpPr>
-          <p:cNvPr id="3" name="Textplatzhalter 2"/>
-          <p:cNvSpPr>
-            <a:spLocks noGrp="1"/>
-          </p:cNvSpPr>
-          <p:nvPr>
-            <p:ph type="body" sz="quarter" idx="11"/>
+              <a:t>Exkurs	Daten – Information - Wissen</a:t>
+            </a:r>
+            <a:endParaRPr lang="de-DE" dirty="0"/>
+          </a:p>
+        </p:txBody>
+      </p:sp>
+      <p:sp>
+        <p:nvSpPr>
+          <p:cNvPr id="4" name="Datumsplatzhalter 3"/>
+          <p:cNvSpPr>
+            <a:spLocks noGrp="1"/>
+          </p:cNvSpPr>
+          <p:nvPr>
+            <p:ph type="dt" sz="half" idx="14"/>
           </p:nvPr>
         </p:nvSpPr>
         <p:spPr/>
@@ -12011,7 +17209,7 @@
           <a:p>
             <a:r>
               <a:rPr lang="de-DE" dirty="0" smtClean="0"/>
-              <a:t>04.04.2019, Version 1.0</a:t>
+              <a:t>04.04.2019</a:t>
             </a:r>
             <a:endParaRPr lang="de-DE" dirty="0"/>
           </a:p>
@@ -12019,31 +17217,56 @@
       </p:sp>
       <p:sp>
         <p:nvSpPr>
-          <p:cNvPr id="4" name="Textplatzhalter 3"/>
-          <p:cNvSpPr>
-            <a:spLocks noGrp="1"/>
-          </p:cNvSpPr>
-          <p:nvPr>
-            <p:ph type="body" sz="quarter" idx="12"/>
+          <p:cNvPr id="5" name="Fußzeilenplatzhalter 4"/>
+          <p:cNvSpPr>
+            <a:spLocks noGrp="1"/>
+          </p:cNvSpPr>
+          <p:nvPr>
+            <p:ph type="ftr" sz="quarter" idx="15"/>
           </p:nvPr>
         </p:nvSpPr>
         <p:spPr/>
         <p:txBody>
-          <a:bodyPr>
-            <a:normAutofit lnSpcReduction="10000"/>
-          </a:bodyPr>
-          <a:lstStyle/>
-          <a:p>
-            <a:r>
-              <a:rPr lang="de-DE" dirty="0"/>
-              <a:t>Joshua Hirsch</a:t>
-            </a:r>
-          </a:p>
+          <a:bodyPr/>
+          <a:lstStyle/>
           <a:p>
             <a:r>
               <a:rPr lang="de-DE" dirty="0" smtClean="0"/>
-              <a:t>Bachelorand Softwareentwicklung für Anwendung</a:t>
-            </a:r>
+              <a:t>corpuls.web ANALYSE - Dashboards               - Intern / Internal -</a:t>
+            </a:r>
+            <a:endParaRPr lang="de-DE" dirty="0"/>
+          </a:p>
+        </p:txBody>
+      </p:sp>
+      <p:sp>
+        <p:nvSpPr>
+          <p:cNvPr id="6" name="Foliennummernplatzhalter 5"/>
+          <p:cNvSpPr>
+            <a:spLocks noGrp="1"/>
+          </p:cNvSpPr>
+          <p:nvPr>
+            <p:ph type="sldNum" sz="quarter" idx="16"/>
+          </p:nvPr>
+        </p:nvSpPr>
+        <p:spPr/>
+        <p:txBody>
+          <a:bodyPr/>
+          <a:lstStyle/>
+          <a:p>
+            <a:pPr algn="r">
+              <a:tabLst>
+                <a:tab pos="8431213" algn="r"/>
+              </a:tabLst>
+            </a:pPr>
+            <a:fld id="{EA7C8D44-3667-46F6-9772-CC52308E2A7F}" type="slidenum">
+              <a:rPr lang="de-DE" smtClean="0"/>
+              <a:pPr algn="r">
+                <a:tabLst>
+                  <a:tab pos="8431213" algn="r"/>
+                </a:tabLst>
+              </a:pPr>
+              <a:t>9</a:t>
+            </a:fld>
             <a:endParaRPr lang="de-DE" dirty="0"/>
           </a:p>
         </p:txBody>
@@ -12051,7 +17274,7 @@
     </p:spTree>
     <p:extLst>
       <p:ext uri="{BB962C8B-B14F-4D97-AF65-F5344CB8AC3E}">
-        <p14:creationId xmlns:p14="http://schemas.microsoft.com/office/powerpoint/2010/main" val="1331215376"/>
+        <p14:creationId xmlns:p14="http://schemas.microsoft.com/office/powerpoint/2010/main" val="2669006798"/>
       </p:ext>
     </p:extLst>
   </p:cSld>
@@ -12073,9 +17296,136 @@
   <p:timing>
     <p:tnLst>
       <p:par>
-        <p:cTn id="1" dur="indefinite" restart="never" nodeType="tmRoot"/>
+        <p:cTn id="1" dur="indefinite" restart="never" nodeType="tmRoot">
+          <p:childTnLst>
+            <p:seq concurrent="1" nextAc="seek">
+              <p:cTn id="2" dur="indefinite" nodeType="mainSeq">
+                <p:childTnLst>
+                  <p:par>
+                    <p:cTn id="3" fill="hold">
+                      <p:stCondLst>
+                        <p:cond delay="indefinite"/>
+                        <p:cond evt="onBegin" delay="0">
+                          <p:tn val="2"/>
+                        </p:cond>
+                      </p:stCondLst>
+                      <p:childTnLst>
+                        <p:par>
+                          <p:cTn id="4" fill="hold">
+                            <p:stCondLst>
+                              <p:cond delay="0"/>
+                            </p:stCondLst>
+                            <p:childTnLst>
+                              <p:par>
+                                <p:cTn id="5" presetID="1" presetClass="entr" presetSubtype="0" fill="hold" grpId="0" nodeType="withEffect">
+                                  <p:stCondLst>
+                                    <p:cond delay="0"/>
+                                  </p:stCondLst>
+                                  <p:childTnLst>
+                                    <p:set>
+                                      <p:cBhvr>
+                                        <p:cTn id="6" dur="1" fill="hold">
+                                          <p:stCondLst>
+                                            <p:cond delay="0"/>
+                                          </p:stCondLst>
+                                        </p:cTn>
+                                        <p:tgtEl>
+                                          <p:spTgt spid="2">
+                                            <p:txEl>
+                                              <p:pRg st="0" end="0"/>
+                                            </p:txEl>
+                                          </p:spTgt>
+                                        </p:tgtEl>
+                                        <p:attrNameLst>
+                                          <p:attrName>style.visibility</p:attrName>
+                                        </p:attrNameLst>
+                                      </p:cBhvr>
+                                      <p:to>
+                                        <p:strVal val="visible"/>
+                                      </p:to>
+                                    </p:set>
+                                  </p:childTnLst>
+                                </p:cTn>
+                              </p:par>
+                            </p:childTnLst>
+                          </p:cTn>
+                        </p:par>
+                      </p:childTnLst>
+                    </p:cTn>
+                  </p:par>
+                  <p:par>
+                    <p:cTn id="7" fill="hold">
+                      <p:stCondLst>
+                        <p:cond delay="indefinite"/>
+                      </p:stCondLst>
+                      <p:childTnLst>
+                        <p:par>
+                          <p:cTn id="8" fill="hold">
+                            <p:stCondLst>
+                              <p:cond delay="0"/>
+                            </p:stCondLst>
+                            <p:childTnLst>
+                              <p:par>
+                                <p:cTn id="9" presetID="1" presetClass="entr" presetSubtype="0" fill="hold" grpId="0" nodeType="clickEffect">
+                                  <p:stCondLst>
+                                    <p:cond delay="0"/>
+                                  </p:stCondLst>
+                                  <p:childTnLst>
+                                    <p:set>
+                                      <p:cBhvr>
+                                        <p:cTn id="10" dur="1" fill="hold">
+                                          <p:stCondLst>
+                                            <p:cond delay="0"/>
+                                          </p:stCondLst>
+                                        </p:cTn>
+                                        <p:tgtEl>
+                                          <p:spTgt spid="2">
+                                            <p:txEl>
+                                              <p:pRg st="1" end="1"/>
+                                            </p:txEl>
+                                          </p:spTgt>
+                                        </p:tgtEl>
+                                        <p:attrNameLst>
+                                          <p:attrName>style.visibility</p:attrName>
+                                        </p:attrNameLst>
+                                      </p:cBhvr>
+                                      <p:to>
+                                        <p:strVal val="visible"/>
+                                      </p:to>
+                                    </p:set>
+                                  </p:childTnLst>
+                                </p:cTn>
+                              </p:par>
+                            </p:childTnLst>
+                          </p:cTn>
+                        </p:par>
+                      </p:childTnLst>
+                    </p:cTn>
+                  </p:par>
+                </p:childTnLst>
+              </p:cTn>
+              <p:prevCondLst>
+                <p:cond evt="onPrev" delay="0">
+                  <p:tgtEl>
+                    <p:sldTgt/>
+                  </p:tgtEl>
+                </p:cond>
+              </p:prevCondLst>
+              <p:nextCondLst>
+                <p:cond evt="onNext" delay="0">
+                  <p:tgtEl>
+                    <p:sldTgt/>
+                  </p:tgtEl>
+                </p:cond>
+              </p:nextCondLst>
+            </p:seq>
+          </p:childTnLst>
+        </p:cTn>
       </p:par>
     </p:tnLst>
+    <p:bldLst>
+      <p:bldP spid="2" grpId="0" uiExpand="1" build="p"/>
+    </p:bldLst>
   </p:timing>
 </p:sld>
 </file>

--- a/Vorstellung_Dashboards.pptx
+++ b/Vorstellung_Dashboards.pptx
@@ -130,7 +130,7 @@
   </p:defaultTextStyle>
   <p:extLst>
     <p:ext uri="{EFAFB233-063F-42B5-8137-9DF3F51BA10A}">
-      <p15:sldGuideLst xmlns:p15="http://schemas.microsoft.com/office/powerpoint/2012/main" xmlns="">
+      <p15:sldGuideLst xmlns:p15="http://schemas.microsoft.com/office/powerpoint/2012/main">
         <p15:guide id="1" orient="horz" pos="1620">
           <p15:clr>
             <a:srgbClr val="A4A3A4"/>
@@ -514,38 +514,37 @@
           <a:p>
             <a:pPr lvl="0"/>
             <a:r>
-              <a:rPr lang="de-DE" smtClean="0"/>
+              <a:rPr lang="de-DE"/>
               <a:t>Textmasterformat bearbeiten</a:t>
             </a:r>
           </a:p>
           <a:p>
             <a:pPr lvl="1"/>
             <a:r>
-              <a:rPr lang="de-DE" smtClean="0"/>
+              <a:rPr lang="de-DE"/>
               <a:t>Zweite Ebene</a:t>
             </a:r>
           </a:p>
           <a:p>
             <a:pPr lvl="2"/>
             <a:r>
-              <a:rPr lang="de-DE" smtClean="0"/>
+              <a:rPr lang="de-DE"/>
               <a:t>Dritte Ebene</a:t>
             </a:r>
           </a:p>
           <a:p>
             <a:pPr lvl="3"/>
             <a:r>
-              <a:rPr lang="de-DE" smtClean="0"/>
+              <a:rPr lang="de-DE"/>
               <a:t>Vierte Ebene</a:t>
             </a:r>
           </a:p>
           <a:p>
             <a:pPr lvl="4"/>
             <a:r>
-              <a:rPr lang="de-DE" smtClean="0"/>
+              <a:rPr lang="de-DE"/>
               <a:t>Fünfte Ebene</a:t>
             </a:r>
-            <a:endParaRPr lang="de-DE"/>
           </a:p>
         </p:txBody>
       </p:sp>
@@ -935,23 +934,23 @@
               <a:buAutoNum type="arabicPeriod"/>
             </a:pPr>
             <a:r>
-              <a:rPr lang="de-DE" dirty="0" smtClean="0"/>
+              <a:rPr lang="de-DE" dirty="0"/>
               <a:t>Einen </a:t>
             </a:r>
             <a:r>
-              <a:rPr lang="de-DE" dirty="0" err="1" smtClean="0"/>
+              <a:rPr lang="de-DE" dirty="0" err="1"/>
               <a:t>step</a:t>
             </a:r>
             <a:r>
-              <a:rPr lang="de-DE" dirty="0" smtClean="0"/>
+              <a:rPr lang="de-DE" dirty="0"/>
               <a:t> weiter als bloße </a:t>
             </a:r>
             <a:r>
-              <a:rPr lang="de-DE" dirty="0" err="1" smtClean="0"/>
+              <a:rPr lang="de-DE" dirty="0" err="1"/>
               <a:t>tabelle</a:t>
             </a:r>
             <a:r>
-              <a:rPr lang="de-DE" dirty="0" smtClean="0"/>
+              <a:rPr lang="de-DE" dirty="0"/>
               <a:t> vergleichen: CSV-Export</a:t>
             </a:r>
           </a:p>
@@ -960,10 +959,9 @@
               <a:buAutoNum type="arabicPeriod"/>
             </a:pPr>
             <a:r>
-              <a:rPr lang="de-DE" dirty="0" smtClean="0"/>
+              <a:rPr lang="de-DE" dirty="0"/>
               <a:t>Nur MM!</a:t>
             </a:r>
-            <a:endParaRPr lang="de-DE" dirty="0"/>
           </a:p>
         </p:txBody>
       </p:sp>
@@ -1052,7 +1050,7 @@
               <a:buNone/>
             </a:pPr>
             <a:r>
-              <a:rPr lang="de-DE" dirty="0" smtClean="0"/>
+              <a:rPr lang="de-DE" dirty="0"/>
               <a:t>Nur MM erstmal</a:t>
             </a:r>
           </a:p>
@@ -1062,7 +1060,7 @@
               <a:buNone/>
             </a:pPr>
             <a:r>
-              <a:rPr lang="de-DE" dirty="0" smtClean="0"/>
+              <a:rPr lang="de-DE" dirty="0"/>
               <a:t>kann auch zu späteren Zeitpunkten erneut abgeholt werden, oder gelöscht. Ebenfalls mit Authentifizierung</a:t>
             </a:r>
           </a:p>
@@ -1152,7 +1150,7 @@
               <a:buFont typeface="Arial" panose="020B0604020202020204" pitchFamily="34" charset="0"/>
               <a:buNone/>
             </a:pPr>
-            <a:endParaRPr lang="de-DE" dirty="0" smtClean="0"/>
+            <a:endParaRPr lang="de-DE" dirty="0"/>
           </a:p>
         </p:txBody>
       </p:sp>
@@ -1237,27 +1235,27 @@
           <a:lstStyle/>
           <a:p>
             <a:r>
-              <a:rPr lang="de-DE" dirty="0" smtClean="0"/>
+              <a:rPr lang="de-DE" dirty="0"/>
               <a:t>Dieses Format von REST zunutze für neue Daten</a:t>
             </a:r>
           </a:p>
           <a:p>
             <a:r>
-              <a:rPr lang="de-DE" dirty="0" smtClean="0"/>
+              <a:rPr lang="de-DE" dirty="0"/>
               <a:t>Darunter bisher NIBD, CPR-Feedback &amp; Defibrillationen</a:t>
             </a:r>
           </a:p>
           <a:p>
             <a:r>
-              <a:rPr lang="de-DE" dirty="0" smtClean="0"/>
+              <a:rPr lang="de-DE" dirty="0"/>
               <a:t>(Format in </a:t>
             </a:r>
             <a:r>
-              <a:rPr lang="de-DE" dirty="0" err="1" smtClean="0"/>
+              <a:rPr lang="de-DE" dirty="0" err="1"/>
               <a:t>response</a:t>
             </a:r>
             <a:r>
-              <a:rPr lang="de-DE" dirty="0" smtClean="0"/>
+              <a:rPr lang="de-DE" dirty="0"/>
               <a:t>) exemplarisch neues Objekt darstellen als Bild</a:t>
             </a:r>
           </a:p>
@@ -1431,162 +1429,162 @@
           <a:lstStyle/>
           <a:p>
             <a:r>
-              <a:rPr lang="de-DE" dirty="0" smtClean="0"/>
+              <a:rPr lang="de-DE" dirty="0"/>
               <a:t>Reanimationen (</a:t>
             </a:r>
             <a:r>
-              <a:rPr lang="de-DE" dirty="0" err="1" smtClean="0"/>
+              <a:rPr lang="de-DE" dirty="0" err="1"/>
               <a:t>has</a:t>
             </a:r>
             <a:r>
-              <a:rPr lang="de-DE" dirty="0" smtClean="0"/>
+              <a:rPr lang="de-DE" dirty="0"/>
               <a:t>.. </a:t>
             </a:r>
             <a:r>
-              <a:rPr lang="de-DE" dirty="0" err="1" smtClean="0"/>
+              <a:rPr lang="de-DE" dirty="0" err="1"/>
               <a:t>Has</a:t>
             </a:r>
             <a:r>
-              <a:rPr lang="de-DE" dirty="0" smtClean="0"/>
+              <a:rPr lang="de-DE" dirty="0"/>
               <a:t> … </a:t>
             </a:r>
             <a:r>
-              <a:rPr lang="de-DE" dirty="0" err="1" smtClean="0"/>
+              <a:rPr lang="de-DE" dirty="0" err="1"/>
               <a:t>has</a:t>
             </a:r>
             <a:r>
-              <a:rPr lang="de-DE" dirty="0" smtClean="0"/>
+              <a:rPr lang="de-DE" dirty="0"/>
               <a:t>..)</a:t>
             </a:r>
           </a:p>
           <a:p>
             <a:r>
-              <a:rPr lang="de-DE" dirty="0" smtClean="0"/>
+              <a:rPr lang="de-DE" dirty="0"/>
               <a:t>	Tests rausfiltern (</a:t>
             </a:r>
             <a:r>
-              <a:rPr lang="de-DE" dirty="0" err="1" smtClean="0"/>
+              <a:rPr lang="de-DE" dirty="0" err="1"/>
               <a:t>istest</a:t>
             </a:r>
             <a:r>
-              <a:rPr lang="de-DE" dirty="0" smtClean="0"/>
+              <a:rPr lang="de-DE" dirty="0"/>
               <a:t>, </a:t>
             </a:r>
             <a:r>
-              <a:rPr lang="de-DE" dirty="0" err="1" smtClean="0"/>
+              <a:rPr lang="de-DE" dirty="0" err="1"/>
               <a:t>cable</a:t>
             </a:r>
             <a:r>
-              <a:rPr lang="de-DE" dirty="0" smtClean="0"/>
+              <a:rPr lang="de-DE" dirty="0"/>
               <a:t> </a:t>
             </a:r>
             <a:r>
-              <a:rPr lang="de-DE" dirty="0" err="1" smtClean="0"/>
+              <a:rPr lang="de-DE" dirty="0" err="1"/>
               <a:t>defib</a:t>
             </a:r>
             <a:r>
-              <a:rPr lang="de-DE" dirty="0" smtClean="0"/>
+              <a:rPr lang="de-DE" dirty="0"/>
               <a:t>)</a:t>
             </a:r>
           </a:p>
           <a:p>
             <a:r>
-              <a:rPr lang="de-DE" dirty="0" err="1" smtClean="0"/>
+              <a:rPr lang="de-DE" dirty="0" err="1"/>
               <a:t>Einsaätze</a:t>
             </a:r>
             <a:r>
-              <a:rPr lang="de-DE" dirty="0" smtClean="0"/>
+              <a:rPr lang="de-DE" dirty="0"/>
               <a:t> im Zeitraum 2016 -&gt; </a:t>
             </a:r>
             <a:r>
-              <a:rPr lang="de-DE" dirty="0" err="1" smtClean="0"/>
+              <a:rPr lang="de-DE" dirty="0" err="1"/>
               <a:t>probleme</a:t>
             </a:r>
             <a:r>
-              <a:rPr lang="de-DE" dirty="0" smtClean="0"/>
+              <a:rPr lang="de-DE" dirty="0"/>
               <a:t> </a:t>
             </a:r>
             <a:r>
-              <a:rPr lang="de-DE" dirty="0" err="1" smtClean="0"/>
+              <a:rPr lang="de-DE" dirty="0" err="1"/>
               <a:t>datumsformart</a:t>
             </a:r>
-            <a:endParaRPr lang="de-DE" dirty="0" smtClean="0"/>
-          </a:p>
-          <a:p>
-            <a:r>
-              <a:rPr lang="de-DE" dirty="0" smtClean="0"/>
+            <a:endParaRPr lang="de-DE" dirty="0"/>
+          </a:p>
+          <a:p>
+            <a:r>
+              <a:rPr lang="de-DE" dirty="0"/>
               <a:t>	wieder </a:t>
             </a:r>
             <a:r>
-              <a:rPr lang="de-DE" dirty="0" err="1" smtClean="0"/>
+              <a:rPr lang="de-DE" dirty="0" err="1"/>
               <a:t>tests</a:t>
             </a:r>
             <a:r>
-              <a:rPr lang="de-DE" dirty="0" smtClean="0"/>
+              <a:rPr lang="de-DE" dirty="0"/>
               <a:t> herausfiltern</a:t>
             </a:r>
           </a:p>
           <a:p>
             <a:r>
-              <a:rPr lang="de-DE" dirty="0" smtClean="0"/>
+              <a:rPr lang="de-DE" dirty="0"/>
               <a:t>Einsätze im Zeitfenster, wieder </a:t>
             </a:r>
             <a:r>
-              <a:rPr lang="de-DE" dirty="0" err="1" smtClean="0"/>
+              <a:rPr lang="de-DE" dirty="0" err="1"/>
               <a:t>tests</a:t>
             </a:r>
-            <a:endParaRPr lang="de-DE" dirty="0" smtClean="0"/>
-          </a:p>
-          <a:p>
-            <a:r>
-              <a:rPr lang="de-DE" dirty="0" smtClean="0"/>
+            <a:endParaRPr lang="de-DE" dirty="0"/>
+          </a:p>
+          <a:p>
+            <a:r>
+              <a:rPr lang="de-DE" dirty="0"/>
               <a:t>	und jetzt doch mal bitte </a:t>
             </a:r>
             <a:r>
-              <a:rPr lang="de-DE" dirty="0" err="1" smtClean="0"/>
+              <a:rPr lang="de-DE" dirty="0" err="1"/>
               <a:t>reanimationen</a:t>
             </a:r>
-            <a:endParaRPr lang="de-DE" dirty="0" smtClean="0"/>
-          </a:p>
-          <a:p>
-            <a:r>
-              <a:rPr lang="de-DE" dirty="0" smtClean="0"/>
+            <a:endParaRPr lang="de-DE" dirty="0"/>
+          </a:p>
+          <a:p>
+            <a:r>
+              <a:rPr lang="de-DE" dirty="0"/>
               <a:t>Easy (?): Wie alt sind meine </a:t>
             </a:r>
             <a:r>
-              <a:rPr lang="de-DE" dirty="0" err="1" smtClean="0"/>
+              <a:rPr lang="de-DE" dirty="0" err="1"/>
               <a:t>patienten</a:t>
             </a:r>
             <a:r>
-              <a:rPr lang="de-DE" dirty="0" smtClean="0"/>
+              <a:rPr lang="de-DE" dirty="0"/>
               <a:t> im schnitt</a:t>
             </a:r>
           </a:p>
           <a:p>
             <a:r>
-              <a:rPr lang="de-DE" dirty="0" smtClean="0"/>
+              <a:rPr lang="de-DE" dirty="0"/>
               <a:t>Bisher immer nur eine einzige Zahl…</a:t>
             </a:r>
           </a:p>
           <a:p>
             <a:r>
-              <a:rPr lang="de-DE" dirty="0" smtClean="0"/>
+              <a:rPr lang="de-DE" dirty="0"/>
               <a:t>		und on top: </a:t>
             </a:r>
             <a:r>
-              <a:rPr lang="de-DE" b="1" dirty="0" smtClean="0"/>
+              <a:rPr lang="de-DE" b="1" dirty="0"/>
               <a:t>wie</a:t>
             </a:r>
             <a:r>
-              <a:rPr lang="de-DE" dirty="0" smtClean="0"/>
+              <a:rPr lang="de-DE" dirty="0"/>
               <a:t> sind die </a:t>
             </a:r>
             <a:r>
-              <a:rPr lang="de-DE" dirty="0" err="1" smtClean="0"/>
+              <a:rPr lang="de-DE" dirty="0" err="1"/>
               <a:t>reanimationen</a:t>
             </a:r>
             <a:r>
-              <a:rPr lang="de-DE" dirty="0" smtClean="0"/>
+              <a:rPr lang="de-DE" dirty="0"/>
               <a:t>?</a:t>
             </a:r>
           </a:p>
@@ -1679,7 +1677,7 @@
               <a:buAutoNum type="arabicPeriod"/>
             </a:pPr>
             <a:r>
-              <a:rPr lang="de-DE" dirty="0" smtClean="0"/>
+              <a:rPr lang="de-DE" dirty="0"/>
               <a:t>5min</a:t>
             </a:r>
           </a:p>
@@ -1688,7 +1686,7 @@
               <a:buAutoNum type="arabicPeriod"/>
             </a:pPr>
             <a:r>
-              <a:rPr lang="de-DE" dirty="0" smtClean="0"/>
+              <a:rPr lang="de-DE" dirty="0"/>
               <a:t>10min</a:t>
             </a:r>
           </a:p>
@@ -1697,7 +1695,7 @@
               <a:buAutoNum type="arabicPeriod"/>
             </a:pPr>
             <a:r>
-              <a:rPr lang="de-DE" dirty="0" smtClean="0"/>
+              <a:rPr lang="de-DE" dirty="0"/>
               <a:t>15min</a:t>
             </a:r>
           </a:p>
@@ -1784,38 +1782,38 @@
           <a:lstStyle/>
           <a:p>
             <a:r>
-              <a:rPr lang="de-DE" dirty="0" smtClean="0"/>
+              <a:rPr lang="de-DE" dirty="0"/>
               <a:t>Corpuls.web</a:t>
             </a:r>
             <a:r>
-              <a:rPr lang="de-DE" baseline="0" dirty="0" smtClean="0"/>
+              <a:rPr lang="de-DE" baseline="0" dirty="0"/>
               <a:t> ANALYSE</a:t>
             </a:r>
-            <a:endParaRPr lang="de-DE" dirty="0" smtClean="0"/>
-          </a:p>
-          <a:p>
-            <a:r>
-              <a:rPr lang="de-DE" dirty="0" smtClean="0"/>
+            <a:endParaRPr lang="de-DE" dirty="0"/>
+          </a:p>
+          <a:p>
+            <a:r>
+              <a:rPr lang="de-DE" dirty="0"/>
               <a:t>Nutzergruppen: </a:t>
             </a:r>
             <a:r>
-              <a:rPr lang="de-DE" dirty="0" err="1" smtClean="0"/>
+              <a:rPr lang="de-DE" dirty="0" err="1"/>
               <a:t>Bspw</a:t>
             </a:r>
             <a:r>
-              <a:rPr lang="de-DE" dirty="0" smtClean="0"/>
+              <a:rPr lang="de-DE" dirty="0"/>
               <a:t>:</a:t>
             </a:r>
             <a:r>
-              <a:rPr lang="de-DE" baseline="0" dirty="0" smtClean="0"/>
+              <a:rPr lang="de-DE" baseline="0" dirty="0"/>
               <a:t> Qualitätsmanagementbeauftragte, Leier Rettungsdienst, Ausbilder von </a:t>
             </a:r>
             <a:r>
-              <a:rPr lang="de-DE" baseline="0" dirty="0" err="1" smtClean="0"/>
+              <a:rPr lang="de-DE" baseline="0" dirty="0" err="1"/>
               <a:t>Rettdienstpersonal</a:t>
             </a:r>
             <a:r>
-              <a:rPr lang="de-DE" baseline="0" dirty="0" smtClean="0"/>
+              <a:rPr lang="de-DE" baseline="0" dirty="0"/>
               <a:t>, Forscher, ärztliches Personal</a:t>
             </a:r>
             <a:endParaRPr lang="de-DE" dirty="0"/>
@@ -1920,23 +1918,23 @@
               <a:defRPr/>
             </a:pPr>
             <a:r>
-              <a:rPr lang="de-DE" dirty="0" smtClean="0"/>
+              <a:rPr lang="de-DE" dirty="0"/>
               <a:t>nennt mir doch mal die Anzahl Einsätze.. Mit Reanimationen.. Im Februar)), simple frage, die auftaucht (</a:t>
             </a:r>
             <a:r>
-              <a:rPr lang="de-DE" dirty="0" err="1" smtClean="0"/>
+              <a:rPr lang="de-DE" dirty="0" err="1"/>
               <a:t>dr.</a:t>
             </a:r>
             <a:r>
-              <a:rPr lang="de-DE" dirty="0" smtClean="0"/>
+              <a:rPr lang="de-DE" dirty="0"/>
               <a:t> </a:t>
             </a:r>
             <a:r>
-              <a:rPr lang="de-DE" dirty="0" err="1" smtClean="0"/>
+              <a:rPr lang="de-DE" dirty="0" err="1"/>
               <a:t>haacke</a:t>
             </a:r>
             <a:r>
-              <a:rPr lang="de-DE" dirty="0" smtClean="0"/>
+              <a:rPr lang="de-DE" dirty="0"/>
               <a:t>)</a:t>
             </a:r>
           </a:p>
@@ -2043,22 +2041,22 @@
               <a:defRPr/>
             </a:pPr>
             <a:r>
-              <a:rPr lang="de-DE" dirty="0" smtClean="0"/>
+              <a:rPr lang="de-DE" dirty="0"/>
               <a:t>Daten, Info und wissen drei </a:t>
             </a:r>
             <a:r>
-              <a:rPr lang="de-DE" dirty="0" err="1" smtClean="0"/>
+              <a:rPr lang="de-DE" dirty="0" err="1"/>
               <a:t>sachen</a:t>
             </a:r>
             <a:r>
-              <a:rPr lang="de-DE" dirty="0" smtClean="0"/>
+              <a:rPr lang="de-DE" dirty="0"/>
               <a:t>: </a:t>
             </a:r>
             <a:r>
-              <a:rPr lang="de-DE" b="1" dirty="0" smtClean="0"/>
+              <a:rPr lang="de-DE" b="1" dirty="0"/>
               <a:t>7500 - Code</a:t>
             </a:r>
-            <a:endParaRPr lang="de-DE" dirty="0" smtClean="0"/>
+            <a:endParaRPr lang="de-DE" dirty="0"/>
           </a:p>
           <a:p>
             <a:pPr marL="0" marR="0" indent="0" algn="l" defTabSz="914400" rtl="0" eaLnBrk="1" fontAlgn="auto" latinLnBrk="0" hangingPunct="1">
@@ -2078,7 +2076,7 @@
               <a:tabLst/>
               <a:defRPr/>
             </a:pPr>
-            <a:endParaRPr lang="de-DE" dirty="0" smtClean="0"/>
+            <a:endParaRPr lang="de-DE" dirty="0"/>
           </a:p>
           <a:p>
             <a:pPr marL="0" marR="0" indent="0" algn="l" defTabSz="914400" rtl="0" eaLnBrk="1" fontAlgn="auto" latinLnBrk="0" hangingPunct="1">
@@ -2099,7 +2097,7 @@
               <a:defRPr/>
             </a:pPr>
             <a:r>
-              <a:rPr lang="de-DE" dirty="0" smtClean="0"/>
+              <a:rPr lang="de-DE" dirty="0"/>
               <a:t>konvertiert in wissen</a:t>
             </a:r>
           </a:p>
@@ -2203,22 +2201,22 @@
               <a:defRPr/>
             </a:pPr>
             <a:r>
-              <a:rPr lang="de-DE" dirty="0" smtClean="0"/>
+              <a:rPr lang="de-DE" dirty="0"/>
               <a:t>Daten, Info und wissen drei </a:t>
             </a:r>
             <a:r>
-              <a:rPr lang="de-DE" dirty="0" err="1" smtClean="0"/>
+              <a:rPr lang="de-DE" dirty="0" err="1"/>
               <a:t>sachen</a:t>
             </a:r>
             <a:r>
-              <a:rPr lang="de-DE" dirty="0" smtClean="0"/>
+              <a:rPr lang="de-DE" dirty="0"/>
               <a:t>: </a:t>
             </a:r>
             <a:r>
-              <a:rPr lang="de-DE" b="1" dirty="0" smtClean="0"/>
+              <a:rPr lang="de-DE" b="1" dirty="0"/>
               <a:t>7500 - Code</a:t>
             </a:r>
-            <a:endParaRPr lang="de-DE" dirty="0" smtClean="0"/>
+            <a:endParaRPr lang="de-DE" dirty="0"/>
           </a:p>
           <a:p>
             <a:pPr marL="0" marR="0" indent="0" algn="l" defTabSz="914400" rtl="0" eaLnBrk="1" fontAlgn="auto" latinLnBrk="0" hangingPunct="1">
@@ -2238,7 +2236,7 @@
               <a:tabLst/>
               <a:defRPr/>
             </a:pPr>
-            <a:endParaRPr lang="de-DE" dirty="0" smtClean="0"/>
+            <a:endParaRPr lang="de-DE" dirty="0"/>
           </a:p>
           <a:p>
             <a:pPr marL="0" marR="0" indent="0" algn="l" defTabSz="914400" rtl="0" eaLnBrk="1" fontAlgn="auto" latinLnBrk="0" hangingPunct="1">
@@ -2259,7 +2257,7 @@
               <a:defRPr/>
             </a:pPr>
             <a:r>
-              <a:rPr lang="de-DE" dirty="0" smtClean="0"/>
+              <a:rPr lang="de-DE" dirty="0"/>
               <a:t>konvertiert in wissen</a:t>
             </a:r>
           </a:p>
@@ -2363,22 +2361,22 @@
               <a:defRPr/>
             </a:pPr>
             <a:r>
-              <a:rPr lang="de-DE" dirty="0" smtClean="0"/>
+              <a:rPr lang="de-DE" dirty="0"/>
               <a:t>Daten, Info und wissen drei </a:t>
             </a:r>
             <a:r>
-              <a:rPr lang="de-DE" dirty="0" err="1" smtClean="0"/>
+              <a:rPr lang="de-DE" dirty="0" err="1"/>
               <a:t>sachen</a:t>
             </a:r>
             <a:r>
-              <a:rPr lang="de-DE" dirty="0" smtClean="0"/>
+              <a:rPr lang="de-DE" dirty="0"/>
               <a:t>: </a:t>
             </a:r>
             <a:r>
-              <a:rPr lang="de-DE" b="1" dirty="0" smtClean="0"/>
+              <a:rPr lang="de-DE" b="1" dirty="0"/>
               <a:t>7500 - Code</a:t>
             </a:r>
-            <a:endParaRPr lang="de-DE" dirty="0" smtClean="0"/>
+            <a:endParaRPr lang="de-DE" dirty="0"/>
           </a:p>
           <a:p>
             <a:pPr marL="0" marR="0" indent="0" algn="l" defTabSz="914400" rtl="0" eaLnBrk="1" fontAlgn="auto" latinLnBrk="0" hangingPunct="1">
@@ -2398,7 +2396,7 @@
               <a:tabLst/>
               <a:defRPr/>
             </a:pPr>
-            <a:endParaRPr lang="de-DE" dirty="0" smtClean="0"/>
+            <a:endParaRPr lang="de-DE" dirty="0"/>
           </a:p>
           <a:p>
             <a:pPr marL="0" marR="0" indent="0" algn="l" defTabSz="914400" rtl="0" eaLnBrk="1" fontAlgn="auto" latinLnBrk="0" hangingPunct="1">
@@ -2419,7 +2417,7 @@
               <a:defRPr/>
             </a:pPr>
             <a:r>
-              <a:rPr lang="de-DE" dirty="0" smtClean="0"/>
+              <a:rPr lang="de-DE" dirty="0"/>
               <a:t>konvertiert in wissen</a:t>
             </a:r>
           </a:p>
@@ -2523,22 +2521,22 @@
               <a:defRPr/>
             </a:pPr>
             <a:r>
-              <a:rPr lang="de-DE" dirty="0" smtClean="0"/>
+              <a:rPr lang="de-DE" dirty="0"/>
               <a:t>Daten, Info und wissen drei </a:t>
             </a:r>
             <a:r>
-              <a:rPr lang="de-DE" dirty="0" err="1" smtClean="0"/>
+              <a:rPr lang="de-DE" dirty="0" err="1"/>
               <a:t>sachen</a:t>
             </a:r>
             <a:r>
-              <a:rPr lang="de-DE" dirty="0" smtClean="0"/>
+              <a:rPr lang="de-DE" dirty="0"/>
               <a:t>: </a:t>
             </a:r>
             <a:r>
-              <a:rPr lang="de-DE" b="1" dirty="0" smtClean="0"/>
+              <a:rPr lang="de-DE" b="1" dirty="0"/>
               <a:t>7500 - Code</a:t>
             </a:r>
-            <a:endParaRPr lang="de-DE" dirty="0" smtClean="0"/>
+            <a:endParaRPr lang="de-DE" dirty="0"/>
           </a:p>
           <a:p>
             <a:pPr marL="0" marR="0" indent="0" algn="l" defTabSz="914400" rtl="0" eaLnBrk="1" fontAlgn="auto" latinLnBrk="0" hangingPunct="1">
@@ -2558,7 +2556,7 @@
               <a:tabLst/>
               <a:defRPr/>
             </a:pPr>
-            <a:endParaRPr lang="de-DE" dirty="0" smtClean="0"/>
+            <a:endParaRPr lang="de-DE" dirty="0"/>
           </a:p>
           <a:p>
             <a:pPr marL="0" marR="0" indent="0" algn="l" defTabSz="914400" rtl="0" eaLnBrk="1" fontAlgn="auto" latinLnBrk="0" hangingPunct="1">
@@ -2579,7 +2577,7 @@
               <a:defRPr/>
             </a:pPr>
             <a:r>
-              <a:rPr lang="de-DE" dirty="0" smtClean="0"/>
+              <a:rPr lang="de-DE" dirty="0"/>
               <a:t>konvertiert in wissen</a:t>
             </a:r>
           </a:p>
@@ -2683,22 +2681,22 @@
               <a:defRPr/>
             </a:pPr>
             <a:r>
-              <a:rPr lang="de-DE" dirty="0" smtClean="0"/>
+              <a:rPr lang="de-DE" dirty="0"/>
               <a:t>Daten, Info und wissen drei </a:t>
             </a:r>
             <a:r>
-              <a:rPr lang="de-DE" dirty="0" err="1" smtClean="0"/>
+              <a:rPr lang="de-DE" dirty="0" err="1"/>
               <a:t>sachen</a:t>
             </a:r>
             <a:r>
-              <a:rPr lang="de-DE" dirty="0" smtClean="0"/>
+              <a:rPr lang="de-DE" dirty="0"/>
               <a:t>: </a:t>
             </a:r>
             <a:r>
-              <a:rPr lang="de-DE" b="1" dirty="0" smtClean="0"/>
+              <a:rPr lang="de-DE" b="1" dirty="0"/>
               <a:t>7500 - Code</a:t>
             </a:r>
-            <a:endParaRPr lang="de-DE" dirty="0" smtClean="0"/>
+            <a:endParaRPr lang="de-DE" dirty="0"/>
           </a:p>
           <a:p>
             <a:pPr marL="0" marR="0" indent="0" algn="l" defTabSz="914400" rtl="0" eaLnBrk="1" fontAlgn="auto" latinLnBrk="0" hangingPunct="1">
@@ -2718,7 +2716,7 @@
               <a:tabLst/>
               <a:defRPr/>
             </a:pPr>
-            <a:endParaRPr lang="de-DE" dirty="0" smtClean="0"/>
+            <a:endParaRPr lang="de-DE" dirty="0"/>
           </a:p>
           <a:p>
             <a:pPr marL="0" marR="0" indent="0" algn="l" defTabSz="914400" rtl="0" eaLnBrk="1" fontAlgn="auto" latinLnBrk="0" hangingPunct="1">
@@ -2739,7 +2737,7 @@
               <a:defRPr/>
             </a:pPr>
             <a:r>
-              <a:rPr lang="de-DE" dirty="0" smtClean="0"/>
+              <a:rPr lang="de-DE" dirty="0"/>
               <a:t>konvertiert in wissen</a:t>
             </a:r>
           </a:p>
@@ -2931,7 +2929,7 @@
           <a:p>
             <a:pPr marL="0" lvl="0" defTabSz="914400"/>
             <a:r>
-              <a:rPr kumimoji="0" lang="de-DE" dirty="0" smtClean="0"/>
+              <a:rPr kumimoji="0" lang="de-DE" dirty="0"/>
               <a:t>PRÄSENTATIONSTITEL EINFÜGEN</a:t>
             </a:r>
             <a:endParaRPr kumimoji="0" lang="en-US" dirty="0"/>
@@ -2972,14 +2970,14 @@
           <a:p>
             <a:pPr lvl="0" defTabSz="914400"/>
             <a:r>
-              <a:rPr kumimoji="0" lang="de-DE" dirty="0" smtClean="0"/>
+              <a:rPr kumimoji="0" lang="de-DE" dirty="0"/>
               <a:t>PRÄSENTATIONSINHALT EINFÜGEN, </a:t>
             </a:r>
             <a:br>
-              <a:rPr kumimoji="0" lang="de-DE" dirty="0" smtClean="0"/>
+              <a:rPr kumimoji="0" lang="de-DE" dirty="0"/>
             </a:br>
             <a:r>
-              <a:rPr kumimoji="0" lang="de-DE" dirty="0" smtClean="0"/>
+              <a:rPr kumimoji="0" lang="de-DE" dirty="0"/>
               <a:t>MAX. 2 ZEILEN</a:t>
             </a:r>
           </a:p>
@@ -3043,7 +3041,7 @@
               </a:tabLst>
             </a:pPr>
             <a:r>
-              <a:rPr lang="de-DE" dirty="0" smtClean="0"/>
+              <a:rPr lang="de-DE" dirty="0"/>
               <a:t>PRÄSENTATIONSAUTOR, Datum</a:t>
             </a:r>
           </a:p>
@@ -3124,7 +3122,7 @@
               <a:buNone/>
               <a:tabLst/>
             </a:pPr>
-            <a:endParaRPr kumimoji="0" lang="de-DE" sz="1800" b="0" i="0" u="none" strike="noStrike" cap="none" normalizeH="0" baseline="0" dirty="0" smtClean="0">
+            <a:endParaRPr kumimoji="0" lang="de-DE" sz="1800" b="0" i="0" u="none" strike="noStrike" cap="none" normalizeH="0" baseline="0" dirty="0">
               <a:ln>
                 <a:noFill/>
               </a:ln>
@@ -3241,10 +3239,9 @@
           </a:lstStyle>
           <a:p>
             <a:r>
-              <a:rPr lang="de-DE" dirty="0" smtClean="0"/>
+              <a:rPr lang="de-DE" dirty="0"/>
               <a:t>04.04.2019</a:t>
             </a:r>
-            <a:endParaRPr lang="de-DE" dirty="0"/>
           </a:p>
         </p:txBody>
       </p:sp>
@@ -3284,10 +3281,9 @@
           </a:lstStyle>
           <a:p>
             <a:r>
-              <a:rPr lang="de-DE" dirty="0" smtClean="0"/>
+              <a:rPr lang="de-DE" dirty="0"/>
               <a:t>corpuls.web ANALYSE - Dashboards               - Intern / Internal -</a:t>
             </a:r>
-            <a:endParaRPr lang="de-DE" dirty="0"/>
           </a:p>
         </p:txBody>
       </p:sp>
@@ -3316,7 +3312,7 @@
               </a:tabLst>
             </a:pPr>
             <a:r>
-              <a:rPr lang="de-DE" sz="700" b="1" dirty="0" smtClean="0">
+              <a:rPr lang="de-DE" sz="700" b="1" dirty="0">
                 <a:solidFill>
                   <a:schemeClr val="bg1">
                     <a:lumMod val="50000"/>
@@ -3327,15 +3323,6 @@
               </a:rPr>
               <a:t>©2017 GS Elektromedizinische Geräte GmbH</a:t>
             </a:r>
-            <a:endParaRPr lang="de-DE" sz="700" b="1" dirty="0">
-              <a:solidFill>
-                <a:schemeClr val="bg1">
-                  <a:lumMod val="50000"/>
-                </a:schemeClr>
-              </a:solidFill>
-              <a:latin typeface="Arial" panose="020B0604020202020204" pitchFamily="34" charset="0"/>
-              <a:cs typeface="Arial" panose="020B0604020202020204" pitchFamily="34" charset="0"/>
-            </a:endParaRPr>
           </a:p>
         </p:txBody>
       </p:sp>
@@ -3568,7 +3555,7 @@
               </a:tabLst>
             </a:pPr>
             <a:r>
-              <a:rPr lang="de-DE" sz="800" strike="noStrike" kern="0" spc="120" baseline="0" dirty="0" smtClean="0">
+              <a:rPr lang="de-DE" sz="800" strike="noStrike" kern="0" spc="120" baseline="0" dirty="0">
                 <a:solidFill>
                   <a:schemeClr val="bg1"/>
                 </a:solidFill>
@@ -3577,13 +3564,6 @@
               </a:rPr>
               <a:t>FOCUS – ON – PATIENTS</a:t>
             </a:r>
-            <a:endParaRPr lang="de-DE" sz="800" strike="noStrike" kern="0" spc="120" baseline="0" dirty="0">
-              <a:solidFill>
-                <a:schemeClr val="bg1"/>
-              </a:solidFill>
-              <a:latin typeface="Arial Narrow" panose="020B0606020202030204" pitchFamily="34" charset="0"/>
-              <a:cs typeface="Arial" pitchFamily="34" charset="0"/>
-            </a:endParaRPr>
           </a:p>
         </p:txBody>
       </p:sp>
@@ -3609,13 +3589,6 @@
       </p:transition>
     </mc:Fallback>
   </mc:AlternateContent>
-  <p:timing>
-    <p:tnLst>
-      <p:par>
-        <p:cTn id="1" dur="indefinite" restart="never" nodeType="tmRoot"/>
-      </p:par>
-    </p:tnLst>
-  </p:timing>
 </p:sldLayout>
 </file>
 
@@ -3671,28 +3644,28 @@
           <a:p>
             <a:pPr lvl="0" eaLnBrk="1" latinLnBrk="0" hangingPunct="1"/>
             <a:r>
-              <a:rPr kumimoji="0" lang="de-DE" dirty="0" smtClean="0"/>
+              <a:rPr kumimoji="0" lang="de-DE" dirty="0"/>
               <a:t>Textmasterformat bearbeiten</a:t>
             </a:r>
           </a:p>
           <a:p>
             <a:pPr lvl="1" eaLnBrk="1" latinLnBrk="0" hangingPunct="1"/>
             <a:r>
-              <a:rPr kumimoji="0" lang="de-DE" dirty="0" smtClean="0"/>
+              <a:rPr kumimoji="0" lang="de-DE" dirty="0"/>
               <a:t>Zweite Ebene</a:t>
             </a:r>
           </a:p>
           <a:p>
             <a:pPr lvl="2" eaLnBrk="1" latinLnBrk="0" hangingPunct="1"/>
             <a:r>
-              <a:rPr kumimoji="0" lang="de-DE" dirty="0" smtClean="0"/>
+              <a:rPr kumimoji="0" lang="de-DE" dirty="0"/>
               <a:t>Dritte Ebene</a:t>
             </a:r>
           </a:p>
           <a:p>
             <a:pPr lvl="3" eaLnBrk="1" latinLnBrk="0" hangingPunct="1"/>
             <a:r>
-              <a:rPr kumimoji="0" lang="de-DE" dirty="0" smtClean="0"/>
+              <a:rPr kumimoji="0" lang="de-DE" dirty="0"/>
               <a:t>Vierte Ebene</a:t>
             </a:r>
           </a:p>
@@ -3724,10 +3697,9 @@
           <a:p>
             <a:pPr lvl="0"/>
             <a:r>
-              <a:rPr lang="de-DE" dirty="0" smtClean="0"/>
+              <a:rPr lang="de-DE" dirty="0"/>
               <a:t>Bild, Video, … durch klicken hinzufügen</a:t>
             </a:r>
-            <a:endParaRPr lang="de-DE" dirty="0"/>
           </a:p>
         </p:txBody>
       </p:sp>
@@ -3757,10 +3729,9 @@
           <a:p>
             <a:pPr lvl="0"/>
             <a:r>
-              <a:rPr lang="de-DE" dirty="0" smtClean="0"/>
+              <a:rPr lang="de-DE" dirty="0"/>
               <a:t>Bild, Video, … durch klicken hinzufügen</a:t>
             </a:r>
-            <a:endParaRPr lang="de-DE" dirty="0"/>
           </a:p>
         </p:txBody>
       </p:sp>
@@ -3790,38 +3761,37 @@
           <a:p>
             <a:pPr lvl="0"/>
             <a:r>
-              <a:rPr lang="de-DE" dirty="0" smtClean="0"/>
+              <a:rPr lang="de-DE" dirty="0"/>
               <a:t>Bild, Video, … durch klicken hinzufügen</a:t>
             </a:r>
+          </a:p>
+        </p:txBody>
+      </p:sp>
+      <p:sp>
+        <p:nvSpPr>
+          <p:cNvPr id="2" name="Titel 1"/>
+          <p:cNvSpPr>
+            <a:spLocks noGrp="1"/>
+          </p:cNvSpPr>
+          <p:nvPr>
+            <p:ph type="title" hasCustomPrompt="1"/>
+          </p:nvPr>
+        </p:nvSpPr>
+        <p:spPr/>
+        <p:txBody>
+          <a:bodyPr/>
+          <a:lstStyle/>
+          <a:p>
+            <a:r>
+              <a:rPr kumimoji="0" lang="de-DE" dirty="0"/>
+              <a:t>Folientitel einfügen</a:t>
+            </a:r>
             <a:endParaRPr lang="de-DE" dirty="0"/>
           </a:p>
         </p:txBody>
       </p:sp>
       <p:sp>
         <p:nvSpPr>
-          <p:cNvPr id="2" name="Titel 1"/>
-          <p:cNvSpPr>
-            <a:spLocks noGrp="1"/>
-          </p:cNvSpPr>
-          <p:nvPr>
-            <p:ph type="title" hasCustomPrompt="1"/>
-          </p:nvPr>
-        </p:nvSpPr>
-        <p:spPr/>
-        <p:txBody>
-          <a:bodyPr/>
-          <a:lstStyle/>
-          <a:p>
-            <a:r>
-              <a:rPr kumimoji="0" lang="de-DE" dirty="0" smtClean="0"/>
-              <a:t>Folientitel einfügen</a:t>
-            </a:r>
-            <a:endParaRPr lang="de-DE" dirty="0"/>
-          </a:p>
-        </p:txBody>
-      </p:sp>
-      <p:sp>
-        <p:nvSpPr>
           <p:cNvPr id="3" name="Datumsplatzhalter 2"/>
           <p:cNvSpPr>
             <a:spLocks noGrp="1"/>
@@ -3836,10 +3806,9 @@
           <a:lstStyle/>
           <a:p>
             <a:r>
-              <a:rPr lang="de-DE" dirty="0" smtClean="0"/>
+              <a:rPr lang="de-DE" dirty="0"/>
               <a:t>04.04.2019</a:t>
             </a:r>
-            <a:endParaRPr lang="de-DE" dirty="0"/>
           </a:p>
         </p:txBody>
       </p:sp>
@@ -3859,10 +3828,9 @@
           <a:lstStyle/>
           <a:p>
             <a:r>
-              <a:rPr lang="de-DE" dirty="0" smtClean="0"/>
+              <a:rPr lang="de-DE" dirty="0"/>
               <a:t>corpuls.web ANALYSE - Dashboards               - Intern / Internal -</a:t>
             </a:r>
-            <a:endParaRPr lang="de-DE" dirty="0"/>
           </a:p>
         </p:txBody>
       </p:sp>
@@ -3921,13 +3889,6 @@
       </p:transition>
     </mc:Fallback>
   </mc:AlternateContent>
-  <p:timing>
-    <p:tnLst>
-      <p:par>
-        <p:cTn id="1" dur="indefinite" restart="never" nodeType="tmRoot"/>
-      </p:par>
-    </p:tnLst>
-  </p:timing>
 </p:sldLayout>
 </file>
 
@@ -3983,28 +3944,28 @@
           <a:p>
             <a:pPr lvl="0" eaLnBrk="1" latinLnBrk="0" hangingPunct="1"/>
             <a:r>
-              <a:rPr kumimoji="0" lang="de-DE" smtClean="0"/>
+              <a:rPr kumimoji="0" lang="de-DE"/>
               <a:t>Textmasterformat bearbeiten</a:t>
             </a:r>
           </a:p>
           <a:p>
             <a:pPr lvl="1" eaLnBrk="1" latinLnBrk="0" hangingPunct="1"/>
             <a:r>
-              <a:rPr kumimoji="0" lang="de-DE" smtClean="0"/>
+              <a:rPr kumimoji="0" lang="de-DE"/>
               <a:t>Zweite Ebene</a:t>
             </a:r>
           </a:p>
           <a:p>
             <a:pPr lvl="2" eaLnBrk="1" latinLnBrk="0" hangingPunct="1"/>
             <a:r>
-              <a:rPr kumimoji="0" lang="de-DE" smtClean="0"/>
+              <a:rPr kumimoji="0" lang="de-DE"/>
               <a:t>Dritte Ebene</a:t>
             </a:r>
           </a:p>
           <a:p>
             <a:pPr lvl="3" eaLnBrk="1" latinLnBrk="0" hangingPunct="1"/>
             <a:r>
-              <a:rPr kumimoji="0" lang="de-DE" smtClean="0"/>
+              <a:rPr kumimoji="0" lang="de-DE"/>
               <a:t>Vierte Ebene</a:t>
             </a:r>
           </a:p>
@@ -4036,38 +3997,37 @@
           <a:p>
             <a:pPr lvl="0"/>
             <a:r>
-              <a:rPr lang="de-DE" dirty="0" smtClean="0"/>
+              <a:rPr lang="de-DE" dirty="0"/>
               <a:t>Bild, Video, … durch klicken hinzufügen</a:t>
             </a:r>
+          </a:p>
+        </p:txBody>
+      </p:sp>
+      <p:sp>
+        <p:nvSpPr>
+          <p:cNvPr id="2" name="Titel 1"/>
+          <p:cNvSpPr>
+            <a:spLocks noGrp="1"/>
+          </p:cNvSpPr>
+          <p:nvPr>
+            <p:ph type="title" hasCustomPrompt="1"/>
+          </p:nvPr>
+        </p:nvSpPr>
+        <p:spPr/>
+        <p:txBody>
+          <a:bodyPr/>
+          <a:lstStyle/>
+          <a:p>
+            <a:r>
+              <a:rPr kumimoji="0" lang="de-DE" dirty="0"/>
+              <a:t>Folientitel einfügen</a:t>
+            </a:r>
             <a:endParaRPr lang="de-DE" dirty="0"/>
           </a:p>
         </p:txBody>
       </p:sp>
       <p:sp>
         <p:nvSpPr>
-          <p:cNvPr id="2" name="Titel 1"/>
-          <p:cNvSpPr>
-            <a:spLocks noGrp="1"/>
-          </p:cNvSpPr>
-          <p:nvPr>
-            <p:ph type="title" hasCustomPrompt="1"/>
-          </p:nvPr>
-        </p:nvSpPr>
-        <p:spPr/>
-        <p:txBody>
-          <a:bodyPr/>
-          <a:lstStyle/>
-          <a:p>
-            <a:r>
-              <a:rPr kumimoji="0" lang="de-DE" dirty="0" smtClean="0"/>
-              <a:t>Folientitel einfügen</a:t>
-            </a:r>
-            <a:endParaRPr lang="de-DE" dirty="0"/>
-          </a:p>
-        </p:txBody>
-      </p:sp>
-      <p:sp>
-        <p:nvSpPr>
           <p:cNvPr id="3" name="Datumsplatzhalter 2"/>
           <p:cNvSpPr>
             <a:spLocks noGrp="1"/>
@@ -4083,7 +4043,7 @@
           <a:p>
             <a:pPr eaLnBrk="1" latinLnBrk="0" hangingPunct="1"/>
             <a:r>
-              <a:rPr lang="de-DE" dirty="0" smtClean="0"/>
+              <a:rPr lang="de-DE" dirty="0"/>
               <a:t>04.04.2019</a:t>
             </a:r>
             <a:endParaRPr lang="en-US" dirty="0"/>
@@ -4106,7 +4066,7 @@
           <a:lstStyle/>
           <a:p>
             <a:r>
-              <a:rPr kumimoji="0" lang="de-DE" dirty="0" smtClean="0"/>
+              <a:rPr kumimoji="0" lang="de-DE" dirty="0"/>
               <a:t>corpuls.web ANALYSE - Dashboards               - Intern / Internal -</a:t>
             </a:r>
             <a:endParaRPr kumimoji="0" lang="en-US" dirty="0"/>
@@ -4168,13 +4128,6 @@
       </p:transition>
     </mc:Fallback>
   </mc:AlternateContent>
-  <p:timing>
-    <p:tnLst>
-      <p:par>
-        <p:cTn id="1" dur="indefinite" restart="never" nodeType="tmRoot"/>
-      </p:par>
-    </p:tnLst>
-  </p:timing>
 </p:sldLayout>
 </file>
 
@@ -4230,28 +4183,28 @@
           <a:p>
             <a:pPr lvl="0" eaLnBrk="1" latinLnBrk="0" hangingPunct="1"/>
             <a:r>
-              <a:rPr kumimoji="0" lang="de-DE" smtClean="0"/>
+              <a:rPr kumimoji="0" lang="de-DE"/>
               <a:t>Textmasterformat bearbeiten</a:t>
             </a:r>
           </a:p>
           <a:p>
             <a:pPr lvl="1" eaLnBrk="1" latinLnBrk="0" hangingPunct="1"/>
             <a:r>
-              <a:rPr kumimoji="0" lang="de-DE" smtClean="0"/>
+              <a:rPr kumimoji="0" lang="de-DE"/>
               <a:t>Zweite Ebene</a:t>
             </a:r>
           </a:p>
           <a:p>
             <a:pPr lvl="2" eaLnBrk="1" latinLnBrk="0" hangingPunct="1"/>
             <a:r>
-              <a:rPr kumimoji="0" lang="de-DE" smtClean="0"/>
+              <a:rPr kumimoji="0" lang="de-DE"/>
               <a:t>Dritte Ebene</a:t>
             </a:r>
           </a:p>
           <a:p>
             <a:pPr lvl="3" eaLnBrk="1" latinLnBrk="0" hangingPunct="1"/>
             <a:r>
-              <a:rPr kumimoji="0" lang="de-DE" smtClean="0"/>
+              <a:rPr kumimoji="0" lang="de-DE"/>
               <a:t>Vierte Ebene</a:t>
             </a:r>
           </a:p>
@@ -4283,10 +4236,9 @@
           <a:p>
             <a:pPr lvl="0"/>
             <a:r>
-              <a:rPr lang="de-DE" dirty="0" smtClean="0"/>
+              <a:rPr lang="de-DE" dirty="0"/>
               <a:t>Bild, Video, … durch klicken hinzufügen</a:t>
             </a:r>
-            <a:endParaRPr lang="de-DE" dirty="0"/>
           </a:p>
         </p:txBody>
       </p:sp>
@@ -4316,38 +4268,37 @@
           <a:p>
             <a:pPr lvl="0"/>
             <a:r>
-              <a:rPr lang="de-DE" dirty="0" smtClean="0"/>
+              <a:rPr lang="de-DE" dirty="0"/>
               <a:t>Bild, Video, … durch klicken hinzufügen</a:t>
             </a:r>
+          </a:p>
+        </p:txBody>
+      </p:sp>
+      <p:sp>
+        <p:nvSpPr>
+          <p:cNvPr id="2" name="Titel 1"/>
+          <p:cNvSpPr>
+            <a:spLocks noGrp="1"/>
+          </p:cNvSpPr>
+          <p:nvPr>
+            <p:ph type="title" hasCustomPrompt="1"/>
+          </p:nvPr>
+        </p:nvSpPr>
+        <p:spPr/>
+        <p:txBody>
+          <a:bodyPr/>
+          <a:lstStyle/>
+          <a:p>
+            <a:r>
+              <a:rPr kumimoji="0" lang="de-DE" dirty="0"/>
+              <a:t>Folientitel einfügen</a:t>
+            </a:r>
             <a:endParaRPr lang="de-DE" dirty="0"/>
           </a:p>
         </p:txBody>
       </p:sp>
       <p:sp>
         <p:nvSpPr>
-          <p:cNvPr id="2" name="Titel 1"/>
-          <p:cNvSpPr>
-            <a:spLocks noGrp="1"/>
-          </p:cNvSpPr>
-          <p:nvPr>
-            <p:ph type="title" hasCustomPrompt="1"/>
-          </p:nvPr>
-        </p:nvSpPr>
-        <p:spPr/>
-        <p:txBody>
-          <a:bodyPr/>
-          <a:lstStyle/>
-          <a:p>
-            <a:r>
-              <a:rPr kumimoji="0" lang="de-DE" dirty="0" smtClean="0"/>
-              <a:t>Folientitel einfügen</a:t>
-            </a:r>
-            <a:endParaRPr lang="de-DE" dirty="0"/>
-          </a:p>
-        </p:txBody>
-      </p:sp>
-      <p:sp>
-        <p:nvSpPr>
           <p:cNvPr id="3" name="Datumsplatzhalter 2"/>
           <p:cNvSpPr>
             <a:spLocks noGrp="1"/>
@@ -4363,7 +4314,7 @@
           <a:p>
             <a:pPr eaLnBrk="1" latinLnBrk="0" hangingPunct="1"/>
             <a:r>
-              <a:rPr lang="de-DE" dirty="0" smtClean="0"/>
+              <a:rPr lang="de-DE" dirty="0"/>
               <a:t>04.04.2019</a:t>
             </a:r>
             <a:endParaRPr lang="en-US" dirty="0"/>
@@ -4386,7 +4337,7 @@
           <a:lstStyle/>
           <a:p>
             <a:r>
-              <a:rPr kumimoji="0" lang="de-DE" dirty="0" smtClean="0"/>
+              <a:rPr kumimoji="0" lang="de-DE" dirty="0"/>
               <a:t>corpuls.web ANALYSE - Dashboards               - Intern / Internal -</a:t>
             </a:r>
             <a:endParaRPr kumimoji="0" lang="en-US" dirty="0"/>
@@ -4448,13 +4399,6 @@
       </p:transition>
     </mc:Fallback>
   </mc:AlternateContent>
-  <p:timing>
-    <p:tnLst>
-      <p:par>
-        <p:cTn id="1" dur="indefinite" restart="never" nodeType="tmRoot"/>
-      </p:par>
-    </p:tnLst>
-  </p:timing>
 </p:sldLayout>
 </file>
 
@@ -4510,28 +4454,28 @@
           <a:p>
             <a:pPr lvl="0" eaLnBrk="1" latinLnBrk="0" hangingPunct="1"/>
             <a:r>
-              <a:rPr kumimoji="0" lang="de-DE" smtClean="0"/>
+              <a:rPr kumimoji="0" lang="de-DE"/>
               <a:t>Textmasterformat bearbeiten</a:t>
             </a:r>
           </a:p>
           <a:p>
             <a:pPr lvl="1" eaLnBrk="1" latinLnBrk="0" hangingPunct="1"/>
             <a:r>
-              <a:rPr kumimoji="0" lang="de-DE" smtClean="0"/>
+              <a:rPr kumimoji="0" lang="de-DE"/>
               <a:t>Zweite Ebene</a:t>
             </a:r>
           </a:p>
           <a:p>
             <a:pPr lvl="2" eaLnBrk="1" latinLnBrk="0" hangingPunct="1"/>
             <a:r>
-              <a:rPr kumimoji="0" lang="de-DE" smtClean="0"/>
+              <a:rPr kumimoji="0" lang="de-DE"/>
               <a:t>Dritte Ebene</a:t>
             </a:r>
           </a:p>
           <a:p>
             <a:pPr lvl="3" eaLnBrk="1" latinLnBrk="0" hangingPunct="1"/>
             <a:r>
-              <a:rPr kumimoji="0" lang="de-DE" smtClean="0"/>
+              <a:rPr kumimoji="0" lang="de-DE"/>
               <a:t>Vierte Ebene</a:t>
             </a:r>
           </a:p>
@@ -4563,10 +4507,9 @@
           <a:p>
             <a:pPr lvl="0"/>
             <a:r>
-              <a:rPr lang="de-DE" dirty="0" smtClean="0"/>
+              <a:rPr lang="de-DE" dirty="0"/>
               <a:t>Bild, Video, … durch klicken hinzufügen</a:t>
             </a:r>
-            <a:endParaRPr lang="de-DE" dirty="0"/>
           </a:p>
         </p:txBody>
       </p:sp>
@@ -4596,10 +4539,9 @@
           <a:p>
             <a:pPr lvl="0"/>
             <a:r>
-              <a:rPr lang="de-DE" dirty="0" smtClean="0"/>
+              <a:rPr lang="de-DE" dirty="0"/>
               <a:t>Bild, Video, … durch klicken hinzufügen</a:t>
             </a:r>
-            <a:endParaRPr lang="de-DE" dirty="0"/>
           </a:p>
         </p:txBody>
       </p:sp>
@@ -4629,10 +4571,9 @@
           <a:p>
             <a:pPr lvl="0"/>
             <a:r>
-              <a:rPr lang="de-DE" dirty="0" smtClean="0"/>
+              <a:rPr lang="de-DE" dirty="0"/>
               <a:t>Bild, Video, … durch klicken hinzufügen</a:t>
             </a:r>
-            <a:endParaRPr lang="de-DE" dirty="0"/>
           </a:p>
         </p:txBody>
       </p:sp>
@@ -4656,7 +4597,7 @@
           </a:lstStyle>
           <a:p>
             <a:r>
-              <a:rPr kumimoji="0" lang="de-DE" dirty="0" smtClean="0"/>
+              <a:rPr kumimoji="0" lang="de-DE" dirty="0"/>
               <a:t>Folientitel einfügen</a:t>
             </a:r>
             <a:endParaRPr lang="de-DE" dirty="0"/>
@@ -4680,7 +4621,7 @@
           <a:p>
             <a:pPr eaLnBrk="1" latinLnBrk="0" hangingPunct="1"/>
             <a:r>
-              <a:rPr lang="de-DE" dirty="0" smtClean="0"/>
+              <a:rPr lang="de-DE" dirty="0"/>
               <a:t>04.04.2019</a:t>
             </a:r>
             <a:endParaRPr lang="en-US" dirty="0"/>
@@ -4703,7 +4644,7 @@
           <a:lstStyle/>
           <a:p>
             <a:r>
-              <a:rPr kumimoji="0" lang="de-DE" dirty="0" smtClean="0"/>
+              <a:rPr kumimoji="0" lang="de-DE" dirty="0"/>
               <a:t>corpuls.web ANALYSE - Dashboards               - Intern / Internal -</a:t>
             </a:r>
             <a:endParaRPr kumimoji="0" lang="en-US" dirty="0"/>
@@ -4765,13 +4706,6 @@
       </p:transition>
     </mc:Fallback>
   </mc:AlternateContent>
-  <p:timing>
-    <p:tnLst>
-      <p:par>
-        <p:cTn id="1" dur="indefinite" restart="never" nodeType="tmRoot"/>
-      </p:par>
-    </p:tnLst>
-  </p:timing>
 </p:sldLayout>
 </file>
 
@@ -4814,28 +4748,28 @@
           <a:p>
             <a:pPr lvl="0"/>
             <a:r>
-              <a:rPr lang="de-DE" smtClean="0"/>
+              <a:rPr lang="de-DE"/>
               <a:t>Textmasterformat bearbeiten</a:t>
             </a:r>
           </a:p>
           <a:p>
             <a:pPr lvl="1"/>
             <a:r>
-              <a:rPr lang="de-DE" smtClean="0"/>
+              <a:rPr lang="de-DE"/>
               <a:t>Zweite Ebene</a:t>
             </a:r>
           </a:p>
           <a:p>
             <a:pPr lvl="2"/>
             <a:r>
-              <a:rPr lang="de-DE" smtClean="0"/>
+              <a:rPr lang="de-DE"/>
               <a:t>Dritte Ebene</a:t>
             </a:r>
           </a:p>
           <a:p>
             <a:pPr lvl="3"/>
             <a:r>
-              <a:rPr lang="de-DE" smtClean="0"/>
+              <a:rPr lang="de-DE"/>
               <a:t>Vierte Ebene</a:t>
             </a:r>
           </a:p>
@@ -4857,7 +4791,7 @@
           <a:lstStyle/>
           <a:p>
             <a:r>
-              <a:rPr kumimoji="0" lang="de-DE" dirty="0" smtClean="0"/>
+              <a:rPr kumimoji="0" lang="de-DE" dirty="0"/>
               <a:t>Folientitel einfügen</a:t>
             </a:r>
             <a:endParaRPr lang="de-DE" dirty="0"/>
@@ -4884,10 +4818,9 @@
           </a:lstStyle>
           <a:p>
             <a:r>
-              <a:rPr lang="de-DE" dirty="0" smtClean="0"/>
+              <a:rPr lang="de-DE" dirty="0"/>
               <a:t>04.04.2019</a:t>
             </a:r>
-            <a:endParaRPr lang="de-DE" dirty="0"/>
           </a:p>
         </p:txBody>
       </p:sp>
@@ -4907,10 +4840,9 @@
           <a:lstStyle/>
           <a:p>
             <a:r>
-              <a:rPr lang="de-DE" dirty="0" smtClean="0"/>
+              <a:rPr lang="de-DE" dirty="0"/>
               <a:t>corpuls.web ANALYSE - Dashboards               - Intern / Internal -</a:t>
             </a:r>
-            <a:endParaRPr lang="de-DE" dirty="0"/>
           </a:p>
         </p:txBody>
       </p:sp>
@@ -4969,13 +4901,6 @@
       </p:transition>
     </mc:Fallback>
   </mc:AlternateContent>
-  <p:timing>
-    <p:tnLst>
-      <p:par>
-        <p:cTn id="1" dur="indefinite" restart="never" nodeType="tmRoot"/>
-      </p:par>
-    </p:tnLst>
-  </p:timing>
 </p:sldLayout>
 </file>
 
@@ -5031,28 +4956,28 @@
           <a:p>
             <a:pPr lvl="0" eaLnBrk="1" latinLnBrk="0" hangingPunct="1"/>
             <a:r>
-              <a:rPr kumimoji="0" lang="de-DE" smtClean="0"/>
+              <a:rPr kumimoji="0" lang="de-DE"/>
               <a:t>Textmasterformat bearbeiten</a:t>
             </a:r>
           </a:p>
           <a:p>
             <a:pPr lvl="1" eaLnBrk="1" latinLnBrk="0" hangingPunct="1"/>
             <a:r>
-              <a:rPr kumimoji="0" lang="de-DE" smtClean="0"/>
+              <a:rPr kumimoji="0" lang="de-DE"/>
               <a:t>Zweite Ebene</a:t>
             </a:r>
           </a:p>
           <a:p>
             <a:pPr lvl="2" eaLnBrk="1" latinLnBrk="0" hangingPunct="1"/>
             <a:r>
-              <a:rPr kumimoji="0" lang="de-DE" smtClean="0"/>
+              <a:rPr kumimoji="0" lang="de-DE"/>
               <a:t>Dritte Ebene</a:t>
             </a:r>
           </a:p>
           <a:p>
             <a:pPr lvl="3" eaLnBrk="1" latinLnBrk="0" hangingPunct="1"/>
             <a:r>
-              <a:rPr kumimoji="0" lang="de-DE" smtClean="0"/>
+              <a:rPr kumimoji="0" lang="de-DE"/>
               <a:t>Vierte Ebene</a:t>
             </a:r>
           </a:p>
@@ -5093,28 +5018,28 @@
           <a:p>
             <a:pPr lvl="0" eaLnBrk="1" latinLnBrk="0" hangingPunct="1"/>
             <a:r>
-              <a:rPr kumimoji="0" lang="de-DE" smtClean="0"/>
+              <a:rPr kumimoji="0" lang="de-DE"/>
               <a:t>Textmasterformat bearbeiten</a:t>
             </a:r>
           </a:p>
           <a:p>
             <a:pPr lvl="1" eaLnBrk="1" latinLnBrk="0" hangingPunct="1"/>
             <a:r>
-              <a:rPr kumimoji="0" lang="de-DE" smtClean="0"/>
+              <a:rPr kumimoji="0" lang="de-DE"/>
               <a:t>Zweite Ebene</a:t>
             </a:r>
           </a:p>
           <a:p>
             <a:pPr lvl="2" eaLnBrk="1" latinLnBrk="0" hangingPunct="1"/>
             <a:r>
-              <a:rPr kumimoji="0" lang="de-DE" smtClean="0"/>
+              <a:rPr kumimoji="0" lang="de-DE"/>
               <a:t>Dritte Ebene</a:t>
             </a:r>
           </a:p>
           <a:p>
             <a:pPr lvl="3" eaLnBrk="1" latinLnBrk="0" hangingPunct="1"/>
             <a:r>
-              <a:rPr kumimoji="0" lang="de-DE" smtClean="0"/>
+              <a:rPr kumimoji="0" lang="de-DE"/>
               <a:t>Vierte Ebene</a:t>
             </a:r>
           </a:p>
@@ -5136,7 +5061,7 @@
           <a:lstStyle/>
           <a:p>
             <a:r>
-              <a:rPr kumimoji="0" lang="de-DE" dirty="0" smtClean="0"/>
+              <a:rPr kumimoji="0" lang="de-DE" dirty="0"/>
               <a:t>Folientitel einfügen</a:t>
             </a:r>
             <a:endParaRPr lang="de-DE" dirty="0"/>
@@ -5160,7 +5085,7 @@
           <a:p>
             <a:pPr eaLnBrk="1" latinLnBrk="0" hangingPunct="1"/>
             <a:r>
-              <a:rPr lang="de-DE" dirty="0" smtClean="0"/>
+              <a:rPr lang="de-DE" dirty="0"/>
               <a:t>04.04.2019</a:t>
             </a:r>
             <a:endParaRPr lang="en-US" dirty="0"/>
@@ -5183,7 +5108,7 @@
           <a:lstStyle/>
           <a:p>
             <a:r>
-              <a:rPr kumimoji="0" lang="de-DE" dirty="0" smtClean="0"/>
+              <a:rPr kumimoji="0" lang="de-DE" dirty="0"/>
               <a:t>corpuls.web ANALYSE - Dashboards               - Intern / Internal -</a:t>
             </a:r>
             <a:endParaRPr kumimoji="0" lang="en-US" dirty="0"/>
@@ -5245,13 +5170,6 @@
       </p:transition>
     </mc:Fallback>
   </mc:AlternateContent>
-  <p:timing>
-    <p:tnLst>
-      <p:par>
-        <p:cTn id="1" dur="indefinite" restart="never" nodeType="tmRoot"/>
-      </p:par>
-    </p:tnLst>
-  </p:timing>
 </p:sldLayout>
 </file>
 
@@ -5325,7 +5243,7 @@
           <a:p>
             <a:pPr lvl="0" eaLnBrk="1" latinLnBrk="0" hangingPunct="1"/>
             <a:r>
-              <a:rPr kumimoji="0" lang="de-DE" smtClean="0"/>
+              <a:rPr kumimoji="0" lang="de-DE"/>
               <a:t>Textmasterformat bearbeiten</a:t>
             </a:r>
           </a:p>
@@ -5384,7 +5302,7 @@
           <a:p>
             <a:pPr lvl="0" eaLnBrk="1" latinLnBrk="0" hangingPunct="1"/>
             <a:r>
-              <a:rPr kumimoji="0" lang="de-DE" smtClean="0"/>
+              <a:rPr kumimoji="0" lang="de-DE"/>
               <a:t>Textmasterformat bearbeiten</a:t>
             </a:r>
           </a:p>
@@ -5425,28 +5343,28 @@
           <a:p>
             <a:pPr lvl="0" eaLnBrk="1" latinLnBrk="0" hangingPunct="1"/>
             <a:r>
-              <a:rPr kumimoji="0" lang="de-DE" smtClean="0"/>
+              <a:rPr kumimoji="0" lang="de-DE"/>
               <a:t>Textmasterformat bearbeiten</a:t>
             </a:r>
           </a:p>
           <a:p>
             <a:pPr lvl="1" eaLnBrk="1" latinLnBrk="0" hangingPunct="1"/>
             <a:r>
-              <a:rPr kumimoji="0" lang="de-DE" smtClean="0"/>
+              <a:rPr kumimoji="0" lang="de-DE"/>
               <a:t>Zweite Ebene</a:t>
             </a:r>
           </a:p>
           <a:p>
             <a:pPr lvl="2" eaLnBrk="1" latinLnBrk="0" hangingPunct="1"/>
             <a:r>
-              <a:rPr kumimoji="0" lang="de-DE" smtClean="0"/>
+              <a:rPr kumimoji="0" lang="de-DE"/>
               <a:t>Dritte Ebene</a:t>
             </a:r>
           </a:p>
           <a:p>
             <a:pPr lvl="3" eaLnBrk="1" latinLnBrk="0" hangingPunct="1"/>
             <a:r>
-              <a:rPr kumimoji="0" lang="de-DE" smtClean="0"/>
+              <a:rPr kumimoji="0" lang="de-DE"/>
               <a:t>Vierte Ebene</a:t>
             </a:r>
           </a:p>
@@ -5487,28 +5405,28 @@
           <a:p>
             <a:pPr lvl="0" eaLnBrk="1" latinLnBrk="0" hangingPunct="1"/>
             <a:r>
-              <a:rPr kumimoji="0" lang="de-DE" smtClean="0"/>
+              <a:rPr kumimoji="0" lang="de-DE"/>
               <a:t>Textmasterformat bearbeiten</a:t>
             </a:r>
           </a:p>
           <a:p>
             <a:pPr lvl="1" eaLnBrk="1" latinLnBrk="0" hangingPunct="1"/>
             <a:r>
-              <a:rPr kumimoji="0" lang="de-DE" smtClean="0"/>
+              <a:rPr kumimoji="0" lang="de-DE"/>
               <a:t>Zweite Ebene</a:t>
             </a:r>
           </a:p>
           <a:p>
             <a:pPr lvl="2" eaLnBrk="1" latinLnBrk="0" hangingPunct="1"/>
             <a:r>
-              <a:rPr kumimoji="0" lang="de-DE" smtClean="0"/>
+              <a:rPr kumimoji="0" lang="de-DE"/>
               <a:t>Dritte Ebene</a:t>
             </a:r>
           </a:p>
           <a:p>
             <a:pPr lvl="3" eaLnBrk="1" latinLnBrk="0" hangingPunct="1"/>
             <a:r>
-              <a:rPr kumimoji="0" lang="de-DE" smtClean="0"/>
+              <a:rPr kumimoji="0" lang="de-DE"/>
               <a:t>Vierte Ebene</a:t>
             </a:r>
           </a:p>
@@ -5530,7 +5448,7 @@
           <a:lstStyle/>
           <a:p>
             <a:r>
-              <a:rPr kumimoji="0" lang="de-DE" dirty="0" smtClean="0"/>
+              <a:rPr kumimoji="0" lang="de-DE" dirty="0"/>
               <a:t>Folientitel einfügen</a:t>
             </a:r>
             <a:endParaRPr lang="de-DE" dirty="0"/>
@@ -5554,7 +5472,7 @@
           <a:p>
             <a:pPr eaLnBrk="1" latinLnBrk="0" hangingPunct="1"/>
             <a:r>
-              <a:rPr lang="de-DE" dirty="0" smtClean="0"/>
+              <a:rPr lang="de-DE" dirty="0"/>
               <a:t>04.04.2019</a:t>
             </a:r>
             <a:endParaRPr lang="en-US" dirty="0"/>
@@ -5577,7 +5495,7 @@
           <a:lstStyle/>
           <a:p>
             <a:r>
-              <a:rPr kumimoji="0" lang="de-DE" dirty="0" smtClean="0"/>
+              <a:rPr kumimoji="0" lang="de-DE" dirty="0"/>
               <a:t>corpuls.web ANALYSE - Dashboards               - Intern / Internal -</a:t>
             </a:r>
             <a:endParaRPr kumimoji="0" lang="en-US" dirty="0"/>
@@ -5639,13 +5557,6 @@
       </p:transition>
     </mc:Fallback>
   </mc:AlternateContent>
-  <p:timing>
-    <p:tnLst>
-      <p:par>
-        <p:cTn id="1" dur="indefinite" restart="never" nodeType="tmRoot"/>
-      </p:par>
-    </p:tnLst>
-  </p:timing>
 </p:sldLayout>
 </file>
 
@@ -5904,7 +5815,7 @@
               </a:spcBef>
             </a:pPr>
             <a:r>
-              <a:rPr kumimoji="0" lang="de-DE" sz="1400" b="1" kern="1200" baseline="0" dirty="0" smtClean="0">
+              <a:rPr kumimoji="0" lang="de-DE" sz="1400" b="1" kern="1200" baseline="0" dirty="0">
                 <a:solidFill>
                   <a:schemeClr val="tx1"/>
                 </a:solidFill>
@@ -5915,7 +5826,7 @@
               <a:t>GS Elektromedizinische Geräte</a:t>
             </a:r>
             <a:br>
-              <a:rPr kumimoji="0" lang="de-DE" sz="1400" b="1" kern="1200" baseline="0" dirty="0" smtClean="0">
+              <a:rPr kumimoji="0" lang="de-DE" sz="1400" b="1" kern="1200" baseline="0" dirty="0">
                 <a:solidFill>
                   <a:schemeClr val="tx1"/>
                 </a:solidFill>
@@ -5925,7 +5836,7 @@
               </a:rPr>
             </a:br>
             <a:r>
-              <a:rPr kumimoji="0" lang="de-DE" sz="1400" b="1" kern="1200" baseline="0" dirty="0" smtClean="0">
+              <a:rPr kumimoji="0" lang="de-DE" sz="1400" b="1" kern="1200" baseline="0" dirty="0">
                 <a:solidFill>
                   <a:schemeClr val="tx1"/>
                 </a:solidFill>
@@ -5943,7 +5854,7 @@
               </a:spcBef>
             </a:pPr>
             <a:r>
-              <a:rPr kumimoji="0" lang="de-DE" sz="1400" b="0" kern="1200" baseline="0" dirty="0" smtClean="0">
+              <a:rPr kumimoji="0" lang="de-DE" sz="1400" b="0" kern="1200" baseline="0" dirty="0">
                 <a:solidFill>
                   <a:schemeClr val="tx1"/>
                 </a:solidFill>
@@ -5954,7 +5865,7 @@
               <a:t>Hauswiesenstraße 26</a:t>
             </a:r>
             <a:br>
-              <a:rPr kumimoji="0" lang="de-DE" sz="1400" b="0" kern="1200" baseline="0" dirty="0" smtClean="0">
+              <a:rPr kumimoji="0" lang="de-DE" sz="1400" b="0" kern="1200" baseline="0" dirty="0">
                 <a:solidFill>
                   <a:schemeClr val="tx1"/>
                 </a:solidFill>
@@ -5964,7 +5875,7 @@
               </a:rPr>
             </a:br>
             <a:r>
-              <a:rPr kumimoji="0" lang="de-DE" sz="1400" b="0" kern="1200" baseline="0" dirty="0" smtClean="0">
+              <a:rPr kumimoji="0" lang="de-DE" sz="1400" b="0" kern="1200" baseline="0" dirty="0">
                 <a:solidFill>
                   <a:schemeClr val="tx1"/>
                 </a:solidFill>
@@ -5975,7 +5886,7 @@
               <a:t>86916 Kaufering</a:t>
             </a:r>
             <a:br>
-              <a:rPr kumimoji="0" lang="de-DE" sz="1400" b="0" kern="1200" baseline="0" dirty="0" smtClean="0">
+              <a:rPr kumimoji="0" lang="de-DE" sz="1400" b="0" kern="1200" baseline="0" dirty="0">
                 <a:solidFill>
                   <a:schemeClr val="tx1"/>
                 </a:solidFill>
@@ -5985,7 +5896,7 @@
               </a:rPr>
             </a:br>
             <a:r>
-              <a:rPr kumimoji="0" lang="de-DE" sz="1400" b="0" kern="1200" baseline="0" dirty="0" smtClean="0">
+              <a:rPr kumimoji="0" lang="de-DE" sz="1400" b="0" kern="1200" baseline="0" dirty="0">
                 <a:solidFill>
                   <a:schemeClr val="tx1"/>
                 </a:solidFill>
@@ -6006,7 +5917,7 @@
               </a:tabLst>
             </a:pPr>
             <a:r>
-              <a:rPr kumimoji="0" lang="de-DE" sz="1400" b="0" kern="1200" baseline="0" dirty="0" smtClean="0">
+              <a:rPr kumimoji="0" lang="de-DE" sz="1400" b="0" kern="1200" baseline="0" dirty="0">
                 <a:solidFill>
                   <a:schemeClr val="tx1"/>
                 </a:solidFill>
@@ -6027,7 +5938,7 @@
               </a:tabLst>
             </a:pPr>
             <a:r>
-              <a:rPr kumimoji="0" lang="de-DE" sz="1400" b="1" kern="1200" baseline="0" dirty="0" smtClean="0">
+              <a:rPr kumimoji="0" lang="de-DE" sz="1400" b="1" kern="1200" baseline="0" dirty="0">
                 <a:solidFill>
                   <a:srgbClr val="FF0000"/>
                 </a:solidFill>
@@ -6039,7 +5950,7 @@
             </a:r>
           </a:p>
           <a:p>
-            <a:endParaRPr lang="de-DE" sz="1400" b="0" dirty="0" smtClean="0">
+            <a:endParaRPr lang="de-DE" sz="1400" b="0" dirty="0">
               <a:solidFill>
                 <a:schemeClr val="tx1"/>
               </a:solidFill>
@@ -6048,7 +5959,7 @@
             </a:endParaRPr>
           </a:p>
           <a:p>
-            <a:endParaRPr lang="de-DE" sz="1400" b="0" dirty="0" smtClean="0">
+            <a:endParaRPr lang="de-DE" sz="1400" b="0" dirty="0">
               <a:solidFill>
                 <a:schemeClr val="tx1"/>
               </a:solidFill>
@@ -6099,7 +6010,7 @@
           <a:p>
             <a:pPr lvl="0"/>
             <a:r>
-              <a:rPr lang="de-DE" dirty="0" smtClean="0"/>
+              <a:rPr lang="de-DE" dirty="0"/>
               <a:t>Präsentationstitel</a:t>
             </a:r>
           </a:p>
@@ -6139,45 +6050,45 @@
           <a:p>
             <a:pPr lvl="0"/>
             <a:r>
-              <a:rPr lang="de-DE" dirty="0" smtClean="0"/>
+              <a:rPr lang="de-DE" dirty="0"/>
               <a:t>Datum, Version</a:t>
             </a:r>
           </a:p>
           <a:p>
             <a:pPr lvl="0"/>
             <a:r>
-              <a:rPr lang="de-DE" dirty="0" smtClean="0"/>
+              <a:rPr lang="de-DE" dirty="0"/>
               <a:t>Sprache, </a:t>
             </a:r>
           </a:p>
           <a:p>
             <a:pPr lvl="0"/>
             <a:r>
-              <a:rPr lang="de-DE" dirty="0" smtClean="0"/>
+              <a:rPr lang="de-DE" dirty="0"/>
               <a:t>– </a:t>
             </a:r>
             <a:r>
-              <a:rPr lang="de-DE" dirty="0" err="1" smtClean="0"/>
+              <a:rPr lang="de-DE" dirty="0" err="1"/>
               <a:t>for</a:t>
             </a:r>
             <a:r>
-              <a:rPr lang="de-DE" dirty="0" smtClean="0"/>
+              <a:rPr lang="de-DE" dirty="0"/>
               <a:t> internal </a:t>
             </a:r>
             <a:r>
-              <a:rPr lang="de-DE" dirty="0" err="1" smtClean="0"/>
+              <a:rPr lang="de-DE" dirty="0" err="1"/>
               <a:t>use</a:t>
             </a:r>
             <a:r>
-              <a:rPr lang="de-DE" dirty="0" smtClean="0"/>
+              <a:rPr lang="de-DE" dirty="0"/>
               <a:t> </a:t>
             </a:r>
             <a:r>
-              <a:rPr lang="de-DE" dirty="0" err="1" smtClean="0"/>
+              <a:rPr lang="de-DE" dirty="0" err="1"/>
               <a:t>only</a:t>
             </a:r>
             <a:r>
-              <a:rPr lang="de-DE" dirty="0" smtClean="0"/>
+              <a:rPr lang="de-DE" dirty="0"/>
               <a:t> – (wenn nötig)</a:t>
             </a:r>
           </a:p>
@@ -6217,28 +6128,28 @@
           <a:p>
             <a:pPr lvl="0"/>
             <a:r>
-              <a:rPr lang="de-DE" dirty="0" smtClean="0"/>
+              <a:rPr lang="de-DE" dirty="0"/>
               <a:t>Titel</a:t>
             </a:r>
             <a:br>
-              <a:rPr lang="de-DE" dirty="0" smtClean="0"/>
+              <a:rPr lang="de-DE" dirty="0"/>
             </a:br>
             <a:r>
-              <a:rPr lang="de-DE" dirty="0" smtClean="0"/>
+              <a:rPr lang="de-DE" dirty="0"/>
               <a:t>Vorname Name</a:t>
             </a:r>
             <a:br>
-              <a:rPr lang="de-DE" dirty="0" smtClean="0"/>
+              <a:rPr lang="de-DE" dirty="0"/>
             </a:br>
             <a:r>
-              <a:rPr lang="de-DE" dirty="0" smtClean="0"/>
+              <a:rPr lang="de-DE" dirty="0"/>
               <a:t>Funktion/Abteilung </a:t>
             </a:r>
           </a:p>
           <a:p>
             <a:pPr lvl="0"/>
             <a:r>
-              <a:rPr lang="de-DE" dirty="0" smtClean="0"/>
+              <a:rPr lang="de-DE" dirty="0"/>
               <a:t>E-Mail-Adresse</a:t>
             </a:r>
           </a:p>
@@ -6338,7 +6249,7 @@
               </a:tabLst>
             </a:pPr>
             <a:r>
-              <a:rPr lang="de-DE" sz="800" strike="noStrike" kern="0" spc="120" baseline="0" dirty="0" smtClean="0">
+              <a:rPr lang="de-DE" sz="800" strike="noStrike" kern="0" spc="120" baseline="0" dirty="0">
                 <a:solidFill>
                   <a:schemeClr val="bg1"/>
                 </a:solidFill>
@@ -6347,13 +6258,6 @@
               </a:rPr>
               <a:t>FOCUS – ON – PATIENTS</a:t>
             </a:r>
-            <a:endParaRPr lang="de-DE" sz="800" strike="noStrike" kern="0" spc="120" baseline="0" dirty="0">
-              <a:solidFill>
-                <a:schemeClr val="bg1"/>
-              </a:solidFill>
-              <a:latin typeface="Arial Narrow" panose="020B0606020202030204" pitchFamily="34" charset="0"/>
-              <a:cs typeface="Arial" pitchFamily="34" charset="0"/>
-            </a:endParaRPr>
           </a:p>
         </p:txBody>
       </p:sp>
@@ -6379,13 +6283,6 @@
       </p:transition>
     </mc:Fallback>
   </mc:AlternateContent>
-  <p:timing>
-    <p:tnLst>
-      <p:par>
-        <p:cTn id="1" dur="indefinite" restart="never" nodeType="tmRoot"/>
-      </p:par>
-    </p:tnLst>
-  </p:timing>
 </p:sldLayout>
 </file>
 
@@ -6506,7 +6403,7 @@
           <a:p>
             <a:pPr marL="0" lvl="0" defTabSz="914400"/>
             <a:r>
-              <a:rPr kumimoji="0" lang="de-DE" dirty="0" smtClean="0"/>
+              <a:rPr kumimoji="0" lang="de-DE" dirty="0"/>
               <a:t>PRÄSENTATIONSTITEL EINFÜGEN</a:t>
             </a:r>
             <a:endParaRPr kumimoji="0" lang="en-US" dirty="0"/>
@@ -6547,14 +6444,14 @@
           <a:p>
             <a:pPr lvl="0" defTabSz="914400"/>
             <a:r>
-              <a:rPr kumimoji="0" lang="de-DE" dirty="0" smtClean="0"/>
+              <a:rPr kumimoji="0" lang="de-DE" dirty="0"/>
               <a:t>PRÄSENTATIONSINHALT EINFÜGEN, </a:t>
             </a:r>
             <a:br>
-              <a:rPr kumimoji="0" lang="de-DE" dirty="0" smtClean="0"/>
+              <a:rPr kumimoji="0" lang="de-DE" dirty="0"/>
             </a:br>
             <a:r>
-              <a:rPr kumimoji="0" lang="de-DE" dirty="0" smtClean="0"/>
+              <a:rPr kumimoji="0" lang="de-DE" dirty="0"/>
               <a:t>MAX. 2 ZEILEN</a:t>
             </a:r>
           </a:p>
@@ -6618,7 +6515,7 @@
               </a:tabLst>
             </a:pPr>
             <a:r>
-              <a:rPr lang="de-DE" dirty="0" smtClean="0"/>
+              <a:rPr lang="de-DE" dirty="0"/>
               <a:t>PRÄSENTATIONSAUTOR, Datum</a:t>
             </a:r>
           </a:p>
@@ -6699,7 +6596,7 @@
               <a:buNone/>
               <a:tabLst/>
             </a:pPr>
-            <a:endParaRPr kumimoji="0" lang="de-DE" sz="1800" b="0" i="0" u="none" strike="noStrike" cap="none" normalizeH="0" baseline="0" dirty="0" smtClean="0">
+            <a:endParaRPr kumimoji="0" lang="de-DE" sz="1800" b="0" i="0" u="none" strike="noStrike" cap="none" normalizeH="0" baseline="0" dirty="0">
               <a:ln>
                 <a:noFill/>
               </a:ln>
@@ -6816,10 +6713,9 @@
           </a:lstStyle>
           <a:p>
             <a:r>
-              <a:rPr lang="de-DE" dirty="0" smtClean="0"/>
+              <a:rPr lang="de-DE" dirty="0"/>
               <a:t>04.04.2019</a:t>
             </a:r>
-            <a:endParaRPr lang="de-DE" dirty="0"/>
           </a:p>
         </p:txBody>
       </p:sp>
@@ -6859,10 +6755,9 @@
           </a:lstStyle>
           <a:p>
             <a:r>
-              <a:rPr lang="de-DE" dirty="0" smtClean="0"/>
+              <a:rPr lang="de-DE" dirty="0"/>
               <a:t>corpuls.web ANALYSE - Dashboards               - Intern / Internal -</a:t>
             </a:r>
-            <a:endParaRPr lang="de-DE" dirty="0"/>
           </a:p>
         </p:txBody>
       </p:sp>
@@ -6891,7 +6786,7 @@
               </a:tabLst>
             </a:pPr>
             <a:r>
-              <a:rPr lang="de-DE" sz="700" b="1" dirty="0" smtClean="0">
+              <a:rPr lang="de-DE" sz="700" b="1" dirty="0">
                 <a:solidFill>
                   <a:schemeClr val="bg1">
                     <a:lumMod val="50000"/>
@@ -6902,15 +6797,6 @@
               </a:rPr>
               <a:t>©2017 GS Elektromedizinische Geräte GmbH</a:t>
             </a:r>
-            <a:endParaRPr lang="de-DE" sz="700" b="1" dirty="0">
-              <a:solidFill>
-                <a:schemeClr val="bg1">
-                  <a:lumMod val="50000"/>
-                </a:schemeClr>
-              </a:solidFill>
-              <a:latin typeface="Arial" panose="020B0604020202020204" pitchFamily="34" charset="0"/>
-              <a:cs typeface="Arial" panose="020B0604020202020204" pitchFamily="34" charset="0"/>
-            </a:endParaRPr>
           </a:p>
         </p:txBody>
       </p:sp>
@@ -7143,7 +7029,7 @@
               </a:tabLst>
             </a:pPr>
             <a:r>
-              <a:rPr lang="de-DE" sz="800" strike="noStrike" kern="0" spc="120" baseline="0" dirty="0" smtClean="0">
+              <a:rPr lang="de-DE" sz="800" strike="noStrike" kern="0" spc="120" baseline="0" dirty="0">
                 <a:solidFill>
                   <a:schemeClr val="bg1"/>
                 </a:solidFill>
@@ -7152,13 +7038,6 @@
               </a:rPr>
               <a:t>FOCUS – ON – PATIENTS</a:t>
             </a:r>
-            <a:endParaRPr lang="de-DE" sz="800" strike="noStrike" kern="0" spc="120" baseline="0" dirty="0">
-              <a:solidFill>
-                <a:schemeClr val="bg1"/>
-              </a:solidFill>
-              <a:latin typeface="Arial Narrow" panose="020B0606020202030204" pitchFamily="34" charset="0"/>
-              <a:cs typeface="Arial" pitchFamily="34" charset="0"/>
-            </a:endParaRPr>
           </a:p>
         </p:txBody>
       </p:sp>
@@ -7184,13 +7063,6 @@
       </p:transition>
     </mc:Fallback>
   </mc:AlternateContent>
-  <p:timing>
-    <p:tnLst>
-      <p:par>
-        <p:cTn id="1" dur="indefinite" restart="never" nodeType="tmRoot"/>
-      </p:par>
-    </p:tnLst>
-  </p:timing>
 </p:sldLayout>
 </file>
 
@@ -7274,7 +7146,7 @@
           <a:p>
             <a:pPr marL="0" lvl="0" defTabSz="914400"/>
             <a:r>
-              <a:rPr kumimoji="0" lang="de-DE" dirty="0" smtClean="0"/>
+              <a:rPr kumimoji="0" lang="de-DE" dirty="0"/>
               <a:t>PRÄSENTATIONSTITEL EINFÜGEN</a:t>
             </a:r>
             <a:endParaRPr kumimoji="0" lang="en-US" dirty="0"/>
@@ -7315,14 +7187,14 @@
           <a:p>
             <a:pPr lvl="0" defTabSz="914400"/>
             <a:r>
-              <a:rPr kumimoji="0" lang="de-DE" dirty="0" smtClean="0"/>
+              <a:rPr kumimoji="0" lang="de-DE" dirty="0"/>
               <a:t>PRÄSENTATIONSINHALT EINFÜGEN, </a:t>
             </a:r>
             <a:br>
-              <a:rPr kumimoji="0" lang="de-DE" dirty="0" smtClean="0"/>
+              <a:rPr kumimoji="0" lang="de-DE" dirty="0"/>
             </a:br>
             <a:r>
-              <a:rPr kumimoji="0" lang="de-DE" dirty="0" smtClean="0"/>
+              <a:rPr kumimoji="0" lang="de-DE" dirty="0"/>
               <a:t>MAX. 2 ZEILEN</a:t>
             </a:r>
           </a:p>
@@ -7386,7 +7258,7 @@
               </a:tabLst>
             </a:pPr>
             <a:r>
-              <a:rPr lang="de-DE" dirty="0" smtClean="0"/>
+              <a:rPr lang="de-DE" dirty="0"/>
               <a:t>PRÄSENTATIONSAUTOR, Datum</a:t>
             </a:r>
           </a:p>
@@ -7467,7 +7339,7 @@
               <a:buNone/>
               <a:tabLst/>
             </a:pPr>
-            <a:endParaRPr kumimoji="0" lang="de-DE" sz="1800" b="0" i="0" u="none" strike="noStrike" cap="none" normalizeH="0" baseline="0" dirty="0" smtClean="0">
+            <a:endParaRPr kumimoji="0" lang="de-DE" sz="1800" b="0" i="0" u="none" strike="noStrike" cap="none" normalizeH="0" baseline="0" dirty="0">
               <a:ln>
                 <a:noFill/>
               </a:ln>
@@ -7623,10 +7495,9 @@
           </a:lstStyle>
           <a:p>
             <a:r>
-              <a:rPr lang="de-DE" dirty="0" smtClean="0"/>
+              <a:rPr lang="de-DE" dirty="0"/>
               <a:t>04.04.2019</a:t>
             </a:r>
-            <a:endParaRPr lang="de-DE" dirty="0"/>
           </a:p>
         </p:txBody>
       </p:sp>
@@ -7666,10 +7537,9 @@
           </a:lstStyle>
           <a:p>
             <a:r>
-              <a:rPr lang="de-DE" dirty="0" smtClean="0"/>
+              <a:rPr lang="de-DE" dirty="0"/>
               <a:t>corpuls.web ANALYSE - Dashboards               - Intern / Internal -</a:t>
             </a:r>
-            <a:endParaRPr lang="de-DE" dirty="0"/>
           </a:p>
         </p:txBody>
       </p:sp>
@@ -7698,7 +7568,7 @@
               </a:tabLst>
             </a:pPr>
             <a:r>
-              <a:rPr lang="de-DE" sz="700" b="1" dirty="0" smtClean="0">
+              <a:rPr lang="de-DE" sz="700" b="1" dirty="0">
                 <a:solidFill>
                   <a:schemeClr val="bg1">
                     <a:lumMod val="50000"/>
@@ -7709,15 +7579,6 @@
               </a:rPr>
               <a:t>©2017 GS Elektromedizinische Geräte GmbH</a:t>
             </a:r>
-            <a:endParaRPr lang="de-DE" sz="700" b="1" dirty="0">
-              <a:solidFill>
-                <a:schemeClr val="bg1">
-                  <a:lumMod val="50000"/>
-                </a:schemeClr>
-              </a:solidFill>
-              <a:latin typeface="Arial" panose="020B0604020202020204" pitchFamily="34" charset="0"/>
-              <a:cs typeface="Arial" panose="020B0604020202020204" pitchFamily="34" charset="0"/>
-            </a:endParaRPr>
           </a:p>
         </p:txBody>
       </p:sp>
@@ -7950,7 +7811,7 @@
               </a:tabLst>
             </a:pPr>
             <a:r>
-              <a:rPr lang="de-DE" sz="800" strike="noStrike" kern="0" spc="120" baseline="0" dirty="0" smtClean="0">
+              <a:rPr lang="de-DE" sz="800" strike="noStrike" kern="0" spc="120" baseline="0" dirty="0">
                 <a:solidFill>
                   <a:schemeClr val="bg1"/>
                 </a:solidFill>
@@ -7959,13 +7820,6 @@
               </a:rPr>
               <a:t>FOCUS – ON – PATIENTS</a:t>
             </a:r>
-            <a:endParaRPr lang="de-DE" sz="800" strike="noStrike" kern="0" spc="120" baseline="0" dirty="0">
-              <a:solidFill>
-                <a:schemeClr val="bg1"/>
-              </a:solidFill>
-              <a:latin typeface="Arial Narrow" panose="020B0606020202030204" pitchFamily="34" charset="0"/>
-              <a:cs typeface="Arial" pitchFamily="34" charset="0"/>
-            </a:endParaRPr>
           </a:p>
         </p:txBody>
       </p:sp>
@@ -7991,13 +7845,6 @@
       </p:transition>
     </mc:Fallback>
   </mc:AlternateContent>
-  <p:timing>
-    <p:tnLst>
-      <p:par>
-        <p:cTn id="1" dur="indefinite" restart="never" nodeType="tmRoot"/>
-      </p:par>
-    </p:tnLst>
-  </p:timing>
 </p:sldLayout>
 </file>
 
@@ -8120,7 +7967,7 @@
           <a:p>
             <a:pPr marL="0" lvl="0" defTabSz="914400"/>
             <a:r>
-              <a:rPr kumimoji="0" lang="de-DE" dirty="0" smtClean="0"/>
+              <a:rPr kumimoji="0" lang="de-DE" dirty="0"/>
               <a:t>PRÄSENTATIONSTITEL EINFÜGEN</a:t>
             </a:r>
             <a:endParaRPr kumimoji="0" lang="en-US" dirty="0"/>
@@ -8161,14 +8008,14 @@
           <a:p>
             <a:pPr lvl="0" defTabSz="914400"/>
             <a:r>
-              <a:rPr kumimoji="0" lang="de-DE" dirty="0" smtClean="0"/>
+              <a:rPr kumimoji="0" lang="de-DE" dirty="0"/>
               <a:t>PRÄSENTATIONSINHALT EINFÜGEN, </a:t>
             </a:r>
             <a:br>
-              <a:rPr kumimoji="0" lang="de-DE" dirty="0" smtClean="0"/>
+              <a:rPr kumimoji="0" lang="de-DE" dirty="0"/>
             </a:br>
             <a:r>
-              <a:rPr kumimoji="0" lang="de-DE" dirty="0" smtClean="0"/>
+              <a:rPr kumimoji="0" lang="de-DE" dirty="0"/>
               <a:t>MAX. 2 ZEILEN</a:t>
             </a:r>
           </a:p>
@@ -8232,7 +8079,7 @@
               </a:tabLst>
             </a:pPr>
             <a:r>
-              <a:rPr lang="de-DE" dirty="0" smtClean="0"/>
+              <a:rPr lang="de-DE" dirty="0"/>
               <a:t>PRÄSENTATIONSAUTOR, Datum</a:t>
             </a:r>
           </a:p>
@@ -8313,7 +8160,7 @@
               <a:buNone/>
               <a:tabLst/>
             </a:pPr>
-            <a:endParaRPr kumimoji="0" lang="de-DE" sz="1800" b="0" i="0" u="none" strike="noStrike" cap="none" normalizeH="0" baseline="0" dirty="0" smtClean="0">
+            <a:endParaRPr kumimoji="0" lang="de-DE" sz="1800" b="0" i="0" u="none" strike="noStrike" cap="none" normalizeH="0" baseline="0" dirty="0">
               <a:ln>
                 <a:noFill/>
               </a:ln>
@@ -8430,10 +8277,9 @@
           </a:lstStyle>
           <a:p>
             <a:r>
-              <a:rPr lang="de-DE" dirty="0" smtClean="0"/>
+              <a:rPr lang="de-DE" dirty="0"/>
               <a:t>04.04.2019</a:t>
             </a:r>
-            <a:endParaRPr lang="de-DE" dirty="0"/>
           </a:p>
         </p:txBody>
       </p:sp>
@@ -8473,10 +8319,9 @@
           </a:lstStyle>
           <a:p>
             <a:r>
-              <a:rPr lang="de-DE" dirty="0" smtClean="0"/>
+              <a:rPr lang="de-DE" dirty="0"/>
               <a:t>corpuls.web ANALYSE - Dashboards               - Intern / Internal -</a:t>
             </a:r>
-            <a:endParaRPr lang="de-DE" dirty="0"/>
           </a:p>
         </p:txBody>
       </p:sp>
@@ -8505,7 +8350,7 @@
               </a:tabLst>
             </a:pPr>
             <a:r>
-              <a:rPr lang="de-DE" sz="700" b="1" dirty="0" smtClean="0">
+              <a:rPr lang="de-DE" sz="700" b="1" dirty="0">
                 <a:solidFill>
                   <a:schemeClr val="bg1">
                     <a:lumMod val="50000"/>
@@ -8516,15 +8361,6 @@
               </a:rPr>
               <a:t>©2017 GS Elektromedizinische Geräte GmbH</a:t>
             </a:r>
-            <a:endParaRPr lang="de-DE" sz="700" b="1" dirty="0">
-              <a:solidFill>
-                <a:schemeClr val="bg1">
-                  <a:lumMod val="50000"/>
-                </a:schemeClr>
-              </a:solidFill>
-              <a:latin typeface="Arial" panose="020B0604020202020204" pitchFamily="34" charset="0"/>
-              <a:cs typeface="Arial" panose="020B0604020202020204" pitchFamily="34" charset="0"/>
-            </a:endParaRPr>
           </a:p>
         </p:txBody>
       </p:sp>
@@ -8757,7 +8593,7 @@
               </a:tabLst>
             </a:pPr>
             <a:r>
-              <a:rPr lang="de-DE" sz="800" strike="noStrike" kern="0" spc="120" baseline="0" dirty="0" smtClean="0">
+              <a:rPr lang="de-DE" sz="800" strike="noStrike" kern="0" spc="120" baseline="0" dirty="0">
                 <a:solidFill>
                   <a:schemeClr val="bg1"/>
                 </a:solidFill>
@@ -8766,13 +8602,6 @@
               </a:rPr>
               <a:t>FOCUS – ON – PATIENTS</a:t>
             </a:r>
-            <a:endParaRPr lang="de-DE" sz="800" strike="noStrike" kern="0" spc="120" baseline="0" dirty="0">
-              <a:solidFill>
-                <a:schemeClr val="bg1"/>
-              </a:solidFill>
-              <a:latin typeface="Arial Narrow" panose="020B0606020202030204" pitchFamily="34" charset="0"/>
-              <a:cs typeface="Arial" pitchFamily="34" charset="0"/>
-            </a:endParaRPr>
           </a:p>
         </p:txBody>
       </p:sp>
@@ -8798,13 +8627,6 @@
       </p:transition>
     </mc:Fallback>
   </mc:AlternateContent>
-  <p:timing>
-    <p:tnLst>
-      <p:par>
-        <p:cTn id="1" dur="indefinite" restart="never" nodeType="tmRoot"/>
-      </p:par>
-    </p:tnLst>
-  </p:timing>
 </p:sldLayout>
 </file>
 
@@ -8925,7 +8747,7 @@
           <a:p>
             <a:pPr marL="0" lvl="0" defTabSz="914400"/>
             <a:r>
-              <a:rPr kumimoji="0" lang="de-DE" dirty="0" smtClean="0"/>
+              <a:rPr kumimoji="0" lang="de-DE" dirty="0"/>
               <a:t>PRÄSENTATIONSTITEL EINFÜGEN</a:t>
             </a:r>
             <a:endParaRPr kumimoji="0" lang="en-US" dirty="0"/>
@@ -8966,14 +8788,14 @@
           <a:p>
             <a:pPr lvl="0" defTabSz="914400"/>
             <a:r>
-              <a:rPr kumimoji="0" lang="de-DE" dirty="0" smtClean="0"/>
+              <a:rPr kumimoji="0" lang="de-DE" dirty="0"/>
               <a:t>PRÄSENTATIONSINHALT EINFÜGEN, </a:t>
             </a:r>
             <a:br>
-              <a:rPr kumimoji="0" lang="de-DE" dirty="0" smtClean="0"/>
+              <a:rPr kumimoji="0" lang="de-DE" dirty="0"/>
             </a:br>
             <a:r>
-              <a:rPr kumimoji="0" lang="de-DE" dirty="0" smtClean="0"/>
+              <a:rPr kumimoji="0" lang="de-DE" dirty="0"/>
               <a:t>MAX. 2 ZEILEN</a:t>
             </a:r>
           </a:p>
@@ -9037,7 +8859,7 @@
               </a:tabLst>
             </a:pPr>
             <a:r>
-              <a:rPr lang="de-DE" dirty="0" smtClean="0"/>
+              <a:rPr lang="de-DE" dirty="0"/>
               <a:t>PRÄSENTATIONSAUTOR, Datum</a:t>
             </a:r>
           </a:p>
@@ -9118,7 +8940,7 @@
               <a:buNone/>
               <a:tabLst/>
             </a:pPr>
-            <a:endParaRPr kumimoji="0" lang="de-DE" sz="1800" b="0" i="0" u="none" strike="noStrike" cap="none" normalizeH="0" baseline="0" dirty="0" smtClean="0">
+            <a:endParaRPr kumimoji="0" lang="de-DE" sz="1800" b="0" i="0" u="none" strike="noStrike" cap="none" normalizeH="0" baseline="0" dirty="0">
               <a:ln>
                 <a:noFill/>
               </a:ln>
@@ -9235,10 +9057,9 @@
           </a:lstStyle>
           <a:p>
             <a:r>
-              <a:rPr lang="de-DE" dirty="0" smtClean="0"/>
+              <a:rPr lang="de-DE" dirty="0"/>
               <a:t>04.04.2019</a:t>
             </a:r>
-            <a:endParaRPr lang="de-DE" dirty="0"/>
           </a:p>
         </p:txBody>
       </p:sp>
@@ -9278,10 +9099,9 @@
           </a:lstStyle>
           <a:p>
             <a:r>
-              <a:rPr lang="de-DE" dirty="0" smtClean="0"/>
+              <a:rPr lang="de-DE" dirty="0"/>
               <a:t>corpuls.web ANALYSE - Dashboards               - Intern / Internal -</a:t>
             </a:r>
-            <a:endParaRPr lang="de-DE" dirty="0"/>
           </a:p>
         </p:txBody>
       </p:sp>
@@ -9310,7 +9130,7 @@
               </a:tabLst>
             </a:pPr>
             <a:r>
-              <a:rPr lang="de-DE" sz="700" b="1" dirty="0" smtClean="0">
+              <a:rPr lang="de-DE" sz="700" b="1" dirty="0">
                 <a:solidFill>
                   <a:schemeClr val="bg1">
                     <a:lumMod val="50000"/>
@@ -9321,15 +9141,6 @@
               </a:rPr>
               <a:t>©2017 GS Elektromedizinische Geräte GmbH</a:t>
             </a:r>
-            <a:endParaRPr lang="de-DE" sz="700" b="1" dirty="0">
-              <a:solidFill>
-                <a:schemeClr val="bg1">
-                  <a:lumMod val="50000"/>
-                </a:schemeClr>
-              </a:solidFill>
-              <a:latin typeface="Arial" panose="020B0604020202020204" pitchFamily="34" charset="0"/>
-              <a:cs typeface="Arial" panose="020B0604020202020204" pitchFamily="34" charset="0"/>
-            </a:endParaRPr>
           </a:p>
         </p:txBody>
       </p:sp>
@@ -9562,7 +9373,7 @@
               </a:tabLst>
             </a:pPr>
             <a:r>
-              <a:rPr lang="de-DE" sz="800" strike="noStrike" kern="0" spc="120" baseline="0" dirty="0" smtClean="0">
+              <a:rPr lang="de-DE" sz="800" strike="noStrike" kern="0" spc="120" baseline="0" dirty="0">
                 <a:solidFill>
                   <a:schemeClr val="bg1"/>
                 </a:solidFill>
@@ -9571,13 +9382,6 @@
               </a:rPr>
               <a:t>FOCUS – ON – PATIENTS</a:t>
             </a:r>
-            <a:endParaRPr lang="de-DE" sz="800" strike="noStrike" kern="0" spc="120" baseline="0" dirty="0">
-              <a:solidFill>
-                <a:schemeClr val="bg1"/>
-              </a:solidFill>
-              <a:latin typeface="Arial Narrow" panose="020B0606020202030204" pitchFamily="34" charset="0"/>
-              <a:cs typeface="Arial" pitchFamily="34" charset="0"/>
-            </a:endParaRPr>
           </a:p>
         </p:txBody>
       </p:sp>
@@ -9603,13 +9407,6 @@
       </p:transition>
     </mc:Fallback>
   </mc:AlternateContent>
-  <p:timing>
-    <p:tnLst>
-      <p:par>
-        <p:cTn id="1" dur="indefinite" restart="never" nodeType="tmRoot"/>
-      </p:par>
-    </p:tnLst>
-  </p:timing>
 </p:sldLayout>
 </file>
 
@@ -9663,7 +9460,7 @@
           <a:p>
             <a:pPr lvl="0"/>
             <a:r>
-              <a:rPr lang="de-DE" dirty="0" smtClean="0"/>
+              <a:rPr lang="de-DE" dirty="0"/>
               <a:t>Kapitelinhalt einfügen</a:t>
             </a:r>
           </a:p>
@@ -9703,7 +9500,7 @@
               <a:buChar char="•"/>
             </a:pPr>
             <a:r>
-              <a:rPr lang="de-DE" dirty="0" smtClean="0"/>
+              <a:rPr lang="de-DE" dirty="0"/>
               <a:t>Kapitelinhalt einfügen</a:t>
             </a:r>
           </a:p>
@@ -9737,10 +9534,9 @@
               </a:tabLst>
             </a:pPr>
             <a:r>
-              <a:rPr lang="de-DE" dirty="0" smtClean="0"/>
+              <a:rPr lang="de-DE" dirty="0"/>
               <a:t>04.04.2019</a:t>
             </a:r>
-            <a:endParaRPr lang="de-DE" dirty="0"/>
           </a:p>
         </p:txBody>
       </p:sp>
@@ -9772,10 +9568,9 @@
               </a:tabLst>
             </a:pPr>
             <a:r>
-              <a:rPr lang="de-DE" dirty="0" smtClean="0"/>
+              <a:rPr lang="de-DE" dirty="0"/>
               <a:t>corpuls.web ANALYSE - Dashboards               - Intern / Internal -</a:t>
             </a:r>
-            <a:endParaRPr lang="de-DE" dirty="0"/>
           </a:p>
         </p:txBody>
       </p:sp>
@@ -9853,7 +9648,7 @@
           <a:p>
             <a:pPr lvl="0" defTabSz="914400"/>
             <a:r>
-              <a:rPr kumimoji="0" lang="de-DE" dirty="0" smtClean="0"/>
+              <a:rPr kumimoji="0" lang="de-DE" dirty="0"/>
               <a:t>Kapiteltitel einfügen</a:t>
             </a:r>
             <a:endParaRPr kumimoji="0" lang="en-US" dirty="0"/>
@@ -9927,13 +9722,6 @@
       </p:transition>
     </mc:Fallback>
   </mc:AlternateContent>
-  <p:timing>
-    <p:tnLst>
-      <p:par>
-        <p:cTn id="1" dur="indefinite" restart="never" nodeType="tmRoot"/>
-      </p:par>
-    </p:tnLst>
-  </p:timing>
 </p:sldLayout>
 </file>
 
@@ -10006,28 +9794,28 @@
           <a:p>
             <a:pPr lvl="0" eaLnBrk="1" latinLnBrk="0" hangingPunct="1"/>
             <a:r>
-              <a:rPr kumimoji="0" lang="de-DE" smtClean="0"/>
+              <a:rPr kumimoji="0" lang="de-DE"/>
               <a:t>Textmasterformat bearbeiten</a:t>
             </a:r>
           </a:p>
           <a:p>
             <a:pPr lvl="1" eaLnBrk="1" latinLnBrk="0" hangingPunct="1"/>
             <a:r>
-              <a:rPr kumimoji="0" lang="de-DE" smtClean="0"/>
+              <a:rPr kumimoji="0" lang="de-DE"/>
               <a:t>Zweite Ebene</a:t>
             </a:r>
           </a:p>
           <a:p>
             <a:pPr lvl="2" eaLnBrk="1" latinLnBrk="0" hangingPunct="1"/>
             <a:r>
-              <a:rPr kumimoji="0" lang="de-DE" smtClean="0"/>
+              <a:rPr kumimoji="0" lang="de-DE"/>
               <a:t>Dritte Ebene</a:t>
             </a:r>
           </a:p>
           <a:p>
             <a:pPr lvl="3" eaLnBrk="1" latinLnBrk="0" hangingPunct="1"/>
             <a:r>
-              <a:rPr kumimoji="0" lang="de-DE" smtClean="0"/>
+              <a:rPr kumimoji="0" lang="de-DE"/>
               <a:t>Vierte Ebene</a:t>
             </a:r>
           </a:p>
@@ -10056,10 +9844,9 @@
           </a:lstStyle>
           <a:p>
             <a:r>
-              <a:rPr lang="de-DE" dirty="0" smtClean="0"/>
+              <a:rPr lang="de-DE" dirty="0"/>
               <a:t>04.04.2019</a:t>
             </a:r>
-            <a:endParaRPr lang="de-DE" dirty="0"/>
           </a:p>
         </p:txBody>
       </p:sp>
@@ -10086,10 +9873,9 @@
           </a:lstStyle>
           <a:p>
             <a:r>
-              <a:rPr lang="de-DE" dirty="0" smtClean="0"/>
+              <a:rPr lang="de-DE" dirty="0"/>
               <a:t>corpuls.web ANALYSE - Dashboards               - Intern / Internal -</a:t>
             </a:r>
-            <a:endParaRPr lang="de-DE" dirty="0"/>
           </a:p>
         </p:txBody>
       </p:sp>
@@ -10158,10 +9944,9 @@
           </a:lstStyle>
           <a:p>
             <a:r>
-              <a:rPr lang="de-DE" dirty="0" smtClean="0"/>
+              <a:rPr lang="de-DE" dirty="0"/>
               <a:t>Titelmasterformat durch Klicken bearbeiten</a:t>
             </a:r>
-            <a:endParaRPr lang="de-DE" dirty="0"/>
           </a:p>
         </p:txBody>
       </p:sp>
@@ -10187,13 +9972,6 @@
       </p:transition>
     </mc:Fallback>
   </mc:AlternateContent>
-  <p:timing>
-    <p:tnLst>
-      <p:par>
-        <p:cTn id="1" dur="indefinite" restart="never" nodeType="tmRoot"/>
-      </p:par>
-    </p:tnLst>
-  </p:timing>
 </p:sldLayout>
 </file>
 
@@ -10243,10 +10021,9 @@
           <a:p>
             <a:pPr lvl="0"/>
             <a:r>
-              <a:rPr lang="de-DE" dirty="0" smtClean="0"/>
+              <a:rPr lang="de-DE" dirty="0"/>
               <a:t>Bild, Video, … durch klicken hinzufügen</a:t>
             </a:r>
-            <a:endParaRPr lang="de-DE" dirty="0"/>
           </a:p>
         </p:txBody>
       </p:sp>
@@ -10273,7 +10050,7 @@
           </a:lstStyle>
           <a:p>
             <a:r>
-              <a:rPr kumimoji="0" lang="de-DE" dirty="0" smtClean="0"/>
+              <a:rPr kumimoji="0" lang="de-DE" dirty="0"/>
               <a:t>Folientitel einfügen</a:t>
             </a:r>
             <a:endParaRPr lang="de-DE" dirty="0"/>
@@ -10327,28 +10104,28 @@
           <a:p>
             <a:pPr lvl="0" eaLnBrk="1" latinLnBrk="0" hangingPunct="1"/>
             <a:r>
-              <a:rPr kumimoji="0" lang="de-DE" smtClean="0"/>
+              <a:rPr kumimoji="0" lang="de-DE"/>
               <a:t>Textmasterformat bearbeiten</a:t>
             </a:r>
           </a:p>
           <a:p>
             <a:pPr lvl="1" eaLnBrk="1" latinLnBrk="0" hangingPunct="1"/>
             <a:r>
-              <a:rPr kumimoji="0" lang="de-DE" smtClean="0"/>
+              <a:rPr kumimoji="0" lang="de-DE"/>
               <a:t>Zweite Ebene</a:t>
             </a:r>
           </a:p>
           <a:p>
             <a:pPr lvl="2" eaLnBrk="1" latinLnBrk="0" hangingPunct="1"/>
             <a:r>
-              <a:rPr kumimoji="0" lang="de-DE" smtClean="0"/>
+              <a:rPr kumimoji="0" lang="de-DE"/>
               <a:t>Dritte Ebene</a:t>
             </a:r>
           </a:p>
           <a:p>
             <a:pPr lvl="3" eaLnBrk="1" latinLnBrk="0" hangingPunct="1"/>
             <a:r>
-              <a:rPr kumimoji="0" lang="de-DE" smtClean="0"/>
+              <a:rPr kumimoji="0" lang="de-DE"/>
               <a:t>Vierte Ebene</a:t>
             </a:r>
           </a:p>
@@ -10377,10 +10154,9 @@
           </a:lstStyle>
           <a:p>
             <a:r>
-              <a:rPr lang="de-DE" dirty="0" smtClean="0"/>
+              <a:rPr lang="de-DE" dirty="0"/>
               <a:t>04.04.2019</a:t>
             </a:r>
-            <a:endParaRPr lang="de-DE" dirty="0"/>
           </a:p>
         </p:txBody>
       </p:sp>
@@ -10407,10 +10183,9 @@
           </a:lstStyle>
           <a:p>
             <a:r>
-              <a:rPr lang="de-DE" dirty="0" smtClean="0"/>
+              <a:rPr lang="de-DE" dirty="0"/>
               <a:t>corpuls.web ANALYSE - Dashboards               - Intern / Internal -</a:t>
             </a:r>
-            <a:endParaRPr lang="de-DE" dirty="0"/>
           </a:p>
         </p:txBody>
       </p:sp>
@@ -10476,13 +10251,6 @@
       </p:transition>
     </mc:Fallback>
   </mc:AlternateContent>
-  <p:timing>
-    <p:tnLst>
-      <p:par>
-        <p:cTn id="1" dur="indefinite" restart="never" nodeType="tmRoot"/>
-      </p:par>
-    </p:tnLst>
-  </p:timing>
 </p:sldLayout>
 </file>
 
@@ -10538,28 +10306,28 @@
           <a:p>
             <a:pPr lvl="0" eaLnBrk="1" latinLnBrk="0" hangingPunct="1"/>
             <a:r>
-              <a:rPr kumimoji="0" lang="de-DE" smtClean="0"/>
+              <a:rPr kumimoji="0" lang="de-DE"/>
               <a:t>Textmasterformat bearbeiten</a:t>
             </a:r>
           </a:p>
           <a:p>
             <a:pPr lvl="1" eaLnBrk="1" latinLnBrk="0" hangingPunct="1"/>
             <a:r>
-              <a:rPr kumimoji="0" lang="de-DE" smtClean="0"/>
+              <a:rPr kumimoji="0" lang="de-DE"/>
               <a:t>Zweite Ebene</a:t>
             </a:r>
           </a:p>
           <a:p>
             <a:pPr lvl="2" eaLnBrk="1" latinLnBrk="0" hangingPunct="1"/>
             <a:r>
-              <a:rPr kumimoji="0" lang="de-DE" smtClean="0"/>
+              <a:rPr kumimoji="0" lang="de-DE"/>
               <a:t>Dritte Ebene</a:t>
             </a:r>
           </a:p>
           <a:p>
             <a:pPr lvl="3" eaLnBrk="1" latinLnBrk="0" hangingPunct="1"/>
             <a:r>
-              <a:rPr kumimoji="0" lang="de-DE" smtClean="0"/>
+              <a:rPr kumimoji="0" lang="de-DE"/>
               <a:t>Vierte Ebene</a:t>
             </a:r>
           </a:p>
@@ -10591,10 +10359,9 @@
           <a:p>
             <a:pPr lvl="0"/>
             <a:r>
-              <a:rPr lang="de-DE" dirty="0" smtClean="0"/>
+              <a:rPr lang="de-DE" dirty="0"/>
               <a:t>Bild, Video, … durch klicken hinzufügen</a:t>
             </a:r>
-            <a:endParaRPr lang="de-DE" dirty="0"/>
           </a:p>
         </p:txBody>
       </p:sp>
@@ -10624,38 +10391,37 @@
           <a:p>
             <a:pPr lvl="0"/>
             <a:r>
-              <a:rPr lang="de-DE" dirty="0" smtClean="0"/>
+              <a:rPr lang="de-DE" dirty="0"/>
               <a:t>Bild, Video, … durch klicken hinzufügen</a:t>
             </a:r>
+          </a:p>
+        </p:txBody>
+      </p:sp>
+      <p:sp>
+        <p:nvSpPr>
+          <p:cNvPr id="3" name="Titel 2"/>
+          <p:cNvSpPr>
+            <a:spLocks noGrp="1"/>
+          </p:cNvSpPr>
+          <p:nvPr>
+            <p:ph type="title" hasCustomPrompt="1"/>
+          </p:nvPr>
+        </p:nvSpPr>
+        <p:spPr/>
+        <p:txBody>
+          <a:bodyPr/>
+          <a:lstStyle/>
+          <a:p>
+            <a:r>
+              <a:rPr kumimoji="0" lang="de-DE" dirty="0"/>
+              <a:t>Folientitel einfügen</a:t>
+            </a:r>
             <a:endParaRPr lang="de-DE" dirty="0"/>
           </a:p>
         </p:txBody>
       </p:sp>
       <p:sp>
         <p:nvSpPr>
-          <p:cNvPr id="3" name="Titel 2"/>
-          <p:cNvSpPr>
-            <a:spLocks noGrp="1"/>
-          </p:cNvSpPr>
-          <p:nvPr>
-            <p:ph type="title" hasCustomPrompt="1"/>
-          </p:nvPr>
-        </p:nvSpPr>
-        <p:spPr/>
-        <p:txBody>
-          <a:bodyPr/>
-          <a:lstStyle/>
-          <a:p>
-            <a:r>
-              <a:rPr kumimoji="0" lang="de-DE" dirty="0" smtClean="0"/>
-              <a:t>Folientitel einfügen</a:t>
-            </a:r>
-            <a:endParaRPr lang="de-DE" dirty="0"/>
-          </a:p>
-        </p:txBody>
-      </p:sp>
-      <p:sp>
-        <p:nvSpPr>
           <p:cNvPr id="6" name="Datumsplatzhalter 5"/>
           <p:cNvSpPr>
             <a:spLocks noGrp="1"/>
@@ -10670,10 +10436,9 @@
           <a:lstStyle/>
           <a:p>
             <a:r>
-              <a:rPr lang="de-DE" dirty="0" smtClean="0"/>
+              <a:rPr lang="de-DE" dirty="0"/>
               <a:t>04.04.2019</a:t>
             </a:r>
-            <a:endParaRPr lang="de-DE" dirty="0"/>
           </a:p>
         </p:txBody>
       </p:sp>
@@ -10693,10 +10458,9 @@
           <a:lstStyle/>
           <a:p>
             <a:r>
-              <a:rPr lang="de-DE" dirty="0" smtClean="0"/>
+              <a:rPr lang="de-DE" dirty="0"/>
               <a:t>corpuls.web ANALYSE - Dashboards               - Intern / Internal -</a:t>
             </a:r>
-            <a:endParaRPr lang="de-DE" dirty="0"/>
           </a:p>
         </p:txBody>
       </p:sp>
@@ -10755,13 +10519,6 @@
       </p:transition>
     </mc:Fallback>
   </mc:AlternateContent>
-  <p:timing>
-    <p:tnLst>
-      <p:par>
-        <p:cTn id="1" dur="indefinite" restart="never" nodeType="tmRoot"/>
-      </p:par>
-    </p:tnLst>
-  </p:timing>
 </p:sldLayout>
 </file>
 
@@ -10851,7 +10608,7 @@
           <a:p>
             <a:pPr lvl="0" defTabSz="914400"/>
             <a:r>
-              <a:rPr kumimoji="0" lang="de-DE" dirty="0" smtClean="0"/>
+              <a:rPr kumimoji="0" lang="de-DE" dirty="0"/>
               <a:t>Folientitel einfügen</a:t>
             </a:r>
             <a:endParaRPr kumimoji="0" lang="en-US" dirty="0"/>
@@ -10885,28 +10642,28 @@
           <a:p>
             <a:pPr lvl="0" eaLnBrk="1" latinLnBrk="0" hangingPunct="1"/>
             <a:r>
-              <a:rPr kumimoji="0" lang="de-DE" dirty="0" smtClean="0"/>
+              <a:rPr kumimoji="0" lang="de-DE" dirty="0"/>
               <a:t>Textmasterformat bearbeiten</a:t>
             </a:r>
           </a:p>
           <a:p>
             <a:pPr lvl="1" eaLnBrk="1" latinLnBrk="0" hangingPunct="1"/>
             <a:r>
-              <a:rPr kumimoji="0" lang="de-DE" dirty="0" smtClean="0"/>
+              <a:rPr kumimoji="0" lang="de-DE" dirty="0"/>
               <a:t>Zweite Ebene</a:t>
             </a:r>
           </a:p>
           <a:p>
             <a:pPr lvl="2" eaLnBrk="1" latinLnBrk="0" hangingPunct="1"/>
             <a:r>
-              <a:rPr kumimoji="0" lang="de-DE" dirty="0" smtClean="0"/>
+              <a:rPr kumimoji="0" lang="de-DE" dirty="0"/>
               <a:t>Dritte Ebene</a:t>
             </a:r>
           </a:p>
           <a:p>
             <a:pPr lvl="3" eaLnBrk="1" latinLnBrk="0" hangingPunct="1"/>
             <a:r>
-              <a:rPr kumimoji="0" lang="de-DE" dirty="0" smtClean="0"/>
+              <a:rPr kumimoji="0" lang="de-DE" dirty="0"/>
               <a:t>Vierte Ebene</a:t>
             </a:r>
           </a:p>
@@ -10948,10 +10705,9 @@
           </a:lstStyle>
           <a:p>
             <a:r>
-              <a:rPr lang="de-DE" dirty="0" smtClean="0"/>
+              <a:rPr lang="de-DE" dirty="0"/>
               <a:t>04.04.2019</a:t>
             </a:r>
-            <a:endParaRPr lang="de-DE" dirty="0"/>
           </a:p>
         </p:txBody>
       </p:sp>
@@ -10991,10 +10747,9 @@
           </a:lstStyle>
           <a:p>
             <a:r>
-              <a:rPr lang="de-DE" dirty="0" smtClean="0"/>
+              <a:rPr lang="de-DE" dirty="0"/>
               <a:t>corpuls.web ANALYSE - Dashboards               - Intern / Internal -</a:t>
             </a:r>
-            <a:endParaRPr lang="de-DE" dirty="0"/>
           </a:p>
         </p:txBody>
       </p:sp>
@@ -11023,7 +10778,7 @@
               </a:tabLst>
             </a:pPr>
             <a:r>
-              <a:rPr lang="de-DE" sz="700" b="1" dirty="0" smtClean="0">
+              <a:rPr lang="de-DE" sz="700" b="1" dirty="0">
                 <a:solidFill>
                   <a:schemeClr val="bg1">
                     <a:lumMod val="50000"/>
@@ -11034,15 +10789,6 @@
               </a:rPr>
               <a:t>©2017 GS Elektromedizinische Geräte GmbH</a:t>
             </a:r>
-            <a:endParaRPr lang="de-DE" sz="700" b="1" dirty="0">
-              <a:solidFill>
-                <a:schemeClr val="bg1">
-                  <a:lumMod val="50000"/>
-                </a:schemeClr>
-              </a:solidFill>
-              <a:latin typeface="Arial" panose="020B0604020202020204" pitchFamily="34" charset="0"/>
-              <a:cs typeface="Arial" panose="020B0604020202020204" pitchFamily="34" charset="0"/>
-            </a:endParaRPr>
           </a:p>
         </p:txBody>
       </p:sp>
@@ -11141,7 +10887,7 @@
                 </a:tabLst>
               </a:pPr>
               <a:r>
-                <a:rPr lang="de-DE" sz="800" strike="noStrike" kern="0" spc="120" baseline="0" dirty="0" smtClean="0">
+                <a:rPr lang="de-DE" sz="800" strike="noStrike" kern="0" spc="120" baseline="0" dirty="0">
                   <a:solidFill>
                     <a:schemeClr val="bg1"/>
                   </a:solidFill>
@@ -11150,13 +10896,6 @@
                 </a:rPr>
                 <a:t>FOCUS – ON – PATIENTS</a:t>
               </a:r>
-              <a:endParaRPr lang="de-DE" sz="800" strike="noStrike" kern="0" spc="120" baseline="0" dirty="0">
-                <a:solidFill>
-                  <a:schemeClr val="bg1"/>
-                </a:solidFill>
-                <a:latin typeface="Arial Narrow" panose="020B0606020202030204" pitchFamily="34" charset="0"/>
-                <a:cs typeface="Arial" pitchFamily="34" charset="0"/>
-              </a:endParaRPr>
             </a:p>
           </p:txBody>
         </p:sp>
@@ -11415,13 +11154,6 @@
       </p:transition>
     </mc:Fallback>
   </mc:AlternateContent>
-  <p:timing>
-    <p:tnLst>
-      <p:par>
-        <p:cTn id="1" dur="indefinite" restart="never" nodeType="tmRoot"/>
-      </p:par>
-    </p:tnLst>
-  </p:timing>
   <p:hf hdr="0"/>
   <p:txStyles>
     <p:titleStyle>
@@ -11748,10 +11480,9 @@
           <a:lstStyle/>
           <a:p>
             <a:r>
-              <a:rPr lang="de-DE" dirty="0" smtClean="0"/>
+              <a:rPr lang="de-DE" dirty="0"/>
               <a:t>04.04.2019</a:t>
             </a:r>
-            <a:endParaRPr lang="de-DE" dirty="0"/>
           </a:p>
         </p:txBody>
       </p:sp>
@@ -11771,10 +11502,9 @@
           <a:lstStyle/>
           <a:p>
             <a:r>
-              <a:rPr lang="de-DE" dirty="0" smtClean="0"/>
+              <a:rPr lang="de-DE" dirty="0"/>
               <a:t>corpuls.web ANALYSE - Dashboards               - Intern / Internal -</a:t>
             </a:r>
-            <a:endParaRPr lang="de-DE" dirty="0"/>
           </a:p>
         </p:txBody>
       </p:sp>
@@ -11832,34 +11562,33 @@
           <a:lstStyle/>
           <a:p>
             <a:r>
-              <a:rPr lang="de-DE" dirty="0" smtClean="0"/>
+              <a:rPr lang="de-DE" dirty="0"/>
               <a:t>Vorstellung Dashboards</a:t>
             </a:r>
+          </a:p>
+        </p:txBody>
+      </p:sp>
+      <p:sp>
+        <p:nvSpPr>
+          <p:cNvPr id="10" name="Untertitel 9"/>
+          <p:cNvSpPr>
+            <a:spLocks noGrp="1"/>
+          </p:cNvSpPr>
+          <p:nvPr>
+            <p:ph type="subTitle" idx="1"/>
+          </p:nvPr>
+        </p:nvSpPr>
+        <p:spPr/>
+        <p:txBody>
+          <a:bodyPr/>
+          <a:lstStyle/>
+          <a:p>
             <a:endParaRPr lang="de-DE" dirty="0"/>
           </a:p>
         </p:txBody>
       </p:sp>
       <p:sp>
         <p:nvSpPr>
-          <p:cNvPr id="10" name="Untertitel 9"/>
-          <p:cNvSpPr>
-            <a:spLocks noGrp="1"/>
-          </p:cNvSpPr>
-          <p:nvPr>
-            <p:ph type="subTitle" idx="1"/>
-          </p:nvPr>
-        </p:nvSpPr>
-        <p:spPr/>
-        <p:txBody>
-          <a:bodyPr/>
-          <a:lstStyle/>
-          <a:p>
-            <a:endParaRPr lang="de-DE" dirty="0"/>
-          </a:p>
-        </p:txBody>
-      </p:sp>
-      <p:sp>
-        <p:nvSpPr>
           <p:cNvPr id="11" name="Textplatzhalter 10"/>
           <p:cNvSpPr>
             <a:spLocks noGrp="1"/>
@@ -11874,10 +11603,9 @@
           <a:lstStyle/>
           <a:p>
             <a:r>
-              <a:rPr lang="de-DE" dirty="0" smtClean="0"/>
+              <a:rPr lang="de-DE" dirty="0"/>
               <a:t>Joshua Hirsch, 04.04.2019</a:t>
             </a:r>
-            <a:endParaRPr lang="de-DE" dirty="0"/>
           </a:p>
         </p:txBody>
       </p:sp>
@@ -11903,13 +11631,6 @@
       </p:transition>
     </mc:Fallback>
   </mc:AlternateContent>
-  <p:timing>
-    <p:tnLst>
-      <p:par>
-        <p:cTn id="1" dur="indefinite" restart="never" nodeType="tmRoot"/>
-      </p:par>
-    </p:tnLst>
-  </p:timing>
 </p:sld>
 </file>
 
@@ -11957,7 +11678,7 @@
               <a:buChar char="•"/>
             </a:pPr>
             <a:r>
-              <a:rPr lang="de-DE" sz="2400" dirty="0" smtClean="0"/>
+              <a:rPr lang="de-DE" sz="2400" dirty="0"/>
               <a:t>Grafische Darstellung von Daten verringert kognitive Last</a:t>
             </a:r>
           </a:p>
@@ -11966,7 +11687,7 @@
               <a:buFont typeface="Arial" panose="020B0604020202020204" pitchFamily="34" charset="0"/>
               <a:buChar char="•"/>
             </a:pPr>
-            <a:endParaRPr lang="de-DE" sz="2400" dirty="0" smtClean="0"/>
+            <a:endParaRPr lang="de-DE" sz="2400" dirty="0"/>
           </a:p>
           <a:p>
             <a:pPr marL="615950" lvl="1" indent="-342900">
@@ -11974,7 +11695,7 @@
               <a:buChar char="•"/>
             </a:pPr>
             <a:r>
-              <a:rPr lang="de-DE" sz="2400" dirty="0" smtClean="0"/>
+              <a:rPr lang="de-DE" sz="2400" dirty="0"/>
               <a:t>Viele Informationen in wenig Raum und Zeit </a:t>
             </a:r>
           </a:p>
@@ -11983,24 +11704,24 @@
               <a:buFont typeface="Arial" panose="020B0604020202020204" pitchFamily="34" charset="0"/>
               <a:buChar char="•"/>
             </a:pPr>
-            <a:endParaRPr lang="de-DE" sz="2400" dirty="0" smtClean="0"/>
+            <a:endParaRPr lang="de-DE" sz="2400" dirty="0"/>
           </a:p>
           <a:p>
             <a:pPr lvl="1" indent="0">
               <a:buNone/>
             </a:pPr>
             <a:r>
-              <a:rPr lang="de-DE" sz="2400" dirty="0" smtClean="0"/>
+              <a:rPr lang="de-DE" sz="2400" dirty="0"/>
               <a:t>Daten     </a:t>
             </a:r>
             <a:r>
-              <a:rPr lang="de-DE" sz="2400" dirty="0" smtClean="0">
+              <a:rPr lang="de-DE" sz="2400" dirty="0">
                 <a:sym typeface="Wingdings" panose="05000000000000000000" pitchFamily="2" charset="2"/>
               </a:rPr>
               <a:t> 	</a:t>
             </a:r>
             <a:r>
-              <a:rPr lang="de-DE" sz="2400" dirty="0" smtClean="0"/>
+              <a:rPr lang="de-DE" sz="2400" dirty="0"/>
               <a:t>Informationen </a:t>
             </a:r>
           </a:p>
@@ -12010,38 +11731,29 @@
             </a:pPr>
             <a:r>
               <a:rPr lang="de-DE" sz="2400" dirty="0"/>
-              <a:t>	</a:t>
-            </a:r>
-            <a:r>
-              <a:rPr lang="de-DE" sz="2400" dirty="0" smtClean="0"/>
-              <a:t>	</a:t>
-            </a:r>
-            <a:r>
-              <a:rPr lang="de-DE" sz="2400" dirty="0" smtClean="0"/>
-              <a:t>	Informationen       </a:t>
-            </a:r>
-            <a:r>
-              <a:rPr lang="de-DE" sz="2400" dirty="0" smtClean="0">
+              <a:t>			Informationen       </a:t>
+            </a:r>
+            <a:r>
+              <a:rPr lang="de-DE" sz="2400" dirty="0">
                 <a:sym typeface="Wingdings" panose="05000000000000000000" pitchFamily="2" charset="2"/>
               </a:rPr>
               <a:t> 	</a:t>
             </a:r>
             <a:r>
-              <a:rPr lang="de-DE" sz="2400" dirty="0" smtClean="0"/>
+              <a:rPr lang="de-DE" sz="2400" dirty="0"/>
               <a:t>Wissen</a:t>
             </a:r>
-            <a:endParaRPr lang="de-DE" sz="2400" dirty="0"/>
           </a:p>
           <a:p>
             <a:pPr marL="342900" indent="-342900">
               <a:buFont typeface="Arial" panose="020B0604020202020204" pitchFamily="34" charset="0"/>
               <a:buChar char="•"/>
             </a:pPr>
-            <a:endParaRPr lang="de-DE" sz="2400" dirty="0" smtClean="0"/>
-          </a:p>
-          <a:p>
             <a:endParaRPr lang="de-DE" sz="2400" dirty="0"/>
           </a:p>
+          <a:p>
+            <a:endParaRPr lang="de-DE" sz="2400" dirty="0"/>
+          </a:p>
         </p:txBody>
       </p:sp>
       <p:sp>
@@ -12060,10 +11772,9 @@
           <a:lstStyle/>
           <a:p>
             <a:r>
-              <a:rPr lang="de-DE" dirty="0" smtClean="0"/>
+              <a:rPr lang="de-DE" dirty="0"/>
               <a:t>Problemstellung</a:t>
             </a:r>
-            <a:endParaRPr lang="de-DE" dirty="0"/>
           </a:p>
         </p:txBody>
       </p:sp>
@@ -12083,10 +11794,9 @@
           <a:lstStyle/>
           <a:p>
             <a:r>
-              <a:rPr lang="de-DE" dirty="0" smtClean="0"/>
+              <a:rPr lang="de-DE" dirty="0"/>
               <a:t>04.04.2019</a:t>
             </a:r>
-            <a:endParaRPr lang="de-DE" dirty="0"/>
           </a:p>
         </p:txBody>
       </p:sp>
@@ -12106,10 +11816,9 @@
           <a:lstStyle/>
           <a:p>
             <a:r>
-              <a:rPr lang="de-DE" dirty="0" smtClean="0"/>
+              <a:rPr lang="de-DE" dirty="0"/>
               <a:t>corpuls.web ANALYSE - Dashboards               - Intern / Internal -</a:t>
             </a:r>
-            <a:endParaRPr lang="de-DE" dirty="0"/>
           </a:p>
         </p:txBody>
       </p:sp>
@@ -12517,71 +12226,9 @@
               <a:buChar char="•"/>
             </a:pPr>
             <a:r>
-              <a:rPr lang="de-DE" sz="2400" dirty="0" smtClean="0"/>
+              <a:rPr lang="de-DE" sz="2400" dirty="0"/>
               <a:t>Verschiedene Fragestellungen, welche bearbeitet werden mussten</a:t>
             </a:r>
-          </a:p>
-          <a:p>
-            <a:pPr marL="342900" indent="-342900">
-              <a:buFont typeface="Arial" panose="020B0604020202020204" pitchFamily="34" charset="0"/>
-              <a:buChar char="•"/>
-            </a:pPr>
-            <a:endParaRPr lang="de-DE" sz="2400" dirty="0" smtClean="0"/>
-          </a:p>
-          <a:p>
-            <a:pPr marL="342900" indent="-342900">
-              <a:buFont typeface="Arial" panose="020B0604020202020204" pitchFamily="34" charset="0"/>
-              <a:buChar char="•"/>
-            </a:pPr>
-            <a:r>
-              <a:rPr lang="de-DE" sz="2400" dirty="0" smtClean="0"/>
-              <a:t>Welche </a:t>
-            </a:r>
-            <a:r>
-              <a:rPr lang="de-DE" sz="2400" dirty="0"/>
-              <a:t>Fragen haben die </a:t>
-            </a:r>
-            <a:r>
-              <a:rPr lang="de-DE" sz="2400" dirty="0" smtClean="0"/>
-              <a:t>Anwender?</a:t>
-            </a:r>
-          </a:p>
-          <a:p>
-            <a:pPr marL="342900" indent="-342900">
-              <a:buFont typeface="Arial" panose="020B0604020202020204" pitchFamily="34" charset="0"/>
-              <a:buChar char="•"/>
-            </a:pPr>
-            <a:r>
-              <a:rPr lang="de-DE" sz="2400" dirty="0" smtClean="0"/>
-              <a:t>Wie </a:t>
-            </a:r>
-            <a:r>
-              <a:rPr lang="de-DE" sz="2400" dirty="0"/>
-              <a:t>können wir diese mit </a:t>
-            </a:r>
-            <a:r>
-              <a:rPr lang="de-DE" sz="2400" dirty="0" smtClean="0"/>
-              <a:t>Dashboards beantworten?</a:t>
-            </a:r>
-          </a:p>
-          <a:p>
-            <a:pPr marL="342900" indent="-342900">
-              <a:buFont typeface="Arial" panose="020B0604020202020204" pitchFamily="34" charset="0"/>
-              <a:buChar char="•"/>
-            </a:pPr>
-            <a:r>
-              <a:rPr lang="de-DE" sz="2400" dirty="0" smtClean="0"/>
-              <a:t>Wie </a:t>
-            </a:r>
-            <a:r>
-              <a:rPr lang="de-DE" sz="2400" dirty="0"/>
-              <a:t>müssen die Daten vorliegen, damit diese Dashboards möglich </a:t>
-            </a:r>
-            <a:r>
-              <a:rPr lang="de-DE" sz="2400" dirty="0" smtClean="0"/>
-              <a:t>sind?</a:t>
-            </a:r>
-            <a:endParaRPr lang="de-DE" sz="2400" dirty="0"/>
           </a:p>
           <a:p>
             <a:pPr marL="342900" indent="-342900">
@@ -12590,6 +12237,43 @@
             </a:pPr>
             <a:endParaRPr lang="de-DE" sz="2400" dirty="0"/>
           </a:p>
+          <a:p>
+            <a:pPr marL="342900" indent="-342900">
+              <a:buFont typeface="Arial" panose="020B0604020202020204" pitchFamily="34" charset="0"/>
+              <a:buChar char="•"/>
+            </a:pPr>
+            <a:r>
+              <a:rPr lang="de-DE" sz="2400" dirty="0"/>
+              <a:t>Welche Fragen haben die Anwender?</a:t>
+            </a:r>
+          </a:p>
+          <a:p>
+            <a:pPr marL="342900" indent="-342900">
+              <a:buFont typeface="Arial" panose="020B0604020202020204" pitchFamily="34" charset="0"/>
+              <a:buChar char="•"/>
+            </a:pPr>
+            <a:r>
+              <a:rPr lang="de-DE" sz="2400" dirty="0"/>
+              <a:t>Wie können wir diese mit Dashboards beantworten?</a:t>
+            </a:r>
+          </a:p>
+          <a:p>
+            <a:pPr marL="342900" indent="-342900">
+              <a:buFont typeface="Arial" panose="020B0604020202020204" pitchFamily="34" charset="0"/>
+              <a:buChar char="•"/>
+            </a:pPr>
+            <a:r>
+              <a:rPr lang="de-DE" sz="2400" dirty="0"/>
+              <a:t>Wie müssen die Daten vorliegen, damit diese Dashboards möglich sind?</a:t>
+            </a:r>
+          </a:p>
+          <a:p>
+            <a:pPr marL="342900" indent="-342900">
+              <a:buFont typeface="Arial" panose="020B0604020202020204" pitchFamily="34" charset="0"/>
+              <a:buChar char="•"/>
+            </a:pPr>
+            <a:endParaRPr lang="de-DE" sz="2400" dirty="0"/>
+          </a:p>
         </p:txBody>
       </p:sp>
       <p:sp>
@@ -12608,10 +12292,9 @@
           <a:lstStyle/>
           <a:p>
             <a:r>
-              <a:rPr lang="de-DE" dirty="0" smtClean="0"/>
+              <a:rPr lang="de-DE" dirty="0"/>
               <a:t>Problemstellung</a:t>
             </a:r>
-            <a:endParaRPr lang="de-DE" dirty="0"/>
           </a:p>
         </p:txBody>
       </p:sp>
@@ -12631,10 +12314,9 @@
           <a:lstStyle/>
           <a:p>
             <a:r>
-              <a:rPr lang="de-DE" dirty="0" smtClean="0"/>
+              <a:rPr lang="de-DE" dirty="0"/>
               <a:t>04.04.2019</a:t>
             </a:r>
-            <a:endParaRPr lang="de-DE" dirty="0"/>
           </a:p>
         </p:txBody>
       </p:sp>
@@ -12654,10 +12336,9 @@
           <a:lstStyle/>
           <a:p>
             <a:r>
-              <a:rPr lang="de-DE" dirty="0" smtClean="0"/>
+              <a:rPr lang="de-DE" dirty="0"/>
               <a:t>corpuls.web ANALYSE - Dashboards               - Intern / Internal -</a:t>
             </a:r>
-            <a:endParaRPr lang="de-DE" dirty="0"/>
           </a:p>
         </p:txBody>
       </p:sp>
@@ -12983,16 +12664,16 @@
           <a:bodyPr/>
           <a:lstStyle/>
           <a:p>
-            <a:endParaRPr lang="de-DE" sz="2400" dirty="0" smtClean="0"/>
-          </a:p>
-          <a:p>
-            <a:r>
-              <a:rPr lang="de-DE" sz="2400" dirty="0" smtClean="0"/>
+            <a:endParaRPr lang="de-DE" sz="2400" dirty="0"/>
+          </a:p>
+          <a:p>
+            <a:r>
+              <a:rPr lang="de-DE" sz="2400" dirty="0"/>
               <a:t>Wie war es bisher?</a:t>
             </a:r>
           </a:p>
           <a:p>
-            <a:endParaRPr lang="de-DE" sz="2400" dirty="0" smtClean="0"/>
+            <a:endParaRPr lang="de-DE" sz="2400" dirty="0"/>
           </a:p>
           <a:p>
             <a:r>
@@ -13001,7 +12682,7 @@
             </a:r>
           </a:p>
           <a:p>
-            <a:endParaRPr lang="de-DE" sz="2400" dirty="0" smtClean="0"/>
+            <a:endParaRPr lang="de-DE" sz="2400" dirty="0"/>
           </a:p>
         </p:txBody>
       </p:sp>
@@ -13024,7 +12705,7 @@
               <a:buFont typeface="Arial" panose="020B0604020202020204" pitchFamily="34" charset="0"/>
               <a:buChar char="•"/>
             </a:pPr>
-            <a:endParaRPr lang="de-DE" dirty="0" smtClean="0"/>
+            <a:endParaRPr lang="de-DE" dirty="0"/>
           </a:p>
           <a:p>
             <a:endParaRPr lang="de-DE" dirty="0"/>
@@ -13052,10 +12733,9 @@
               </a:tabLst>
             </a:pPr>
             <a:r>
-              <a:rPr lang="de-DE" dirty="0" smtClean="0"/>
+              <a:rPr lang="de-DE" dirty="0"/>
               <a:t>04.04.2019</a:t>
             </a:r>
-            <a:endParaRPr lang="de-DE" dirty="0"/>
           </a:p>
         </p:txBody>
       </p:sp>
@@ -13080,10 +12760,9 @@
               </a:tabLst>
             </a:pPr>
             <a:r>
-              <a:rPr lang="de-DE" dirty="0" smtClean="0"/>
+              <a:rPr lang="de-DE" dirty="0"/>
               <a:t>corpuls.web ANALYSE - Dashboards               - Intern / Internal -</a:t>
             </a:r>
-            <a:endParaRPr lang="de-DE" dirty="0"/>
           </a:p>
         </p:txBody>
       </p:sp>
@@ -13103,11 +12782,11 @@
           <a:lstStyle/>
           <a:p>
             <a:r>
-              <a:rPr lang="de-DE" dirty="0" smtClean="0"/>
+              <a:rPr lang="de-DE" dirty="0"/>
               <a:t>Technische Änderungen</a:t>
             </a:r>
             <a:br>
-              <a:rPr lang="de-DE" dirty="0" smtClean="0"/>
+              <a:rPr lang="de-DE" dirty="0"/>
             </a:br>
             <a:endParaRPr lang="de-DE" dirty="0"/>
           </a:p>
@@ -13168,13 +12847,6 @@
       </p:transition>
     </mc:Fallback>
   </mc:AlternateContent>
-  <p:timing>
-    <p:tnLst>
-      <p:par>
-        <p:cTn id="1" dur="indefinite" restart="never" nodeType="tmRoot"/>
-      </p:par>
-    </p:tnLst>
-  </p:timing>
 </p:sld>
 </file>
 
@@ -13210,7 +12882,7 @@
           <a:bodyPr/>
           <a:lstStyle/>
           <a:p>
-            <a:endParaRPr lang="de-DE" sz="2400" dirty="0" smtClean="0"/>
+            <a:endParaRPr lang="de-DE" sz="2400" dirty="0"/>
           </a:p>
           <a:p>
             <a:pPr marL="457200" indent="-457200">
@@ -13218,7 +12890,7 @@
               <a:buAutoNum type="arabicPeriod"/>
             </a:pPr>
             <a:r>
-              <a:rPr lang="de-DE" sz="2400" dirty="0" smtClean="0"/>
+              <a:rPr lang="de-DE" sz="2400" dirty="0"/>
               <a:t>Vergleiche in der Tabelle</a:t>
             </a:r>
           </a:p>
@@ -13227,7 +12899,7 @@
               <a:buFont typeface="+mj-lt"/>
               <a:buAutoNum type="arabicPeriod"/>
             </a:pPr>
-            <a:endParaRPr lang="de-DE" sz="2400" dirty="0" smtClean="0"/>
+            <a:endParaRPr lang="de-DE" sz="2400" dirty="0"/>
           </a:p>
           <a:p>
             <a:pPr marL="457200" indent="-457200">
@@ -13235,12 +12907,12 @@
               <a:buAutoNum type="arabicPeriod"/>
             </a:pPr>
             <a:r>
-              <a:rPr lang="de-DE" sz="2400" dirty="0" smtClean="0"/>
+              <a:rPr lang="de-DE" sz="2400" dirty="0"/>
               <a:t>CSV-Export für Auswertungen</a:t>
             </a:r>
           </a:p>
           <a:p>
-            <a:endParaRPr lang="de-DE" sz="2400" dirty="0" smtClean="0"/>
+            <a:endParaRPr lang="de-DE" sz="2400" dirty="0"/>
           </a:p>
         </p:txBody>
       </p:sp>
@@ -13260,10 +12932,9 @@
           <a:lstStyle/>
           <a:p>
             <a:r>
-              <a:rPr lang="de-DE" dirty="0" smtClean="0"/>
+              <a:rPr lang="de-DE" dirty="0"/>
               <a:t>Technische Änderungen – Bisher</a:t>
             </a:r>
-            <a:endParaRPr lang="de-DE" dirty="0"/>
           </a:p>
         </p:txBody>
       </p:sp>
@@ -13283,10 +12954,9 @@
           <a:lstStyle/>
           <a:p>
             <a:r>
-              <a:rPr lang="de-DE" dirty="0" smtClean="0"/>
+              <a:rPr lang="de-DE" dirty="0"/>
               <a:t>04.04.2019</a:t>
             </a:r>
-            <a:endParaRPr lang="de-DE" dirty="0"/>
           </a:p>
         </p:txBody>
       </p:sp>
@@ -13306,10 +12976,9 @@
           <a:lstStyle/>
           <a:p>
             <a:r>
-              <a:rPr lang="de-DE" dirty="0" smtClean="0"/>
+              <a:rPr lang="de-DE" dirty="0"/>
               <a:t>corpuls.web ANALYSE - Dashboards               - Intern / Internal -</a:t>
             </a:r>
-            <a:endParaRPr lang="de-DE" dirty="0"/>
           </a:p>
         </p:txBody>
       </p:sp>
@@ -13605,11 +13274,11 @@
           <a:bodyPr/>
           <a:lstStyle/>
           <a:p>
-            <a:endParaRPr lang="de-DE" sz="2400" dirty="0" smtClean="0"/>
-          </a:p>
-          <a:p>
-            <a:r>
-              <a:rPr lang="de-DE" sz="2400" dirty="0" smtClean="0"/>
+            <a:endParaRPr lang="de-DE" sz="2400" dirty="0"/>
+          </a:p>
+          <a:p>
+            <a:r>
+              <a:rPr lang="de-DE" sz="2400" dirty="0"/>
               <a:t>REST-Export </a:t>
             </a:r>
           </a:p>
@@ -13619,7 +13288,7 @@
               <a:buChar char="•"/>
             </a:pPr>
             <a:r>
-              <a:rPr lang="de-DE" sz="2400" dirty="0" smtClean="0"/>
+              <a:rPr lang="de-DE" sz="2400" dirty="0"/>
               <a:t>Export generieren 		</a:t>
             </a:r>
           </a:p>
@@ -13627,18 +13296,6 @@
             <a:pPr lvl="1" indent="0">
               <a:buNone/>
             </a:pPr>
-            <a:r>
-              <a:rPr lang="de-DE" sz="1800" dirty="0" smtClean="0">
-                <a:solidFill>
-                  <a:schemeClr val="bg1">
-                    <a:lumMod val="50000"/>
-                  </a:schemeClr>
-                </a:solidFill>
-                <a:latin typeface="Courier New" panose="02070309020205020404" pitchFamily="49" charset="0"/>
-                <a:cs typeface="Courier New" panose="02070309020205020404" pitchFamily="49" charset="0"/>
-              </a:rPr>
-              <a:t>   POST http</a:t>
-            </a:r>
             <a:r>
               <a:rPr lang="de-DE" sz="1800" dirty="0">
                 <a:solidFill>
@@ -13649,48 +13306,15 @@
                 <a:latin typeface="Courier New" panose="02070309020205020404" pitchFamily="49" charset="0"/>
                 <a:cs typeface="Courier New" panose="02070309020205020404" pitchFamily="49" charset="0"/>
               </a:rPr>
-              <a:t>://</a:t>
-            </a:r>
-            <a:r>
-              <a:rPr lang="de-DE" sz="1800" dirty="0" smtClean="0">
-                <a:solidFill>
-                  <a:schemeClr val="bg1">
-                    <a:lumMod val="50000"/>
-                  </a:schemeClr>
-                </a:solidFill>
-                <a:latin typeface="Courier New" panose="02070309020205020404" pitchFamily="49" charset="0"/>
-                <a:cs typeface="Courier New" panose="02070309020205020404" pitchFamily="49" charset="0"/>
-              </a:rPr>
-              <a:t>corpsrv5028:8080/v3/</a:t>
-            </a:r>
-            <a:r>
-              <a:rPr lang="de-DE" sz="1800" dirty="0">
-                <a:solidFill>
-                  <a:schemeClr val="bg1">
-                    <a:lumMod val="50000"/>
-                  </a:schemeClr>
-                </a:solidFill>
-                <a:latin typeface="Courier New" panose="02070309020205020404" pitchFamily="49" charset="0"/>
-                <a:cs typeface="Courier New" panose="02070309020205020404" pitchFamily="49" charset="0"/>
-              </a:rPr>
-              <a:t>exports</a:t>
-            </a:r>
-            <a:endParaRPr lang="de-DE" sz="1800" dirty="0" smtClean="0">
-              <a:solidFill>
-                <a:schemeClr val="bg1">
-                  <a:lumMod val="50000"/>
-                </a:schemeClr>
-              </a:solidFill>
-              <a:latin typeface="Courier New" panose="02070309020205020404" pitchFamily="49" charset="0"/>
-              <a:cs typeface="Courier New" panose="02070309020205020404" pitchFamily="49" charset="0"/>
-            </a:endParaRPr>
+              <a:t>   POST http://corpsrv5028:8080/v3/exports</a:t>
+            </a:r>
           </a:p>
           <a:p>
             <a:pPr marL="615950" lvl="1" indent="-342900">
               <a:buFont typeface="Arial" panose="020B0604020202020204" pitchFamily="34" charset="0"/>
               <a:buChar char="•"/>
             </a:pPr>
-            <a:endParaRPr lang="de-DE" sz="2400" dirty="0" smtClean="0"/>
+            <a:endParaRPr lang="de-DE" sz="2400" dirty="0"/>
           </a:p>
           <a:p>
             <a:pPr marL="615950" lvl="1" indent="-342900">
@@ -13698,7 +13322,7 @@
               <a:buChar char="•"/>
             </a:pPr>
             <a:r>
-              <a:rPr lang="de-DE" sz="2400" dirty="0" smtClean="0"/>
+              <a:rPr lang="de-DE" sz="2400" dirty="0"/>
               <a:t>Fertigen Export abholen</a:t>
             </a:r>
           </a:p>
@@ -13706,18 +13330,6 @@
             <a:pPr lvl="1" indent="0">
               <a:buNone/>
             </a:pPr>
-            <a:r>
-              <a:rPr lang="de-DE" sz="1800" dirty="0" smtClean="0">
-                <a:solidFill>
-                  <a:srgbClr val="FFFFFF">
-                    <a:lumMod val="50000"/>
-                  </a:srgbClr>
-                </a:solidFill>
-                <a:latin typeface="Courier New" panose="02070309020205020404" pitchFamily="49" charset="0"/>
-                <a:cs typeface="Courier New" panose="02070309020205020404" pitchFamily="49" charset="0"/>
-              </a:rPr>
-              <a:t>   GET http</a:t>
-            </a:r>
             <a:r>
               <a:rPr lang="de-DE" sz="1800" dirty="0">
                 <a:solidFill>
@@ -13728,51 +13340,30 @@
                 <a:latin typeface="Courier New" panose="02070309020205020404" pitchFamily="49" charset="0"/>
                 <a:cs typeface="Courier New" panose="02070309020205020404" pitchFamily="49" charset="0"/>
               </a:rPr>
-              <a:t>://</a:t>
-            </a:r>
-            <a:r>
-              <a:rPr lang="de-DE" sz="1800" dirty="0" smtClean="0">
-                <a:solidFill>
-                  <a:srgbClr val="FFFFFF">
-                    <a:lumMod val="50000"/>
-                  </a:srgbClr>
-                </a:solidFill>
-                <a:latin typeface="Courier New" panose="02070309020205020404" pitchFamily="49" charset="0"/>
-                <a:cs typeface="Courier New" panose="02070309020205020404" pitchFamily="49" charset="0"/>
-              </a:rPr>
-              <a:t>corpsrv5028:8080/v3/exports/{exportID}/file</a:t>
-            </a:r>
-            <a:endParaRPr lang="de-DE" sz="1800" dirty="0">
-              <a:solidFill>
-                <a:srgbClr val="FFFFFF">
-                  <a:lumMod val="50000"/>
-                </a:srgbClr>
-              </a:solidFill>
-              <a:latin typeface="Courier New" panose="02070309020205020404" pitchFamily="49" charset="0"/>
-              <a:cs typeface="Courier New" panose="02070309020205020404" pitchFamily="49" charset="0"/>
-            </a:endParaRPr>
+              <a:t>   GET http://corpsrv5028:8080/v3/exports/{exportID}/file</a:t>
+            </a:r>
           </a:p>
           <a:p>
             <a:pPr lvl="1" indent="0">
               <a:buNone/>
             </a:pPr>
-            <a:endParaRPr lang="de-DE" sz="2400" dirty="0" smtClean="0"/>
+            <a:endParaRPr lang="de-DE" sz="2400" dirty="0"/>
           </a:p>
           <a:p>
             <a:pPr marL="615950" lvl="1" indent="-342900">
               <a:buFont typeface="Arial" panose="020B0604020202020204" pitchFamily="34" charset="0"/>
               <a:buChar char="•"/>
             </a:pPr>
-            <a:endParaRPr lang="de-DE" sz="2400" dirty="0" smtClean="0"/>
+            <a:endParaRPr lang="de-DE" sz="2400" dirty="0"/>
           </a:p>
           <a:p>
             <a:pPr lvl="1" indent="0">
               <a:buNone/>
             </a:pPr>
-            <a:endParaRPr lang="de-DE" sz="2400" dirty="0" smtClean="0"/>
-          </a:p>
-          <a:p>
-            <a:endParaRPr lang="de-DE" sz="2400" dirty="0" smtClean="0"/>
+            <a:endParaRPr lang="de-DE" sz="2400" dirty="0"/>
+          </a:p>
+          <a:p>
+            <a:endParaRPr lang="de-DE" sz="2400" dirty="0"/>
           </a:p>
         </p:txBody>
       </p:sp>
@@ -13792,10 +13383,9 @@
           <a:lstStyle/>
           <a:p>
             <a:r>
-              <a:rPr lang="de-DE" dirty="0" smtClean="0"/>
+              <a:rPr lang="de-DE" dirty="0"/>
               <a:t>Technische Änderungen - Neu</a:t>
             </a:r>
-            <a:endParaRPr lang="de-DE" dirty="0"/>
           </a:p>
         </p:txBody>
       </p:sp>
@@ -13815,10 +13405,9 @@
           <a:lstStyle/>
           <a:p>
             <a:r>
-              <a:rPr lang="de-DE" dirty="0" smtClean="0"/>
+              <a:rPr lang="de-DE" dirty="0"/>
               <a:t>04.04.2019</a:t>
             </a:r>
-            <a:endParaRPr lang="de-DE" dirty="0"/>
           </a:p>
         </p:txBody>
       </p:sp>
@@ -13838,10 +13427,9 @@
           <a:lstStyle/>
           <a:p>
             <a:r>
-              <a:rPr lang="de-DE" dirty="0" smtClean="0"/>
+              <a:rPr lang="de-DE" dirty="0"/>
               <a:t>corpuls.web ANALYSE - Dashboards               - Intern / Internal -</a:t>
             </a:r>
-            <a:endParaRPr lang="de-DE" dirty="0"/>
           </a:p>
         </p:txBody>
       </p:sp>
@@ -14180,10 +13768,10 @@
           <a:bodyPr/>
           <a:lstStyle/>
           <a:p>
-            <a:endParaRPr lang="de-DE" dirty="0" smtClean="0"/>
-          </a:p>
-          <a:p>
-            <a:endParaRPr lang="de-DE" dirty="0" smtClean="0"/>
+            <a:endParaRPr lang="de-DE" dirty="0"/>
+          </a:p>
+          <a:p>
+            <a:endParaRPr lang="de-DE" dirty="0"/>
           </a:p>
         </p:txBody>
       </p:sp>
@@ -14203,10 +13791,9 @@
           <a:lstStyle/>
           <a:p>
             <a:r>
-              <a:rPr lang="de-DE" dirty="0" smtClean="0"/>
+              <a:rPr lang="de-DE" dirty="0"/>
               <a:t>Technische Änderungen - Neu</a:t>
             </a:r>
-            <a:endParaRPr lang="de-DE" dirty="0"/>
           </a:p>
         </p:txBody>
       </p:sp>
@@ -14226,10 +13813,9 @@
           <a:lstStyle/>
           <a:p>
             <a:r>
-              <a:rPr lang="de-DE" dirty="0" smtClean="0"/>
+              <a:rPr lang="de-DE" dirty="0"/>
               <a:t>04.04.2019</a:t>
             </a:r>
-            <a:endParaRPr lang="de-DE" dirty="0"/>
           </a:p>
         </p:txBody>
       </p:sp>
@@ -14249,10 +13835,9 @@
           <a:lstStyle/>
           <a:p>
             <a:r>
-              <a:rPr lang="de-DE" dirty="0" smtClean="0"/>
+              <a:rPr lang="de-DE" dirty="0"/>
               <a:t>corpuls.web ANALYSE - Dashboards               - Intern / Internal -</a:t>
             </a:r>
-            <a:endParaRPr lang="de-DE" dirty="0"/>
           </a:p>
         </p:txBody>
       </p:sp>
@@ -14351,13 +13936,6 @@
       </p:transition>
     </mc:Fallback>
   </mc:AlternateContent>
-  <p:timing>
-    <p:tnLst>
-      <p:par>
-        <p:cTn id="1" dur="indefinite" restart="never" nodeType="tmRoot"/>
-      </p:par>
-    </p:tnLst>
-  </p:timing>
 </p:sld>
 </file>
 
@@ -14393,16 +13971,25 @@
           <a:bodyPr/>
           <a:lstStyle/>
           <a:p>
-            <a:endParaRPr lang="de-DE" sz="2400" dirty="0" smtClean="0"/>
-          </a:p>
-          <a:p>
-            <a:r>
-              <a:rPr lang="de-DE" sz="2400" dirty="0" smtClean="0"/>
-              <a:t>+ zusätzliche Daten, welche nicht als MM verfügbar sein können</a:t>
-            </a:r>
-          </a:p>
-          <a:p>
-            <a:endParaRPr lang="de-DE" sz="2400" dirty="0" smtClean="0"/>
+            <a:endParaRPr lang="de-DE" sz="2400" dirty="0"/>
+          </a:p>
+          <a:p>
+            <a:r>
+              <a:rPr lang="de-DE" sz="2400" dirty="0"/>
+              <a:t>REST-Export</a:t>
+            </a:r>
+          </a:p>
+          <a:p>
+            <a:endParaRPr lang="de-DE" sz="2400" dirty="0"/>
+          </a:p>
+          <a:p>
+            <a:r>
+              <a:rPr lang="de-DE" sz="2400" dirty="0"/>
+              <a:t>	+ zusätzliche Daten</a:t>
+            </a:r>
+          </a:p>
+          <a:p>
+            <a:endParaRPr lang="de-DE" sz="2400" dirty="0"/>
           </a:p>
           <a:p>
             <a:pPr marL="615950" lvl="1" indent="-342900">
@@ -14410,7 +13997,7 @@
               <a:buChar char="•"/>
             </a:pPr>
             <a:r>
-              <a:rPr lang="de-DE" sz="2400" dirty="0" smtClean="0"/>
+              <a:rPr lang="de-DE" sz="2400" dirty="0"/>
               <a:t>Bisher NIBD, CPR-Feedback und Defibrillationen</a:t>
             </a:r>
           </a:p>
@@ -14432,10 +14019,9 @@
           <a:lstStyle/>
           <a:p>
             <a:r>
-              <a:rPr lang="de-DE" dirty="0" smtClean="0"/>
+              <a:rPr lang="de-DE" dirty="0"/>
               <a:t>Technische Änderungen - neu</a:t>
             </a:r>
-            <a:endParaRPr lang="de-DE" dirty="0"/>
           </a:p>
         </p:txBody>
       </p:sp>
@@ -14455,10 +14041,9 @@
           <a:lstStyle/>
           <a:p>
             <a:r>
-              <a:rPr lang="de-DE" dirty="0" smtClean="0"/>
+              <a:rPr lang="de-DE" dirty="0"/>
               <a:t>04.04.2019</a:t>
             </a:r>
-            <a:endParaRPr lang="de-DE" dirty="0"/>
           </a:p>
         </p:txBody>
       </p:sp>
@@ -14478,10 +14063,9 @@
           <a:lstStyle/>
           <a:p>
             <a:r>
-              <a:rPr lang="de-DE" dirty="0" smtClean="0"/>
+              <a:rPr lang="de-DE" dirty="0"/>
               <a:t>corpuls.web ANALYSE - Dashboards               - Intern / Internal -</a:t>
             </a:r>
-            <a:endParaRPr lang="de-DE" dirty="0"/>
           </a:p>
         </p:txBody>
       </p:sp>
@@ -14543,9 +14127,167 @@
   <p:timing>
     <p:tnLst>
       <p:par>
-        <p:cTn id="1" dur="indefinite" restart="never" nodeType="tmRoot"/>
+        <p:cTn id="1" dur="indefinite" restart="never" nodeType="tmRoot">
+          <p:childTnLst>
+            <p:seq concurrent="1" nextAc="seek">
+              <p:cTn id="2" dur="indefinite" nodeType="mainSeq">
+                <p:childTnLst>
+                  <p:par>
+                    <p:cTn id="3" fill="hold">
+                      <p:stCondLst>
+                        <p:cond delay="indefinite"/>
+                        <p:cond evt="onBegin" delay="0">
+                          <p:tn val="2"/>
+                        </p:cond>
+                      </p:stCondLst>
+                      <p:childTnLst>
+                        <p:par>
+                          <p:cTn id="4" fill="hold">
+                            <p:stCondLst>
+                              <p:cond delay="0"/>
+                            </p:stCondLst>
+                            <p:childTnLst>
+                              <p:par>
+                                <p:cTn id="5" presetID="1" presetClass="entr" presetSubtype="0" fill="hold" grpId="0" nodeType="withEffect">
+                                  <p:stCondLst>
+                                    <p:cond delay="0"/>
+                                  </p:stCondLst>
+                                  <p:childTnLst>
+                                    <p:set>
+                                      <p:cBhvr>
+                                        <p:cTn id="6" dur="1" fill="hold">
+                                          <p:stCondLst>
+                                            <p:cond delay="0"/>
+                                          </p:stCondLst>
+                                        </p:cTn>
+                                        <p:tgtEl>
+                                          <p:spTgt spid="2">
+                                            <p:txEl>
+                                              <p:pRg st="1" end="1"/>
+                                            </p:txEl>
+                                          </p:spTgt>
+                                        </p:tgtEl>
+                                        <p:attrNameLst>
+                                          <p:attrName>style.visibility</p:attrName>
+                                        </p:attrNameLst>
+                                      </p:cBhvr>
+                                      <p:to>
+                                        <p:strVal val="visible"/>
+                                      </p:to>
+                                    </p:set>
+                                  </p:childTnLst>
+                                </p:cTn>
+                              </p:par>
+                            </p:childTnLst>
+                          </p:cTn>
+                        </p:par>
+                      </p:childTnLst>
+                    </p:cTn>
+                  </p:par>
+                  <p:par>
+                    <p:cTn id="7" fill="hold">
+                      <p:stCondLst>
+                        <p:cond delay="indefinite"/>
+                      </p:stCondLst>
+                      <p:childTnLst>
+                        <p:par>
+                          <p:cTn id="8" fill="hold">
+                            <p:stCondLst>
+                              <p:cond delay="0"/>
+                            </p:stCondLst>
+                            <p:childTnLst>
+                              <p:par>
+                                <p:cTn id="9" presetID="1" presetClass="entr" presetSubtype="0" fill="hold" grpId="0" nodeType="clickEffect">
+                                  <p:stCondLst>
+                                    <p:cond delay="0"/>
+                                  </p:stCondLst>
+                                  <p:childTnLst>
+                                    <p:set>
+                                      <p:cBhvr>
+                                        <p:cTn id="10" dur="1" fill="hold">
+                                          <p:stCondLst>
+                                            <p:cond delay="0"/>
+                                          </p:stCondLst>
+                                        </p:cTn>
+                                        <p:tgtEl>
+                                          <p:spTgt spid="2">
+                                            <p:txEl>
+                                              <p:pRg st="3" end="3"/>
+                                            </p:txEl>
+                                          </p:spTgt>
+                                        </p:tgtEl>
+                                        <p:attrNameLst>
+                                          <p:attrName>style.visibility</p:attrName>
+                                        </p:attrNameLst>
+                                      </p:cBhvr>
+                                      <p:to>
+                                        <p:strVal val="visible"/>
+                                      </p:to>
+                                    </p:set>
+                                  </p:childTnLst>
+                                </p:cTn>
+                              </p:par>
+                              <p:par>
+                                <p:cTn id="11" presetID="1" presetClass="entr" presetSubtype="0" fill="hold" grpId="0" nodeType="withEffect">
+                                  <p:stCondLst>
+                                    <p:cond delay="0"/>
+                                  </p:stCondLst>
+                                  <p:childTnLst>
+                                    <p:set>
+                                      <p:cBhvr>
+                                        <p:cTn id="12" dur="1" fill="hold">
+                                          <p:stCondLst>
+                                            <p:cond delay="0"/>
+                                          </p:stCondLst>
+                                        </p:cTn>
+                                        <p:tgtEl>
+                                          <p:spTgt spid="2">
+                                            <p:txEl>
+                                              <p:pRg st="5" end="5"/>
+                                            </p:txEl>
+                                          </p:spTgt>
+                                        </p:tgtEl>
+                                        <p:attrNameLst>
+                                          <p:attrName>style.visibility</p:attrName>
+                                        </p:attrNameLst>
+                                      </p:cBhvr>
+                                      <p:to>
+                                        <p:strVal val="visible"/>
+                                      </p:to>
+                                    </p:set>
+                                  </p:childTnLst>
+                                </p:cTn>
+                              </p:par>
+                            </p:childTnLst>
+                          </p:cTn>
+                        </p:par>
+                      </p:childTnLst>
+                    </p:cTn>
+                  </p:par>
+                </p:childTnLst>
+              </p:cTn>
+              <p:prevCondLst>
+                <p:cond evt="onPrev" delay="0">
+                  <p:tgtEl>
+                    <p:sldTgt/>
+                  </p:tgtEl>
+                </p:cond>
+              </p:prevCondLst>
+              <p:nextCondLst>
+                <p:cond evt="onNext" delay="0">
+                  <p:tgtEl>
+                    <p:sldTgt/>
+                  </p:tgtEl>
+                </p:cond>
+              </p:nextCondLst>
+            </p:seq>
+          </p:childTnLst>
+        </p:cTn>
       </p:par>
     </p:tnLst>
+    <p:bldLst>
+      <p:bldP spid="2" grpId="0" uiExpand="1" build="p"/>
+    </p:bldLst>
   </p:timing>
 </p:sld>
 </file>
@@ -14602,10 +14344,9 @@
           <a:lstStyle/>
           <a:p>
             <a:r>
-              <a:rPr lang="de-DE" dirty="0" smtClean="0"/>
+              <a:rPr lang="de-DE" dirty="0"/>
               <a:t>Beispiel</a:t>
             </a:r>
-            <a:endParaRPr lang="de-DE" dirty="0"/>
           </a:p>
         </p:txBody>
       </p:sp>
@@ -14625,10 +14366,9 @@
           <a:lstStyle/>
           <a:p>
             <a:r>
-              <a:rPr lang="de-DE" dirty="0" smtClean="0"/>
+              <a:rPr lang="de-DE" dirty="0"/>
               <a:t>04.04.2019</a:t>
             </a:r>
-            <a:endParaRPr lang="de-DE" dirty="0"/>
           </a:p>
         </p:txBody>
       </p:sp>
@@ -14648,10 +14388,9 @@
           <a:lstStyle/>
           <a:p>
             <a:r>
-              <a:rPr lang="de-DE" dirty="0" smtClean="0"/>
+              <a:rPr lang="de-DE" dirty="0"/>
               <a:t>corpuls.web ANALYSE - Dashboards               - Intern / Internal -</a:t>
             </a:r>
-            <a:endParaRPr lang="de-DE" dirty="0"/>
           </a:p>
         </p:txBody>
       </p:sp>
@@ -14710,13 +14449,6 @@
       </p:transition>
     </mc:Fallback>
   </mc:AlternateContent>
-  <p:timing>
-    <p:tnLst>
-      <p:par>
-        <p:cTn id="1" dur="indefinite" restart="never" nodeType="tmRoot"/>
-      </p:par>
-    </p:tnLst>
-  </p:timing>
 </p:sld>
 </file>
 
@@ -14757,7 +14489,7 @@
               <a:buChar char="•"/>
             </a:pPr>
             <a:r>
-              <a:rPr lang="de-DE" sz="2400" dirty="0" smtClean="0"/>
+              <a:rPr lang="de-DE" sz="2400" dirty="0"/>
               <a:t>Einsätze</a:t>
             </a:r>
           </a:p>
@@ -14767,7 +14499,7 @@
               <a:buChar char="•"/>
             </a:pPr>
             <a:r>
-              <a:rPr lang="de-DE" sz="2400" dirty="0" smtClean="0"/>
+              <a:rPr lang="de-DE" sz="2400" dirty="0"/>
               <a:t>Reanimationen </a:t>
             </a:r>
           </a:p>
@@ -14777,7 +14509,7 @@
               <a:buChar char="•"/>
             </a:pPr>
             <a:r>
-              <a:rPr lang="de-DE" sz="2400" dirty="0" smtClean="0"/>
+              <a:rPr lang="de-DE" sz="2400" dirty="0"/>
               <a:t>Einsätze im Zeitraum 2016 -&gt; Datumsformart</a:t>
             </a:r>
           </a:p>
@@ -14787,7 +14519,7 @@
               <a:buChar char="•"/>
             </a:pPr>
             <a:r>
-              <a:rPr lang="de-DE" sz="2400" dirty="0" smtClean="0"/>
+              <a:rPr lang="de-DE" sz="2400" dirty="0"/>
               <a:t>Einsätze im Zeitfenster</a:t>
             </a:r>
           </a:p>
@@ -14797,16 +14529,8 @@
               <a:buChar char="•"/>
             </a:pPr>
             <a:r>
-              <a:rPr lang="de-DE" sz="2400" dirty="0" smtClean="0"/>
-              <a:t>und jetzt bitte nur </a:t>
-            </a:r>
-            <a:r>
               <a:rPr lang="de-DE" sz="2400" dirty="0"/>
-              <a:t>R</a:t>
-            </a:r>
-            <a:r>
-              <a:rPr lang="de-DE" sz="2400" dirty="0" smtClean="0"/>
-              <a:t>eanimationen</a:t>
+              <a:t>und jetzt bitte nur Reanimationen</a:t>
             </a:r>
           </a:p>
           <a:p>
@@ -14815,7 +14539,7 @@
               <a:buChar char="•"/>
             </a:pPr>
             <a:r>
-              <a:rPr lang="de-DE" sz="2400" dirty="0" smtClean="0"/>
+              <a:rPr lang="de-DE" sz="2400" dirty="0"/>
               <a:t>Wie alt sind meine Patienten im Durchschnitt</a:t>
             </a:r>
           </a:p>
@@ -14825,10 +14549,9 @@
               <a:buChar char="•"/>
             </a:pPr>
             <a:r>
-              <a:rPr lang="de-DE" sz="2400" dirty="0" smtClean="0"/>
+              <a:rPr lang="de-DE" sz="2400" dirty="0"/>
               <a:t>Immer nur eine einzige Zahl…</a:t>
             </a:r>
-            <a:endParaRPr lang="de-DE" sz="2400" dirty="0"/>
           </a:p>
           <a:p>
             <a:pPr marL="342900" indent="-342900">
@@ -14836,28 +14559,16 @@
               <a:buChar char="•"/>
             </a:pPr>
             <a:r>
-              <a:rPr lang="de-DE" sz="2400" dirty="0" smtClean="0"/>
+              <a:rPr lang="de-DE" sz="2400" dirty="0"/>
               <a:t>und </a:t>
             </a:r>
             <a:r>
-              <a:rPr lang="de-DE" sz="2400" b="1" dirty="0" smtClean="0"/>
+              <a:rPr lang="de-DE" sz="2400" b="1" dirty="0"/>
               <a:t>wie</a:t>
             </a:r>
             <a:r>
-              <a:rPr lang="de-DE" sz="2400" dirty="0" smtClean="0"/>
-              <a:t> </a:t>
-            </a:r>
-            <a:r>
               <a:rPr lang="de-DE" sz="2400" dirty="0"/>
-              <a:t>sind die </a:t>
-            </a:r>
-            <a:r>
-              <a:rPr lang="de-DE" sz="2400" dirty="0" smtClean="0"/>
-              <a:t>Reanimationen</a:t>
-            </a:r>
-            <a:r>
-              <a:rPr lang="de-DE" sz="2400" dirty="0"/>
-              <a:t>?</a:t>
+              <a:t> sind die Reanimationen?</a:t>
             </a:r>
           </a:p>
           <a:p>
@@ -14881,10 +14592,9 @@
           <a:lstStyle/>
           <a:p>
             <a:r>
-              <a:rPr lang="de-DE" dirty="0" smtClean="0"/>
+              <a:rPr lang="de-DE" dirty="0"/>
               <a:t>Beispielfragen</a:t>
             </a:r>
-            <a:endParaRPr lang="de-DE" dirty="0"/>
           </a:p>
         </p:txBody>
       </p:sp>
@@ -14904,10 +14614,9 @@
           <a:lstStyle/>
           <a:p>
             <a:r>
-              <a:rPr lang="de-DE" dirty="0" smtClean="0"/>
+              <a:rPr lang="de-DE" dirty="0"/>
               <a:t>04.04.2019</a:t>
             </a:r>
-            <a:endParaRPr lang="de-DE" dirty="0"/>
           </a:p>
         </p:txBody>
       </p:sp>
@@ -14927,10 +14636,9 @@
           <a:lstStyle/>
           <a:p>
             <a:r>
-              <a:rPr lang="de-DE" dirty="0" smtClean="0"/>
+              <a:rPr lang="de-DE" dirty="0"/>
               <a:t>corpuls.web ANALYSE - Dashboards               - Intern / Internal -</a:t>
             </a:r>
-            <a:endParaRPr lang="de-DE" dirty="0"/>
           </a:p>
         </p:txBody>
       </p:sp>
@@ -15434,7 +15142,7 @@
           <a:lstStyle/>
           <a:p>
             <a:r>
-              <a:rPr lang="de-DE" dirty="0" smtClean="0"/>
+              <a:rPr lang="de-DE" dirty="0"/>
               <a:t>Vorstellung Dashboards</a:t>
             </a:r>
           </a:p>
@@ -15456,10 +15164,9 @@
           <a:lstStyle/>
           <a:p>
             <a:r>
-              <a:rPr lang="de-DE" dirty="0" smtClean="0"/>
+              <a:rPr lang="de-DE" dirty="0"/>
               <a:t>04.04.2019, Version 1.0</a:t>
             </a:r>
-            <a:endParaRPr lang="de-DE" dirty="0"/>
           </a:p>
         </p:txBody>
       </p:sp>
@@ -15487,10 +15194,9 @@
           </a:p>
           <a:p>
             <a:r>
-              <a:rPr lang="de-DE" dirty="0" smtClean="0"/>
+              <a:rPr lang="de-DE" dirty="0"/>
               <a:t>Bachelorand Softwareentwicklung für Anwendung</a:t>
             </a:r>
-            <a:endParaRPr lang="de-DE" dirty="0"/>
           </a:p>
         </p:txBody>
       </p:sp>
@@ -15516,13 +15222,6 @@
       </p:transition>
     </mc:Fallback>
   </mc:AlternateContent>
-  <p:timing>
-    <p:tnLst>
-      <p:par>
-        <p:cTn id="1" dur="indefinite" restart="never" nodeType="tmRoot"/>
-      </p:par>
-    </p:tnLst>
-  </p:timing>
 </p:sld>
 </file>
 
@@ -15562,7 +15261,7 @@
               <a:buFont typeface="+mj-lt"/>
               <a:buAutoNum type="arabicPeriod"/>
             </a:pPr>
-            <a:endParaRPr lang="de-DE" sz="2400" dirty="0" smtClean="0"/>
+            <a:endParaRPr lang="de-DE" sz="2400" dirty="0"/>
           </a:p>
           <a:p>
             <a:pPr marL="457200" indent="-457200">
@@ -15570,7 +15269,7 @@
               <a:buAutoNum type="arabicPeriod"/>
             </a:pPr>
             <a:r>
-              <a:rPr lang="de-DE" sz="2400" dirty="0" smtClean="0"/>
+              <a:rPr lang="de-DE" sz="2400" dirty="0"/>
               <a:t>Problemstellung und Motivation</a:t>
             </a:r>
           </a:p>
@@ -15579,7 +15278,7 @@
               <a:buFont typeface="+mj-lt"/>
               <a:buAutoNum type="arabicPeriod"/>
             </a:pPr>
-            <a:endParaRPr lang="de-DE" sz="2400" dirty="0" smtClean="0"/>
+            <a:endParaRPr lang="de-DE" sz="2400" dirty="0"/>
           </a:p>
           <a:p>
             <a:pPr marL="457200" indent="-457200">
@@ -15587,15 +15286,15 @@
               <a:buAutoNum type="arabicPeriod"/>
             </a:pPr>
             <a:r>
-              <a:rPr lang="de-DE" sz="2400" dirty="0" smtClean="0"/>
+              <a:rPr lang="de-DE" sz="2400" dirty="0"/>
               <a:t>Technische Änderungen an </a:t>
             </a:r>
             <a:r>
-              <a:rPr lang="de-DE" sz="2400" b="1" dirty="0" smtClean="0"/>
+              <a:rPr lang="de-DE" sz="2400" b="1" dirty="0"/>
               <a:t>corpuls</a:t>
             </a:r>
             <a:r>
-              <a:rPr lang="de-DE" sz="2400" b="1" dirty="0" smtClean="0">
+              <a:rPr lang="de-DE" sz="2400" b="1" dirty="0">
                 <a:solidFill>
                   <a:srgbClr val="DD0B2F"/>
                 </a:solidFill>
@@ -15603,7 +15302,7 @@
               <a:t>.web</a:t>
             </a:r>
             <a:r>
-              <a:rPr lang="de-DE" sz="2400" b="1" dirty="0" smtClean="0"/>
+              <a:rPr lang="de-DE" sz="2400" b="1" dirty="0"/>
               <a:t> ANALYSE</a:t>
             </a:r>
           </a:p>
@@ -15612,7 +15311,7 @@
               <a:buFont typeface="+mj-lt"/>
               <a:buAutoNum type="arabicPeriod"/>
             </a:pPr>
-            <a:endParaRPr lang="de-DE" sz="2400" b="1" dirty="0" smtClean="0"/>
+            <a:endParaRPr lang="de-DE" sz="2400" b="1" dirty="0"/>
           </a:p>
           <a:p>
             <a:pPr marL="457200" indent="-457200">
@@ -15620,10 +15319,9 @@
               <a:buAutoNum type="arabicPeriod"/>
             </a:pPr>
             <a:r>
-              <a:rPr lang="de-DE" sz="2400" dirty="0" smtClean="0"/>
+              <a:rPr lang="de-DE" sz="2400" dirty="0"/>
               <a:t>Beispielhafte Fragestellungen und deren Antworten in den Dashboards</a:t>
             </a:r>
-            <a:endParaRPr lang="de-DE" sz="2400" dirty="0"/>
           </a:p>
         </p:txBody>
       </p:sp>
@@ -15643,10 +15341,9 @@
           <a:lstStyle/>
           <a:p>
             <a:r>
-              <a:rPr lang="de-DE" dirty="0" smtClean="0"/>
+              <a:rPr lang="de-DE" dirty="0"/>
               <a:t>Inhalt</a:t>
             </a:r>
-            <a:endParaRPr lang="de-DE" dirty="0"/>
           </a:p>
         </p:txBody>
       </p:sp>
@@ -15666,10 +15363,9 @@
           <a:lstStyle/>
           <a:p>
             <a:r>
-              <a:rPr lang="de-DE" dirty="0" smtClean="0"/>
+              <a:rPr lang="de-DE" dirty="0"/>
               <a:t>04.04.2019</a:t>
             </a:r>
-            <a:endParaRPr lang="de-DE" dirty="0"/>
           </a:p>
         </p:txBody>
       </p:sp>
@@ -15689,10 +15385,9 @@
           <a:lstStyle/>
           <a:p>
             <a:r>
-              <a:rPr lang="de-DE" dirty="0" smtClean="0"/>
+              <a:rPr lang="de-DE" dirty="0"/>
               <a:t>corpuls.web ANALYSE - Dashboards               - Intern / Internal -</a:t>
             </a:r>
-            <a:endParaRPr lang="de-DE" dirty="0"/>
           </a:p>
         </p:txBody>
       </p:sp>
@@ -15751,13 +15446,6 @@
       </p:transition>
     </mc:Fallback>
   </mc:AlternateContent>
-  <p:timing>
-    <p:tnLst>
-      <p:par>
-        <p:cTn id="1" dur="indefinite" restart="never" nodeType="tmRoot"/>
-      </p:par>
-    </p:tnLst>
-  </p:timing>
 </p:sld>
 </file>
 
@@ -15797,7 +15485,7 @@
               <a:buFont typeface="Arial" panose="020B0604020202020204" pitchFamily="34" charset="0"/>
               <a:buChar char="•"/>
             </a:pPr>
-            <a:endParaRPr lang="de-DE" sz="2400" dirty="0" smtClean="0"/>
+            <a:endParaRPr lang="de-DE" sz="2400" dirty="0"/>
           </a:p>
           <a:p>
             <a:pPr marL="342900" indent="-342900">
@@ -15805,7 +15493,7 @@
               <a:buChar char="•"/>
             </a:pPr>
             <a:r>
-              <a:rPr lang="de-DE" sz="2400" dirty="0" smtClean="0"/>
+              <a:rPr lang="de-DE" sz="2400" dirty="0"/>
               <a:t>Diverse Nutzergruppen</a:t>
             </a:r>
           </a:p>
@@ -15814,7 +15502,7 @@
               <a:buFont typeface="Arial" panose="020B0604020202020204" pitchFamily="34" charset="0"/>
               <a:buChar char="•"/>
             </a:pPr>
-            <a:endParaRPr lang="de-DE" sz="2400" dirty="0" smtClean="0"/>
+            <a:endParaRPr lang="de-DE" sz="2400" dirty="0"/>
           </a:p>
           <a:p>
             <a:pPr marL="342900" indent="-342900">
@@ -15822,7 +15510,7 @@
               <a:buChar char="•"/>
             </a:pPr>
             <a:r>
-              <a:rPr lang="de-DE" sz="2400" dirty="0" smtClean="0"/>
+              <a:rPr lang="de-DE" sz="2400" dirty="0"/>
               <a:t>Viele Fragestellungen</a:t>
             </a:r>
           </a:p>
@@ -15844,10 +15532,9 @@
           <a:lstStyle/>
           <a:p>
             <a:r>
-              <a:rPr lang="de-DE" dirty="0" smtClean="0"/>
+              <a:rPr lang="de-DE" dirty="0"/>
               <a:t>Problemstellung</a:t>
             </a:r>
-            <a:endParaRPr lang="de-DE" dirty="0"/>
           </a:p>
         </p:txBody>
       </p:sp>
@@ -15867,10 +15554,9 @@
           <a:lstStyle/>
           <a:p>
             <a:r>
-              <a:rPr lang="de-DE" dirty="0" smtClean="0"/>
+              <a:rPr lang="de-DE" dirty="0"/>
               <a:t>04.04.2019</a:t>
             </a:r>
-            <a:endParaRPr lang="de-DE" dirty="0"/>
           </a:p>
         </p:txBody>
       </p:sp>
@@ -15890,10 +15576,9 @@
           <a:lstStyle/>
           <a:p>
             <a:r>
-              <a:rPr lang="de-DE" dirty="0" smtClean="0"/>
+              <a:rPr lang="de-DE" dirty="0"/>
               <a:t>corpuls.web ANALYSE - Dashboards               - Intern / Internal -</a:t>
             </a:r>
-            <a:endParaRPr lang="de-DE" dirty="0"/>
           </a:p>
         </p:txBody>
       </p:sp>
@@ -15952,13 +15637,6 @@
       </p:transition>
     </mc:Fallback>
   </mc:AlternateContent>
-  <p:timing>
-    <p:tnLst>
-      <p:par>
-        <p:cTn id="1" dur="indefinite" restart="never" nodeType="tmRoot"/>
-      </p:par>
-    </p:tnLst>
-  </p:timing>
 </p:sld>
 </file>
 
@@ -15998,14 +15676,14 @@
               <a:buFont typeface="Arial" panose="020B0604020202020204" pitchFamily="34" charset="0"/>
               <a:buChar char="•"/>
             </a:pPr>
-            <a:endParaRPr lang="de-DE" sz="2400" dirty="0" smtClean="0"/>
+            <a:endParaRPr lang="de-DE" sz="2400" dirty="0"/>
           </a:p>
           <a:p>
             <a:pPr marL="342900" indent="-342900">
               <a:buFont typeface="Arial" panose="020B0604020202020204" pitchFamily="34" charset="0"/>
               <a:buChar char="•"/>
             </a:pPr>
-            <a:endParaRPr lang="de-DE" sz="2400" dirty="0" smtClean="0"/>
+            <a:endParaRPr lang="de-DE" sz="2400" dirty="0"/>
           </a:p>
           <a:p>
             <a:pPr marL="342900" indent="-342900">
@@ -16013,7 +15691,7 @@
               <a:buChar char="•"/>
             </a:pPr>
             <a:r>
-              <a:rPr lang="de-DE" sz="2400" dirty="0" smtClean="0"/>
+              <a:rPr lang="de-DE" sz="2400" dirty="0"/>
               <a:t>Potentiell sind Daten vorhanden</a:t>
             </a:r>
           </a:p>
@@ -16022,23 +15700,23 @@
               <a:buFont typeface="Arial" panose="020B0604020202020204" pitchFamily="34" charset="0"/>
               <a:buChar char="•"/>
             </a:pPr>
-            <a:endParaRPr lang="de-DE" sz="2400" dirty="0" smtClean="0"/>
-          </a:p>
-          <a:p>
-            <a:r>
-              <a:rPr lang="de-DE" sz="2400" dirty="0" smtClean="0">
+            <a:endParaRPr lang="de-DE" sz="2400" dirty="0"/>
+          </a:p>
+          <a:p>
+            <a:r>
+              <a:rPr lang="de-DE" sz="2400" dirty="0">
                 <a:sym typeface="Wingdings" panose="05000000000000000000" pitchFamily="2" charset="2"/>
               </a:rPr>
               <a:t>	 Nicht optimal dargestellt </a:t>
             </a:r>
-            <a:endParaRPr lang="de-DE" sz="2400" dirty="0" smtClean="0"/>
-          </a:p>
-          <a:p>
-            <a:endParaRPr lang="de-DE" sz="2400" dirty="0" smtClean="0"/>
-          </a:p>
-          <a:p>
             <a:endParaRPr lang="de-DE" sz="2400" dirty="0"/>
           </a:p>
+          <a:p>
+            <a:endParaRPr lang="de-DE" sz="2400" dirty="0"/>
+          </a:p>
+          <a:p>
+            <a:endParaRPr lang="de-DE" sz="2400" dirty="0"/>
+          </a:p>
         </p:txBody>
       </p:sp>
       <p:sp>
@@ -16057,10 +15735,9 @@
           <a:lstStyle/>
           <a:p>
             <a:r>
-              <a:rPr lang="de-DE" dirty="0" smtClean="0"/>
+              <a:rPr lang="de-DE" dirty="0"/>
               <a:t>Problemstellung</a:t>
             </a:r>
-            <a:endParaRPr lang="de-DE" dirty="0"/>
           </a:p>
         </p:txBody>
       </p:sp>
@@ -16080,10 +15757,9 @@
           <a:lstStyle/>
           <a:p>
             <a:r>
-              <a:rPr lang="de-DE" dirty="0" smtClean="0"/>
+              <a:rPr lang="de-DE" dirty="0"/>
               <a:t>04.04.2019</a:t>
             </a:r>
-            <a:endParaRPr lang="de-DE" dirty="0"/>
           </a:p>
         </p:txBody>
       </p:sp>
@@ -16103,10 +15779,9 @@
           <a:lstStyle/>
           <a:p>
             <a:r>
-              <a:rPr lang="de-DE" dirty="0" smtClean="0"/>
+              <a:rPr lang="de-DE" dirty="0"/>
               <a:t>corpuls.web ANALYSE - Dashboards               - Intern / Internal -</a:t>
             </a:r>
-            <a:endParaRPr lang="de-DE" dirty="0"/>
           </a:p>
         </p:txBody>
       </p:sp>
@@ -16165,13 +15840,6 @@
       </p:transition>
     </mc:Fallback>
   </mc:AlternateContent>
-  <p:timing>
-    <p:tnLst>
-      <p:par>
-        <p:cTn id="1" dur="indefinite" restart="never" nodeType="tmRoot"/>
-      </p:par>
-    </p:tnLst>
-  </p:timing>
 </p:sld>
 </file>
 
@@ -16208,10 +15876,9 @@
           <a:lstStyle/>
           <a:p>
             <a:r>
-              <a:rPr lang="de-DE" dirty="0" smtClean="0"/>
+              <a:rPr lang="de-DE" dirty="0"/>
               <a:t>Problemstellung</a:t>
             </a:r>
-            <a:endParaRPr lang="de-DE" dirty="0"/>
           </a:p>
         </p:txBody>
       </p:sp>
@@ -16231,10 +15898,9 @@
           <a:lstStyle/>
           <a:p>
             <a:r>
-              <a:rPr lang="de-DE" dirty="0" smtClean="0"/>
+              <a:rPr lang="de-DE" dirty="0"/>
               <a:t>04.04.2019</a:t>
             </a:r>
-            <a:endParaRPr lang="de-DE" dirty="0"/>
           </a:p>
         </p:txBody>
       </p:sp>
@@ -16254,10 +15920,9 @@
           <a:lstStyle/>
           <a:p>
             <a:r>
-              <a:rPr lang="de-DE" dirty="0" smtClean="0"/>
+              <a:rPr lang="de-DE" dirty="0"/>
               <a:t>corpuls.web ANALYSE - Dashboards               - Intern / Internal -</a:t>
             </a:r>
-            <a:endParaRPr lang="de-DE" dirty="0"/>
           </a:p>
         </p:txBody>
       </p:sp>
@@ -16376,13 +16041,6 @@
       </p:transition>
     </mc:Fallback>
   </mc:AlternateContent>
-  <p:timing>
-    <p:tnLst>
-      <p:par>
-        <p:cTn id="1" dur="indefinite" restart="never" nodeType="tmRoot"/>
-      </p:par>
-    </p:tnLst>
-  </p:timing>
 </p:sld>
 </file>
 
@@ -16430,7 +16088,7 @@
               <a:buChar char="•"/>
             </a:pPr>
             <a:r>
-              <a:rPr lang="de-DE" sz="2400" dirty="0" smtClean="0"/>
+              <a:rPr lang="de-DE" sz="2400" dirty="0"/>
               <a:t>Grafische Darstellung von Daten verringert kognitive Last</a:t>
             </a:r>
           </a:p>
@@ -16439,7 +16097,7 @@
               <a:buFont typeface="Arial" panose="020B0604020202020204" pitchFamily="34" charset="0"/>
               <a:buChar char="•"/>
             </a:pPr>
-            <a:endParaRPr lang="de-DE" sz="2400" dirty="0" smtClean="0"/>
+            <a:endParaRPr lang="de-DE" sz="2400" dirty="0"/>
           </a:p>
           <a:p>
             <a:pPr marL="615950" lvl="1" indent="-342900">
@@ -16447,7 +16105,7 @@
               <a:buChar char="•"/>
             </a:pPr>
             <a:r>
-              <a:rPr lang="de-DE" sz="2400" dirty="0" smtClean="0"/>
+              <a:rPr lang="de-DE" sz="2400" dirty="0"/>
               <a:t>Viele Informationen in wenig Raum und Zeit </a:t>
             </a:r>
           </a:p>
@@ -16456,11 +16114,11 @@
               <a:buFont typeface="Arial" panose="020B0604020202020204" pitchFamily="34" charset="0"/>
               <a:buChar char="•"/>
             </a:pPr>
-            <a:endParaRPr lang="de-DE" sz="2400" dirty="0" smtClean="0"/>
-          </a:p>
-          <a:p>
             <a:endParaRPr lang="de-DE" sz="2400" dirty="0"/>
           </a:p>
+          <a:p>
+            <a:endParaRPr lang="de-DE" sz="2400" dirty="0"/>
+          </a:p>
         </p:txBody>
       </p:sp>
       <p:sp>
@@ -16479,10 +16137,9 @@
           <a:lstStyle/>
           <a:p>
             <a:r>
-              <a:rPr lang="de-DE" dirty="0" smtClean="0"/>
+              <a:rPr lang="de-DE" dirty="0"/>
               <a:t>Problemstellung</a:t>
             </a:r>
-            <a:endParaRPr lang="de-DE" dirty="0"/>
           </a:p>
         </p:txBody>
       </p:sp>
@@ -16502,10 +16159,9 @@
           <a:lstStyle/>
           <a:p>
             <a:r>
-              <a:rPr lang="de-DE" dirty="0" smtClean="0"/>
+              <a:rPr lang="de-DE" dirty="0"/>
               <a:t>04.04.2019</a:t>
             </a:r>
-            <a:endParaRPr lang="de-DE" dirty="0"/>
           </a:p>
         </p:txBody>
       </p:sp>
@@ -16525,10 +16181,9 @@
           <a:lstStyle/>
           <a:p>
             <a:r>
-              <a:rPr lang="de-DE" dirty="0" smtClean="0"/>
+              <a:rPr lang="de-DE" dirty="0"/>
               <a:t>corpuls.web ANALYSE - Dashboards               - Intern / Internal -</a:t>
             </a:r>
-            <a:endParaRPr lang="de-DE" dirty="0"/>
           </a:p>
         </p:txBody>
       </p:sp>
@@ -16758,10 +16413,9 @@
           <a:p>
             <a:pPr algn="ctr"/>
             <a:r>
-              <a:rPr lang="de-DE" sz="23900" dirty="0" smtClean="0"/>
+              <a:rPr lang="de-DE" sz="23900" dirty="0"/>
               <a:t>7500</a:t>
             </a:r>
-            <a:endParaRPr lang="de-DE" sz="23900" dirty="0"/>
           </a:p>
         </p:txBody>
       </p:sp>
@@ -16781,10 +16435,9 @@
           <a:lstStyle/>
           <a:p>
             <a:r>
-              <a:rPr lang="de-DE" dirty="0" smtClean="0"/>
+              <a:rPr lang="de-DE" dirty="0"/>
               <a:t>Exkurs	Daten – Information - Wissen</a:t>
             </a:r>
-            <a:endParaRPr lang="de-DE" dirty="0"/>
           </a:p>
         </p:txBody>
       </p:sp>
@@ -16804,10 +16457,9 @@
           <a:lstStyle/>
           <a:p>
             <a:r>
-              <a:rPr lang="de-DE" dirty="0" smtClean="0"/>
+              <a:rPr lang="de-DE" dirty="0"/>
               <a:t>04.04.2019</a:t>
             </a:r>
-            <a:endParaRPr lang="de-DE" dirty="0"/>
           </a:p>
         </p:txBody>
       </p:sp>
@@ -16827,10 +16479,9 @@
           <a:lstStyle/>
           <a:p>
             <a:r>
-              <a:rPr lang="de-DE" dirty="0" smtClean="0"/>
+              <a:rPr lang="de-DE" dirty="0"/>
               <a:t>corpuls.web ANALYSE - Dashboards               - Intern / Internal -</a:t>
             </a:r>
-            <a:endParaRPr lang="de-DE" dirty="0"/>
           </a:p>
         </p:txBody>
       </p:sp>
@@ -16889,13 +16540,6 @@
       </p:transition>
     </mc:Fallback>
   </mc:AlternateContent>
-  <p:timing>
-    <p:tnLst>
-      <p:par>
-        <p:cTn id="1" dur="indefinite" restart="never" nodeType="tmRoot"/>
-      </p:par>
-    </p:tnLst>
-  </p:timing>
 </p:sld>
 </file>
 
@@ -16933,24 +16577,23 @@
           <a:p>
             <a:pPr algn="ctr"/>
             <a:r>
-              <a:rPr lang="de-DE" sz="8000" dirty="0" smtClean="0"/>
+              <a:rPr lang="de-DE" sz="8000" dirty="0"/>
               <a:t>Transponder Code</a:t>
             </a:r>
           </a:p>
           <a:p>
             <a:pPr algn="ctr"/>
             <a:r>
-              <a:rPr lang="de-DE" sz="8000" dirty="0" smtClean="0"/>
+              <a:rPr lang="de-DE" sz="8000" dirty="0"/>
               <a:t>Luftverkehr</a:t>
             </a:r>
           </a:p>
           <a:p>
             <a:pPr algn="ctr"/>
             <a:r>
-              <a:rPr lang="de-DE" sz="8000" dirty="0" smtClean="0"/>
+              <a:rPr lang="de-DE" sz="8000" dirty="0"/>
               <a:t>7500</a:t>
             </a:r>
-            <a:endParaRPr lang="de-DE" sz="8000" dirty="0"/>
           </a:p>
         </p:txBody>
       </p:sp>
@@ -16970,10 +16613,9 @@
           <a:lstStyle/>
           <a:p>
             <a:r>
-              <a:rPr lang="de-DE" dirty="0" smtClean="0"/>
+              <a:rPr lang="de-DE" dirty="0"/>
               <a:t>Exkurs	Daten – Information - Wissen</a:t>
             </a:r>
-            <a:endParaRPr lang="de-DE" dirty="0"/>
           </a:p>
         </p:txBody>
       </p:sp>
@@ -16993,10 +16635,9 @@
           <a:lstStyle/>
           <a:p>
             <a:r>
-              <a:rPr lang="de-DE" dirty="0" smtClean="0"/>
+              <a:rPr lang="de-DE" dirty="0"/>
               <a:t>04.04.2019</a:t>
             </a:r>
-            <a:endParaRPr lang="de-DE" dirty="0"/>
           </a:p>
         </p:txBody>
       </p:sp>
@@ -17016,10 +16657,9 @@
           <a:lstStyle/>
           <a:p>
             <a:r>
-              <a:rPr lang="de-DE" dirty="0" smtClean="0"/>
+              <a:rPr lang="de-DE" dirty="0"/>
               <a:t>corpuls.web ANALYSE - Dashboards               - Intern / Internal -</a:t>
             </a:r>
-            <a:endParaRPr lang="de-DE" dirty="0"/>
           </a:p>
         </p:txBody>
       </p:sp>
@@ -17078,13 +16718,6 @@
       </p:transition>
     </mc:Fallback>
   </mc:AlternateContent>
-  <p:timing>
-    <p:tnLst>
-      <p:par>
-        <p:cTn id="1" dur="indefinite" restart="never" nodeType="tmRoot"/>
-      </p:par>
-    </p:tnLst>
-  </p:timing>
 </p:sld>
 </file>
 
@@ -17127,42 +16760,42 @@
           <a:p>
             <a:pPr algn="ctr"/>
             <a:r>
-              <a:rPr lang="de-DE" sz="8000" u="sng" dirty="0" smtClean="0"/>
+              <a:rPr lang="de-DE" sz="8000" u="sng" dirty="0"/>
               <a:t>75</a:t>
             </a:r>
             <a:r>
-              <a:rPr lang="de-DE" sz="8000" dirty="0" smtClean="0"/>
+              <a:rPr lang="de-DE" sz="8000" dirty="0"/>
               <a:t>00</a:t>
             </a:r>
           </a:p>
           <a:p>
             <a:pPr algn="ctr"/>
             <a:r>
-              <a:rPr lang="de-DE" sz="8000" dirty="0" err="1" smtClean="0"/>
+              <a:rPr lang="de-DE" sz="8000" dirty="0" err="1"/>
               <a:t>If</a:t>
             </a:r>
             <a:r>
-              <a:rPr lang="de-DE" sz="8000" dirty="0" smtClean="0"/>
+              <a:rPr lang="de-DE" sz="8000" dirty="0"/>
               <a:t> </a:t>
             </a:r>
             <a:r>
-              <a:rPr lang="de-DE" sz="8000" dirty="0" err="1" smtClean="0"/>
+              <a:rPr lang="de-DE" sz="8000" dirty="0" err="1"/>
               <a:t>you</a:t>
             </a:r>
             <a:r>
-              <a:rPr lang="de-DE" sz="8000" dirty="0" smtClean="0"/>
+              <a:rPr lang="de-DE" sz="8000" dirty="0"/>
               <a:t> </a:t>
             </a:r>
             <a:r>
-              <a:rPr lang="de-DE" sz="8000" dirty="0" err="1" smtClean="0"/>
+              <a:rPr lang="de-DE" sz="8000" dirty="0" err="1"/>
               <a:t>feel</a:t>
             </a:r>
             <a:r>
-              <a:rPr lang="de-DE" sz="8000" dirty="0" smtClean="0"/>
+              <a:rPr lang="de-DE" sz="8000" dirty="0"/>
               <a:t> a </a:t>
             </a:r>
             <a:r>
-              <a:rPr lang="de-DE" sz="8000" dirty="0" err="1" smtClean="0"/>
+              <a:rPr lang="de-DE" sz="8000" dirty="0" err="1"/>
               <a:t>knife</a:t>
             </a:r>
             <a:endParaRPr lang="de-DE" sz="8000" dirty="0"/>
@@ -17185,10 +16818,9 @@
           <a:lstStyle/>
           <a:p>
             <a:r>
-              <a:rPr lang="de-DE" dirty="0" smtClean="0"/>
+              <a:rPr lang="de-DE" dirty="0"/>
               <a:t>Exkurs	Daten – Information - Wissen</a:t>
             </a:r>
-            <a:endParaRPr lang="de-DE" dirty="0"/>
           </a:p>
         </p:txBody>
       </p:sp>
@@ -17208,10 +16840,9 @@
           <a:lstStyle/>
           <a:p>
             <a:r>
-              <a:rPr lang="de-DE" dirty="0" smtClean="0"/>
+              <a:rPr lang="de-DE" dirty="0"/>
               <a:t>04.04.2019</a:t>
             </a:r>
-            <a:endParaRPr lang="de-DE" dirty="0"/>
           </a:p>
         </p:txBody>
       </p:sp>
@@ -17231,10 +16862,9 @@
           <a:lstStyle/>
           <a:p>
             <a:r>
-              <a:rPr lang="de-DE" dirty="0" smtClean="0"/>
+              <a:rPr lang="de-DE" dirty="0"/>
               <a:t>corpuls.web ANALYSE - Dashboards               - Intern / Internal -</a:t>
             </a:r>
-            <a:endParaRPr lang="de-DE" dirty="0"/>
           </a:p>
         </p:txBody>
       </p:sp>
@@ -17729,7 +17359,7 @@
   <a:extraClrSchemeLst/>
   <a:extLst>
     <a:ext uri="{05A4C25C-085E-4340-85A3-A5531E510DB2}">
-      <thm15:themeFamily xmlns:thm15="http://schemas.microsoft.com/office/thememl/2012/main" xmlns="" name="170908_PPT-Vorlage.potx" id="{8471FDCD-10E4-4934-B1E0-C67069F932F5}" vid="{0867FB8A-1DD3-4374-9BE8-FDE9A9C63ADF}"/>
+      <thm15:themeFamily xmlns:thm15="http://schemas.microsoft.com/office/thememl/2012/main" name="170908_PPT-Vorlage.potx" id="{8471FDCD-10E4-4934-B1E0-C67069F932F5}" vid="{0867FB8A-1DD3-4374-9BE8-FDE9A9C63ADF}"/>
     </a:ext>
   </a:extLst>
 </a:theme>

--- a/Vorstellung_Dashboards.pptx
+++ b/Vorstellung_Dashboards.pptx
@@ -5,10 +5,10 @@
     <p:sldMasterId id="2147483759" r:id="rId5"/>
   </p:sldMasterIdLst>
   <p:notesMasterIdLst>
-    <p:notesMasterId r:id="rId25"/>
+    <p:notesMasterId r:id="rId26"/>
   </p:notesMasterIdLst>
   <p:handoutMasterIdLst>
-    <p:handoutMasterId r:id="rId26"/>
+    <p:handoutMasterId r:id="rId27"/>
   </p:handoutMasterIdLst>
   <p:sldIdLst>
     <p:sldId id="256" r:id="rId6"/>
@@ -29,7 +29,8 @@
     <p:sldId id="266" r:id="rId21"/>
     <p:sldId id="264" r:id="rId22"/>
     <p:sldId id="273" r:id="rId23"/>
-    <p:sldId id="259" r:id="rId24"/>
+    <p:sldId id="278" r:id="rId24"/>
+    <p:sldId id="259" r:id="rId25"/>
   </p:sldIdLst>
   <p:sldSz cx="9144000" cy="5143500" type="screen16x9"/>
   <p:notesSz cx="6797675" cy="9926638"/>
@@ -130,7 +131,7 @@
   </p:defaultTextStyle>
   <p:extLst>
     <p:ext uri="{EFAFB233-063F-42B5-8137-9DF3F51BA10A}">
-      <p15:sldGuideLst xmlns:p15="http://schemas.microsoft.com/office/powerpoint/2012/main">
+      <p15:sldGuideLst xmlns:p15="http://schemas.microsoft.com/office/powerpoint/2012/main" xmlns="">
         <p15:guide id="1" orient="horz" pos="1620">
           <p15:clr>
             <a:srgbClr val="A4A3A4"/>
@@ -284,7 +285,7 @@
           <a:p>
             <a:fld id="{6806D817-3994-4971-B565-5A5AEF8361A3}" type="datetimeFigureOut">
               <a:rPr lang="de-DE" smtClean="0"/>
-              <a:t>03.04.2019</a:t>
+              <a:t>04.04.2019</a:t>
             </a:fld>
             <a:endParaRPr lang="de-DE" dirty="0"/>
           </a:p>
@@ -450,7 +451,7 @@
           <a:p>
             <a:fld id="{AA74A6CF-22D4-41F7-8890-C09F01966A50}" type="datetimeFigureOut">
               <a:rPr lang="de-DE" smtClean="0"/>
-              <a:t>03.04.2019</a:t>
+              <a:t>04.04.2019</a:t>
             </a:fld>
             <a:endParaRPr lang="de-DE" dirty="0"/>
           </a:p>
@@ -1611,6 +1612,251 @@
             <a:fld id="{A6C2F262-D285-47CB-B9F5-19A0DFE7B67E}" type="slidenum">
               <a:rPr lang="de-DE" smtClean="0"/>
               <a:t>18</a:t>
+            </a:fld>
+            <a:endParaRPr lang="de-DE" dirty="0"/>
+          </a:p>
+        </p:txBody>
+      </p:sp>
+    </p:spTree>
+    <p:extLst>
+      <p:ext uri="{BB962C8B-B14F-4D97-AF65-F5344CB8AC3E}">
+        <p14:creationId xmlns:p14="http://schemas.microsoft.com/office/powerpoint/2010/main" val="3131285486"/>
+      </p:ext>
+    </p:extLst>
+  </p:cSld>
+  <p:clrMapOvr>
+    <a:masterClrMapping/>
+  </p:clrMapOvr>
+</p:notes>
+</file>
+
+<file path=ppt/notesSlides/notesSlide17.xml><?xml version="1.0" encoding="utf-8"?>
+<p:notes xmlns:a="http://schemas.openxmlformats.org/drawingml/2006/main" xmlns:r="http://schemas.openxmlformats.org/officeDocument/2006/relationships" xmlns:p="http://schemas.openxmlformats.org/presentationml/2006/main">
+  <p:cSld>
+    <p:spTree>
+      <p:nvGrpSpPr>
+        <p:cNvPr id="1" name=""/>
+        <p:cNvGrpSpPr/>
+        <p:nvPr/>
+      </p:nvGrpSpPr>
+      <p:grpSpPr>
+        <a:xfrm>
+          <a:off x="0" y="0"/>
+          <a:ext cx="0" cy="0"/>
+          <a:chOff x="0" y="0"/>
+          <a:chExt cx="0" cy="0"/>
+        </a:xfrm>
+      </p:grpSpPr>
+      <p:sp>
+        <p:nvSpPr>
+          <p:cNvPr id="2" name="Folienbildplatzhalter 1"/>
+          <p:cNvSpPr>
+            <a:spLocks noGrp="1" noRot="1" noChangeAspect="1"/>
+          </p:cNvSpPr>
+          <p:nvPr>
+            <p:ph type="sldImg"/>
+          </p:nvPr>
+        </p:nvSpPr>
+        <p:spPr/>
+      </p:sp>
+      <p:sp>
+        <p:nvSpPr>
+          <p:cNvPr id="3" name="Notizenplatzhalter 2"/>
+          <p:cNvSpPr>
+            <a:spLocks noGrp="1"/>
+          </p:cNvSpPr>
+          <p:nvPr>
+            <p:ph type="body" idx="1"/>
+          </p:nvPr>
+        </p:nvSpPr>
+        <p:spPr/>
+        <p:txBody>
+          <a:bodyPr/>
+          <a:lstStyle/>
+          <a:p>
+            <a:r>
+              <a:rPr lang="de-DE" dirty="0"/>
+              <a:t>Reanimationen (</a:t>
+            </a:r>
+            <a:r>
+              <a:rPr lang="de-DE" dirty="0" err="1"/>
+              <a:t>has</a:t>
+            </a:r>
+            <a:r>
+              <a:rPr lang="de-DE" dirty="0"/>
+              <a:t>.. </a:t>
+            </a:r>
+            <a:r>
+              <a:rPr lang="de-DE" dirty="0" err="1"/>
+              <a:t>Has</a:t>
+            </a:r>
+            <a:r>
+              <a:rPr lang="de-DE" dirty="0"/>
+              <a:t> … </a:t>
+            </a:r>
+            <a:r>
+              <a:rPr lang="de-DE" dirty="0" err="1"/>
+              <a:t>has</a:t>
+            </a:r>
+            <a:r>
+              <a:rPr lang="de-DE" dirty="0"/>
+              <a:t>..)</a:t>
+            </a:r>
+          </a:p>
+          <a:p>
+            <a:r>
+              <a:rPr lang="de-DE" dirty="0"/>
+              <a:t>	Tests rausfiltern (</a:t>
+            </a:r>
+            <a:r>
+              <a:rPr lang="de-DE" dirty="0" err="1"/>
+              <a:t>istest</a:t>
+            </a:r>
+            <a:r>
+              <a:rPr lang="de-DE" dirty="0"/>
+              <a:t>, </a:t>
+            </a:r>
+            <a:r>
+              <a:rPr lang="de-DE" dirty="0" err="1"/>
+              <a:t>cable</a:t>
+            </a:r>
+            <a:r>
+              <a:rPr lang="de-DE" dirty="0"/>
+              <a:t> </a:t>
+            </a:r>
+            <a:r>
+              <a:rPr lang="de-DE" dirty="0" err="1"/>
+              <a:t>defib</a:t>
+            </a:r>
+            <a:r>
+              <a:rPr lang="de-DE" dirty="0"/>
+              <a:t>)</a:t>
+            </a:r>
+          </a:p>
+          <a:p>
+            <a:r>
+              <a:rPr lang="de-DE" dirty="0" err="1"/>
+              <a:t>Einsaätze</a:t>
+            </a:r>
+            <a:r>
+              <a:rPr lang="de-DE" dirty="0"/>
+              <a:t> im Zeitraum 2016 -&gt; </a:t>
+            </a:r>
+            <a:r>
+              <a:rPr lang="de-DE" dirty="0" err="1"/>
+              <a:t>probleme</a:t>
+            </a:r>
+            <a:r>
+              <a:rPr lang="de-DE" dirty="0"/>
+              <a:t> </a:t>
+            </a:r>
+            <a:r>
+              <a:rPr lang="de-DE" dirty="0" err="1"/>
+              <a:t>datumsformart</a:t>
+            </a:r>
+            <a:endParaRPr lang="de-DE" dirty="0"/>
+          </a:p>
+          <a:p>
+            <a:r>
+              <a:rPr lang="de-DE" dirty="0"/>
+              <a:t>	wieder </a:t>
+            </a:r>
+            <a:r>
+              <a:rPr lang="de-DE" dirty="0" err="1"/>
+              <a:t>tests</a:t>
+            </a:r>
+            <a:r>
+              <a:rPr lang="de-DE" dirty="0"/>
+              <a:t> herausfiltern</a:t>
+            </a:r>
+          </a:p>
+          <a:p>
+            <a:r>
+              <a:rPr lang="de-DE" dirty="0"/>
+              <a:t>Einsätze im Zeitfenster, wieder </a:t>
+            </a:r>
+            <a:r>
+              <a:rPr lang="de-DE" dirty="0" err="1"/>
+              <a:t>tests</a:t>
+            </a:r>
+            <a:endParaRPr lang="de-DE" dirty="0"/>
+          </a:p>
+          <a:p>
+            <a:r>
+              <a:rPr lang="de-DE" dirty="0"/>
+              <a:t>	und jetzt doch mal bitte </a:t>
+            </a:r>
+            <a:r>
+              <a:rPr lang="de-DE" dirty="0" err="1"/>
+              <a:t>reanimationen</a:t>
+            </a:r>
+            <a:endParaRPr lang="de-DE" dirty="0"/>
+          </a:p>
+          <a:p>
+            <a:r>
+              <a:rPr lang="de-DE" dirty="0"/>
+              <a:t>Easy (?): Wie alt sind meine </a:t>
+            </a:r>
+            <a:r>
+              <a:rPr lang="de-DE" dirty="0" err="1"/>
+              <a:t>patienten</a:t>
+            </a:r>
+            <a:r>
+              <a:rPr lang="de-DE" dirty="0"/>
+              <a:t> im schnitt</a:t>
+            </a:r>
+          </a:p>
+          <a:p>
+            <a:r>
+              <a:rPr lang="de-DE" dirty="0"/>
+              <a:t>Bisher immer nur eine einzige Zahl…</a:t>
+            </a:r>
+          </a:p>
+          <a:p>
+            <a:r>
+              <a:rPr lang="de-DE" dirty="0"/>
+              <a:t>		und on top: </a:t>
+            </a:r>
+            <a:r>
+              <a:rPr lang="de-DE" b="1" dirty="0"/>
+              <a:t>wie</a:t>
+            </a:r>
+            <a:r>
+              <a:rPr lang="de-DE" dirty="0"/>
+              <a:t> sind die </a:t>
+            </a:r>
+            <a:r>
+              <a:rPr lang="de-DE" dirty="0" err="1"/>
+              <a:t>reanimationen</a:t>
+            </a:r>
+            <a:r>
+              <a:rPr lang="de-DE" dirty="0"/>
+              <a:t>?</a:t>
+            </a:r>
+          </a:p>
+          <a:p>
+            <a:endParaRPr lang="de-DE" dirty="0"/>
+          </a:p>
+        </p:txBody>
+      </p:sp>
+      <p:sp>
+        <p:nvSpPr>
+          <p:cNvPr id="4" name="Foliennummernplatzhalter 3"/>
+          <p:cNvSpPr>
+            <a:spLocks noGrp="1"/>
+          </p:cNvSpPr>
+          <p:nvPr>
+            <p:ph type="sldNum" sz="quarter" idx="10"/>
+          </p:nvPr>
+        </p:nvSpPr>
+        <p:spPr/>
+        <p:txBody>
+          <a:bodyPr/>
+          <a:lstStyle/>
+          <a:p>
+            <a:fld id="{A6C2F262-D285-47CB-B9F5-19A0DFE7B67E}" type="slidenum">
+              <a:rPr lang="de-DE" smtClean="0"/>
+              <a:t>19</a:t>
             </a:fld>
             <a:endParaRPr lang="de-DE" dirty="0"/>
           </a:p>
@@ -12847,6 +13093,13 @@
       </p:transition>
     </mc:Fallback>
   </mc:AlternateContent>
+  <p:timing>
+    <p:tnLst>
+      <p:par>
+        <p:cTn id="1" dur="indefinite" restart="never" nodeType="tmRoot"/>
+      </p:par>
+    </p:tnLst>
+  </p:timing>
 </p:sld>
 </file>
 
@@ -13323,8 +13576,13 @@
             </a:pPr>
             <a:r>
               <a:rPr lang="de-DE" sz="2400" dirty="0"/>
-              <a:t>Fertigen Export abholen</a:t>
-            </a:r>
+              <a:t>Fertigen Export </a:t>
+            </a:r>
+            <a:r>
+              <a:rPr lang="de-DE" sz="2400" dirty="0" smtClean="0"/>
+              <a:t>„abholen“</a:t>
+            </a:r>
+            <a:endParaRPr lang="de-DE" sz="2400" dirty="0"/>
           </a:p>
           <a:p>
             <a:pPr lvl="1" indent="0">
@@ -13936,6 +14194,13 @@
       </p:transition>
     </mc:Fallback>
   </mc:AlternateContent>
+  <p:timing>
+    <p:tnLst>
+      <p:par>
+        <p:cTn id="1" dur="indefinite" restart="never" nodeType="tmRoot"/>
+      </p:par>
+    </p:tnLst>
+  </p:timing>
 </p:sld>
 </file>
 
@@ -14449,6 +14714,13 @@
       </p:transition>
     </mc:Fallback>
   </mc:AlternateContent>
+  <p:timing>
+    <p:tnLst>
+      <p:par>
+        <p:cTn id="1" dur="indefinite" restart="never" nodeType="tmRoot"/>
+      </p:par>
+    </p:tnLst>
+  </p:timing>
 </p:sld>
 </file>
 
@@ -14530,7 +14802,15 @@
             </a:pPr>
             <a:r>
               <a:rPr lang="de-DE" sz="2400" dirty="0"/>
-              <a:t>und jetzt bitte nur Reanimationen</a:t>
+              <a:t>und jetzt </a:t>
+            </a:r>
+            <a:r>
+              <a:rPr lang="de-DE" sz="2400" dirty="0" smtClean="0"/>
+              <a:t>nur </a:t>
+            </a:r>
+            <a:r>
+              <a:rPr lang="de-DE" sz="2400" dirty="0"/>
+              <a:t>Reanimationen</a:t>
             </a:r>
           </a:p>
           <a:p>
@@ -14550,8 +14830,13 @@
             </a:pPr>
             <a:r>
               <a:rPr lang="de-DE" sz="2400" dirty="0"/>
-              <a:t>Immer nur eine einzige Zahl…</a:t>
-            </a:r>
+              <a:t>Immer nur eine einzige </a:t>
+            </a:r>
+            <a:r>
+              <a:rPr lang="de-DE" sz="2400" dirty="0" smtClean="0"/>
+              <a:t>Zahl</a:t>
+            </a:r>
+            <a:endParaRPr lang="de-DE" sz="2400" dirty="0"/>
           </a:p>
           <a:p>
             <a:pPr marL="342900" indent="-342900">
@@ -15131,79 +15416,205 @@
             <a:spLocks noGrp="1"/>
           </p:cNvSpPr>
           <p:nvPr>
-            <p:ph type="body" sz="quarter" idx="10"/>
-          </p:nvPr>
-        </p:nvSpPr>
-        <p:spPr/>
-        <p:txBody>
-          <a:bodyPr>
-            <a:normAutofit fontScale="92500" lnSpcReduction="10000"/>
-          </a:bodyPr>
-          <a:lstStyle/>
-          <a:p>
-            <a:r>
-              <a:rPr lang="de-DE" dirty="0"/>
-              <a:t>Vorstellung Dashboards</a:t>
-            </a:r>
-          </a:p>
-        </p:txBody>
-      </p:sp>
-      <p:sp>
-        <p:nvSpPr>
-          <p:cNvPr id="3" name="Textplatzhalter 2"/>
-          <p:cNvSpPr>
-            <a:spLocks noGrp="1"/>
-          </p:cNvSpPr>
-          <p:nvPr>
-            <p:ph type="body" sz="quarter" idx="11"/>
-          </p:nvPr>
-        </p:nvSpPr>
-        <p:spPr/>
-        <p:txBody>
-          <a:bodyPr/>
-          <a:lstStyle/>
-          <a:p>
-            <a:r>
-              <a:rPr lang="de-DE" dirty="0"/>
-              <a:t>04.04.2019, Version 1.0</a:t>
-            </a:r>
-          </a:p>
-        </p:txBody>
-      </p:sp>
-      <p:sp>
-        <p:nvSpPr>
-          <p:cNvPr id="4" name="Textplatzhalter 3"/>
-          <p:cNvSpPr>
-            <a:spLocks noGrp="1"/>
-          </p:cNvSpPr>
-          <p:nvPr>
-            <p:ph type="body" sz="quarter" idx="12"/>
-          </p:nvPr>
-        </p:nvSpPr>
-        <p:spPr/>
-        <p:txBody>
-          <a:bodyPr>
-            <a:normAutofit lnSpcReduction="10000"/>
-          </a:bodyPr>
-          <a:lstStyle/>
-          <a:p>
-            <a:r>
-              <a:rPr lang="de-DE" dirty="0"/>
-              <a:t>Joshua Hirsch</a:t>
-            </a:r>
-          </a:p>
-          <a:p>
-            <a:r>
-              <a:rPr lang="de-DE" dirty="0"/>
-              <a:t>Bachelorand Softwareentwicklung für Anwendung</a:t>
-            </a:r>
+            <p:ph type="body" sz="quarter" idx="13"/>
+          </p:nvPr>
+        </p:nvSpPr>
+        <p:spPr/>
+        <p:txBody>
+          <a:bodyPr/>
+          <a:lstStyle/>
+          <a:p>
+            <a:pPr marL="342900" indent="-342900">
+              <a:buFont typeface="Arial" panose="020B0604020202020204" pitchFamily="34" charset="0"/>
+              <a:buChar char="•"/>
+            </a:pPr>
+            <a:endParaRPr lang="de-DE" sz="2400" dirty="0" smtClean="0"/>
+          </a:p>
+          <a:p>
+            <a:pPr marL="342900" indent="-342900">
+              <a:buFont typeface="Arial" panose="020B0604020202020204" pitchFamily="34" charset="0"/>
+              <a:buChar char="•"/>
+            </a:pPr>
+            <a:r>
+              <a:rPr lang="de-DE" sz="2400" dirty="0" smtClean="0"/>
+              <a:t>Internationalisierung</a:t>
+            </a:r>
+          </a:p>
+          <a:p>
+            <a:pPr marL="342900" indent="-342900">
+              <a:buFont typeface="Arial" panose="020B0604020202020204" pitchFamily="34" charset="0"/>
+              <a:buChar char="•"/>
+            </a:pPr>
+            <a:endParaRPr lang="de-DE" sz="2400" dirty="0" smtClean="0"/>
+          </a:p>
+          <a:p>
+            <a:pPr marL="342900" indent="-342900">
+              <a:buFont typeface="Arial" panose="020B0604020202020204" pitchFamily="34" charset="0"/>
+              <a:buChar char="•"/>
+            </a:pPr>
+            <a:r>
+              <a:rPr lang="de-DE" sz="2400" dirty="0"/>
+              <a:t>Weitere Testeinsätze rausfiltern</a:t>
+            </a:r>
+          </a:p>
+          <a:p>
+            <a:pPr marL="342900" indent="-342900">
+              <a:buFont typeface="Arial" panose="020B0604020202020204" pitchFamily="34" charset="0"/>
+              <a:buChar char="•"/>
+            </a:pPr>
+            <a:endParaRPr lang="de-DE" sz="2400" dirty="0" smtClean="0"/>
+          </a:p>
+          <a:p>
+            <a:pPr marL="342900" indent="-342900">
+              <a:buFont typeface="Arial" panose="020B0604020202020204" pitchFamily="34" charset="0"/>
+              <a:buChar char="•"/>
+            </a:pPr>
+            <a:r>
+              <a:rPr lang="de-DE" sz="2400" dirty="0" smtClean="0"/>
+              <a:t>Zugriffsrechte</a:t>
+            </a:r>
+          </a:p>
+          <a:p>
+            <a:pPr marL="342900" indent="-342900">
+              <a:buFont typeface="Arial" panose="020B0604020202020204" pitchFamily="34" charset="0"/>
+              <a:buChar char="•"/>
+            </a:pPr>
+            <a:endParaRPr lang="de-DE" sz="2400" dirty="0"/>
+          </a:p>
+          <a:p>
+            <a:pPr marL="342900" indent="-342900">
+              <a:buFont typeface="Arial" panose="020B0604020202020204" pitchFamily="34" charset="0"/>
+              <a:buChar char="•"/>
+            </a:pPr>
+            <a:r>
+              <a:rPr lang="de-DE" sz="2400" dirty="0" err="1" smtClean="0"/>
+              <a:t>Incremental</a:t>
+            </a:r>
+            <a:r>
+              <a:rPr lang="de-DE" sz="2400" dirty="0" smtClean="0"/>
+              <a:t> Load</a:t>
+            </a:r>
+          </a:p>
+          <a:p>
+            <a:pPr marL="342900" indent="-342900">
+              <a:buFont typeface="Arial" panose="020B0604020202020204" pitchFamily="34" charset="0"/>
+              <a:buChar char="•"/>
+            </a:pPr>
+            <a:endParaRPr lang="de-DE" sz="2400" dirty="0" smtClean="0"/>
+          </a:p>
+          <a:p>
+            <a:pPr marL="342900" indent="-342900">
+              <a:buFont typeface="Arial" panose="020B0604020202020204" pitchFamily="34" charset="0"/>
+              <a:buChar char="•"/>
+            </a:pPr>
+            <a:endParaRPr lang="de-DE" sz="2400" dirty="0"/>
+          </a:p>
+        </p:txBody>
+      </p:sp>
+      <p:sp>
+        <p:nvSpPr>
+          <p:cNvPr id="3" name="Titel 2"/>
+          <p:cNvSpPr>
+            <a:spLocks noGrp="1"/>
+          </p:cNvSpPr>
+          <p:nvPr>
+            <p:ph type="title"/>
+          </p:nvPr>
+        </p:nvSpPr>
+        <p:spPr/>
+        <p:txBody>
+          <a:bodyPr/>
+          <a:lstStyle/>
+          <a:p>
+            <a:r>
+              <a:rPr lang="de-DE" dirty="0" err="1" smtClean="0"/>
+              <a:t>Todo</a:t>
+            </a:r>
+            <a:endParaRPr lang="de-DE" dirty="0"/>
+          </a:p>
+        </p:txBody>
+      </p:sp>
+      <p:sp>
+        <p:nvSpPr>
+          <p:cNvPr id="4" name="Datumsplatzhalter 3"/>
+          <p:cNvSpPr>
+            <a:spLocks noGrp="1"/>
+          </p:cNvSpPr>
+          <p:nvPr>
+            <p:ph type="dt" sz="half" idx="14"/>
+          </p:nvPr>
+        </p:nvSpPr>
+        <p:spPr/>
+        <p:txBody>
+          <a:bodyPr/>
+          <a:lstStyle/>
+          <a:p>
+            <a:r>
+              <a:rPr lang="de-DE" dirty="0"/>
+              <a:t>04.04.2019</a:t>
+            </a:r>
+          </a:p>
+        </p:txBody>
+      </p:sp>
+      <p:sp>
+        <p:nvSpPr>
+          <p:cNvPr id="5" name="Fußzeilenplatzhalter 4"/>
+          <p:cNvSpPr>
+            <a:spLocks noGrp="1"/>
+          </p:cNvSpPr>
+          <p:nvPr>
+            <p:ph type="ftr" sz="quarter" idx="15"/>
+          </p:nvPr>
+        </p:nvSpPr>
+        <p:spPr/>
+        <p:txBody>
+          <a:bodyPr/>
+          <a:lstStyle/>
+          <a:p>
+            <a:r>
+              <a:rPr lang="de-DE" dirty="0"/>
+              <a:t>corpuls.web ANALYSE - Dashboards               - Intern / Internal -</a:t>
+            </a:r>
+          </a:p>
+        </p:txBody>
+      </p:sp>
+      <p:sp>
+        <p:nvSpPr>
+          <p:cNvPr id="6" name="Foliennummernplatzhalter 5"/>
+          <p:cNvSpPr>
+            <a:spLocks noGrp="1"/>
+          </p:cNvSpPr>
+          <p:nvPr>
+            <p:ph type="sldNum" sz="quarter" idx="16"/>
+          </p:nvPr>
+        </p:nvSpPr>
+        <p:spPr/>
+        <p:txBody>
+          <a:bodyPr/>
+          <a:lstStyle/>
+          <a:p>
+            <a:pPr algn="r">
+              <a:tabLst>
+                <a:tab pos="8431213" algn="r"/>
+              </a:tabLst>
+            </a:pPr>
+            <a:fld id="{EA7C8D44-3667-46F6-9772-CC52308E2A7F}" type="slidenum">
+              <a:rPr lang="de-DE" smtClean="0"/>
+              <a:pPr algn="r">
+                <a:tabLst>
+                  <a:tab pos="8431213" algn="r"/>
+                </a:tabLst>
+              </a:pPr>
+              <a:t>19</a:t>
+            </a:fld>
+            <a:endParaRPr lang="de-DE" dirty="0"/>
           </a:p>
         </p:txBody>
       </p:sp>
     </p:spTree>
     <p:extLst>
       <p:ext uri="{BB962C8B-B14F-4D97-AF65-F5344CB8AC3E}">
-        <p14:creationId xmlns:p14="http://schemas.microsoft.com/office/powerpoint/2010/main" val="1331215376"/>
+        <p14:creationId xmlns:p14="http://schemas.microsoft.com/office/powerpoint/2010/main" val="1266914618"/>
       </p:ext>
     </p:extLst>
   </p:cSld>
@@ -15222,6 +15633,13 @@
       </p:transition>
     </mc:Fallback>
   </mc:AlternateContent>
+  <p:timing>
+    <p:tnLst>
+      <p:par>
+        <p:cTn id="1" dur="indefinite" restart="never" nodeType="tmRoot"/>
+      </p:par>
+    </p:tnLst>
+  </p:timing>
 </p:sld>
 </file>
 
@@ -15449,6 +15867,131 @@
 </p:sld>
 </file>
 
+<file path=ppt/slides/slide20.xml><?xml version="1.0" encoding="utf-8"?>
+<p:sld xmlns:a="http://schemas.openxmlformats.org/drawingml/2006/main" xmlns:r="http://schemas.openxmlformats.org/officeDocument/2006/relationships" xmlns:p="http://schemas.openxmlformats.org/presentationml/2006/main">
+  <p:cSld>
+    <p:spTree>
+      <p:nvGrpSpPr>
+        <p:cNvPr id="1" name=""/>
+        <p:cNvGrpSpPr/>
+        <p:nvPr/>
+      </p:nvGrpSpPr>
+      <p:grpSpPr>
+        <a:xfrm>
+          <a:off x="0" y="0"/>
+          <a:ext cx="0" cy="0"/>
+          <a:chOff x="0" y="0"/>
+          <a:chExt cx="0" cy="0"/>
+        </a:xfrm>
+      </p:grpSpPr>
+      <p:sp>
+        <p:nvSpPr>
+          <p:cNvPr id="2" name="Textplatzhalter 1"/>
+          <p:cNvSpPr>
+            <a:spLocks noGrp="1"/>
+          </p:cNvSpPr>
+          <p:nvPr>
+            <p:ph type="body" sz="quarter" idx="10"/>
+          </p:nvPr>
+        </p:nvSpPr>
+        <p:spPr/>
+        <p:txBody>
+          <a:bodyPr>
+            <a:normAutofit fontScale="92500" lnSpcReduction="10000"/>
+          </a:bodyPr>
+          <a:lstStyle/>
+          <a:p>
+            <a:r>
+              <a:rPr lang="de-DE" dirty="0"/>
+              <a:t>Vorstellung Dashboards</a:t>
+            </a:r>
+          </a:p>
+        </p:txBody>
+      </p:sp>
+      <p:sp>
+        <p:nvSpPr>
+          <p:cNvPr id="3" name="Textplatzhalter 2"/>
+          <p:cNvSpPr>
+            <a:spLocks noGrp="1"/>
+          </p:cNvSpPr>
+          <p:nvPr>
+            <p:ph type="body" sz="quarter" idx="11"/>
+          </p:nvPr>
+        </p:nvSpPr>
+        <p:spPr/>
+        <p:txBody>
+          <a:bodyPr/>
+          <a:lstStyle/>
+          <a:p>
+            <a:r>
+              <a:rPr lang="de-DE" dirty="0"/>
+              <a:t>04.04.2019, Version 1.0</a:t>
+            </a:r>
+          </a:p>
+        </p:txBody>
+      </p:sp>
+      <p:sp>
+        <p:nvSpPr>
+          <p:cNvPr id="4" name="Textplatzhalter 3"/>
+          <p:cNvSpPr>
+            <a:spLocks noGrp="1"/>
+          </p:cNvSpPr>
+          <p:nvPr>
+            <p:ph type="body" sz="quarter" idx="12"/>
+          </p:nvPr>
+        </p:nvSpPr>
+        <p:spPr/>
+        <p:txBody>
+          <a:bodyPr>
+            <a:normAutofit lnSpcReduction="10000"/>
+          </a:bodyPr>
+          <a:lstStyle/>
+          <a:p>
+            <a:r>
+              <a:rPr lang="de-DE" dirty="0"/>
+              <a:t>Joshua Hirsch</a:t>
+            </a:r>
+          </a:p>
+          <a:p>
+            <a:r>
+              <a:rPr lang="de-DE" dirty="0"/>
+              <a:t>Bachelorand Softwareentwicklung für Anwendung</a:t>
+            </a:r>
+          </a:p>
+        </p:txBody>
+      </p:sp>
+    </p:spTree>
+    <p:extLst>
+      <p:ext uri="{BB962C8B-B14F-4D97-AF65-F5344CB8AC3E}">
+        <p14:creationId xmlns:p14="http://schemas.microsoft.com/office/powerpoint/2010/main" val="1331215376"/>
+      </p:ext>
+    </p:extLst>
+  </p:cSld>
+  <p:clrMapOvr>
+    <a:masterClrMapping/>
+  </p:clrMapOvr>
+  <mc:AlternateContent xmlns:mc="http://schemas.openxmlformats.org/markup-compatibility/2006" xmlns:p14="http://schemas.microsoft.com/office/powerpoint/2010/main">
+    <mc:Choice Requires="p14">
+      <p:transition p14:dur="100">
+        <p:cut/>
+      </p:transition>
+    </mc:Choice>
+    <mc:Fallback xmlns="">
+      <p:transition>
+        <p:cut/>
+      </p:transition>
+    </mc:Fallback>
+  </mc:AlternateContent>
+  <p:timing>
+    <p:tnLst>
+      <p:par>
+        <p:cTn id="1" dur="indefinite" restart="never" nodeType="tmRoot"/>
+      </p:par>
+    </p:tnLst>
+  </p:timing>
+</p:sld>
+</file>
+
 <file path=ppt/slides/slide3.xml><?xml version="1.0" encoding="utf-8"?>
 <p:sld xmlns:a="http://schemas.openxmlformats.org/drawingml/2006/main" xmlns:r="http://schemas.openxmlformats.org/officeDocument/2006/relationships" xmlns:p="http://schemas.openxmlformats.org/presentationml/2006/main">
   <p:cSld>
@@ -15637,6 +16180,137 @@
       </p:transition>
     </mc:Fallback>
   </mc:AlternateContent>
+  <p:timing>
+    <p:tnLst>
+      <p:par>
+        <p:cTn id="1" dur="indefinite" restart="never" nodeType="tmRoot">
+          <p:childTnLst>
+            <p:seq concurrent="1" nextAc="seek">
+              <p:cTn id="2" dur="indefinite" nodeType="mainSeq">
+                <p:childTnLst>
+                  <p:par>
+                    <p:cTn id="3" fill="hold">
+                      <p:stCondLst>
+                        <p:cond delay="indefinite"/>
+                      </p:stCondLst>
+                      <p:childTnLst>
+                        <p:par>
+                          <p:cTn id="4" fill="hold">
+                            <p:stCondLst>
+                              <p:cond delay="0"/>
+                            </p:stCondLst>
+                            <p:childTnLst>
+                              <p:par>
+                                <p:cTn id="5" presetID="1" presetClass="entr" presetSubtype="0" fill="hold" grpId="0" nodeType="clickEffect">
+                                  <p:stCondLst>
+                                    <p:cond delay="0"/>
+                                  </p:stCondLst>
+                                  <p:childTnLst>
+                                    <p:set>
+                                      <p:cBhvr>
+                                        <p:cTn id="6" dur="1" fill="hold">
+                                          <p:stCondLst>
+                                            <p:cond delay="0"/>
+                                          </p:stCondLst>
+                                        </p:cTn>
+                                        <p:tgtEl>
+                                          <p:spTgt spid="2">
+                                            <p:txEl>
+                                              <p:pRg st="1" end="1"/>
+                                            </p:txEl>
+                                          </p:spTgt>
+                                        </p:tgtEl>
+                                        <p:attrNameLst>
+                                          <p:attrName>style.visibility</p:attrName>
+                                        </p:attrNameLst>
+                                      </p:cBhvr>
+                                      <p:to>
+                                        <p:strVal val="visible"/>
+                                      </p:to>
+                                    </p:set>
+                                  </p:childTnLst>
+                                </p:cTn>
+                              </p:par>
+                            </p:childTnLst>
+                          </p:cTn>
+                        </p:par>
+                      </p:childTnLst>
+                    </p:cTn>
+                  </p:par>
+                  <p:par>
+                    <p:cTn id="7" fill="hold">
+                      <p:stCondLst>
+                        <p:cond delay="indefinite"/>
+                      </p:stCondLst>
+                      <p:childTnLst>
+                        <p:par>
+                          <p:cTn id="8" fill="hold">
+                            <p:stCondLst>
+                              <p:cond delay="0"/>
+                            </p:stCondLst>
+                            <p:childTnLst>
+                              <p:par>
+                                <p:cTn id="9" presetID="1" presetClass="entr" presetSubtype="0" fill="hold" grpId="0" nodeType="clickEffect">
+                                  <p:stCondLst>
+                                    <p:cond delay="0"/>
+                                  </p:stCondLst>
+                                  <p:childTnLst>
+                                    <p:set>
+                                      <p:cBhvr>
+                                        <p:cTn id="10" dur="1" fill="hold">
+                                          <p:stCondLst>
+                                            <p:cond delay="0"/>
+                                          </p:stCondLst>
+                                        </p:cTn>
+                                        <p:tgtEl>
+                                          <p:spTgt spid="2">
+                                            <p:txEl>
+                                              <p:pRg st="3" end="3"/>
+                                            </p:txEl>
+                                          </p:spTgt>
+                                        </p:tgtEl>
+                                        <p:attrNameLst>
+                                          <p:attrName>style.visibility</p:attrName>
+                                        </p:attrNameLst>
+                                      </p:cBhvr>
+                                      <p:to>
+                                        <p:strVal val="visible"/>
+                                      </p:to>
+                                    </p:set>
+                                  </p:childTnLst>
+                                </p:cTn>
+                              </p:par>
+                            </p:childTnLst>
+                          </p:cTn>
+                        </p:par>
+                      </p:childTnLst>
+                    </p:cTn>
+                  </p:par>
+                </p:childTnLst>
+              </p:cTn>
+              <p:prevCondLst>
+                <p:cond evt="onPrev" delay="0">
+                  <p:tgtEl>
+                    <p:sldTgt/>
+                  </p:tgtEl>
+                </p:cond>
+              </p:prevCondLst>
+              <p:nextCondLst>
+                <p:cond evt="onNext" delay="0">
+                  <p:tgtEl>
+                    <p:sldTgt/>
+                  </p:tgtEl>
+                </p:cond>
+              </p:nextCondLst>
+            </p:seq>
+          </p:childTnLst>
+        </p:cTn>
+      </p:par>
+    </p:tnLst>
+    <p:bldLst>
+      <p:bldP spid="2" grpId="0" build="p"/>
+    </p:bldLst>
+  </p:timing>
 </p:sld>
 </file>
 
@@ -15840,6 +16514,13 @@
       </p:transition>
     </mc:Fallback>
   </mc:AlternateContent>
+  <p:timing>
+    <p:tnLst>
+      <p:par>
+        <p:cTn id="1" dur="indefinite" restart="never" nodeType="tmRoot"/>
+      </p:par>
+    </p:tnLst>
+  </p:timing>
 </p:sld>
 </file>
 
@@ -16041,6 +16722,13 @@
       </p:transition>
     </mc:Fallback>
   </mc:AlternateContent>
+  <p:timing>
+    <p:tnLst>
+      <p:par>
+        <p:cTn id="1" dur="indefinite" restart="never" nodeType="tmRoot"/>
+      </p:par>
+    </p:tnLst>
+  </p:timing>
 </p:sld>
 </file>
 
@@ -17359,7 +18047,7 @@
   <a:extraClrSchemeLst/>
   <a:extLst>
     <a:ext uri="{05A4C25C-085E-4340-85A3-A5531E510DB2}">
-      <thm15:themeFamily xmlns:thm15="http://schemas.microsoft.com/office/thememl/2012/main" name="170908_PPT-Vorlage.potx" id="{8471FDCD-10E4-4934-B1E0-C67069F932F5}" vid="{0867FB8A-1DD3-4374-9BE8-FDE9A9C63ADF}"/>
+      <thm15:themeFamily xmlns:thm15="http://schemas.microsoft.com/office/thememl/2012/main" xmlns="" name="170908_PPT-Vorlage.potx" id="{8471FDCD-10E4-4934-B1E0-C67069F932F5}" vid="{0867FB8A-1DD3-4374-9BE8-FDE9A9C63ADF}"/>
     </a:ext>
   </a:extLst>
 </a:theme>
@@ -17936,6 +18624,27 @@
 </file>
 
 <file path=customXml/item1.xml><?xml version="1.0" encoding="utf-8"?>
+<p:properties xmlns:p="http://schemas.microsoft.com/office/2006/metadata/properties" xmlns:xsi="http://www.w3.org/2001/XMLSchema-instance" xmlns:pc="http://schemas.microsoft.com/office/infopath/2007/PartnerControls">
+  <documentManagement>
+    <_dlc_DocId xmlns="7508b8fb-97d8-4316-beed-0b00fde2f558">VKKS5FHQK5ZT-22-42</_dlc_DocId>
+    <_dlc_DocIdUrl xmlns="7508b8fb-97d8-4316-beed-0b00fde2f558">
+      <Url>http://portal/_layouts/DocIdRedir.aspx?ID=VKKS5FHQK5ZT-22-42</Url>
+      <Description>VKKS5FHQK5ZT-22-42</Description>
+    </_dlc_DocIdUrl>
+  </documentManagement>
+</p:properties>
+</file>
+
+<file path=customXml/item2.xml><?xml version="1.0" encoding="utf-8"?>
+<?mso-contentType ?>
+<FormTemplates xmlns="http://schemas.microsoft.com/sharepoint/v3/contenttype/forms">
+  <Display>DocumentLibraryForm</Display>
+  <Edit>DocumentLibraryForm</Edit>
+  <New>DocumentLibraryForm</New>
+</FormTemplates>
+</file>
+
+<file path=customXml/item3.xml><?xml version="1.0" encoding="utf-8"?>
 <ct:contentTypeSchema xmlns:ct="http://schemas.microsoft.com/office/2006/metadata/contentType" xmlns:ma="http://schemas.microsoft.com/office/2006/metadata/properties/metaAttributes" ct:_="" ma:_="" ma:contentTypeName="Dokument" ma:contentTypeID="0x010100875A8C23FEEFF34889933B5EF29B9BDB" ma:contentTypeVersion="0" ma:contentTypeDescription="Ein neues Dokument erstellen." ma:contentTypeScope="" ma:versionID="4bb89707e917e9a96a79fb0925b4763a">
   <xsd:schema xmlns:xsd="http://www.w3.org/2001/XMLSchema" xmlns:xs="http://www.w3.org/2001/XMLSchema" xmlns:p="http://schemas.microsoft.com/office/2006/metadata/properties" xmlns:ns2="7508b8fb-97d8-4316-beed-0b00fde2f558" targetNamespace="http://schemas.microsoft.com/office/2006/metadata/properties" ma:root="true" ma:fieldsID="0d8c1caef470598c9c8cd74c167184c9" ns2:_="">
     <xsd:import namespace="7508b8fb-97d8-4316-beed-0b00fde2f558"/>
@@ -18080,27 +18789,6 @@
 </ct:contentTypeSchema>
 </file>
 
-<file path=customXml/item2.xml><?xml version="1.0" encoding="utf-8"?>
-<?mso-contentType ?>
-<FormTemplates xmlns="http://schemas.microsoft.com/sharepoint/v3/contenttype/forms">
-  <Display>DocumentLibraryForm</Display>
-  <Edit>DocumentLibraryForm</Edit>
-  <New>DocumentLibraryForm</New>
-</FormTemplates>
-</file>
-
-<file path=customXml/item3.xml><?xml version="1.0" encoding="utf-8"?>
-<p:properties xmlns:p="http://schemas.microsoft.com/office/2006/metadata/properties" xmlns:xsi="http://www.w3.org/2001/XMLSchema-instance" xmlns:pc="http://schemas.microsoft.com/office/infopath/2007/PartnerControls">
-  <documentManagement>
-    <_dlc_DocId xmlns="7508b8fb-97d8-4316-beed-0b00fde2f558">VKKS5FHQK5ZT-22-42</_dlc_DocId>
-    <_dlc_DocIdUrl xmlns="7508b8fb-97d8-4316-beed-0b00fde2f558">
-      <Url>http://portal/_layouts/DocIdRedir.aspx?ID=VKKS5FHQK5ZT-22-42</Url>
-      <Description>VKKS5FHQK5ZT-22-42</Description>
-    </_dlc_DocIdUrl>
-  </documentManagement>
-</p:properties>
-</file>
-
 <file path=customXml/item4.xml><?xml version="1.0" encoding="utf-8"?>
 <?mso-contentType ?>
 <spe:Receivers xmlns:spe="http://schemas.microsoft.com/sharepoint/events">
@@ -18148,6 +18836,30 @@
 </file>
 
 <file path=customXml/itemProps1.xml><?xml version="1.0" encoding="utf-8"?>
+<ds:datastoreItem xmlns:ds="http://schemas.openxmlformats.org/officeDocument/2006/customXml" ds:itemID="{84997B78-AD20-419A-A0CA-9514E4D67379}">
+  <ds:schemaRefs>
+    <ds:schemaRef ds:uri="http://purl.org/dc/terms/"/>
+    <ds:schemaRef ds:uri="http://schemas.openxmlformats.org/package/2006/metadata/core-properties"/>
+    <ds:schemaRef ds:uri="http://schemas.microsoft.com/office/2006/documentManagement/types"/>
+    <ds:schemaRef ds:uri="http://schemas.microsoft.com/office/infopath/2007/PartnerControls"/>
+    <ds:schemaRef ds:uri="http://purl.org/dc/elements/1.1/"/>
+    <ds:schemaRef ds:uri="http://schemas.microsoft.com/office/2006/metadata/properties"/>
+    <ds:schemaRef ds:uri="7508b8fb-97d8-4316-beed-0b00fde2f558"/>
+    <ds:schemaRef ds:uri="http://www.w3.org/XML/1998/namespace"/>
+    <ds:schemaRef ds:uri="http://purl.org/dc/dcmitype/"/>
+  </ds:schemaRefs>
+</ds:datastoreItem>
+</file>
+
+<file path=customXml/itemProps2.xml><?xml version="1.0" encoding="utf-8"?>
+<ds:datastoreItem xmlns:ds="http://schemas.openxmlformats.org/officeDocument/2006/customXml" ds:itemID="{CE836E82-263D-4CCE-92D9-83C709945CBA}">
+  <ds:schemaRefs>
+    <ds:schemaRef ds:uri="http://schemas.microsoft.com/sharepoint/v3/contenttype/forms"/>
+  </ds:schemaRefs>
+</ds:datastoreItem>
+</file>
+
+<file path=customXml/itemProps3.xml><?xml version="1.0" encoding="utf-8"?>
 <ds:datastoreItem xmlns:ds="http://schemas.openxmlformats.org/officeDocument/2006/customXml" ds:itemID="{9612BBD8-5771-4695-8E02-4AC27126D75B}">
   <ds:schemaRefs>
     <ds:schemaRef ds:uri="http://schemas.microsoft.com/office/2006/metadata/contentType"/>
@@ -18165,30 +18877,6 @@
 </ds:datastoreItem>
 </file>
 
-<file path=customXml/itemProps2.xml><?xml version="1.0" encoding="utf-8"?>
-<ds:datastoreItem xmlns:ds="http://schemas.openxmlformats.org/officeDocument/2006/customXml" ds:itemID="{CE836E82-263D-4CCE-92D9-83C709945CBA}">
-  <ds:schemaRefs>
-    <ds:schemaRef ds:uri="http://schemas.microsoft.com/sharepoint/v3/contenttype/forms"/>
-  </ds:schemaRefs>
-</ds:datastoreItem>
-</file>
-
-<file path=customXml/itemProps3.xml><?xml version="1.0" encoding="utf-8"?>
-<ds:datastoreItem xmlns:ds="http://schemas.openxmlformats.org/officeDocument/2006/customXml" ds:itemID="{84997B78-AD20-419A-A0CA-9514E4D67379}">
-  <ds:schemaRefs>
-    <ds:schemaRef ds:uri="http://purl.org/dc/terms/"/>
-    <ds:schemaRef ds:uri="http://schemas.openxmlformats.org/package/2006/metadata/core-properties"/>
-    <ds:schemaRef ds:uri="http://schemas.microsoft.com/office/2006/documentManagement/types"/>
-    <ds:schemaRef ds:uri="http://schemas.microsoft.com/office/infopath/2007/PartnerControls"/>
-    <ds:schemaRef ds:uri="http://purl.org/dc/elements/1.1/"/>
-    <ds:schemaRef ds:uri="http://schemas.microsoft.com/office/2006/metadata/properties"/>
-    <ds:schemaRef ds:uri="7508b8fb-97d8-4316-beed-0b00fde2f558"/>
-    <ds:schemaRef ds:uri="http://www.w3.org/XML/1998/namespace"/>
-    <ds:schemaRef ds:uri="http://purl.org/dc/dcmitype/"/>
-  </ds:schemaRefs>
-</ds:datastoreItem>
-</file>
-
 <file path=customXml/itemProps4.xml><?xml version="1.0" encoding="utf-8"?>
 <ds:datastoreItem xmlns:ds="http://schemas.openxmlformats.org/officeDocument/2006/customXml" ds:itemID="{B7238C24-4DD3-4860-88F5-CB153F04ED33}">
   <ds:schemaRefs>
